--- a/第5章 循环结构程序设计/第5章 循环结构程序设计.pptx
+++ b/第5章 循环结构程序设计/第5章 循环结构程序设计.pptx
@@ -2,11 +2,57 @@
 <file path=ppt/presentation.xml><?xml version="1.0" encoding="utf-8"?>
 <p:presentation xmlns:a="http://schemas.openxmlformats.org/drawingml/2006/main" xmlns:r="http://schemas.openxmlformats.org/officeDocument/2006/relationships" xmlns:p="http://schemas.openxmlformats.org/presentationml/2006/main" saveSubsetFonts="1">
   <p:sldMasterIdLst>
-    <p:sldMasterId id="2147483648" r:id="rId1"/>
+    <p:sldMasterId id="2147483660" r:id="rId1"/>
   </p:sldMasterIdLst>
   <p:sldIdLst>
     <p:sldId id="256" r:id="rId2"/>
     <p:sldId id="257" r:id="rId3"/>
+    <p:sldId id="258" r:id="rId4"/>
+    <p:sldId id="259" r:id="rId5"/>
+    <p:sldId id="260" r:id="rId6"/>
+    <p:sldId id="261" r:id="rId7"/>
+    <p:sldId id="262" r:id="rId8"/>
+    <p:sldId id="263" r:id="rId9"/>
+    <p:sldId id="264" r:id="rId10"/>
+    <p:sldId id="265" r:id="rId11"/>
+    <p:sldId id="266" r:id="rId12"/>
+    <p:sldId id="267" r:id="rId13"/>
+    <p:sldId id="268" r:id="rId14"/>
+    <p:sldId id="269" r:id="rId15"/>
+    <p:sldId id="270" r:id="rId16"/>
+    <p:sldId id="271" r:id="rId17"/>
+    <p:sldId id="272" r:id="rId18"/>
+    <p:sldId id="273" r:id="rId19"/>
+    <p:sldId id="274" r:id="rId20"/>
+    <p:sldId id="275" r:id="rId21"/>
+    <p:sldId id="276" r:id="rId22"/>
+    <p:sldId id="277" r:id="rId23"/>
+    <p:sldId id="278" r:id="rId24"/>
+    <p:sldId id="279" r:id="rId25"/>
+    <p:sldId id="280" r:id="rId26"/>
+    <p:sldId id="281" r:id="rId27"/>
+    <p:sldId id="282" r:id="rId28"/>
+    <p:sldId id="283" r:id="rId29"/>
+    <p:sldId id="284" r:id="rId30"/>
+    <p:sldId id="285" r:id="rId31"/>
+    <p:sldId id="286" r:id="rId32"/>
+    <p:sldId id="287" r:id="rId33"/>
+    <p:sldId id="288" r:id="rId34"/>
+    <p:sldId id="289" r:id="rId35"/>
+    <p:sldId id="290" r:id="rId36"/>
+    <p:sldId id="291" r:id="rId37"/>
+    <p:sldId id="292" r:id="rId38"/>
+    <p:sldId id="293" r:id="rId39"/>
+    <p:sldId id="294" r:id="rId40"/>
+    <p:sldId id="295" r:id="rId41"/>
+    <p:sldId id="296" r:id="rId42"/>
+    <p:sldId id="297" r:id="rId43"/>
+    <p:sldId id="298" r:id="rId44"/>
+    <p:sldId id="299" r:id="rId45"/>
+    <p:sldId id="301" r:id="rId46"/>
+    <p:sldId id="302" r:id="rId47"/>
+    <p:sldId id="303" r:id="rId48"/>
+    <p:sldId id="300" r:id="rId49"/>
   </p:sldIdLst>
   <p:sldSz cx="9144000" cy="5143500" type="screen16x9"/>
   <p:notesSz cx="6858000" cy="9144000"/>
@@ -111,6 +157,11 @@
 <file path=ppt/slideLayouts/slideLayout1.xml><?xml version="1.0" encoding="utf-8"?>
 <p:sldLayout xmlns:a="http://schemas.openxmlformats.org/drawingml/2006/main" xmlns:r="http://schemas.openxmlformats.org/officeDocument/2006/relationships" xmlns:p="http://schemas.openxmlformats.org/presentationml/2006/main" type="title" preserve="1">
   <p:cSld name="标题幻灯片">
+    <p:bg>
+      <p:bgRef idx="1003">
+        <a:schemeClr val="bg2"/>
+      </p:bgRef>
+    </p:bg>
     <p:spTree>
       <p:nvGrpSpPr>
         <p:cNvPr id="1" name=""/>
@@ -125,31 +176,69 @@
           <a:chExt cx="0" cy="0"/>
         </a:xfrm>
       </p:grpSpPr>
-      <p:sp>
-        <p:nvSpPr>
-          <p:cNvPr id="2" name="标题 1"/>
-          <p:cNvSpPr>
-            <a:spLocks noGrp="1"/>
-          </p:cNvSpPr>
-          <p:nvPr>
-            <p:ph type="ctrTitle"/>
-          </p:nvPr>
-        </p:nvSpPr>
+      <p:pic>
+        <p:nvPicPr>
+          <p:cNvPr id="9" name="图片 8"/>
+          <p:cNvPicPr>
+            <a:picLocks noChangeAspect="1"/>
+          </p:cNvPicPr>
+          <p:nvPr/>
+        </p:nvPicPr>
+        <p:blipFill>
+          <a:blip r:embed="rId2">
+            <a:duotone>
+              <a:schemeClr val="bg2"/>
+              <a:srgbClr val="FFF1C1"/>
+            </a:duotone>
+            <a:lum bright="-10000" contrast="-40000"/>
+          </a:blip>
+          <a:stretch>
+            <a:fillRect/>
+          </a:stretch>
+        </p:blipFill>
         <p:spPr>
           <a:xfrm>
-            <a:off x="685800" y="1597819"/>
+            <a:off x="2" y="3911212"/>
+            <a:ext cx="1472173" cy="1232288"/>
+          </a:xfrm>
+          <a:prstGeom prst="rect">
+            <a:avLst/>
+          </a:prstGeom>
+          <a:noFill/>
+          <a:ln>
+            <a:noFill/>
+          </a:ln>
+        </p:spPr>
+      </p:pic>
+      <p:sp>
+        <p:nvSpPr>
+          <p:cNvPr id="2" name="标题 1"/>
+          <p:cNvSpPr>
+            <a:spLocks noGrp="1"/>
+          </p:cNvSpPr>
+          <p:nvPr>
+            <p:ph type="ctrTitle"/>
+          </p:nvPr>
+        </p:nvSpPr>
+        <p:spPr>
+          <a:xfrm>
+            <a:off x="685800" y="910817"/>
             <a:ext cx="7772400" cy="1102519"/>
           </a:xfrm>
         </p:spPr>
         <p:txBody>
           <a:bodyPr/>
-          <a:lstStyle/>
-          <a:p>
-            <a:r>
-              <a:rPr lang="zh-CN" altLang="en-US" smtClean="0"/>
+          <a:lstStyle>
+            <a:lvl1pPr algn="ctr">
+              <a:defRPr sz="4800"/>
+            </a:lvl1pPr>
+          </a:lstStyle>
+          <a:p>
+            <a:r>
+              <a:rPr kumimoji="0" lang="zh-CN" altLang="en-US" smtClean="0"/>
               <a:t>单击此处编辑母版标题样式</a:t>
             </a:r>
-            <a:endParaRPr lang="zh-CN" altLang="en-US"/>
+            <a:endParaRPr kumimoji="0" lang="en-US"/>
           </a:p>
         </p:txBody>
       </p:sp>
@@ -165,21 +254,17 @@
         </p:nvSpPr>
         <p:spPr>
           <a:xfrm>
-            <a:off x="1371600" y="2914650"/>
-            <a:ext cx="6400800" cy="1314450"/>
+            <a:off x="1521733" y="2069686"/>
+            <a:ext cx="6100534" cy="1305742"/>
           </a:xfrm>
         </p:spPr>
         <p:txBody>
-          <a:bodyPr/>
+          <a:bodyPr anchor="t"/>
           <a:lstStyle>
             <a:lvl1pPr marL="0" indent="0" algn="ctr">
               <a:buNone/>
-              <a:defRPr>
-                <a:solidFill>
-                  <a:schemeClr val="tx1">
-                    <a:tint val="75000"/>
-                  </a:schemeClr>
-                </a:solidFill>
+              <a:defRPr lang="zh-CN" altLang="en-US" dirty="0">
+                <a:effectLst/>
               </a:defRPr>
             </a:lvl1pPr>
             <a:lvl2pPr marL="457200" indent="0" algn="ctr">
@@ -265,10 +350,10 @@
           </a:lstStyle>
           <a:p>
             <a:r>
-              <a:rPr lang="zh-CN" altLang="en-US" smtClean="0"/>
+              <a:rPr kumimoji="0" lang="zh-CN" altLang="en-US" smtClean="0"/>
               <a:t>单击此处编辑母版副标题样式</a:t>
             </a:r>
-            <a:endParaRPr lang="zh-CN" altLang="en-US"/>
+            <a:endParaRPr kumimoji="0" lang="en-US"/>
           </a:p>
         </p:txBody>
       </p:sp>
@@ -289,7 +374,7 @@
           <a:p>
             <a:fld id="{530820CF-B880-4189-942D-D702A7CBA730}" type="datetimeFigureOut">
               <a:rPr lang="zh-CN" altLang="en-US" smtClean="0"/>
-              <a:t>2018/1/30</a:t>
+              <a:t>2018/4/4</a:t>
             </a:fld>
             <a:endParaRPr lang="zh-CN" altLang="en-US"/>
           </a:p>
@@ -340,7 +425,7 @@
     </p:spTree>
   </p:cSld>
   <p:clrMapOvr>
-    <a:masterClrMapping/>
+    <a:overrideClrMapping bg1="dk1" tx1="lt1" bg2="dk2" tx2="lt2" accent1="accent1" accent2="accent2" accent3="accent3" accent4="accent4" accent5="accent5" accent6="accent6" hlink="hlink" folHlink="folHlink"/>
   </p:clrMapOvr>
 </p:sldLayout>
 </file>
@@ -364,6 +449,54 @@
       </p:grpSpPr>
       <p:sp>
         <p:nvSpPr>
+          <p:cNvPr id="7" name="矩形 6"/>
+          <p:cNvSpPr/>
+          <p:nvPr/>
+        </p:nvSpPr>
+        <p:spPr>
+          <a:xfrm>
+            <a:off x="0" y="0"/>
+            <a:ext cx="669600" cy="5143500"/>
+          </a:xfrm>
+          <a:prstGeom prst="rect">
+            <a:avLst/>
+          </a:prstGeom>
+          <a:blipFill>
+            <a:blip r:embed="rId2">
+              <a:alphaModFix amt="40000"/>
+            </a:blip>
+            <a:tile tx="0" ty="0" sx="50000" sy="50000" flip="x" algn="tl"/>
+          </a:blipFill>
+          <a:ln w="25400" cap="rnd" cmpd="sng" algn="ctr">
+            <a:noFill/>
+            <a:prstDash val="solid"/>
+          </a:ln>
+        </p:spPr>
+        <p:style>
+          <a:lnRef idx="2">
+            <a:schemeClr val="accent1"/>
+          </a:lnRef>
+          <a:fillRef idx="1">
+            <a:schemeClr val="accent1"/>
+          </a:fillRef>
+          <a:effectRef idx="0">
+            <a:schemeClr val="accent1"/>
+          </a:effectRef>
+          <a:fontRef idx="minor">
+            <a:schemeClr val="lt1"/>
+          </a:fontRef>
+        </p:style>
+        <p:txBody>
+          <a:bodyPr rtlCol="0" anchor="ctr"/>
+          <a:lstStyle/>
+          <a:p>
+            <a:pPr algn="ctr" eaLnBrk="1" latinLnBrk="0" hangingPunct="1"/>
+            <a:endParaRPr kumimoji="0" lang="zh-CN" altLang="en-US"/>
+          </a:p>
+        </p:txBody>
+      </p:sp>
+      <p:sp>
+        <p:nvSpPr>
           <p:cNvPr id="2" name="标题 1"/>
           <p:cNvSpPr>
             <a:spLocks noGrp="1"/>
@@ -375,13 +508,17 @@
         <p:spPr/>
         <p:txBody>
           <a:bodyPr/>
-          <a:lstStyle/>
-          <a:p>
-            <a:r>
-              <a:rPr lang="zh-CN" altLang="en-US" smtClean="0"/>
+          <a:lstStyle>
+            <a:lvl1pPr algn="r">
+              <a:defRPr/>
+            </a:lvl1pPr>
+          </a:lstStyle>
+          <a:p>
+            <a:r>
+              <a:rPr kumimoji="0" lang="zh-CN" altLang="en-US" smtClean="0"/>
               <a:t>单击此处编辑母版标题样式</a:t>
             </a:r>
-            <a:endParaRPr lang="zh-CN" altLang="en-US"/>
+            <a:endParaRPr kumimoji="0" lang="en-US"/>
           </a:p>
         </p:txBody>
       </p:sp>
@@ -395,45 +532,50 @@
             <p:ph type="body" orient="vert" idx="1"/>
           </p:nvPr>
         </p:nvSpPr>
-        <p:spPr/>
+        <p:spPr>
+          <a:xfrm>
+            <a:off x="457200" y="1125133"/>
+            <a:ext cx="8229600" cy="3536180"/>
+          </a:xfrm>
+        </p:spPr>
         <p:txBody>
           <a:bodyPr vert="eaVert"/>
           <a:lstStyle/>
           <a:p>
-            <a:pPr lvl="0"/>
+            <a:pPr lvl="0" eaLnBrk="1" latinLnBrk="0" hangingPunct="1"/>
             <a:r>
               <a:rPr lang="zh-CN" altLang="en-US" smtClean="0"/>
               <a:t>单击此处编辑母版文本样式</a:t>
             </a:r>
           </a:p>
           <a:p>
-            <a:pPr lvl="1"/>
+            <a:pPr lvl="1" eaLnBrk="1" latinLnBrk="0" hangingPunct="1"/>
             <a:r>
               <a:rPr lang="zh-CN" altLang="en-US" smtClean="0"/>
               <a:t>第二级</a:t>
             </a:r>
           </a:p>
           <a:p>
-            <a:pPr lvl="2"/>
+            <a:pPr lvl="2" eaLnBrk="1" latinLnBrk="0" hangingPunct="1"/>
             <a:r>
               <a:rPr lang="zh-CN" altLang="en-US" smtClean="0"/>
               <a:t>第三级</a:t>
             </a:r>
           </a:p>
           <a:p>
-            <a:pPr lvl="3"/>
+            <a:pPr lvl="3" eaLnBrk="1" latinLnBrk="0" hangingPunct="1"/>
             <a:r>
               <a:rPr lang="zh-CN" altLang="en-US" smtClean="0"/>
               <a:t>第四级</a:t>
             </a:r>
           </a:p>
           <a:p>
-            <a:pPr lvl="4"/>
+            <a:pPr lvl="4" eaLnBrk="1" latinLnBrk="0" hangingPunct="1"/>
             <a:r>
               <a:rPr lang="zh-CN" altLang="en-US" smtClean="0"/>
               <a:t>第五级</a:t>
             </a:r>
-            <a:endParaRPr lang="zh-CN" altLang="en-US"/>
+            <a:endParaRPr kumimoji="0" lang="en-US"/>
           </a:p>
         </p:txBody>
       </p:sp>
@@ -454,7 +596,7 @@
           <a:p>
             <a:fld id="{530820CF-B880-4189-942D-D702A7CBA730}" type="datetimeFigureOut">
               <a:rPr lang="zh-CN" altLang="en-US" smtClean="0"/>
-              <a:t>2018/1/30</a:t>
+              <a:t>2018/4/4</a:t>
             </a:fld>
             <a:endParaRPr lang="zh-CN" altLang="en-US"/>
           </a:p>
@@ -502,6 +644,39 @@
           </a:p>
         </p:txBody>
       </p:sp>
+      <p:pic>
+        <p:nvPicPr>
+          <p:cNvPr id="8" name="图片 7"/>
+          <p:cNvPicPr>
+            <a:picLocks noChangeAspect="1"/>
+          </p:cNvPicPr>
+          <p:nvPr/>
+        </p:nvPicPr>
+        <p:blipFill>
+          <a:blip r:embed="rId3">
+            <a:duotone>
+              <a:schemeClr val="bg2"/>
+              <a:srgbClr val="FFF1C1"/>
+            </a:duotone>
+          </a:blip>
+          <a:stretch>
+            <a:fillRect/>
+          </a:stretch>
+        </p:blipFill>
+        <p:spPr>
+          <a:xfrm>
+            <a:off x="8135908" y="0"/>
+            <a:ext cx="1008093" cy="1071552"/>
+          </a:xfrm>
+          <a:prstGeom prst="rect">
+            <a:avLst/>
+          </a:prstGeom>
+          <a:noFill/>
+          <a:ln>
+            <a:noFill/>
+          </a:ln>
+        </p:spPr>
+      </p:pic>
     </p:spTree>
   </p:cSld>
   <p:clrMapOvr>
@@ -529,29 +704,89 @@
       </p:grpSpPr>
       <p:sp>
         <p:nvSpPr>
-          <p:cNvPr id="2" name="竖排标题 1"/>
-          <p:cNvSpPr>
-            <a:spLocks noGrp="1"/>
-          </p:cNvSpPr>
-          <p:nvPr>
-            <p:ph type="title" orient="vert"/>
-          </p:nvPr>
+          <p:cNvPr id="7" name="矩形 6"/>
+          <p:cNvSpPr/>
+          <p:nvPr/>
         </p:nvSpPr>
         <p:spPr>
           <a:xfrm>
-            <a:off x="6629400" y="205979"/>
-            <a:ext cx="2057400" cy="4388644"/>
+            <a:off x="0" y="0"/>
+            <a:ext cx="669600" cy="5143500"/>
+          </a:xfrm>
+          <a:prstGeom prst="rect">
+            <a:avLst/>
+          </a:prstGeom>
+          <a:blipFill>
+            <a:blip r:embed="rId2">
+              <a:alphaModFix amt="40000"/>
+            </a:blip>
+            <a:tile tx="0" ty="0" sx="50000" sy="50000" flip="x" algn="tl"/>
+          </a:blipFill>
+          <a:ln w="25400" cap="rnd" cmpd="sng" algn="ctr">
+            <a:noFill/>
+            <a:prstDash val="solid"/>
+          </a:ln>
+        </p:spPr>
+        <p:style>
+          <a:lnRef idx="2">
+            <a:schemeClr val="accent1"/>
+          </a:lnRef>
+          <a:fillRef idx="1">
+            <a:schemeClr val="accent1"/>
+          </a:fillRef>
+          <a:effectRef idx="0">
+            <a:schemeClr val="accent1"/>
+          </a:effectRef>
+          <a:fontRef idx="minor">
+            <a:schemeClr val="lt1"/>
+          </a:fontRef>
+        </p:style>
+        <p:txBody>
+          <a:bodyPr rtlCol="0" anchor="ctr"/>
+          <a:lstStyle/>
+          <a:p>
+            <a:pPr algn="ctr" eaLnBrk="1" latinLnBrk="0" hangingPunct="1"/>
+            <a:endParaRPr kumimoji="0" lang="zh-CN" altLang="en-US"/>
+          </a:p>
+        </p:txBody>
+      </p:sp>
+      <p:sp>
+        <p:nvSpPr>
+          <p:cNvPr id="2" name="竖排标题 1"/>
+          <p:cNvSpPr>
+            <a:spLocks noGrp="1"/>
+          </p:cNvSpPr>
+          <p:nvPr>
+            <p:ph type="title" orient="vert"/>
+          </p:nvPr>
+        </p:nvSpPr>
+        <p:spPr>
+          <a:xfrm>
+            <a:off x="7286644" y="205979"/>
+            <a:ext cx="1400156" cy="4455333"/>
           </a:xfrm>
         </p:spPr>
         <p:txBody>
           <a:bodyPr vert="eaVert"/>
-          <a:lstStyle/>
-          <a:p>
-            <a:r>
-              <a:rPr lang="zh-CN" altLang="en-US" smtClean="0"/>
+          <a:lstStyle>
+            <a:lvl1pPr algn="ctr">
+              <a:defRPr>
+                <a:effectLst>
+                  <a:outerShdw dist="50800" dir="18900000" algn="tl" rotWithShape="0">
+                    <a:srgbClr val="000000">
+                      <a:alpha val="75000"/>
+                    </a:srgbClr>
+                  </a:outerShdw>
+                </a:effectLst>
+              </a:defRPr>
+            </a:lvl1pPr>
+          </a:lstStyle>
+          <a:p>
+            <a:r>
+              <a:rPr kumimoji="0" lang="zh-CN" altLang="en-US" smtClean="0"/>
               <a:t>单击此处编辑母版标题样式</a:t>
             </a:r>
-            <a:endParaRPr lang="zh-CN" altLang="en-US"/>
+            <a:endParaRPr kumimoji="0" lang="en-US"/>
           </a:p>
         </p:txBody>
       </p:sp>
@@ -568,47 +803,47 @@
         <p:spPr>
           <a:xfrm>
             <a:off x="457200" y="205979"/>
-            <a:ext cx="6019800" cy="4388644"/>
+            <a:ext cx="6758006" cy="4455333"/>
           </a:xfrm>
         </p:spPr>
         <p:txBody>
           <a:bodyPr vert="eaVert"/>
           <a:lstStyle/>
           <a:p>
-            <a:pPr lvl="0"/>
+            <a:pPr lvl="0" eaLnBrk="1" latinLnBrk="0" hangingPunct="1"/>
             <a:r>
               <a:rPr lang="zh-CN" altLang="en-US" smtClean="0"/>
               <a:t>单击此处编辑母版文本样式</a:t>
             </a:r>
           </a:p>
           <a:p>
-            <a:pPr lvl="1"/>
+            <a:pPr lvl="1" eaLnBrk="1" latinLnBrk="0" hangingPunct="1"/>
             <a:r>
               <a:rPr lang="zh-CN" altLang="en-US" smtClean="0"/>
               <a:t>第二级</a:t>
             </a:r>
           </a:p>
           <a:p>
-            <a:pPr lvl="2"/>
+            <a:pPr lvl="2" eaLnBrk="1" latinLnBrk="0" hangingPunct="1"/>
             <a:r>
               <a:rPr lang="zh-CN" altLang="en-US" smtClean="0"/>
               <a:t>第三级</a:t>
             </a:r>
           </a:p>
           <a:p>
-            <a:pPr lvl="3"/>
+            <a:pPr lvl="3" eaLnBrk="1" latinLnBrk="0" hangingPunct="1"/>
             <a:r>
               <a:rPr lang="zh-CN" altLang="en-US" smtClean="0"/>
               <a:t>第四级</a:t>
             </a:r>
           </a:p>
           <a:p>
-            <a:pPr lvl="4"/>
+            <a:pPr lvl="4" eaLnBrk="1" latinLnBrk="0" hangingPunct="1"/>
             <a:r>
               <a:rPr lang="zh-CN" altLang="en-US" smtClean="0"/>
               <a:t>第五级</a:t>
             </a:r>
-            <a:endParaRPr lang="zh-CN" altLang="en-US"/>
+            <a:endParaRPr kumimoji="0" lang="en-US"/>
           </a:p>
         </p:txBody>
       </p:sp>
@@ -629,7 +864,7 @@
           <a:p>
             <a:fld id="{530820CF-B880-4189-942D-D702A7CBA730}" type="datetimeFigureOut">
               <a:rPr lang="zh-CN" altLang="en-US" smtClean="0"/>
-              <a:t>2018/1/30</a:t>
+              <a:t>2018/4/4</a:t>
             </a:fld>
             <a:endParaRPr lang="zh-CN" altLang="en-US"/>
           </a:p>
@@ -677,6 +912,39 @@
           </a:p>
         </p:txBody>
       </p:sp>
+      <p:pic>
+        <p:nvPicPr>
+          <p:cNvPr id="8" name="图片 7"/>
+          <p:cNvPicPr>
+            <a:picLocks noChangeAspect="1"/>
+          </p:cNvPicPr>
+          <p:nvPr/>
+        </p:nvPicPr>
+        <p:blipFill>
+          <a:blip r:embed="rId3">
+            <a:duotone>
+              <a:schemeClr val="bg2"/>
+              <a:srgbClr val="FFF1C1"/>
+            </a:duotone>
+          </a:blip>
+          <a:stretch>
+            <a:fillRect/>
+          </a:stretch>
+        </p:blipFill>
+        <p:spPr>
+          <a:xfrm>
+            <a:off x="8135908" y="0"/>
+            <a:ext cx="1008093" cy="1071552"/>
+          </a:xfrm>
+          <a:prstGeom prst="rect">
+            <a:avLst/>
+          </a:prstGeom>
+          <a:noFill/>
+          <a:ln>
+            <a:noFill/>
+          </a:ln>
+        </p:spPr>
+      </p:pic>
     </p:spTree>
   </p:cSld>
   <p:clrMapOvr>
@@ -704,6 +972,54 @@
       </p:grpSpPr>
       <p:sp>
         <p:nvSpPr>
+          <p:cNvPr id="7" name="矩形 6"/>
+          <p:cNvSpPr/>
+          <p:nvPr/>
+        </p:nvSpPr>
+        <p:spPr>
+          <a:xfrm>
+            <a:off x="0" y="0"/>
+            <a:ext cx="669600" cy="5143500"/>
+          </a:xfrm>
+          <a:prstGeom prst="rect">
+            <a:avLst/>
+          </a:prstGeom>
+          <a:blipFill>
+            <a:blip r:embed="rId2">
+              <a:alphaModFix amt="40000"/>
+            </a:blip>
+            <a:tile tx="0" ty="0" sx="50000" sy="50000" flip="x" algn="tl"/>
+          </a:blipFill>
+          <a:ln w="25400" cap="rnd" cmpd="sng" algn="ctr">
+            <a:noFill/>
+            <a:prstDash val="solid"/>
+          </a:ln>
+        </p:spPr>
+        <p:style>
+          <a:lnRef idx="2">
+            <a:schemeClr val="accent1"/>
+          </a:lnRef>
+          <a:fillRef idx="1">
+            <a:schemeClr val="accent1"/>
+          </a:fillRef>
+          <a:effectRef idx="0">
+            <a:schemeClr val="accent1"/>
+          </a:effectRef>
+          <a:fontRef idx="minor">
+            <a:schemeClr val="lt1"/>
+          </a:fontRef>
+        </p:style>
+        <p:txBody>
+          <a:bodyPr rtlCol="0" anchor="ctr"/>
+          <a:lstStyle/>
+          <a:p>
+            <a:pPr algn="ctr" eaLnBrk="1" latinLnBrk="0" hangingPunct="1"/>
+            <a:endParaRPr kumimoji="0" lang="zh-CN" altLang="en-US"/>
+          </a:p>
+        </p:txBody>
+      </p:sp>
+      <p:sp>
+        <p:nvSpPr>
           <p:cNvPr id="2" name="标题 1"/>
           <p:cNvSpPr>
             <a:spLocks noGrp="1"/>
@@ -715,13 +1031,17 @@
         <p:spPr/>
         <p:txBody>
           <a:bodyPr/>
-          <a:lstStyle/>
-          <a:p>
-            <a:r>
-              <a:rPr lang="zh-CN" altLang="en-US" smtClean="0"/>
+          <a:lstStyle>
+            <a:lvl1pPr algn="l">
+              <a:defRPr/>
+            </a:lvl1pPr>
+          </a:lstStyle>
+          <a:p>
+            <a:r>
+              <a:rPr kumimoji="0" lang="zh-CN" altLang="en-US" smtClean="0"/>
               <a:t>单击此处编辑母版标题样式</a:t>
             </a:r>
-            <a:endParaRPr lang="zh-CN" altLang="en-US"/>
+            <a:endParaRPr kumimoji="0" lang="en-US"/>
           </a:p>
         </p:txBody>
       </p:sp>
@@ -740,40 +1060,40 @@
           <a:bodyPr/>
           <a:lstStyle/>
           <a:p>
-            <a:pPr lvl="0"/>
+            <a:pPr lvl="0" eaLnBrk="1" latinLnBrk="0" hangingPunct="1"/>
             <a:r>
               <a:rPr lang="zh-CN" altLang="en-US" smtClean="0"/>
               <a:t>单击此处编辑母版文本样式</a:t>
             </a:r>
           </a:p>
           <a:p>
-            <a:pPr lvl="1"/>
+            <a:pPr lvl="1" eaLnBrk="1" latinLnBrk="0" hangingPunct="1"/>
             <a:r>
               <a:rPr lang="zh-CN" altLang="en-US" smtClean="0"/>
               <a:t>第二级</a:t>
             </a:r>
           </a:p>
           <a:p>
-            <a:pPr lvl="2"/>
+            <a:pPr lvl="2" eaLnBrk="1" latinLnBrk="0" hangingPunct="1"/>
             <a:r>
               <a:rPr lang="zh-CN" altLang="en-US" smtClean="0"/>
               <a:t>第三级</a:t>
             </a:r>
           </a:p>
           <a:p>
-            <a:pPr lvl="3"/>
+            <a:pPr lvl="3" eaLnBrk="1" latinLnBrk="0" hangingPunct="1"/>
             <a:r>
               <a:rPr lang="zh-CN" altLang="en-US" smtClean="0"/>
               <a:t>第四级</a:t>
             </a:r>
           </a:p>
           <a:p>
-            <a:pPr lvl="4"/>
+            <a:pPr lvl="4" eaLnBrk="1" latinLnBrk="0" hangingPunct="1"/>
             <a:r>
               <a:rPr lang="zh-CN" altLang="en-US" smtClean="0"/>
               <a:t>第五级</a:t>
             </a:r>
-            <a:endParaRPr lang="zh-CN" altLang="en-US"/>
+            <a:endParaRPr kumimoji="0" lang="en-US"/>
           </a:p>
         </p:txBody>
       </p:sp>
@@ -794,7 +1114,7 @@
           <a:p>
             <a:fld id="{530820CF-B880-4189-942D-D702A7CBA730}" type="datetimeFigureOut">
               <a:rPr lang="zh-CN" altLang="en-US" smtClean="0"/>
-              <a:t>2018/1/30</a:t>
+              <a:t>2018/4/4</a:t>
             </a:fld>
             <a:endParaRPr lang="zh-CN" altLang="en-US"/>
           </a:p>
@@ -842,6 +1162,39 @@
           </a:p>
         </p:txBody>
       </p:sp>
+      <p:pic>
+        <p:nvPicPr>
+          <p:cNvPr id="8" name="图片 7"/>
+          <p:cNvPicPr>
+            <a:picLocks noChangeAspect="1"/>
+          </p:cNvPicPr>
+          <p:nvPr/>
+        </p:nvPicPr>
+        <p:blipFill>
+          <a:blip r:embed="rId3">
+            <a:duotone>
+              <a:schemeClr val="bg2"/>
+              <a:srgbClr val="FFF1C1"/>
+            </a:duotone>
+          </a:blip>
+          <a:stretch>
+            <a:fillRect/>
+          </a:stretch>
+        </p:blipFill>
+        <p:spPr>
+          <a:xfrm>
+            <a:off x="8135908" y="0"/>
+            <a:ext cx="1008093" cy="1071552"/>
+          </a:xfrm>
+          <a:prstGeom prst="rect">
+            <a:avLst/>
+          </a:prstGeom>
+          <a:noFill/>
+          <a:ln>
+            <a:noFill/>
+          </a:ln>
+        </p:spPr>
+      </p:pic>
     </p:spTree>
   </p:cSld>
   <p:clrMapOvr>
@@ -853,6 +1206,11 @@
 <file path=ppt/slideLayouts/slideLayout3.xml><?xml version="1.0" encoding="utf-8"?>
 <p:sldLayout xmlns:a="http://schemas.openxmlformats.org/drawingml/2006/main" xmlns:r="http://schemas.openxmlformats.org/officeDocument/2006/relationships" xmlns:p="http://schemas.openxmlformats.org/presentationml/2006/main" type="secHead" preserve="1">
   <p:cSld name="节标题">
+    <p:bg>
+      <p:bgRef idx="1003">
+        <a:schemeClr val="bg2"/>
+      </p:bgRef>
+    </p:bg>
     <p:spTree>
       <p:nvGrpSpPr>
         <p:cNvPr id="1" name=""/>
@@ -879,7 +1237,7 @@
         </p:nvSpPr>
         <p:spPr>
           <a:xfrm>
-            <a:off x="722313" y="3305176"/>
+            <a:off x="722313" y="3107527"/>
             <a:ext cx="7772400" cy="1021556"/>
           </a:xfrm>
         </p:spPr>
@@ -892,10 +1250,10 @@
           </a:lstStyle>
           <a:p>
             <a:r>
-              <a:rPr lang="zh-CN" altLang="en-US" smtClean="0"/>
+              <a:rPr kumimoji="0" lang="zh-CN" altLang="en-US" smtClean="0"/>
               <a:t>单击此处编辑母版标题样式</a:t>
             </a:r>
-            <a:endParaRPr lang="zh-CN" altLang="en-US"/>
+            <a:endParaRPr kumimoji="0" lang="en-US"/>
           </a:p>
         </p:txBody>
       </p:sp>
@@ -911,7 +1269,7 @@
         </p:nvSpPr>
         <p:spPr>
           <a:xfrm>
-            <a:off x="722313" y="2180035"/>
+            <a:off x="722313" y="1982387"/>
             <a:ext cx="7772400" cy="1125140"/>
           </a:xfrm>
         </p:spPr>
@@ -920,52 +1278,32 @@
           <a:lstStyle>
             <a:lvl1pPr marL="0" indent="0">
               <a:buNone/>
-              <a:defRPr sz="2000">
-                <a:solidFill>
-                  <a:schemeClr val="tx1">
-                    <a:tint val="75000"/>
-                  </a:schemeClr>
-                </a:solidFill>
+              <a:defRPr lang="zh-CN" altLang="en-US" sz="2800" smtClean="0">
+                <a:effectLst/>
               </a:defRPr>
             </a:lvl1pPr>
             <a:lvl2pPr marL="457200" indent="0">
               <a:buNone/>
-              <a:defRPr sz="1800">
-                <a:solidFill>
-                  <a:schemeClr val="tx1">
-                    <a:tint val="75000"/>
-                  </a:schemeClr>
-                </a:solidFill>
+              <a:defRPr lang="zh-CN" altLang="en-US" sz="2400" smtClean="0">
+                <a:effectLst/>
               </a:defRPr>
             </a:lvl2pPr>
             <a:lvl3pPr marL="914400" indent="0">
               <a:buNone/>
-              <a:defRPr sz="1600">
-                <a:solidFill>
-                  <a:schemeClr val="tx1">
-                    <a:tint val="75000"/>
-                  </a:schemeClr>
-                </a:solidFill>
+              <a:defRPr lang="zh-CN" altLang="en-US" sz="2000" smtClean="0">
+                <a:effectLst/>
               </a:defRPr>
             </a:lvl3pPr>
             <a:lvl4pPr marL="1371600" indent="0">
               <a:buNone/>
-              <a:defRPr sz="1400">
-                <a:solidFill>
-                  <a:schemeClr val="tx1">
-                    <a:tint val="75000"/>
-                  </a:schemeClr>
-                </a:solidFill>
+              <a:defRPr lang="zh-CN" altLang="en-US" sz="1600" smtClean="0">
+                <a:effectLst/>
               </a:defRPr>
             </a:lvl4pPr>
             <a:lvl5pPr marL="1828800" indent="0">
               <a:buNone/>
-              <a:defRPr sz="1400">
-                <a:solidFill>
-                  <a:schemeClr val="tx1">
-                    <a:tint val="75000"/>
-                  </a:schemeClr>
-                </a:solidFill>
+              <a:defRPr lang="zh-CN" altLang="en-US" sz="1400" dirty="0" smtClean="0">
+                <a:effectLst/>
               </a:defRPr>
             </a:lvl5pPr>
             <a:lvl6pPr marL="2286000" indent="0">
@@ -1010,9 +1348,9 @@
             </a:lvl9pPr>
           </a:lstStyle>
           <a:p>
-            <a:pPr lvl="0"/>
-            <a:r>
-              <a:rPr lang="zh-CN" altLang="en-US" smtClean="0"/>
+            <a:pPr lvl="0" eaLnBrk="1" latinLnBrk="0" hangingPunct="1"/>
+            <a:r>
+              <a:rPr kumimoji="0" lang="zh-CN" altLang="en-US" smtClean="0"/>
               <a:t>单击此处编辑母版文本样式</a:t>
             </a:r>
           </a:p>
@@ -1035,7 +1373,7 @@
           <a:p>
             <a:fld id="{530820CF-B880-4189-942D-D702A7CBA730}" type="datetimeFigureOut">
               <a:rPr lang="zh-CN" altLang="en-US" smtClean="0"/>
-              <a:t>2018/1/30</a:t>
+              <a:t>2018/4/4</a:t>
             </a:fld>
             <a:endParaRPr lang="zh-CN" altLang="en-US"/>
           </a:p>
@@ -1083,10 +1421,44 @@
           </a:p>
         </p:txBody>
       </p:sp>
+      <p:pic>
+        <p:nvPicPr>
+          <p:cNvPr id="7" name="图片 6"/>
+          <p:cNvPicPr>
+            <a:picLocks noChangeAspect="1"/>
+          </p:cNvPicPr>
+          <p:nvPr/>
+        </p:nvPicPr>
+        <p:blipFill>
+          <a:blip r:embed="rId2">
+            <a:duotone>
+              <a:schemeClr val="bg2"/>
+              <a:srgbClr val="FFF1C1"/>
+            </a:duotone>
+            <a:lum bright="-10000" contrast="-30000"/>
+          </a:blip>
+          <a:stretch>
+            <a:fillRect/>
+          </a:stretch>
+        </p:blipFill>
+        <p:spPr>
+          <a:xfrm>
+            <a:off x="7480636" y="0"/>
+            <a:ext cx="1663364" cy="1768073"/>
+          </a:xfrm>
+          <a:prstGeom prst="rect">
+            <a:avLst/>
+          </a:prstGeom>
+          <a:noFill/>
+          <a:ln>
+            <a:noFill/>
+          </a:ln>
+        </p:spPr>
+      </p:pic>
     </p:spTree>
   </p:cSld>
   <p:clrMapOvr>
-    <a:masterClrMapping/>
+    <a:overrideClrMapping bg1="dk1" tx1="lt1" bg2="dk2" tx2="lt2" accent1="accent1" accent2="accent2" accent3="accent3" accent4="accent4" accent5="accent5" accent6="accent6" hlink="hlink" folHlink="folHlink"/>
   </p:clrMapOvr>
 </p:sldLayout>
 </file>
@@ -1110,6 +1482,54 @@
       </p:grpSpPr>
       <p:sp>
         <p:nvSpPr>
+          <p:cNvPr id="8" name="矩形 7"/>
+          <p:cNvSpPr/>
+          <p:nvPr/>
+        </p:nvSpPr>
+        <p:spPr>
+          <a:xfrm>
+            <a:off x="0" y="0"/>
+            <a:ext cx="655200" cy="5143500"/>
+          </a:xfrm>
+          <a:prstGeom prst="rect">
+            <a:avLst/>
+          </a:prstGeom>
+          <a:blipFill>
+            <a:blip r:embed="rId2">
+              <a:alphaModFix amt="40000"/>
+            </a:blip>
+            <a:tile tx="0" ty="0" sx="50000" sy="50000" flip="x" algn="tl"/>
+          </a:blipFill>
+          <a:ln w="25400" cap="rnd" cmpd="sng" algn="ctr">
+            <a:noFill/>
+            <a:prstDash val="solid"/>
+          </a:ln>
+        </p:spPr>
+        <p:style>
+          <a:lnRef idx="2">
+            <a:schemeClr val="accent1"/>
+          </a:lnRef>
+          <a:fillRef idx="1">
+            <a:schemeClr val="accent1"/>
+          </a:fillRef>
+          <a:effectRef idx="0">
+            <a:schemeClr val="accent1"/>
+          </a:effectRef>
+          <a:fontRef idx="minor">
+            <a:schemeClr val="lt1"/>
+          </a:fontRef>
+        </p:style>
+        <p:txBody>
+          <a:bodyPr rtlCol="0" anchor="ctr"/>
+          <a:lstStyle/>
+          <a:p>
+            <a:pPr algn="ctr" eaLnBrk="1" latinLnBrk="0" hangingPunct="1"/>
+            <a:endParaRPr kumimoji="0" lang="zh-CN" altLang="en-US"/>
+          </a:p>
+        </p:txBody>
+      </p:sp>
+      <p:sp>
+        <p:nvSpPr>
           <p:cNvPr id="2" name="标题 1"/>
           <p:cNvSpPr>
             <a:spLocks noGrp="1"/>
@@ -1124,10 +1544,10 @@
           <a:lstStyle/>
           <a:p>
             <a:r>
-              <a:rPr lang="zh-CN" altLang="en-US" smtClean="0"/>
+              <a:rPr kumimoji="0" lang="zh-CN" altLang="en-US" smtClean="0"/>
               <a:t>单击此处编辑母版标题样式</a:t>
             </a:r>
-            <a:endParaRPr lang="zh-CN" altLang="en-US"/>
+            <a:endParaRPr kumimoji="0" lang="en-US"/>
           </a:p>
         </p:txBody>
       </p:sp>
@@ -1179,40 +1599,40 @@
             </a:lvl9pPr>
           </a:lstStyle>
           <a:p>
-            <a:pPr lvl="0"/>
+            <a:pPr lvl="0" eaLnBrk="1" latinLnBrk="0" hangingPunct="1"/>
             <a:r>
               <a:rPr lang="zh-CN" altLang="en-US" smtClean="0"/>
               <a:t>单击此处编辑母版文本样式</a:t>
             </a:r>
           </a:p>
           <a:p>
-            <a:pPr lvl="1"/>
+            <a:pPr lvl="1" eaLnBrk="1" latinLnBrk="0" hangingPunct="1"/>
             <a:r>
               <a:rPr lang="zh-CN" altLang="en-US" smtClean="0"/>
               <a:t>第二级</a:t>
             </a:r>
           </a:p>
           <a:p>
-            <a:pPr lvl="2"/>
+            <a:pPr lvl="2" eaLnBrk="1" latinLnBrk="0" hangingPunct="1"/>
             <a:r>
               <a:rPr lang="zh-CN" altLang="en-US" smtClean="0"/>
               <a:t>第三级</a:t>
             </a:r>
           </a:p>
           <a:p>
-            <a:pPr lvl="3"/>
+            <a:pPr lvl="3" eaLnBrk="1" latinLnBrk="0" hangingPunct="1"/>
             <a:r>
               <a:rPr lang="zh-CN" altLang="en-US" smtClean="0"/>
               <a:t>第四级</a:t>
             </a:r>
           </a:p>
           <a:p>
-            <a:pPr lvl="4"/>
+            <a:pPr lvl="4" eaLnBrk="1" latinLnBrk="0" hangingPunct="1"/>
             <a:r>
               <a:rPr lang="zh-CN" altLang="en-US" smtClean="0"/>
               <a:t>第五级</a:t>
             </a:r>
-            <a:endParaRPr lang="zh-CN" altLang="en-US"/>
+            <a:endParaRPr kumimoji="0" lang="en-US"/>
           </a:p>
         </p:txBody>
       </p:sp>
@@ -1264,40 +1684,40 @@
             </a:lvl9pPr>
           </a:lstStyle>
           <a:p>
-            <a:pPr lvl="0"/>
+            <a:pPr lvl="0" eaLnBrk="1" latinLnBrk="0" hangingPunct="1"/>
             <a:r>
               <a:rPr lang="zh-CN" altLang="en-US" smtClean="0"/>
               <a:t>单击此处编辑母版文本样式</a:t>
             </a:r>
           </a:p>
           <a:p>
-            <a:pPr lvl="1"/>
+            <a:pPr lvl="1" eaLnBrk="1" latinLnBrk="0" hangingPunct="1"/>
             <a:r>
               <a:rPr lang="zh-CN" altLang="en-US" smtClean="0"/>
               <a:t>第二级</a:t>
             </a:r>
           </a:p>
           <a:p>
-            <a:pPr lvl="2"/>
+            <a:pPr lvl="2" eaLnBrk="1" latinLnBrk="0" hangingPunct="1"/>
             <a:r>
               <a:rPr lang="zh-CN" altLang="en-US" smtClean="0"/>
               <a:t>第三级</a:t>
             </a:r>
           </a:p>
           <a:p>
-            <a:pPr lvl="3"/>
+            <a:pPr lvl="3" eaLnBrk="1" latinLnBrk="0" hangingPunct="1"/>
             <a:r>
               <a:rPr lang="zh-CN" altLang="en-US" smtClean="0"/>
               <a:t>第四级</a:t>
             </a:r>
           </a:p>
           <a:p>
-            <a:pPr lvl="4"/>
+            <a:pPr lvl="4" eaLnBrk="1" latinLnBrk="0" hangingPunct="1"/>
             <a:r>
               <a:rPr lang="zh-CN" altLang="en-US" smtClean="0"/>
               <a:t>第五级</a:t>
             </a:r>
-            <a:endParaRPr lang="zh-CN" altLang="en-US"/>
+            <a:endParaRPr kumimoji="0" lang="en-US"/>
           </a:p>
         </p:txBody>
       </p:sp>
@@ -1318,7 +1738,7 @@
           <a:p>
             <a:fld id="{530820CF-B880-4189-942D-D702A7CBA730}" type="datetimeFigureOut">
               <a:rPr lang="zh-CN" altLang="en-US" smtClean="0"/>
-              <a:t>2018/1/30</a:t>
+              <a:t>2018/4/4</a:t>
             </a:fld>
             <a:endParaRPr lang="zh-CN" altLang="en-US"/>
           </a:p>
@@ -1366,6 +1786,39 @@
           </a:p>
         </p:txBody>
       </p:sp>
+      <p:pic>
+        <p:nvPicPr>
+          <p:cNvPr id="9" name="图片 8"/>
+          <p:cNvPicPr>
+            <a:picLocks noChangeAspect="1"/>
+          </p:cNvPicPr>
+          <p:nvPr/>
+        </p:nvPicPr>
+        <p:blipFill>
+          <a:blip r:embed="rId3">
+            <a:duotone>
+              <a:schemeClr val="bg2"/>
+              <a:srgbClr val="FFF1C1"/>
+            </a:duotone>
+          </a:blip>
+          <a:stretch>
+            <a:fillRect/>
+          </a:stretch>
+        </p:blipFill>
+        <p:spPr>
+          <a:xfrm>
+            <a:off x="8135908" y="0"/>
+            <a:ext cx="1008093" cy="1071552"/>
+          </a:xfrm>
+          <a:prstGeom prst="rect">
+            <a:avLst/>
+          </a:prstGeom>
+          <a:noFill/>
+          <a:ln>
+            <a:noFill/>
+          </a:ln>
+        </p:spPr>
+      </p:pic>
     </p:spTree>
   </p:cSld>
   <p:clrMapOvr>
@@ -1393,6 +1846,54 @@
       </p:grpSpPr>
       <p:sp>
         <p:nvSpPr>
+          <p:cNvPr id="10" name="矩形 9"/>
+          <p:cNvSpPr/>
+          <p:nvPr/>
+        </p:nvSpPr>
+        <p:spPr>
+          <a:xfrm>
+            <a:off x="0" y="0"/>
+            <a:ext cx="640800" cy="5143500"/>
+          </a:xfrm>
+          <a:prstGeom prst="rect">
+            <a:avLst/>
+          </a:prstGeom>
+          <a:blipFill>
+            <a:blip r:embed="rId2">
+              <a:alphaModFix amt="40000"/>
+            </a:blip>
+            <a:tile tx="0" ty="0" sx="50000" sy="50000" flip="x" algn="tl"/>
+          </a:blipFill>
+          <a:ln w="25400" cap="rnd" cmpd="sng" algn="ctr">
+            <a:noFill/>
+            <a:prstDash val="solid"/>
+          </a:ln>
+        </p:spPr>
+        <p:style>
+          <a:lnRef idx="2">
+            <a:schemeClr val="accent1"/>
+          </a:lnRef>
+          <a:fillRef idx="1">
+            <a:schemeClr val="accent1"/>
+          </a:fillRef>
+          <a:effectRef idx="0">
+            <a:schemeClr val="accent1"/>
+          </a:effectRef>
+          <a:fontRef idx="minor">
+            <a:schemeClr val="lt1"/>
+          </a:fontRef>
+        </p:style>
+        <p:txBody>
+          <a:bodyPr rtlCol="0" anchor="ctr"/>
+          <a:lstStyle/>
+          <a:p>
+            <a:pPr algn="ctr" eaLnBrk="1" latinLnBrk="0" hangingPunct="1"/>
+            <a:endParaRPr kumimoji="0" lang="zh-CN" altLang="en-US"/>
+          </a:p>
+        </p:txBody>
+      </p:sp>
+      <p:sp>
+        <p:nvSpPr>
           <p:cNvPr id="2" name="标题 1"/>
           <p:cNvSpPr>
             <a:spLocks noGrp="1"/>
@@ -1411,10 +1912,10 @@
           </a:lstStyle>
           <a:p>
             <a:r>
-              <a:rPr lang="zh-CN" altLang="en-US" smtClean="0"/>
+              <a:rPr kumimoji="0" lang="zh-CN" altLang="en-US" smtClean="0"/>
               <a:t>单击此处编辑母版标题样式</a:t>
             </a:r>
-            <a:endParaRPr lang="zh-CN" altLang="en-US"/>
+            <a:endParaRPr kumimoji="0" lang="en-US"/>
           </a:p>
         </p:txBody>
       </p:sp>
@@ -1475,9 +1976,9 @@
             </a:lvl9pPr>
           </a:lstStyle>
           <a:p>
-            <a:pPr lvl="0"/>
-            <a:r>
-              <a:rPr lang="zh-CN" altLang="en-US" smtClean="0"/>
+            <a:pPr lvl="0" eaLnBrk="1" latinLnBrk="0" hangingPunct="1"/>
+            <a:r>
+              <a:rPr kumimoji="0" lang="zh-CN" altLang="en-US" smtClean="0"/>
               <a:t>单击此处编辑母版文本样式</a:t>
             </a:r>
           </a:p>
@@ -1531,40 +2032,40 @@
             </a:lvl9pPr>
           </a:lstStyle>
           <a:p>
-            <a:pPr lvl="0"/>
+            <a:pPr lvl="0" eaLnBrk="1" latinLnBrk="0" hangingPunct="1"/>
             <a:r>
               <a:rPr lang="zh-CN" altLang="en-US" smtClean="0"/>
               <a:t>单击此处编辑母版文本样式</a:t>
             </a:r>
           </a:p>
           <a:p>
-            <a:pPr lvl="1"/>
+            <a:pPr lvl="1" eaLnBrk="1" latinLnBrk="0" hangingPunct="1"/>
             <a:r>
               <a:rPr lang="zh-CN" altLang="en-US" smtClean="0"/>
               <a:t>第二级</a:t>
             </a:r>
           </a:p>
           <a:p>
-            <a:pPr lvl="2"/>
+            <a:pPr lvl="2" eaLnBrk="1" latinLnBrk="0" hangingPunct="1"/>
             <a:r>
               <a:rPr lang="zh-CN" altLang="en-US" smtClean="0"/>
               <a:t>第三级</a:t>
             </a:r>
           </a:p>
           <a:p>
-            <a:pPr lvl="3"/>
+            <a:pPr lvl="3" eaLnBrk="1" latinLnBrk="0" hangingPunct="1"/>
             <a:r>
               <a:rPr lang="zh-CN" altLang="en-US" smtClean="0"/>
               <a:t>第四级</a:t>
             </a:r>
           </a:p>
           <a:p>
-            <a:pPr lvl="4"/>
+            <a:pPr lvl="4" eaLnBrk="1" latinLnBrk="0" hangingPunct="1"/>
             <a:r>
               <a:rPr lang="zh-CN" altLang="en-US" smtClean="0"/>
               <a:t>第五级</a:t>
             </a:r>
-            <a:endParaRPr lang="zh-CN" altLang="en-US"/>
+            <a:endParaRPr kumimoji="0" lang="en-US"/>
           </a:p>
         </p:txBody>
       </p:sp>
@@ -1625,9 +2126,9 @@
             </a:lvl9pPr>
           </a:lstStyle>
           <a:p>
-            <a:pPr lvl="0"/>
-            <a:r>
-              <a:rPr lang="zh-CN" altLang="en-US" smtClean="0"/>
+            <a:pPr lvl="0" eaLnBrk="1" latinLnBrk="0" hangingPunct="1"/>
+            <a:r>
+              <a:rPr kumimoji="0" lang="zh-CN" altLang="en-US" smtClean="0"/>
               <a:t>单击此处编辑母版文本样式</a:t>
             </a:r>
           </a:p>
@@ -1681,40 +2182,40 @@
             </a:lvl9pPr>
           </a:lstStyle>
           <a:p>
-            <a:pPr lvl="0"/>
+            <a:pPr lvl="0" eaLnBrk="1" latinLnBrk="0" hangingPunct="1"/>
             <a:r>
               <a:rPr lang="zh-CN" altLang="en-US" smtClean="0"/>
               <a:t>单击此处编辑母版文本样式</a:t>
             </a:r>
           </a:p>
           <a:p>
-            <a:pPr lvl="1"/>
+            <a:pPr lvl="1" eaLnBrk="1" latinLnBrk="0" hangingPunct="1"/>
             <a:r>
               <a:rPr lang="zh-CN" altLang="en-US" smtClean="0"/>
               <a:t>第二级</a:t>
             </a:r>
           </a:p>
           <a:p>
-            <a:pPr lvl="2"/>
+            <a:pPr lvl="2" eaLnBrk="1" latinLnBrk="0" hangingPunct="1"/>
             <a:r>
               <a:rPr lang="zh-CN" altLang="en-US" smtClean="0"/>
               <a:t>第三级</a:t>
             </a:r>
           </a:p>
           <a:p>
-            <a:pPr lvl="3"/>
+            <a:pPr lvl="3" eaLnBrk="1" latinLnBrk="0" hangingPunct="1"/>
             <a:r>
               <a:rPr lang="zh-CN" altLang="en-US" smtClean="0"/>
               <a:t>第四级</a:t>
             </a:r>
           </a:p>
           <a:p>
-            <a:pPr lvl="4"/>
+            <a:pPr lvl="4" eaLnBrk="1" latinLnBrk="0" hangingPunct="1"/>
             <a:r>
               <a:rPr lang="zh-CN" altLang="en-US" smtClean="0"/>
               <a:t>第五级</a:t>
             </a:r>
-            <a:endParaRPr lang="zh-CN" altLang="en-US"/>
+            <a:endParaRPr kumimoji="0" lang="en-US"/>
           </a:p>
         </p:txBody>
       </p:sp>
@@ -1735,7 +2236,7 @@
           <a:p>
             <a:fld id="{530820CF-B880-4189-942D-D702A7CBA730}" type="datetimeFigureOut">
               <a:rPr lang="zh-CN" altLang="en-US" smtClean="0"/>
-              <a:t>2018/1/30</a:t>
+              <a:t>2018/4/4</a:t>
             </a:fld>
             <a:endParaRPr lang="zh-CN" altLang="en-US"/>
           </a:p>
@@ -1783,6 +2284,39 @@
           </a:p>
         </p:txBody>
       </p:sp>
+      <p:pic>
+        <p:nvPicPr>
+          <p:cNvPr id="11" name="图片 10"/>
+          <p:cNvPicPr>
+            <a:picLocks noChangeAspect="1"/>
+          </p:cNvPicPr>
+          <p:nvPr/>
+        </p:nvPicPr>
+        <p:blipFill>
+          <a:blip r:embed="rId3">
+            <a:duotone>
+              <a:schemeClr val="bg2"/>
+              <a:srgbClr val="FFF1C1"/>
+            </a:duotone>
+          </a:blip>
+          <a:stretch>
+            <a:fillRect/>
+          </a:stretch>
+        </p:blipFill>
+        <p:spPr>
+          <a:xfrm>
+            <a:off x="8135908" y="0"/>
+            <a:ext cx="1008093" cy="1071552"/>
+          </a:xfrm>
+          <a:prstGeom prst="rect">
+            <a:avLst/>
+          </a:prstGeom>
+          <a:noFill/>
+          <a:ln>
+            <a:noFill/>
+          </a:ln>
+        </p:spPr>
+      </p:pic>
     </p:spTree>
   </p:cSld>
   <p:clrMapOvr>
@@ -1810,6 +2344,54 @@
       </p:grpSpPr>
       <p:sp>
         <p:nvSpPr>
+          <p:cNvPr id="6" name="矩形 5"/>
+          <p:cNvSpPr/>
+          <p:nvPr/>
+        </p:nvSpPr>
+        <p:spPr>
+          <a:xfrm>
+            <a:off x="0" y="0"/>
+            <a:ext cx="669600" cy="5143500"/>
+          </a:xfrm>
+          <a:prstGeom prst="rect">
+            <a:avLst/>
+          </a:prstGeom>
+          <a:blipFill>
+            <a:blip r:embed="rId2">
+              <a:alphaModFix amt="40000"/>
+            </a:blip>
+            <a:tile tx="0" ty="0" sx="50000" sy="50000" flip="x" algn="tl"/>
+          </a:blipFill>
+          <a:ln w="25400" cap="rnd" cmpd="sng" algn="ctr">
+            <a:noFill/>
+            <a:prstDash val="solid"/>
+          </a:ln>
+        </p:spPr>
+        <p:style>
+          <a:lnRef idx="2">
+            <a:schemeClr val="accent1"/>
+          </a:lnRef>
+          <a:fillRef idx="1">
+            <a:schemeClr val="accent1"/>
+          </a:fillRef>
+          <a:effectRef idx="0">
+            <a:schemeClr val="accent1"/>
+          </a:effectRef>
+          <a:fontRef idx="minor">
+            <a:schemeClr val="lt1"/>
+          </a:fontRef>
+        </p:style>
+        <p:txBody>
+          <a:bodyPr rtlCol="0" anchor="ctr"/>
+          <a:lstStyle/>
+          <a:p>
+            <a:pPr algn="ctr" eaLnBrk="1" latinLnBrk="0" hangingPunct="1"/>
+            <a:endParaRPr kumimoji="0" lang="zh-CN" altLang="en-US"/>
+          </a:p>
+        </p:txBody>
+      </p:sp>
+      <p:sp>
+        <p:nvSpPr>
           <p:cNvPr id="2" name="标题 1"/>
           <p:cNvSpPr>
             <a:spLocks noGrp="1"/>
@@ -1824,10 +2406,10 @@
           <a:lstStyle/>
           <a:p>
             <a:r>
-              <a:rPr lang="zh-CN" altLang="en-US" smtClean="0"/>
+              <a:rPr kumimoji="0" lang="zh-CN" altLang="en-US" smtClean="0"/>
               <a:t>单击此处编辑母版标题样式</a:t>
             </a:r>
-            <a:endParaRPr lang="zh-CN" altLang="en-US"/>
+            <a:endParaRPr kumimoji="0" lang="en-US"/>
           </a:p>
         </p:txBody>
       </p:sp>
@@ -1848,7 +2430,7 @@
           <a:p>
             <a:fld id="{530820CF-B880-4189-942D-D702A7CBA730}" type="datetimeFigureOut">
               <a:rPr lang="zh-CN" altLang="en-US" smtClean="0"/>
-              <a:t>2018/1/30</a:t>
+              <a:t>2018/4/4</a:t>
             </a:fld>
             <a:endParaRPr lang="zh-CN" altLang="en-US"/>
           </a:p>
@@ -1896,6 +2478,39 @@
           </a:p>
         </p:txBody>
       </p:sp>
+      <p:pic>
+        <p:nvPicPr>
+          <p:cNvPr id="7" name="图片 6"/>
+          <p:cNvPicPr>
+            <a:picLocks noChangeAspect="1"/>
+          </p:cNvPicPr>
+          <p:nvPr/>
+        </p:nvPicPr>
+        <p:blipFill>
+          <a:blip r:embed="rId3">
+            <a:duotone>
+              <a:schemeClr val="bg2"/>
+              <a:srgbClr val="FFF1C1"/>
+            </a:duotone>
+          </a:blip>
+          <a:stretch>
+            <a:fillRect/>
+          </a:stretch>
+        </p:blipFill>
+        <p:spPr>
+          <a:xfrm>
+            <a:off x="8135908" y="0"/>
+            <a:ext cx="1008093" cy="1071552"/>
+          </a:xfrm>
+          <a:prstGeom prst="rect">
+            <a:avLst/>
+          </a:prstGeom>
+          <a:noFill/>
+          <a:ln>
+            <a:noFill/>
+          </a:ln>
+        </p:spPr>
+      </p:pic>
     </p:spTree>
   </p:cSld>
   <p:clrMapOvr>
@@ -1923,6 +2538,54 @@
       </p:grpSpPr>
       <p:sp>
         <p:nvSpPr>
+          <p:cNvPr id="5" name="矩形 4"/>
+          <p:cNvSpPr/>
+          <p:nvPr/>
+        </p:nvSpPr>
+        <p:spPr>
+          <a:xfrm>
+            <a:off x="0" y="0"/>
+            <a:ext cx="669600" cy="5143500"/>
+          </a:xfrm>
+          <a:prstGeom prst="rect">
+            <a:avLst/>
+          </a:prstGeom>
+          <a:blipFill>
+            <a:blip r:embed="rId2">
+              <a:alphaModFix amt="40000"/>
+            </a:blip>
+            <a:tile tx="0" ty="0" sx="50000" sy="50000" flip="x" algn="tl"/>
+          </a:blipFill>
+          <a:ln w="25400" cap="rnd" cmpd="sng" algn="ctr">
+            <a:noFill/>
+            <a:prstDash val="solid"/>
+          </a:ln>
+        </p:spPr>
+        <p:style>
+          <a:lnRef idx="2">
+            <a:schemeClr val="accent1"/>
+          </a:lnRef>
+          <a:fillRef idx="1">
+            <a:schemeClr val="accent1"/>
+          </a:fillRef>
+          <a:effectRef idx="0">
+            <a:schemeClr val="accent1"/>
+          </a:effectRef>
+          <a:fontRef idx="minor">
+            <a:schemeClr val="lt1"/>
+          </a:fontRef>
+        </p:style>
+        <p:txBody>
+          <a:bodyPr rtlCol="0" anchor="ctr"/>
+          <a:lstStyle/>
+          <a:p>
+            <a:pPr algn="ctr" eaLnBrk="1" latinLnBrk="0" hangingPunct="1"/>
+            <a:endParaRPr kumimoji="0" lang="zh-CN" altLang="en-US"/>
+          </a:p>
+        </p:txBody>
+      </p:sp>
+      <p:sp>
+        <p:nvSpPr>
           <p:cNvPr id="2" name="日期占位符 1"/>
           <p:cNvSpPr>
             <a:spLocks noGrp="1"/>
@@ -1938,7 +2601,7 @@
           <a:p>
             <a:fld id="{530820CF-B880-4189-942D-D702A7CBA730}" type="datetimeFigureOut">
               <a:rPr lang="zh-CN" altLang="en-US" smtClean="0"/>
-              <a:t>2018/1/30</a:t>
+              <a:t>2018/4/4</a:t>
             </a:fld>
             <a:endParaRPr lang="zh-CN" altLang="en-US"/>
           </a:p>
@@ -1986,6 +2649,39 @@
           </a:p>
         </p:txBody>
       </p:sp>
+      <p:pic>
+        <p:nvPicPr>
+          <p:cNvPr id="6" name="图片 5"/>
+          <p:cNvPicPr>
+            <a:picLocks noChangeAspect="1"/>
+          </p:cNvPicPr>
+          <p:nvPr/>
+        </p:nvPicPr>
+        <p:blipFill>
+          <a:blip r:embed="rId3">
+            <a:duotone>
+              <a:schemeClr val="bg2"/>
+              <a:srgbClr val="FFF1C1"/>
+            </a:duotone>
+          </a:blip>
+          <a:stretch>
+            <a:fillRect/>
+          </a:stretch>
+        </p:blipFill>
+        <p:spPr>
+          <a:xfrm>
+            <a:off x="8135908" y="0"/>
+            <a:ext cx="1008093" cy="1071552"/>
+          </a:xfrm>
+          <a:prstGeom prst="rect">
+            <a:avLst/>
+          </a:prstGeom>
+          <a:noFill/>
+          <a:ln>
+            <a:noFill/>
+          </a:ln>
+        </p:spPr>
+      </p:pic>
     </p:spTree>
   </p:cSld>
   <p:clrMapOvr>
@@ -2013,33 +2709,99 @@
       </p:grpSpPr>
       <p:sp>
         <p:nvSpPr>
-          <p:cNvPr id="2" name="标题 1"/>
-          <p:cNvSpPr>
-            <a:spLocks noGrp="1"/>
-          </p:cNvSpPr>
-          <p:nvPr>
-            <p:ph type="title"/>
-          </p:nvPr>
+          <p:cNvPr id="8" name="矩形 7"/>
+          <p:cNvSpPr/>
+          <p:nvPr/>
         </p:nvSpPr>
         <p:spPr>
           <a:xfrm>
-            <a:off x="457201" y="204787"/>
-            <a:ext cx="3008313" cy="871538"/>
+            <a:off x="0" y="0"/>
+            <a:ext cx="673200" cy="5143500"/>
+          </a:xfrm>
+          <a:prstGeom prst="rect">
+            <a:avLst/>
+          </a:prstGeom>
+          <a:blipFill>
+            <a:blip r:embed="rId2">
+              <a:alphaModFix amt="40000"/>
+            </a:blip>
+            <a:tile tx="0" ty="0" sx="50000" sy="50000" flip="x" algn="tl"/>
+          </a:blipFill>
+          <a:ln w="25400" cap="rnd" cmpd="sng" algn="ctr">
+            <a:noFill/>
+            <a:prstDash val="solid"/>
+          </a:ln>
+        </p:spPr>
+        <p:style>
+          <a:lnRef idx="2">
+            <a:schemeClr val="accent1"/>
+          </a:lnRef>
+          <a:fillRef idx="1">
+            <a:schemeClr val="accent1"/>
+          </a:fillRef>
+          <a:effectRef idx="0">
+            <a:schemeClr val="accent1"/>
+          </a:effectRef>
+          <a:fontRef idx="minor">
+            <a:schemeClr val="lt1"/>
+          </a:fontRef>
+        </p:style>
+        <p:txBody>
+          <a:bodyPr rtlCol="0" anchor="ctr"/>
+          <a:lstStyle/>
+          <a:p>
+            <a:pPr algn="ctr" eaLnBrk="1" latinLnBrk="0" hangingPunct="1"/>
+            <a:endParaRPr kumimoji="0" lang="zh-CN" altLang="en-US"/>
+          </a:p>
+        </p:txBody>
+      </p:sp>
+      <p:sp>
+        <p:nvSpPr>
+          <p:cNvPr id="2" name="标题 1"/>
+          <p:cNvSpPr>
+            <a:spLocks noGrp="1"/>
+          </p:cNvSpPr>
+          <p:nvPr>
+            <p:ph type="title"/>
+          </p:nvPr>
+        </p:nvSpPr>
+        <p:spPr>
+          <a:xfrm>
+            <a:off x="461176" y="4018370"/>
+            <a:ext cx="8226225" cy="576021"/>
           </a:xfrm>
         </p:spPr>
         <p:txBody>
-          <a:bodyPr anchor="b"/>
+          <a:bodyPr anchor="ctr"/>
           <a:lstStyle>
-            <a:lvl1pPr algn="l">
-              <a:defRPr sz="2000" b="1"/>
+            <a:lvl1pPr algn="ctr">
+              <a:defRPr lang="zh-CN" altLang="en-US" sz="3600" b="0" kern="1200" spc="50" dirty="0">
+                <a:ln w="12700">
+                  <a:noFill/>
+                  <a:prstDash val="solid"/>
+                </a:ln>
+                <a:solidFill>
+                  <a:schemeClr val="accent4"/>
+                </a:solidFill>
+                <a:effectLst>
+                  <a:outerShdw blurRad="38100" dist="20320" dir="2700000" algn="tl" rotWithShape="0">
+                    <a:srgbClr val="000000">
+                      <a:alpha val="70000"/>
+                    </a:srgbClr>
+                  </a:outerShdw>
+                </a:effectLst>
+                <a:latin typeface="+mj-lt"/>
+                <a:ea typeface="+mj-ea"/>
+                <a:cs typeface="+mj-cs"/>
+              </a:defRPr>
             </a:lvl1pPr>
           </a:lstStyle>
           <a:p>
             <a:r>
-              <a:rPr lang="zh-CN" altLang="en-US" smtClean="0"/>
+              <a:rPr kumimoji="0" lang="zh-CN" altLang="en-US" smtClean="0"/>
               <a:t>单击此处编辑母版标题样式</a:t>
             </a:r>
-            <a:endParaRPr lang="zh-CN" altLang="en-US"/>
+            <a:endParaRPr kumimoji="0" lang="en-US"/>
           </a:p>
         </p:txBody>
       </p:sp>
@@ -2055,8 +2817,8 @@
         </p:nvSpPr>
         <p:spPr>
           <a:xfrm>
-            <a:off x="3575050" y="204788"/>
-            <a:ext cx="5111750" cy="4389835"/>
+            <a:off x="460382" y="321453"/>
+            <a:ext cx="5111750" cy="3643339"/>
           </a:xfrm>
         </p:spPr>
         <p:txBody>
@@ -2091,40 +2853,40 @@
             </a:lvl9pPr>
           </a:lstStyle>
           <a:p>
-            <a:pPr lvl="0"/>
+            <a:pPr lvl="0" eaLnBrk="1" latinLnBrk="0" hangingPunct="1"/>
             <a:r>
               <a:rPr lang="zh-CN" altLang="en-US" smtClean="0"/>
               <a:t>单击此处编辑母版文本样式</a:t>
             </a:r>
           </a:p>
           <a:p>
-            <a:pPr lvl="1"/>
+            <a:pPr lvl="1" eaLnBrk="1" latinLnBrk="0" hangingPunct="1"/>
             <a:r>
               <a:rPr lang="zh-CN" altLang="en-US" smtClean="0"/>
               <a:t>第二级</a:t>
             </a:r>
           </a:p>
           <a:p>
-            <a:pPr lvl="2"/>
+            <a:pPr lvl="2" eaLnBrk="1" latinLnBrk="0" hangingPunct="1"/>
             <a:r>
               <a:rPr lang="zh-CN" altLang="en-US" smtClean="0"/>
               <a:t>第三级</a:t>
             </a:r>
           </a:p>
           <a:p>
-            <a:pPr lvl="3"/>
+            <a:pPr lvl="3" eaLnBrk="1" latinLnBrk="0" hangingPunct="1"/>
             <a:r>
               <a:rPr lang="zh-CN" altLang="en-US" smtClean="0"/>
               <a:t>第四级</a:t>
             </a:r>
           </a:p>
           <a:p>
-            <a:pPr lvl="4"/>
+            <a:pPr lvl="4" eaLnBrk="1" latinLnBrk="0" hangingPunct="1"/>
             <a:r>
               <a:rPr lang="zh-CN" altLang="en-US" smtClean="0"/>
               <a:t>第五级</a:t>
             </a:r>
-            <a:endParaRPr lang="zh-CN" altLang="en-US"/>
+            <a:endParaRPr kumimoji="0" lang="en-US"/>
           </a:p>
         </p:txBody>
       </p:sp>
@@ -2140,8 +2902,8 @@
         </p:nvSpPr>
         <p:spPr>
           <a:xfrm>
-            <a:off x="457201" y="1076326"/>
-            <a:ext cx="3008313" cy="3518297"/>
+            <a:off x="5679087" y="1017973"/>
+            <a:ext cx="3008313" cy="2946818"/>
           </a:xfrm>
         </p:spPr>
         <p:txBody>
@@ -2185,12 +2947,41 @@
             </a:lvl9pPr>
           </a:lstStyle>
           <a:p>
-            <a:pPr lvl="0"/>
+            <a:pPr lvl="0" eaLnBrk="1" latinLnBrk="0" hangingPunct="1"/>
             <a:r>
               <a:rPr lang="zh-CN" altLang="en-US" smtClean="0"/>
               <a:t>单击此处编辑母版文本样式</a:t>
             </a:r>
           </a:p>
+          <a:p>
+            <a:pPr lvl="1" eaLnBrk="1" latinLnBrk="0" hangingPunct="1"/>
+            <a:r>
+              <a:rPr lang="zh-CN" altLang="en-US" smtClean="0"/>
+              <a:t>第二级</a:t>
+            </a:r>
+          </a:p>
+          <a:p>
+            <a:pPr lvl="2" eaLnBrk="1" latinLnBrk="0" hangingPunct="1"/>
+            <a:r>
+              <a:rPr lang="zh-CN" altLang="en-US" smtClean="0"/>
+              <a:t>第三级</a:t>
+            </a:r>
+          </a:p>
+          <a:p>
+            <a:pPr lvl="3" eaLnBrk="1" latinLnBrk="0" hangingPunct="1"/>
+            <a:r>
+              <a:rPr lang="zh-CN" altLang="en-US" smtClean="0"/>
+              <a:t>第四级</a:t>
+            </a:r>
+          </a:p>
+          <a:p>
+            <a:pPr lvl="4" eaLnBrk="1" latinLnBrk="0" hangingPunct="1"/>
+            <a:r>
+              <a:rPr lang="zh-CN" altLang="en-US" smtClean="0"/>
+              <a:t>第五级</a:t>
+            </a:r>
+            <a:endParaRPr kumimoji="0" lang="en-US"/>
+          </a:p>
         </p:txBody>
       </p:sp>
       <p:sp>
@@ -2210,7 +3001,7 @@
           <a:p>
             <a:fld id="{530820CF-B880-4189-942D-D702A7CBA730}" type="datetimeFigureOut">
               <a:rPr lang="zh-CN" altLang="en-US" smtClean="0"/>
-              <a:t>2018/1/30</a:t>
+              <a:t>2018/4/4</a:t>
             </a:fld>
             <a:endParaRPr lang="zh-CN" altLang="en-US"/>
           </a:p>
@@ -2258,6 +3049,39 @@
           </a:p>
         </p:txBody>
       </p:sp>
+      <p:pic>
+        <p:nvPicPr>
+          <p:cNvPr id="9" name="图片 8"/>
+          <p:cNvPicPr>
+            <a:picLocks noChangeAspect="1"/>
+          </p:cNvPicPr>
+          <p:nvPr/>
+        </p:nvPicPr>
+        <p:blipFill>
+          <a:blip r:embed="rId3">
+            <a:duotone>
+              <a:schemeClr val="bg2"/>
+              <a:srgbClr val="FFF1C1"/>
+            </a:duotone>
+          </a:blip>
+          <a:stretch>
+            <a:fillRect/>
+          </a:stretch>
+        </p:blipFill>
+        <p:spPr>
+          <a:xfrm>
+            <a:off x="8135908" y="0"/>
+            <a:ext cx="1008093" cy="1071552"/>
+          </a:xfrm>
+          <a:prstGeom prst="rect">
+            <a:avLst/>
+          </a:prstGeom>
+          <a:noFill/>
+          <a:ln>
+            <a:noFill/>
+          </a:ln>
+        </p:spPr>
+      </p:pic>
     </p:spTree>
   </p:cSld>
   <p:clrMapOvr>
@@ -2285,33 +3109,103 @@
       </p:grpSpPr>
       <p:sp>
         <p:nvSpPr>
-          <p:cNvPr id="2" name="标题 1"/>
-          <p:cNvSpPr>
-            <a:spLocks noGrp="1"/>
-          </p:cNvSpPr>
-          <p:nvPr>
-            <p:ph type="title"/>
-          </p:nvPr>
+          <p:cNvPr id="8" name="矩形 7"/>
+          <p:cNvSpPr/>
+          <p:nvPr/>
         </p:nvSpPr>
         <p:spPr>
           <a:xfrm>
-            <a:off x="1792288" y="3600450"/>
-            <a:ext cx="5486400" cy="425054"/>
+            <a:off x="0" y="0"/>
+            <a:ext cx="669600" cy="5143500"/>
+          </a:xfrm>
+          <a:prstGeom prst="rect">
+            <a:avLst/>
+          </a:prstGeom>
+          <a:blipFill>
+            <a:blip r:embed="rId2">
+              <a:alphaModFix amt="40000"/>
+            </a:blip>
+            <a:tile tx="0" ty="0" sx="50000" sy="50000" flip="x" algn="tl"/>
+          </a:blipFill>
+          <a:ln w="25400" cap="rnd" cmpd="sng" algn="ctr">
+            <a:noFill/>
+            <a:prstDash val="solid"/>
+          </a:ln>
+        </p:spPr>
+        <p:style>
+          <a:lnRef idx="2">
+            <a:schemeClr val="accent1"/>
+          </a:lnRef>
+          <a:fillRef idx="1">
+            <a:schemeClr val="accent1"/>
+          </a:fillRef>
+          <a:effectRef idx="0">
+            <a:schemeClr val="accent1"/>
+          </a:effectRef>
+          <a:fontRef idx="minor">
+            <a:schemeClr val="lt1"/>
+          </a:fontRef>
+        </p:style>
+        <p:txBody>
+          <a:bodyPr rtlCol="0" anchor="ctr"/>
+          <a:lstStyle/>
+          <a:p>
+            <a:pPr algn="ctr" eaLnBrk="1" latinLnBrk="0" hangingPunct="1"/>
+            <a:endParaRPr kumimoji="0" lang="zh-CN" altLang="en-US"/>
+          </a:p>
+        </p:txBody>
+      </p:sp>
+      <p:sp>
+        <p:nvSpPr>
+          <p:cNvPr id="2" name="标题 1"/>
+          <p:cNvSpPr>
+            <a:spLocks noGrp="1"/>
+          </p:cNvSpPr>
+          <p:nvPr>
+            <p:ph type="title"/>
+          </p:nvPr>
+        </p:nvSpPr>
+        <p:spPr>
+          <a:xfrm>
+            <a:off x="695298" y="160718"/>
+            <a:ext cx="7448602" cy="585789"/>
           </a:xfrm>
         </p:spPr>
         <p:txBody>
-          <a:bodyPr anchor="b"/>
+          <a:bodyPr anchor="ctr"/>
           <a:lstStyle>
-            <a:lvl1pPr algn="l">
-              <a:defRPr sz="2000" b="1"/>
+            <a:lvl1pPr algn="ctr" rtl="0">
+              <a:spcBef>
+                <a:spcPct val="0"/>
+              </a:spcBef>
+              <a:buNone/>
+              <a:defRPr sz="3600" b="0" kern="1200" spc="50">
+                <a:ln w="12700">
+                  <a:noFill/>
+                  <a:prstDash val="solid"/>
+                </a:ln>
+                <a:solidFill>
+                  <a:schemeClr val="accent4"/>
+                </a:solidFill>
+                <a:effectLst>
+                  <a:outerShdw blurRad="38100" dist="20320" dir="2700000" algn="tl" rotWithShape="0">
+                    <a:srgbClr val="000000">
+                      <a:alpha val="70000"/>
+                    </a:srgbClr>
+                  </a:outerShdw>
+                </a:effectLst>
+                <a:latin typeface="+mj-lt"/>
+                <a:ea typeface="+mj-ea"/>
+                <a:cs typeface="+mj-cs"/>
+              </a:defRPr>
             </a:lvl1pPr>
           </a:lstStyle>
           <a:p>
             <a:r>
-              <a:rPr lang="zh-CN" altLang="en-US" smtClean="0"/>
+              <a:rPr kumimoji="0" lang="zh-CN" altLang="en-US" smtClean="0"/>
               <a:t>单击此处编辑母版标题样式</a:t>
             </a:r>
-            <a:endParaRPr lang="zh-CN" altLang="en-US"/>
+            <a:endParaRPr kumimoji="0" lang="en-US"/>
           </a:p>
         </p:txBody>
       </p:sp>
@@ -2327,10 +3221,30 @@
         </p:nvSpPr>
         <p:spPr>
           <a:xfrm>
-            <a:off x="1792288" y="459581"/>
-            <a:ext cx="5486400" cy="3086100"/>
+            <a:off x="681015" y="750081"/>
+            <a:ext cx="7452360" cy="3911231"/>
           </a:xfrm>
+          <a:prstGeom prst="snip2DiagRect">
+            <a:avLst>
+              <a:gd name="adj1" fmla="val 0"/>
+              <a:gd name="adj2" fmla="val 17946"/>
+            </a:avLst>
+          </a:prstGeom>
         </p:spPr>
+        <p:style>
+          <a:lnRef idx="2">
+            <a:schemeClr val="accent1"/>
+          </a:lnRef>
+          <a:fillRef idx="1">
+            <a:schemeClr val="lt1"/>
+          </a:fillRef>
+          <a:effectRef idx="0">
+            <a:schemeClr val="accent1"/>
+          </a:effectRef>
+          <a:fontRef idx="minor">
+            <a:schemeClr val="dk1"/>
+          </a:fontRef>
+        </p:style>
         <p:txBody>
           <a:bodyPr/>
           <a:lstStyle>
@@ -2372,7 +3286,11 @@
             </a:lvl9pPr>
           </a:lstStyle>
           <a:p>
-            <a:endParaRPr lang="zh-CN" altLang="en-US"/>
+            <a:r>
+              <a:rPr kumimoji="0" lang="zh-CN" altLang="en-US" smtClean="0"/>
+              <a:t>单击图标添加图片</a:t>
+            </a:r>
+            <a:endParaRPr kumimoji="0" lang="en-US"/>
           </a:p>
         </p:txBody>
       </p:sp>
@@ -2388,30 +3306,30 @@
         </p:nvSpPr>
         <p:spPr>
           <a:xfrm>
-            <a:off x="1792288" y="4025503"/>
-            <a:ext cx="5486400" cy="603647"/>
+            <a:off x="4953001" y="4682725"/>
+            <a:ext cx="3180375" cy="460775"/>
           </a:xfrm>
         </p:spPr>
         <p:txBody>
-          <a:bodyPr/>
+          <a:bodyPr anchor="t"/>
           <a:lstStyle>
-            <a:lvl1pPr marL="0" indent="0">
+            <a:lvl1pPr marL="0" indent="0" algn="r">
               <a:buNone/>
               <a:defRPr sz="1400"/>
             </a:lvl1pPr>
-            <a:lvl2pPr marL="457200" indent="0">
+            <a:lvl2pPr marL="457200" indent="0" algn="r">
               <a:buNone/>
               <a:defRPr sz="1200"/>
             </a:lvl2pPr>
-            <a:lvl3pPr marL="914400" indent="0">
+            <a:lvl3pPr marL="914400" indent="0" algn="r">
               <a:buNone/>
               <a:defRPr sz="1000"/>
             </a:lvl3pPr>
-            <a:lvl4pPr marL="1371600" indent="0">
+            <a:lvl4pPr marL="1371600" indent="0" algn="r">
               <a:buNone/>
               <a:defRPr sz="900"/>
             </a:lvl4pPr>
-            <a:lvl5pPr marL="1828800" indent="0">
+            <a:lvl5pPr marL="1828800" indent="0" algn="r">
               <a:buNone/>
               <a:defRPr sz="900"/>
             </a:lvl5pPr>
@@ -2433,9 +3351,9 @@
             </a:lvl9pPr>
           </a:lstStyle>
           <a:p>
-            <a:pPr lvl="0"/>
-            <a:r>
-              <a:rPr lang="zh-CN" altLang="en-US" smtClean="0"/>
+            <a:pPr lvl="0" eaLnBrk="1" latinLnBrk="0" hangingPunct="1"/>
+            <a:r>
+              <a:rPr kumimoji="0" lang="zh-CN" altLang="en-US" smtClean="0"/>
               <a:t>单击此处编辑母版文本样式</a:t>
             </a:r>
           </a:p>
@@ -2451,14 +3369,19 @@
             <p:ph type="dt" sz="half" idx="10"/>
           </p:nvPr>
         </p:nvSpPr>
-        <p:spPr/>
+        <p:spPr>
+          <a:xfrm>
+            <a:off x="609600" y="4869659"/>
+            <a:ext cx="1676384" cy="273844"/>
+          </a:xfrm>
+        </p:spPr>
         <p:txBody>
           <a:bodyPr/>
           <a:lstStyle/>
           <a:p>
             <a:fld id="{530820CF-B880-4189-942D-D702A7CBA730}" type="datetimeFigureOut">
               <a:rPr lang="zh-CN" altLang="en-US" smtClean="0"/>
-              <a:t>2018/1/30</a:t>
+              <a:t>2018/4/4</a:t>
             </a:fld>
             <a:endParaRPr lang="zh-CN" altLang="en-US"/>
           </a:p>
@@ -2474,7 +3397,12 @@
             <p:ph type="ftr" sz="quarter" idx="11"/>
           </p:nvPr>
         </p:nvSpPr>
-        <p:spPr/>
+        <p:spPr>
+          <a:xfrm>
+            <a:off x="2285984" y="4869657"/>
+            <a:ext cx="2643206" cy="273844"/>
+          </a:xfrm>
+        </p:spPr>
         <p:txBody>
           <a:bodyPr/>
           <a:lstStyle/>
@@ -2493,7 +3421,30 @@
             <p:ph type="sldNum" sz="quarter" idx="12"/>
           </p:nvPr>
         </p:nvSpPr>
-        <p:spPr/>
+        <p:spPr>
+          <a:xfrm>
+            <a:off x="683073" y="4010254"/>
+            <a:ext cx="871200" cy="653400"/>
+          </a:xfrm>
+          <a:prstGeom prst="rtTriangle">
+            <a:avLst/>
+          </a:prstGeom>
+          <a:noFill/>
+        </p:spPr>
+        <p:style>
+          <a:lnRef idx="2">
+            <a:schemeClr val="accent1"/>
+          </a:lnRef>
+          <a:fillRef idx="1">
+            <a:schemeClr val="lt1"/>
+          </a:fillRef>
+          <a:effectRef idx="0">
+            <a:schemeClr val="accent1"/>
+          </a:effectRef>
+          <a:fontRef idx="minor">
+            <a:schemeClr val="dk1"/>
+          </a:fontRef>
+        </p:style>
         <p:txBody>
           <a:bodyPr/>
           <a:lstStyle/>
@@ -2506,6 +3457,39 @@
           </a:p>
         </p:txBody>
       </p:sp>
+      <p:pic>
+        <p:nvPicPr>
+          <p:cNvPr id="9" name="图片 8"/>
+          <p:cNvPicPr>
+            <a:picLocks noChangeAspect="1"/>
+          </p:cNvPicPr>
+          <p:nvPr/>
+        </p:nvPicPr>
+        <p:blipFill>
+          <a:blip r:embed="rId3">
+            <a:duotone>
+              <a:schemeClr val="bg2"/>
+              <a:srgbClr val="FFF1C1"/>
+            </a:duotone>
+          </a:blip>
+          <a:stretch>
+            <a:fillRect/>
+          </a:stretch>
+        </p:blipFill>
+        <p:spPr>
+          <a:xfrm>
+            <a:off x="8135908" y="0"/>
+            <a:ext cx="1008093" cy="1071552"/>
+          </a:xfrm>
+          <a:prstGeom prst="rect">
+            <a:avLst/>
+          </a:prstGeom>
+          <a:noFill/>
+          <a:ln>
+            <a:noFill/>
+          </a:ln>
+        </p:spPr>
+      </p:pic>
     </p:spTree>
   </p:cSld>
   <p:clrMapOvr>
@@ -2519,7 +3503,7 @@
   <p:cSld>
     <p:bg>
       <p:bgRef idx="1001">
-        <a:schemeClr val="bg1"/>
+        <a:schemeClr val="bg2"/>
       </p:bgRef>
     </p:bg>
     <p:spTree>
@@ -2549,23 +3533,30 @@
         <p:spPr>
           <a:xfrm>
             <a:off x="457200" y="205979"/>
-            <a:ext cx="8229600" cy="857250"/>
+            <a:ext cx="7776000" cy="857250"/>
           </a:xfrm>
           <a:prstGeom prst="rect">
             <a:avLst/>
           </a:prstGeom>
         </p:spPr>
         <p:txBody>
-          <a:bodyPr vert="horz" lIns="91440" tIns="45720" rIns="91440" bIns="45720" rtlCol="0" anchor="ctr">
+          <a:bodyPr vert="horz" rtlCol="0" anchor="ctr">
             <a:normAutofit/>
+            <a:scene3d>
+              <a:camera prst="orthographicFront"/>
+              <a:lightRig rig="soft" dir="t"/>
+            </a:scene3d>
+            <a:sp3d prstMaterial="matte">
+              <a:bevelT w="12700" h="12700"/>
+            </a:sp3d>
           </a:bodyPr>
           <a:lstStyle/>
           <a:p>
             <a:r>
-              <a:rPr lang="zh-CN" altLang="en-US" smtClean="0"/>
+              <a:rPr kumimoji="0" lang="zh-CN" altLang="en-US" smtClean="0"/>
               <a:t>单击此处编辑母版标题样式</a:t>
             </a:r>
-            <a:endParaRPr lang="zh-CN" altLang="en-US"/>
+            <a:endParaRPr kumimoji="0" lang="en-US"/>
           </a:p>
         </p:txBody>
       </p:sp>
@@ -2589,45 +3580,45 @@
           </a:prstGeom>
         </p:spPr>
         <p:txBody>
-          <a:bodyPr vert="horz" lIns="91440" tIns="45720" rIns="91440" bIns="45720" rtlCol="0">
+          <a:bodyPr vert="horz" rtlCol="0">
             <a:normAutofit/>
           </a:bodyPr>
           <a:lstStyle/>
           <a:p>
-            <a:pPr lvl="0"/>
-            <a:r>
-              <a:rPr lang="zh-CN" altLang="en-US" smtClean="0"/>
+            <a:pPr lvl="0" eaLnBrk="1" latinLnBrk="0" hangingPunct="1"/>
+            <a:r>
+              <a:rPr kumimoji="0" lang="zh-CN" altLang="en-US" smtClean="0"/>
               <a:t>单击此处编辑母版文本样式</a:t>
             </a:r>
           </a:p>
           <a:p>
-            <a:pPr lvl="1"/>
-            <a:r>
-              <a:rPr lang="zh-CN" altLang="en-US" smtClean="0"/>
+            <a:pPr lvl="1" eaLnBrk="1" latinLnBrk="0" hangingPunct="1"/>
+            <a:r>
+              <a:rPr kumimoji="0" lang="zh-CN" altLang="en-US" smtClean="0"/>
               <a:t>第二级</a:t>
             </a:r>
           </a:p>
           <a:p>
-            <a:pPr lvl="2"/>
-            <a:r>
-              <a:rPr lang="zh-CN" altLang="en-US" smtClean="0"/>
+            <a:pPr lvl="2" eaLnBrk="1" latinLnBrk="0" hangingPunct="1"/>
+            <a:r>
+              <a:rPr kumimoji="0" lang="zh-CN" altLang="en-US" smtClean="0"/>
               <a:t>第三级</a:t>
             </a:r>
           </a:p>
           <a:p>
-            <a:pPr lvl="3"/>
-            <a:r>
-              <a:rPr lang="zh-CN" altLang="en-US" smtClean="0"/>
+            <a:pPr lvl="3" eaLnBrk="1" latinLnBrk="0" hangingPunct="1"/>
+            <a:r>
+              <a:rPr kumimoji="0" lang="zh-CN" altLang="en-US" smtClean="0"/>
               <a:t>第四级</a:t>
             </a:r>
           </a:p>
           <a:p>
-            <a:pPr lvl="4"/>
-            <a:r>
-              <a:rPr lang="zh-CN" altLang="en-US" smtClean="0"/>
+            <a:pPr lvl="4" eaLnBrk="1" latinLnBrk="0" hangingPunct="1"/>
+            <a:r>
+              <a:rPr kumimoji="0" lang="zh-CN" altLang="en-US" smtClean="0"/>
               <a:t>第五级</a:t>
             </a:r>
-            <a:endParaRPr lang="zh-CN" altLang="en-US"/>
+            <a:endParaRPr kumimoji="0" lang="en-US"/>
           </a:p>
         </p:txBody>
       </p:sp>
@@ -2651,14 +3642,12 @@
           </a:prstGeom>
         </p:spPr>
         <p:txBody>
-          <a:bodyPr vert="horz" lIns="91440" tIns="45720" rIns="91440" bIns="45720" rtlCol="0" anchor="ctr"/>
+          <a:bodyPr vert="horz" lIns="274320" rtlCol="0" anchor="ctr"/>
           <a:lstStyle>
-            <a:lvl1pPr algn="l">
-              <a:defRPr sz="1200">
+            <a:lvl1pPr algn="l" eaLnBrk="1" latinLnBrk="0" hangingPunct="1">
+              <a:defRPr kumimoji="0" sz="1200">
                 <a:solidFill>
-                  <a:schemeClr val="tx1">
-                    <a:tint val="75000"/>
-                  </a:schemeClr>
+                  <a:schemeClr val="tx1"/>
                 </a:solidFill>
               </a:defRPr>
             </a:lvl1pPr>
@@ -2666,7 +3655,7 @@
           <a:p>
             <a:fld id="{530820CF-B880-4189-942D-D702A7CBA730}" type="datetimeFigureOut">
               <a:rPr lang="zh-CN" altLang="en-US" smtClean="0"/>
-              <a:t>2018/1/30</a:t>
+              <a:t>2018/4/4</a:t>
             </a:fld>
             <a:endParaRPr lang="zh-CN" altLang="en-US"/>
           </a:p>
@@ -2692,14 +3681,12 @@
           </a:prstGeom>
         </p:spPr>
         <p:txBody>
-          <a:bodyPr vert="horz" lIns="91440" tIns="45720" rIns="91440" bIns="45720" rtlCol="0" anchor="ctr"/>
+          <a:bodyPr vert="horz" rtlCol="0" anchor="ctr"/>
           <a:lstStyle>
-            <a:lvl1pPr algn="ctr">
-              <a:defRPr sz="1200">
+            <a:lvl1pPr algn="ctr" eaLnBrk="1" latinLnBrk="0" hangingPunct="1">
+              <a:defRPr kumimoji="0" sz="1200">
                 <a:solidFill>
-                  <a:schemeClr val="tx1">
-                    <a:tint val="75000"/>
-                  </a:schemeClr>
+                  <a:schemeClr val="tx1"/>
                 </a:solidFill>
               </a:defRPr>
             </a:lvl1pPr>
@@ -2729,14 +3716,12 @@
           </a:prstGeom>
         </p:spPr>
         <p:txBody>
-          <a:bodyPr vert="horz" lIns="91440" tIns="45720" rIns="91440" bIns="45720" rtlCol="0" anchor="ctr"/>
+          <a:bodyPr vert="horz" lIns="45720" tIns="45720" rIns="45720" rtlCol="0" anchor="ctr"/>
           <a:lstStyle>
-            <a:lvl1pPr algn="r">
-              <a:defRPr sz="1200">
+            <a:lvl1pPr algn="r" eaLnBrk="1" latinLnBrk="0" hangingPunct="1">
+              <a:defRPr kumimoji="0" sz="1200">
                 <a:solidFill>
-                  <a:schemeClr val="tx1">
-                    <a:tint val="75000"/>
-                  </a:schemeClr>
+                  <a:schemeClr val="tx1"/>
                 </a:solidFill>
               </a:defRPr>
             </a:lvl1pPr>
@@ -2752,45 +3737,116 @@
       </p:sp>
     </p:spTree>
   </p:cSld>
-  <p:clrMap bg1="lt1" tx1="dk1" bg2="lt2" tx2="dk2" accent1="accent1" accent2="accent2" accent3="accent3" accent4="accent4" accent5="accent5" accent6="accent6" hlink="hlink" folHlink="folHlink"/>
+  <p:clrMap bg1="dk1" tx1="lt1" bg2="dk2" tx2="lt2" accent1="accent1" accent2="accent2" accent3="accent3" accent4="accent4" accent5="accent5" accent6="accent6" hlink="hlink" folHlink="folHlink"/>
   <p:sldLayoutIdLst>
-    <p:sldLayoutId id="2147483649" r:id="rId1"/>
-    <p:sldLayoutId id="2147483650" r:id="rId2"/>
-    <p:sldLayoutId id="2147483651" r:id="rId3"/>
-    <p:sldLayoutId id="2147483652" r:id="rId4"/>
-    <p:sldLayoutId id="2147483653" r:id="rId5"/>
-    <p:sldLayoutId id="2147483654" r:id="rId6"/>
-    <p:sldLayoutId id="2147483655" r:id="rId7"/>
-    <p:sldLayoutId id="2147483656" r:id="rId8"/>
-    <p:sldLayoutId id="2147483657" r:id="rId9"/>
-    <p:sldLayoutId id="2147483658" r:id="rId10"/>
-    <p:sldLayoutId id="2147483659" r:id="rId11"/>
+    <p:sldLayoutId id="2147483661" r:id="rId1"/>
+    <p:sldLayoutId id="2147483662" r:id="rId2"/>
+    <p:sldLayoutId id="2147483663" r:id="rId3"/>
+    <p:sldLayoutId id="2147483664" r:id="rId4"/>
+    <p:sldLayoutId id="2147483665" r:id="rId5"/>
+    <p:sldLayoutId id="2147483666" r:id="rId6"/>
+    <p:sldLayoutId id="2147483667" r:id="rId7"/>
+    <p:sldLayoutId id="2147483668" r:id="rId8"/>
+    <p:sldLayoutId id="2147483669" r:id="rId9"/>
+    <p:sldLayoutId id="2147483670" r:id="rId10"/>
+    <p:sldLayoutId id="2147483671" r:id="rId11"/>
   </p:sldLayoutIdLst>
   <p:txStyles>
     <p:titleStyle>
-      <a:lvl1pPr algn="ctr" defTabSz="914400" rtl="0" eaLnBrk="1" latinLnBrk="0" hangingPunct="1">
+      <a:lvl1pPr algn="l" rtl="0" eaLnBrk="1" latinLnBrk="0" hangingPunct="1">
         <a:spcBef>
           <a:spcPct val="0"/>
         </a:spcBef>
         <a:buNone/>
-        <a:defRPr sz="4400" kern="1200">
+        <a:defRPr kumimoji="0" lang="zh-CN" altLang="en-US" sz="4400" b="0" kern="1200" spc="50" dirty="0">
+          <a:ln w="12700">
+            <a:noFill/>
+            <a:prstDash val="solid"/>
+          </a:ln>
           <a:solidFill>
-            <a:schemeClr val="tx1"/>
+            <a:schemeClr val="accent4"/>
           </a:solidFill>
+          <a:effectLst>
+            <a:outerShdw blurRad="38100" dist="20320" dir="2700000" algn="tl" rotWithShape="0">
+              <a:srgbClr val="000000">
+                <a:alpha val="70000"/>
+              </a:srgbClr>
+            </a:outerShdw>
+          </a:effectLst>
           <a:latin typeface="+mj-lt"/>
           <a:ea typeface="+mj-ea"/>
           <a:cs typeface="+mj-cs"/>
         </a:defRPr>
       </a:lvl1pPr>
+      <a:lvl2pPr eaLnBrk="1" latinLnBrk="0" hangingPunct="1">
+        <a:defRPr kumimoji="0">
+          <a:solidFill>
+            <a:schemeClr val="tx2"/>
+          </a:solidFill>
+        </a:defRPr>
+      </a:lvl2pPr>
+      <a:lvl3pPr eaLnBrk="1" latinLnBrk="0" hangingPunct="1">
+        <a:defRPr kumimoji="0">
+          <a:solidFill>
+            <a:schemeClr val="tx2"/>
+          </a:solidFill>
+        </a:defRPr>
+      </a:lvl3pPr>
+      <a:lvl4pPr eaLnBrk="1" latinLnBrk="0" hangingPunct="1">
+        <a:defRPr kumimoji="0">
+          <a:solidFill>
+            <a:schemeClr val="tx2"/>
+          </a:solidFill>
+        </a:defRPr>
+      </a:lvl4pPr>
+      <a:lvl5pPr eaLnBrk="1" latinLnBrk="0" hangingPunct="1">
+        <a:defRPr kumimoji="0">
+          <a:solidFill>
+            <a:schemeClr val="tx2"/>
+          </a:solidFill>
+        </a:defRPr>
+      </a:lvl5pPr>
+      <a:lvl6pPr eaLnBrk="1" latinLnBrk="0" hangingPunct="1">
+        <a:defRPr kumimoji="0">
+          <a:solidFill>
+            <a:schemeClr val="tx2"/>
+          </a:solidFill>
+        </a:defRPr>
+      </a:lvl6pPr>
+      <a:lvl7pPr eaLnBrk="1" latinLnBrk="0" hangingPunct="1">
+        <a:defRPr kumimoji="0">
+          <a:solidFill>
+            <a:schemeClr val="tx2"/>
+          </a:solidFill>
+        </a:defRPr>
+      </a:lvl7pPr>
+      <a:lvl8pPr eaLnBrk="1" latinLnBrk="0" hangingPunct="1">
+        <a:defRPr kumimoji="0">
+          <a:solidFill>
+            <a:schemeClr val="tx2"/>
+          </a:solidFill>
+        </a:defRPr>
+      </a:lvl8pPr>
+      <a:lvl9pPr eaLnBrk="1" latinLnBrk="0" hangingPunct="1">
+        <a:defRPr kumimoji="0">
+          <a:solidFill>
+            <a:schemeClr val="tx2"/>
+          </a:solidFill>
+        </a:defRPr>
+      </a:lvl9pPr>
     </p:titleStyle>
     <p:bodyStyle>
-      <a:lvl1pPr marL="342900" indent="-342900" algn="l" defTabSz="914400" rtl="0" eaLnBrk="1" latinLnBrk="0" hangingPunct="1">
+      <a:lvl1pPr marL="342900" indent="-342900" algn="l" rtl="0" eaLnBrk="1" latinLnBrk="0" hangingPunct="1">
         <a:spcBef>
           <a:spcPct val="20000"/>
         </a:spcBef>
-        <a:buFont typeface="Arial" pitchFamily="34" charset="0"/>
-        <a:buChar char="•"/>
-        <a:defRPr sz="3200" kern="1200">
+        <a:buClr>
+          <a:schemeClr val="tx2"/>
+        </a:buClr>
+        <a:buSzPct val="60000"/>
+        <a:buFont typeface="Wingdings 2"/>
+        <a:buChar char=""/>
+        <a:defRPr kumimoji="0" sz="3200" kern="1200">
           <a:solidFill>
             <a:schemeClr val="tx1"/>
           </a:solidFill>
@@ -2799,13 +3855,17 @@
           <a:cs typeface="+mn-cs"/>
         </a:defRPr>
       </a:lvl1pPr>
-      <a:lvl2pPr marL="742950" indent="-285750" algn="l" defTabSz="914400" rtl="0" eaLnBrk="1" latinLnBrk="0" hangingPunct="1">
+      <a:lvl2pPr marL="742950" indent="-285750" algn="l" rtl="0" eaLnBrk="1" latinLnBrk="0" hangingPunct="1">
         <a:spcBef>
           <a:spcPct val="20000"/>
         </a:spcBef>
-        <a:buFont typeface="Arial" pitchFamily="34" charset="0"/>
-        <a:buChar char="–"/>
-        <a:defRPr sz="2800" kern="1200">
+        <a:buClr>
+          <a:schemeClr val="tx2"/>
+        </a:buClr>
+        <a:buSzPct val="60000"/>
+        <a:buFont typeface="Wingdings 2"/>
+        <a:buChar char=""/>
+        <a:defRPr kumimoji="0" sz="2800" kern="1200">
           <a:solidFill>
             <a:schemeClr val="tx1"/>
           </a:solidFill>
@@ -2814,13 +3874,17 @@
           <a:cs typeface="+mn-cs"/>
         </a:defRPr>
       </a:lvl2pPr>
-      <a:lvl3pPr marL="1143000" indent="-228600" algn="l" defTabSz="914400" rtl="0" eaLnBrk="1" latinLnBrk="0" hangingPunct="1">
+      <a:lvl3pPr marL="1143000" indent="-228600" algn="l" rtl="0" eaLnBrk="1" latinLnBrk="0" hangingPunct="1">
         <a:spcBef>
           <a:spcPct val="20000"/>
         </a:spcBef>
-        <a:buFont typeface="Arial" pitchFamily="34" charset="0"/>
-        <a:buChar char="•"/>
-        <a:defRPr sz="2400" kern="1200">
+        <a:buClr>
+          <a:schemeClr val="tx2"/>
+        </a:buClr>
+        <a:buSzPct val="60000"/>
+        <a:buFont typeface="Wingdings 2"/>
+        <a:buChar char=""/>
+        <a:defRPr kumimoji="0" sz="2400" kern="1200">
           <a:solidFill>
             <a:schemeClr val="tx1"/>
           </a:solidFill>
@@ -2829,13 +3893,17 @@
           <a:cs typeface="+mn-cs"/>
         </a:defRPr>
       </a:lvl3pPr>
-      <a:lvl4pPr marL="1600200" indent="-228600" algn="l" defTabSz="914400" rtl="0" eaLnBrk="1" latinLnBrk="0" hangingPunct="1">
+      <a:lvl4pPr marL="1600200" indent="-228600" algn="l" rtl="0" eaLnBrk="1" latinLnBrk="0" hangingPunct="1">
         <a:spcBef>
           <a:spcPct val="20000"/>
         </a:spcBef>
-        <a:buFont typeface="Arial" pitchFamily="34" charset="0"/>
-        <a:buChar char="–"/>
-        <a:defRPr sz="2000" kern="1200">
+        <a:buClr>
+          <a:schemeClr val="tx2"/>
+        </a:buClr>
+        <a:buSzPct val="60000"/>
+        <a:buFont typeface="Wingdings 2"/>
+        <a:buChar char=""/>
+        <a:defRPr kumimoji="0" sz="2000" kern="1200">
           <a:solidFill>
             <a:schemeClr val="tx1"/>
           </a:solidFill>
@@ -2844,13 +3912,17 @@
           <a:cs typeface="+mn-cs"/>
         </a:defRPr>
       </a:lvl4pPr>
-      <a:lvl5pPr marL="2057400" indent="-228600" algn="l" defTabSz="914400" rtl="0" eaLnBrk="1" latinLnBrk="0" hangingPunct="1">
+      <a:lvl5pPr marL="2057400" indent="-228600" algn="l" rtl="0" eaLnBrk="1" latinLnBrk="0" hangingPunct="1">
         <a:spcBef>
           <a:spcPct val="20000"/>
         </a:spcBef>
-        <a:buFont typeface="Arial" pitchFamily="34" charset="0"/>
-        <a:buChar char="»"/>
-        <a:defRPr sz="2000" kern="1200">
+        <a:buClr>
+          <a:schemeClr val="tx2"/>
+        </a:buClr>
+        <a:buSzPct val="60000"/>
+        <a:buFont typeface="Wingdings 2"/>
+        <a:buChar char=""/>
+        <a:defRPr kumimoji="0" sz="2000" kern="1200">
           <a:solidFill>
             <a:schemeClr val="tx1"/>
           </a:solidFill>
@@ -2859,13 +3931,13 @@
           <a:cs typeface="+mn-cs"/>
         </a:defRPr>
       </a:lvl5pPr>
-      <a:lvl6pPr marL="2514600" indent="-228600" algn="l" defTabSz="914400" rtl="0" eaLnBrk="1" latinLnBrk="0" hangingPunct="1">
+      <a:lvl6pPr marL="2514600" indent="-228600" algn="l" rtl="0" eaLnBrk="1" latinLnBrk="0" hangingPunct="1">
         <a:spcBef>
           <a:spcPct val="20000"/>
         </a:spcBef>
-        <a:buFont typeface="Arial" pitchFamily="34" charset="0"/>
+        <a:buFont typeface="Arial"/>
         <a:buChar char="•"/>
-        <a:defRPr sz="2000" kern="1200">
+        <a:defRPr kumimoji="0" sz="2000" kern="1200">
           <a:solidFill>
             <a:schemeClr val="tx1"/>
           </a:solidFill>
@@ -2874,13 +3946,13 @@
           <a:cs typeface="+mn-cs"/>
         </a:defRPr>
       </a:lvl6pPr>
-      <a:lvl7pPr marL="2971800" indent="-228600" algn="l" defTabSz="914400" rtl="0" eaLnBrk="1" latinLnBrk="0" hangingPunct="1">
+      <a:lvl7pPr marL="2971800" indent="-228600" algn="l" rtl="0" eaLnBrk="1" latinLnBrk="0" hangingPunct="1">
         <a:spcBef>
           <a:spcPct val="20000"/>
         </a:spcBef>
-        <a:buFont typeface="Arial" pitchFamily="34" charset="0"/>
+        <a:buFont typeface="Arial"/>
         <a:buChar char="•"/>
-        <a:defRPr sz="2000" kern="1200">
+        <a:defRPr kumimoji="0" sz="2000" kern="1200">
           <a:solidFill>
             <a:schemeClr val="tx1"/>
           </a:solidFill>
@@ -2889,13 +3961,13 @@
           <a:cs typeface="+mn-cs"/>
         </a:defRPr>
       </a:lvl7pPr>
-      <a:lvl8pPr marL="3429000" indent="-228600" algn="l" defTabSz="914400" rtl="0" eaLnBrk="1" latinLnBrk="0" hangingPunct="1">
+      <a:lvl8pPr marL="3429000" indent="-228600" algn="l" rtl="0" eaLnBrk="1" latinLnBrk="0" hangingPunct="1">
         <a:spcBef>
           <a:spcPct val="20000"/>
         </a:spcBef>
-        <a:buFont typeface="Arial" pitchFamily="34" charset="0"/>
+        <a:buFont typeface="Arial"/>
         <a:buChar char="•"/>
-        <a:defRPr sz="2000" kern="1200">
+        <a:defRPr kumimoji="0" sz="2000" kern="1200">
           <a:solidFill>
             <a:schemeClr val="tx1"/>
           </a:solidFill>
@@ -2904,13 +3976,13 @@
           <a:cs typeface="+mn-cs"/>
         </a:defRPr>
       </a:lvl8pPr>
-      <a:lvl9pPr marL="3886200" indent="-228600" algn="l" defTabSz="914400" rtl="0" eaLnBrk="1" latinLnBrk="0" hangingPunct="1">
+      <a:lvl9pPr marL="3886200" indent="-228600" algn="l" rtl="0" eaLnBrk="1" latinLnBrk="0" hangingPunct="1">
         <a:spcBef>
           <a:spcPct val="20000"/>
         </a:spcBef>
-        <a:buFont typeface="Arial" pitchFamily="34" charset="0"/>
+        <a:buFont typeface="Arial"/>
         <a:buChar char="•"/>
-        <a:defRPr sz="2000" kern="1200">
+        <a:defRPr kumimoji="0" sz="2000" kern="1200">
           <a:solidFill>
             <a:schemeClr val="tx1"/>
           </a:solidFill>
@@ -2921,11 +3993,8 @@
       </a:lvl9pPr>
     </p:bodyStyle>
     <p:otherStyle>
-      <a:defPPr>
-        <a:defRPr lang="zh-CN"/>
-      </a:defPPr>
-      <a:lvl1pPr marL="0" algn="l" defTabSz="914400" rtl="0" eaLnBrk="1" latinLnBrk="0" hangingPunct="1">
-        <a:defRPr sz="1800" kern="1200">
+      <a:lvl1pPr marL="0" algn="l" rtl="0" eaLnBrk="1" latinLnBrk="0" hangingPunct="1">
+        <a:defRPr kumimoji="0" kern="1200">
           <a:solidFill>
             <a:schemeClr val="tx1"/>
           </a:solidFill>
@@ -2934,8 +4003,8 @@
           <a:cs typeface="+mn-cs"/>
         </a:defRPr>
       </a:lvl1pPr>
-      <a:lvl2pPr marL="457200" algn="l" defTabSz="914400" rtl="0" eaLnBrk="1" latinLnBrk="0" hangingPunct="1">
-        <a:defRPr sz="1800" kern="1200">
+      <a:lvl2pPr marL="457200" algn="l" rtl="0" eaLnBrk="1" latinLnBrk="0" hangingPunct="1">
+        <a:defRPr kumimoji="0" kern="1200">
           <a:solidFill>
             <a:schemeClr val="tx1"/>
           </a:solidFill>
@@ -2944,8 +4013,8 @@
           <a:cs typeface="+mn-cs"/>
         </a:defRPr>
       </a:lvl2pPr>
-      <a:lvl3pPr marL="914400" algn="l" defTabSz="914400" rtl="0" eaLnBrk="1" latinLnBrk="0" hangingPunct="1">
-        <a:defRPr sz="1800" kern="1200">
+      <a:lvl3pPr marL="914400" algn="l" rtl="0" eaLnBrk="1" latinLnBrk="0" hangingPunct="1">
+        <a:defRPr kumimoji="0" kern="1200">
           <a:solidFill>
             <a:schemeClr val="tx1"/>
           </a:solidFill>
@@ -2954,8 +4023,8 @@
           <a:cs typeface="+mn-cs"/>
         </a:defRPr>
       </a:lvl3pPr>
-      <a:lvl4pPr marL="1371600" algn="l" defTabSz="914400" rtl="0" eaLnBrk="1" latinLnBrk="0" hangingPunct="1">
-        <a:defRPr sz="1800" kern="1200">
+      <a:lvl4pPr marL="1371600" algn="l" rtl="0" eaLnBrk="1" latinLnBrk="0" hangingPunct="1">
+        <a:defRPr kumimoji="0" kern="1200">
           <a:solidFill>
             <a:schemeClr val="tx1"/>
           </a:solidFill>
@@ -2964,8 +4033,8 @@
           <a:cs typeface="+mn-cs"/>
         </a:defRPr>
       </a:lvl4pPr>
-      <a:lvl5pPr marL="1828800" algn="l" defTabSz="914400" rtl="0" eaLnBrk="1" latinLnBrk="0" hangingPunct="1">
-        <a:defRPr sz="1800" kern="1200">
+      <a:lvl5pPr marL="1828800" algn="l" rtl="0" eaLnBrk="1" latinLnBrk="0" hangingPunct="1">
+        <a:defRPr kumimoji="0" kern="1200">
           <a:solidFill>
             <a:schemeClr val="tx1"/>
           </a:solidFill>
@@ -2974,8 +4043,8 @@
           <a:cs typeface="+mn-cs"/>
         </a:defRPr>
       </a:lvl5pPr>
-      <a:lvl6pPr marL="2286000" algn="l" defTabSz="914400" rtl="0" eaLnBrk="1" latinLnBrk="0" hangingPunct="1">
-        <a:defRPr sz="1800" kern="1200">
+      <a:lvl6pPr marL="2286000" algn="l" rtl="0" eaLnBrk="1" latinLnBrk="0" hangingPunct="1">
+        <a:defRPr kumimoji="0" kern="1200">
           <a:solidFill>
             <a:schemeClr val="tx1"/>
           </a:solidFill>
@@ -2984,8 +4053,8 @@
           <a:cs typeface="+mn-cs"/>
         </a:defRPr>
       </a:lvl6pPr>
-      <a:lvl7pPr marL="2743200" algn="l" defTabSz="914400" rtl="0" eaLnBrk="1" latinLnBrk="0" hangingPunct="1">
-        <a:defRPr sz="1800" kern="1200">
+      <a:lvl7pPr marL="2743200" algn="l" rtl="0" eaLnBrk="1" latinLnBrk="0" hangingPunct="1">
+        <a:defRPr kumimoji="0" kern="1200">
           <a:solidFill>
             <a:schemeClr val="tx1"/>
           </a:solidFill>
@@ -2994,8 +4063,8 @@
           <a:cs typeface="+mn-cs"/>
         </a:defRPr>
       </a:lvl7pPr>
-      <a:lvl8pPr marL="3200400" algn="l" defTabSz="914400" rtl="0" eaLnBrk="1" latinLnBrk="0" hangingPunct="1">
-        <a:defRPr sz="1800" kern="1200">
+      <a:lvl8pPr marL="3200400" algn="l" rtl="0" eaLnBrk="1" latinLnBrk="0" hangingPunct="1">
+        <a:defRPr kumimoji="0" kern="1200">
           <a:solidFill>
             <a:schemeClr val="tx1"/>
           </a:solidFill>
@@ -3004,8 +4073,8 @@
           <a:cs typeface="+mn-cs"/>
         </a:defRPr>
       </a:lvl8pPr>
-      <a:lvl9pPr marL="3657600" algn="l" defTabSz="914400" rtl="0" eaLnBrk="1" latinLnBrk="0" hangingPunct="1">
-        <a:defRPr sz="1800" kern="1200">
+      <a:lvl9pPr marL="3657600" algn="l" rtl="0" eaLnBrk="1" latinLnBrk="0" hangingPunct="1">
+        <a:defRPr kumimoji="0" kern="1200">
           <a:solidFill>
             <a:schemeClr val="tx1"/>
           </a:solidFill>
@@ -3109,6 +4178,1385 @@
 </p:sld>
 </file>
 
+<file path=ppt/slides/slide10.xml><?xml version="1.0" encoding="utf-8"?>
+<p:sld xmlns:a="http://schemas.openxmlformats.org/drawingml/2006/main" xmlns:r="http://schemas.openxmlformats.org/officeDocument/2006/relationships" xmlns:p="http://schemas.openxmlformats.org/presentationml/2006/main">
+  <p:cSld>
+    <p:spTree>
+      <p:nvGrpSpPr>
+        <p:cNvPr id="1" name=""/>
+        <p:cNvGrpSpPr/>
+        <p:nvPr/>
+      </p:nvGrpSpPr>
+      <p:grpSpPr>
+        <a:xfrm>
+          <a:off x="0" y="0"/>
+          <a:ext cx="0" cy="0"/>
+          <a:chOff x="0" y="0"/>
+          <a:chExt cx="0" cy="0"/>
+        </a:xfrm>
+      </p:grpSpPr>
+      <p:sp>
+        <p:nvSpPr>
+          <p:cNvPr id="2" name="标题 1"/>
+          <p:cNvSpPr>
+            <a:spLocks noGrp="1"/>
+          </p:cNvSpPr>
+          <p:nvPr>
+            <p:ph type="title"/>
+          </p:nvPr>
+        </p:nvSpPr>
+        <p:spPr/>
+        <p:txBody>
+          <a:bodyPr/>
+          <a:lstStyle/>
+          <a:p>
+            <a:endParaRPr lang="zh-CN" altLang="en-US"/>
+          </a:p>
+        </p:txBody>
+      </p:sp>
+      <p:sp>
+        <p:nvSpPr>
+          <p:cNvPr id="3" name="内容占位符 2"/>
+          <p:cNvSpPr>
+            <a:spLocks noGrp="1"/>
+          </p:cNvSpPr>
+          <p:nvPr>
+            <p:ph idx="1"/>
+          </p:nvPr>
+        </p:nvSpPr>
+        <p:spPr/>
+        <p:txBody>
+          <a:bodyPr/>
+          <a:lstStyle/>
+          <a:p>
+            <a:r>
+              <a:rPr lang="zh-CN" altLang="zh-CN" dirty="0"/>
+              <a:t>因为浮点数存储有误差，比如变量为小数</a:t>
+            </a:r>
+            <a:r>
+              <a:rPr lang="en-US" altLang="zh-CN" dirty="0"/>
+              <a:t>1.1</a:t>
+            </a:r>
+            <a:r>
+              <a:rPr lang="zh-CN" altLang="zh-CN" dirty="0"/>
+              <a:t>时，其存储值可能为</a:t>
+            </a:r>
+            <a:r>
+              <a:rPr lang="en-US" altLang="zh-CN" dirty="0"/>
+              <a:t>1.1000001</a:t>
+            </a:r>
+            <a:r>
+              <a:rPr lang="zh-CN" altLang="zh-CN" dirty="0"/>
+              <a:t>，程序并不能保证运算时</a:t>
+            </a:r>
+            <a:r>
+              <a:rPr lang="en-US" altLang="zh-CN" dirty="0"/>
+              <a:t>x</a:t>
+            </a:r>
+            <a:r>
+              <a:rPr lang="zh-CN" altLang="zh-CN" dirty="0"/>
+              <a:t>的值有一个时刻正好准确等于</a:t>
+            </a:r>
+            <a:r>
+              <a:rPr lang="en-US" altLang="zh-CN" dirty="0"/>
+              <a:t>1.1</a:t>
+            </a:r>
+            <a:r>
+              <a:rPr lang="zh-CN" altLang="zh-CN" dirty="0"/>
+              <a:t>，故而这个循环终止条件可能永远无法达到，导致程序进入死循环。这种情况下，可以使用整型计数器的方式来解决：</a:t>
+            </a:r>
+          </a:p>
+          <a:p>
+            <a:endParaRPr lang="zh-CN" altLang="en-US" dirty="0"/>
+          </a:p>
+        </p:txBody>
+      </p:sp>
+    </p:spTree>
+    <p:extLst>
+      <p:ext uri="{BB962C8B-B14F-4D97-AF65-F5344CB8AC3E}">
+        <p14:creationId xmlns:p14="http://schemas.microsoft.com/office/powerpoint/2010/main" val="1942582317"/>
+      </p:ext>
+    </p:extLst>
+  </p:cSld>
+  <p:clrMapOvr>
+    <a:masterClrMapping/>
+  </p:clrMapOvr>
+</p:sld>
+</file>
+
+<file path=ppt/slides/slide11.xml><?xml version="1.0" encoding="utf-8"?>
+<p:sld xmlns:a="http://schemas.openxmlformats.org/drawingml/2006/main" xmlns:r="http://schemas.openxmlformats.org/officeDocument/2006/relationships" xmlns:p="http://schemas.openxmlformats.org/presentationml/2006/main">
+  <p:cSld>
+    <p:spTree>
+      <p:nvGrpSpPr>
+        <p:cNvPr id="1" name=""/>
+        <p:cNvGrpSpPr/>
+        <p:nvPr/>
+      </p:nvGrpSpPr>
+      <p:grpSpPr>
+        <a:xfrm>
+          <a:off x="0" y="0"/>
+          <a:ext cx="0" cy="0"/>
+          <a:chOff x="0" y="0"/>
+          <a:chExt cx="0" cy="0"/>
+        </a:xfrm>
+      </p:grpSpPr>
+      <p:sp>
+        <p:nvSpPr>
+          <p:cNvPr id="2" name="标题 1"/>
+          <p:cNvSpPr>
+            <a:spLocks noGrp="1"/>
+          </p:cNvSpPr>
+          <p:nvPr>
+            <p:ph type="title"/>
+          </p:nvPr>
+        </p:nvSpPr>
+        <p:spPr/>
+        <p:txBody>
+          <a:bodyPr/>
+          <a:lstStyle/>
+          <a:p>
+            <a:endParaRPr lang="zh-CN" altLang="en-US"/>
+          </a:p>
+        </p:txBody>
+      </p:sp>
+      <p:sp>
+        <p:nvSpPr>
+          <p:cNvPr id="3" name="内容占位符 2"/>
+          <p:cNvSpPr>
+            <a:spLocks noGrp="1"/>
+          </p:cNvSpPr>
+          <p:nvPr>
+            <p:ph idx="1"/>
+          </p:nvPr>
+        </p:nvSpPr>
+        <p:spPr/>
+        <p:txBody>
+          <a:bodyPr/>
+          <a:lstStyle/>
+          <a:p>
+            <a:endParaRPr lang="zh-CN" altLang="en-US"/>
+          </a:p>
+        </p:txBody>
+      </p:sp>
+      <p:pic>
+        <p:nvPicPr>
+          <p:cNvPr id="4098" name="Picture 2"/>
+          <p:cNvPicPr>
+            <a:picLocks noChangeAspect="1" noChangeArrowheads="1"/>
+          </p:cNvPicPr>
+          <p:nvPr/>
+        </p:nvPicPr>
+        <p:blipFill>
+          <a:blip r:embed="rId2" cstate="print">
+            <a:extLst>
+              <a:ext uri="{28A0092B-C50C-407E-A947-70E740481C1C}">
+                <a14:useLocalDpi xmlns:a14="http://schemas.microsoft.com/office/drawing/2010/main" val="0"/>
+              </a:ext>
+            </a:extLst>
+          </a:blip>
+          <a:srcRect/>
+          <a:stretch>
+            <a:fillRect/>
+          </a:stretch>
+        </p:blipFill>
+        <p:spPr bwMode="auto">
+          <a:xfrm>
+            <a:off x="1927225" y="1878013"/>
+            <a:ext cx="5287963" cy="1385887"/>
+          </a:xfrm>
+          <a:prstGeom prst="rect">
+            <a:avLst/>
+          </a:prstGeom>
+          <a:noFill/>
+          <a:ln>
+            <a:noFill/>
+          </a:ln>
+          <a:effectLst/>
+          <a:extLst>
+            <a:ext uri="{909E8E84-426E-40DD-AFC4-6F175D3DCCD1}">
+              <a14:hiddenFill xmlns:a14="http://schemas.microsoft.com/office/drawing/2010/main">
+                <a:solidFill>
+                  <a:schemeClr val="accent1"/>
+                </a:solidFill>
+              </a14:hiddenFill>
+            </a:ext>
+            <a:ext uri="{91240B29-F687-4F45-9708-019B960494DF}">
+              <a14:hiddenLine xmlns:a14="http://schemas.microsoft.com/office/drawing/2010/main" w="9525">
+                <a:solidFill>
+                  <a:schemeClr val="tx1"/>
+                </a:solidFill>
+                <a:miter lim="800000"/>
+                <a:headEnd/>
+                <a:tailEnd/>
+              </a14:hiddenLine>
+            </a:ext>
+            <a:ext uri="{AF507438-7753-43E0-B8FC-AC1667EBCBE1}">
+              <a14:hiddenEffects xmlns:a14="http://schemas.microsoft.com/office/drawing/2010/main">
+                <a:effectLst>
+                  <a:outerShdw dist="35921" dir="2700000" algn="ctr" rotWithShape="0">
+                    <a:schemeClr val="bg2"/>
+                  </a:outerShdw>
+                </a:effectLst>
+              </a14:hiddenEffects>
+            </a:ext>
+          </a:extLst>
+        </p:spPr>
+      </p:pic>
+    </p:spTree>
+    <p:extLst>
+      <p:ext uri="{BB962C8B-B14F-4D97-AF65-F5344CB8AC3E}">
+        <p14:creationId xmlns:p14="http://schemas.microsoft.com/office/powerpoint/2010/main" val="1401689170"/>
+      </p:ext>
+    </p:extLst>
+  </p:cSld>
+  <p:clrMapOvr>
+    <a:masterClrMapping/>
+  </p:clrMapOvr>
+</p:sld>
+</file>
+
+<file path=ppt/slides/slide12.xml><?xml version="1.0" encoding="utf-8"?>
+<p:sld xmlns:a="http://schemas.openxmlformats.org/drawingml/2006/main" xmlns:r="http://schemas.openxmlformats.org/officeDocument/2006/relationships" xmlns:p="http://schemas.openxmlformats.org/presentationml/2006/main">
+  <p:cSld>
+    <p:spTree>
+      <p:nvGrpSpPr>
+        <p:cNvPr id="1" name=""/>
+        <p:cNvGrpSpPr/>
+        <p:nvPr/>
+      </p:nvGrpSpPr>
+      <p:grpSpPr>
+        <a:xfrm>
+          <a:off x="0" y="0"/>
+          <a:ext cx="0" cy="0"/>
+          <a:chOff x="0" y="0"/>
+          <a:chExt cx="0" cy="0"/>
+        </a:xfrm>
+      </p:grpSpPr>
+      <p:sp>
+        <p:nvSpPr>
+          <p:cNvPr id="2" name="标题 1"/>
+          <p:cNvSpPr>
+            <a:spLocks noGrp="1"/>
+          </p:cNvSpPr>
+          <p:nvPr>
+            <p:ph type="title"/>
+          </p:nvPr>
+        </p:nvSpPr>
+        <p:spPr/>
+        <p:txBody>
+          <a:bodyPr/>
+          <a:lstStyle/>
+          <a:p>
+            <a:r>
+              <a:rPr lang="en-US" altLang="zh-CN" dirty="0"/>
+              <a:t>5.2.	 do</a:t>
+            </a:r>
+            <a:r>
+              <a:rPr lang="zh-CN" altLang="en-US" dirty="0"/>
+              <a:t>语句</a:t>
+            </a:r>
+          </a:p>
+        </p:txBody>
+      </p:sp>
+      <p:sp>
+        <p:nvSpPr>
+          <p:cNvPr id="3" name="内容占位符 2"/>
+          <p:cNvSpPr>
+            <a:spLocks noGrp="1"/>
+          </p:cNvSpPr>
+          <p:nvPr>
+            <p:ph idx="1"/>
+          </p:nvPr>
+        </p:nvSpPr>
+        <p:spPr/>
+        <p:txBody>
+          <a:bodyPr>
+            <a:normAutofit fontScale="85000" lnSpcReduction="20000"/>
+          </a:bodyPr>
+          <a:lstStyle/>
+          <a:p>
+            <a:r>
+              <a:rPr lang="en-US" altLang="zh-CN" dirty="0"/>
+              <a:t>do</a:t>
+            </a:r>
+            <a:r>
+              <a:rPr lang="zh-CN" altLang="zh-CN" dirty="0"/>
+              <a:t>语句和上面介绍的</a:t>
+            </a:r>
+            <a:r>
+              <a:rPr lang="en-US" altLang="zh-CN" dirty="0"/>
+              <a:t>while</a:t>
+            </a:r>
+            <a:r>
+              <a:rPr lang="zh-CN" altLang="zh-CN" dirty="0"/>
+              <a:t>语句类似，它们关系密切，甚至本质上就是一样的。不同的是，</a:t>
+            </a:r>
+            <a:r>
+              <a:rPr lang="en-US" altLang="zh-CN" dirty="0"/>
+              <a:t>do</a:t>
+            </a:r>
+            <a:r>
+              <a:rPr lang="zh-CN" altLang="zh-CN" dirty="0"/>
+              <a:t>语句首先执行循环体内的语句，然后进行循环控制表达式的计算。所以</a:t>
+            </a:r>
+            <a:r>
+              <a:rPr lang="en-US" altLang="zh-CN" dirty="0"/>
+              <a:t>do</a:t>
+            </a:r>
+            <a:r>
+              <a:rPr lang="zh-CN" altLang="zh-CN" dirty="0"/>
+              <a:t>循环会至少执行一次循环体内的语句。</a:t>
+            </a:r>
+            <a:r>
+              <a:rPr lang="en-US" altLang="zh-CN" dirty="0"/>
+              <a:t>do</a:t>
+            </a:r>
+            <a:r>
+              <a:rPr lang="zh-CN" altLang="zh-CN" dirty="0"/>
+              <a:t>语句也被称为</a:t>
+            </a:r>
+            <a:r>
+              <a:rPr lang="en-US" altLang="zh-CN" dirty="0"/>
+              <a:t>do-while</a:t>
+            </a:r>
+            <a:r>
+              <a:rPr lang="zh-CN" altLang="zh-CN" dirty="0"/>
+              <a:t>语句。</a:t>
+            </a:r>
+            <a:r>
+              <a:rPr lang="en-US" altLang="zh-CN" dirty="0"/>
+              <a:t>do</a:t>
+            </a:r>
+            <a:r>
+              <a:rPr lang="zh-CN" altLang="zh-CN" dirty="0"/>
+              <a:t>语句的一般形式如下</a:t>
+            </a:r>
+            <a:r>
+              <a:rPr lang="zh-CN" altLang="zh-CN" dirty="0" smtClean="0"/>
+              <a:t>：</a:t>
+            </a:r>
+            <a:endParaRPr lang="en-US" altLang="zh-CN" dirty="0" smtClean="0"/>
+          </a:p>
+          <a:p>
+            <a:r>
+              <a:rPr lang="en-US" altLang="zh-CN" b="1" dirty="0"/>
+              <a:t>do</a:t>
+            </a:r>
+            <a:endParaRPr lang="zh-CN" altLang="zh-CN" dirty="0"/>
+          </a:p>
+          <a:p>
+            <a:r>
+              <a:rPr lang="en-US" altLang="zh-CN" dirty="0"/>
+              <a:t>    </a:t>
+            </a:r>
+            <a:r>
+              <a:rPr lang="zh-CN" altLang="zh-CN" dirty="0"/>
+              <a:t>循环体语句</a:t>
+            </a:r>
+            <a:r>
+              <a:rPr lang="en-US" altLang="zh-CN" dirty="0"/>
+              <a:t>A</a:t>
+            </a:r>
+            <a:r>
+              <a:rPr lang="en-US" altLang="zh-CN" b="1" dirty="0"/>
+              <a:t>;</a:t>
+            </a:r>
+            <a:endParaRPr lang="zh-CN" altLang="zh-CN" dirty="0"/>
+          </a:p>
+          <a:p>
+            <a:r>
+              <a:rPr lang="en-US" altLang="zh-CN" b="1" dirty="0"/>
+              <a:t>while(</a:t>
+            </a:r>
+            <a:r>
+              <a:rPr lang="zh-CN" altLang="zh-CN" dirty="0"/>
+              <a:t>表达式</a:t>
+            </a:r>
+            <a:r>
+              <a:rPr lang="en-US" altLang="zh-CN" dirty="0"/>
+              <a:t>P</a:t>
+            </a:r>
+            <a:r>
+              <a:rPr lang="en-US" altLang="zh-CN" b="1" dirty="0"/>
+              <a:t>);</a:t>
+            </a:r>
+            <a:endParaRPr lang="zh-CN" altLang="zh-CN" dirty="0"/>
+          </a:p>
+          <a:p>
+            <a:endParaRPr lang="zh-CN" altLang="zh-CN" dirty="0"/>
+          </a:p>
+          <a:p>
+            <a:endParaRPr lang="zh-CN" altLang="en-US" dirty="0"/>
+          </a:p>
+        </p:txBody>
+      </p:sp>
+    </p:spTree>
+    <p:extLst>
+      <p:ext uri="{BB962C8B-B14F-4D97-AF65-F5344CB8AC3E}">
+        <p14:creationId xmlns:p14="http://schemas.microsoft.com/office/powerpoint/2010/main" val="3312762913"/>
+      </p:ext>
+    </p:extLst>
+  </p:cSld>
+  <p:clrMapOvr>
+    <a:masterClrMapping/>
+  </p:clrMapOvr>
+</p:sld>
+</file>
+
+<file path=ppt/slides/slide13.xml><?xml version="1.0" encoding="utf-8"?>
+<p:sld xmlns:a="http://schemas.openxmlformats.org/drawingml/2006/main" xmlns:r="http://schemas.openxmlformats.org/officeDocument/2006/relationships" xmlns:p="http://schemas.openxmlformats.org/presentationml/2006/main">
+  <p:cSld>
+    <p:spTree>
+      <p:nvGrpSpPr>
+        <p:cNvPr id="1" name=""/>
+        <p:cNvGrpSpPr/>
+        <p:nvPr/>
+      </p:nvGrpSpPr>
+      <p:grpSpPr>
+        <a:xfrm>
+          <a:off x="0" y="0"/>
+          <a:ext cx="0" cy="0"/>
+          <a:chOff x="0" y="0"/>
+          <a:chExt cx="0" cy="0"/>
+        </a:xfrm>
+      </p:grpSpPr>
+      <p:sp>
+        <p:nvSpPr>
+          <p:cNvPr id="2" name="标题 1"/>
+          <p:cNvSpPr>
+            <a:spLocks noGrp="1"/>
+          </p:cNvSpPr>
+          <p:nvPr>
+            <p:ph type="title"/>
+          </p:nvPr>
+        </p:nvSpPr>
+        <p:spPr/>
+        <p:txBody>
+          <a:bodyPr/>
+          <a:lstStyle/>
+          <a:p>
+            <a:endParaRPr lang="zh-CN" altLang="en-US"/>
+          </a:p>
+        </p:txBody>
+      </p:sp>
+      <p:sp>
+        <p:nvSpPr>
+          <p:cNvPr id="3" name="内容占位符 2"/>
+          <p:cNvSpPr>
+            <a:spLocks noGrp="1"/>
+          </p:cNvSpPr>
+          <p:nvPr>
+            <p:ph idx="1"/>
+          </p:nvPr>
+        </p:nvSpPr>
+        <p:spPr/>
+        <p:txBody>
+          <a:bodyPr/>
+          <a:lstStyle/>
+          <a:p>
+            <a:endParaRPr lang="zh-CN" altLang="en-US"/>
+          </a:p>
+        </p:txBody>
+      </p:sp>
+      <p:pic>
+        <p:nvPicPr>
+          <p:cNvPr id="5122" name="Picture 2"/>
+          <p:cNvPicPr>
+            <a:picLocks noChangeAspect="1" noChangeArrowheads="1"/>
+          </p:cNvPicPr>
+          <p:nvPr/>
+        </p:nvPicPr>
+        <p:blipFill>
+          <a:blip r:embed="rId2" cstate="print">
+            <a:extLst>
+              <a:ext uri="{28A0092B-C50C-407E-A947-70E740481C1C}">
+                <a14:useLocalDpi xmlns:a14="http://schemas.microsoft.com/office/drawing/2010/main" val="0"/>
+              </a:ext>
+            </a:extLst>
+          </a:blip>
+          <a:srcRect/>
+          <a:stretch>
+            <a:fillRect/>
+          </a:stretch>
+        </p:blipFill>
+        <p:spPr bwMode="auto">
+          <a:xfrm>
+            <a:off x="3770313" y="1082675"/>
+            <a:ext cx="1603375" cy="2974975"/>
+          </a:xfrm>
+          <a:prstGeom prst="rect">
+            <a:avLst/>
+          </a:prstGeom>
+          <a:solidFill>
+            <a:srgbClr val="FFFFFF">
+              <a:shade val="85000"/>
+            </a:srgbClr>
+          </a:solidFill>
+          <a:ln w="88900" cap="sq">
+            <a:solidFill>
+              <a:srgbClr val="FFFFFF"/>
+            </a:solidFill>
+            <a:miter lim="800000"/>
+          </a:ln>
+          <a:effectLst>
+            <a:outerShdw blurRad="55000" dist="18000" dir="5400000" algn="tl" rotWithShape="0">
+              <a:srgbClr val="000000">
+                <a:alpha val="40000"/>
+              </a:srgbClr>
+            </a:outerShdw>
+          </a:effectLst>
+          <a:scene3d>
+            <a:camera prst="orthographicFront"/>
+            <a:lightRig rig="twoPt" dir="t">
+              <a:rot lat="0" lon="0" rev="7200000"/>
+            </a:lightRig>
+          </a:scene3d>
+          <a:sp3d>
+            <a:bevelT w="25400" h="19050"/>
+            <a:contourClr>
+              <a:srgbClr val="FFFFFF"/>
+            </a:contourClr>
+          </a:sp3d>
+          <a:extLst>
+            <a:ext uri="{909E8E84-426E-40DD-AFC4-6F175D3DCCD1}">
+              <a14:hiddenFill xmlns:a14="http://schemas.microsoft.com/office/drawing/2010/main">
+                <a:solidFill>
+                  <a:schemeClr val="accent1"/>
+                </a:solidFill>
+              </a14:hiddenFill>
+            </a:ext>
+            <a:ext uri="{91240B29-F687-4F45-9708-019B960494DF}">
+              <a14:hiddenLine xmlns:a14="http://schemas.microsoft.com/office/drawing/2010/main" w="9525">
+                <a:solidFill>
+                  <a:schemeClr val="tx1"/>
+                </a:solidFill>
+                <a:miter lim="800000"/>
+                <a:headEnd/>
+                <a:tailEnd/>
+              </a14:hiddenLine>
+            </a:ext>
+            <a:ext uri="{AF507438-7753-43E0-B8FC-AC1667EBCBE1}">
+              <a14:hiddenEffects xmlns:a14="http://schemas.microsoft.com/office/drawing/2010/main">
+                <a:effectLst>
+                  <a:outerShdw dist="35921" dir="2700000" algn="ctr" rotWithShape="0">
+                    <a:schemeClr val="bg2"/>
+                  </a:outerShdw>
+                </a:effectLst>
+              </a14:hiddenEffects>
+            </a:ext>
+          </a:extLst>
+        </p:spPr>
+      </p:pic>
+    </p:spTree>
+    <p:extLst>
+      <p:ext uri="{BB962C8B-B14F-4D97-AF65-F5344CB8AC3E}">
+        <p14:creationId xmlns:p14="http://schemas.microsoft.com/office/powerpoint/2010/main" val="147871204"/>
+      </p:ext>
+    </p:extLst>
+  </p:cSld>
+  <p:clrMapOvr>
+    <a:masterClrMapping/>
+  </p:clrMapOvr>
+</p:sld>
+</file>
+
+<file path=ppt/slides/slide14.xml><?xml version="1.0" encoding="utf-8"?>
+<p:sld xmlns:a="http://schemas.openxmlformats.org/drawingml/2006/main" xmlns:r="http://schemas.openxmlformats.org/officeDocument/2006/relationships" xmlns:p="http://schemas.openxmlformats.org/presentationml/2006/main">
+  <p:cSld>
+    <p:spTree>
+      <p:nvGrpSpPr>
+        <p:cNvPr id="1" name=""/>
+        <p:cNvGrpSpPr/>
+        <p:nvPr/>
+      </p:nvGrpSpPr>
+      <p:grpSpPr>
+        <a:xfrm>
+          <a:off x="0" y="0"/>
+          <a:ext cx="0" cy="0"/>
+          <a:chOff x="0" y="0"/>
+          <a:chExt cx="0" cy="0"/>
+        </a:xfrm>
+      </p:grpSpPr>
+      <p:sp>
+        <p:nvSpPr>
+          <p:cNvPr id="2" name="标题 1"/>
+          <p:cNvSpPr>
+            <a:spLocks noGrp="1"/>
+          </p:cNvSpPr>
+          <p:nvPr>
+            <p:ph type="title"/>
+          </p:nvPr>
+        </p:nvSpPr>
+        <p:spPr/>
+        <p:txBody>
+          <a:bodyPr/>
+          <a:lstStyle/>
+          <a:p>
+            <a:endParaRPr lang="zh-CN" altLang="en-US"/>
+          </a:p>
+        </p:txBody>
+      </p:sp>
+      <p:sp>
+        <p:nvSpPr>
+          <p:cNvPr id="3" name="内容占位符 2"/>
+          <p:cNvSpPr>
+            <a:spLocks noGrp="1"/>
+          </p:cNvSpPr>
+          <p:nvPr>
+            <p:ph idx="1"/>
+          </p:nvPr>
+        </p:nvSpPr>
+        <p:spPr/>
+        <p:txBody>
+          <a:bodyPr/>
+          <a:lstStyle/>
+          <a:p>
+            <a:r>
+              <a:rPr lang="en-US" altLang="zh-CN" dirty="0"/>
+              <a:t>do</a:t>
+            </a:r>
+            <a:r>
+              <a:rPr lang="zh-CN" altLang="zh-CN" dirty="0"/>
+              <a:t>语句的程序流程如图</a:t>
+            </a:r>
+            <a:r>
+              <a:rPr lang="en-US" altLang="zh-CN" dirty="0"/>
+              <a:t> 5-2</a:t>
+            </a:r>
+            <a:r>
+              <a:rPr lang="zh-CN" altLang="zh-CN" dirty="0"/>
+              <a:t>所示，程序将首先执行循环体语句</a:t>
+            </a:r>
+            <a:r>
+              <a:rPr lang="en-US" altLang="zh-CN" dirty="0"/>
+              <a:t>A</a:t>
+            </a:r>
+            <a:r>
+              <a:rPr lang="zh-CN" altLang="zh-CN" dirty="0"/>
+              <a:t>，然后判断循环控制表达式</a:t>
+            </a:r>
+            <a:r>
+              <a:rPr lang="en-US" altLang="zh-CN" dirty="0"/>
+              <a:t>P</a:t>
+            </a:r>
+            <a:r>
+              <a:rPr lang="zh-CN" altLang="zh-CN" dirty="0"/>
+              <a:t>的值，如果为真，则继续执行循环体语句</a:t>
+            </a:r>
+            <a:r>
+              <a:rPr lang="en-US" altLang="zh-CN" dirty="0"/>
+              <a:t>A</a:t>
+            </a:r>
+            <a:r>
+              <a:rPr lang="zh-CN" altLang="zh-CN" dirty="0"/>
+              <a:t>；否则退出循环。</a:t>
+            </a:r>
+          </a:p>
+          <a:p>
+            <a:r>
+              <a:rPr lang="zh-CN" altLang="zh-CN" dirty="0"/>
+              <a:t>在介绍</a:t>
+            </a:r>
+            <a:r>
+              <a:rPr lang="en-US" altLang="zh-CN" dirty="0"/>
+              <a:t>while</a:t>
+            </a:r>
+            <a:r>
+              <a:rPr lang="zh-CN" altLang="zh-CN" dirty="0"/>
+              <a:t>语句时提到的从</a:t>
+            </a:r>
+            <a:r>
+              <a:rPr lang="en-US" altLang="zh-CN" dirty="0"/>
+              <a:t>1</a:t>
+            </a:r>
+            <a:r>
+              <a:rPr lang="zh-CN" altLang="zh-CN" dirty="0"/>
+              <a:t>累加到</a:t>
+            </a:r>
+            <a:r>
+              <a:rPr lang="en-US" altLang="zh-CN" dirty="0"/>
+              <a:t>10</a:t>
+            </a:r>
+            <a:r>
+              <a:rPr lang="zh-CN" altLang="zh-CN" dirty="0"/>
+              <a:t>的例子可以较容易地用</a:t>
+            </a:r>
+            <a:r>
+              <a:rPr lang="en-US" altLang="zh-CN" dirty="0"/>
+              <a:t>do</a:t>
+            </a:r>
+            <a:r>
+              <a:rPr lang="zh-CN" altLang="zh-CN" dirty="0"/>
+              <a:t>循环来表示：</a:t>
+            </a:r>
+          </a:p>
+          <a:p>
+            <a:endParaRPr lang="zh-CN" altLang="en-US" dirty="0"/>
+          </a:p>
+        </p:txBody>
+      </p:sp>
+    </p:spTree>
+    <p:extLst>
+      <p:ext uri="{BB962C8B-B14F-4D97-AF65-F5344CB8AC3E}">
+        <p14:creationId xmlns:p14="http://schemas.microsoft.com/office/powerpoint/2010/main" val="2302636508"/>
+      </p:ext>
+    </p:extLst>
+  </p:cSld>
+  <p:clrMapOvr>
+    <a:masterClrMapping/>
+  </p:clrMapOvr>
+</p:sld>
+</file>
+
+<file path=ppt/slides/slide15.xml><?xml version="1.0" encoding="utf-8"?>
+<p:sld xmlns:a="http://schemas.openxmlformats.org/drawingml/2006/main" xmlns:r="http://schemas.openxmlformats.org/officeDocument/2006/relationships" xmlns:p="http://schemas.openxmlformats.org/presentationml/2006/main">
+  <p:cSld>
+    <p:spTree>
+      <p:nvGrpSpPr>
+        <p:cNvPr id="1" name=""/>
+        <p:cNvGrpSpPr/>
+        <p:nvPr/>
+      </p:nvGrpSpPr>
+      <p:grpSpPr>
+        <a:xfrm>
+          <a:off x="0" y="0"/>
+          <a:ext cx="0" cy="0"/>
+          <a:chOff x="0" y="0"/>
+          <a:chExt cx="0" cy="0"/>
+        </a:xfrm>
+      </p:grpSpPr>
+      <p:sp>
+        <p:nvSpPr>
+          <p:cNvPr id="2" name="标题 1"/>
+          <p:cNvSpPr>
+            <a:spLocks noGrp="1"/>
+          </p:cNvSpPr>
+          <p:nvPr>
+            <p:ph type="title"/>
+          </p:nvPr>
+        </p:nvSpPr>
+        <p:spPr/>
+        <p:txBody>
+          <a:bodyPr/>
+          <a:lstStyle/>
+          <a:p>
+            <a:endParaRPr lang="zh-CN" altLang="en-US"/>
+          </a:p>
+        </p:txBody>
+      </p:sp>
+      <p:sp>
+        <p:nvSpPr>
+          <p:cNvPr id="3" name="内容占位符 2"/>
+          <p:cNvSpPr>
+            <a:spLocks noGrp="1"/>
+          </p:cNvSpPr>
+          <p:nvPr>
+            <p:ph idx="1"/>
+          </p:nvPr>
+        </p:nvSpPr>
+        <p:spPr/>
+        <p:txBody>
+          <a:bodyPr/>
+          <a:lstStyle/>
+          <a:p>
+            <a:endParaRPr lang="zh-CN" altLang="en-US" dirty="0"/>
+          </a:p>
+        </p:txBody>
+      </p:sp>
+      <p:pic>
+        <p:nvPicPr>
+          <p:cNvPr id="6146" name="Picture 2"/>
+          <p:cNvPicPr>
+            <a:picLocks noChangeAspect="1" noChangeArrowheads="1"/>
+          </p:cNvPicPr>
+          <p:nvPr/>
+        </p:nvPicPr>
+        <p:blipFill>
+          <a:blip r:embed="rId2" cstate="print">
+            <a:extLst>
+              <a:ext uri="{28A0092B-C50C-407E-A947-70E740481C1C}">
+                <a14:useLocalDpi xmlns:a14="http://schemas.microsoft.com/office/drawing/2010/main" val="0"/>
+              </a:ext>
+            </a:extLst>
+          </a:blip>
+          <a:srcRect/>
+          <a:stretch>
+            <a:fillRect/>
+          </a:stretch>
+        </p:blipFill>
+        <p:spPr bwMode="auto">
+          <a:xfrm>
+            <a:off x="1927225" y="2074863"/>
+            <a:ext cx="5287963" cy="990600"/>
+          </a:xfrm>
+          <a:prstGeom prst="rect">
+            <a:avLst/>
+          </a:prstGeom>
+          <a:noFill/>
+          <a:ln>
+            <a:noFill/>
+          </a:ln>
+          <a:effectLst/>
+          <a:extLst>
+            <a:ext uri="{909E8E84-426E-40DD-AFC4-6F175D3DCCD1}">
+              <a14:hiddenFill xmlns:a14="http://schemas.microsoft.com/office/drawing/2010/main">
+                <a:solidFill>
+                  <a:schemeClr val="accent1"/>
+                </a:solidFill>
+              </a14:hiddenFill>
+            </a:ext>
+            <a:ext uri="{91240B29-F687-4F45-9708-019B960494DF}">
+              <a14:hiddenLine xmlns:a14="http://schemas.microsoft.com/office/drawing/2010/main" w="9525">
+                <a:solidFill>
+                  <a:schemeClr val="tx1"/>
+                </a:solidFill>
+                <a:miter lim="800000"/>
+                <a:headEnd/>
+                <a:tailEnd/>
+              </a14:hiddenLine>
+            </a:ext>
+            <a:ext uri="{AF507438-7753-43E0-B8FC-AC1667EBCBE1}">
+              <a14:hiddenEffects xmlns:a14="http://schemas.microsoft.com/office/drawing/2010/main">
+                <a:effectLst>
+                  <a:outerShdw dist="35921" dir="2700000" algn="ctr" rotWithShape="0">
+                    <a:schemeClr val="bg2"/>
+                  </a:outerShdw>
+                </a:effectLst>
+              </a14:hiddenEffects>
+            </a:ext>
+          </a:extLst>
+        </p:spPr>
+      </p:pic>
+    </p:spTree>
+    <p:extLst>
+      <p:ext uri="{BB962C8B-B14F-4D97-AF65-F5344CB8AC3E}">
+        <p14:creationId xmlns:p14="http://schemas.microsoft.com/office/powerpoint/2010/main" val="2624522132"/>
+      </p:ext>
+    </p:extLst>
+  </p:cSld>
+  <p:clrMapOvr>
+    <a:masterClrMapping/>
+  </p:clrMapOvr>
+</p:sld>
+</file>
+
+<file path=ppt/slides/slide16.xml><?xml version="1.0" encoding="utf-8"?>
+<p:sld xmlns:a="http://schemas.openxmlformats.org/drawingml/2006/main" xmlns:r="http://schemas.openxmlformats.org/officeDocument/2006/relationships" xmlns:p="http://schemas.openxmlformats.org/presentationml/2006/main">
+  <p:cSld>
+    <p:spTree>
+      <p:nvGrpSpPr>
+        <p:cNvPr id="1" name=""/>
+        <p:cNvGrpSpPr/>
+        <p:nvPr/>
+      </p:nvGrpSpPr>
+      <p:grpSpPr>
+        <a:xfrm>
+          <a:off x="0" y="0"/>
+          <a:ext cx="0" cy="0"/>
+          <a:chOff x="0" y="0"/>
+          <a:chExt cx="0" cy="0"/>
+        </a:xfrm>
+      </p:grpSpPr>
+      <p:sp>
+        <p:nvSpPr>
+          <p:cNvPr id="2" name="标题 1"/>
+          <p:cNvSpPr>
+            <a:spLocks noGrp="1"/>
+          </p:cNvSpPr>
+          <p:nvPr>
+            <p:ph type="title"/>
+          </p:nvPr>
+        </p:nvSpPr>
+        <p:spPr/>
+        <p:txBody>
+          <a:bodyPr/>
+          <a:lstStyle/>
+          <a:p>
+            <a:endParaRPr lang="zh-CN" altLang="en-US"/>
+          </a:p>
+        </p:txBody>
+      </p:sp>
+      <p:sp>
+        <p:nvSpPr>
+          <p:cNvPr id="3" name="内容占位符 2"/>
+          <p:cNvSpPr>
+            <a:spLocks noGrp="1"/>
+          </p:cNvSpPr>
+          <p:nvPr>
+            <p:ph idx="1"/>
+          </p:nvPr>
+        </p:nvSpPr>
+        <p:spPr/>
+        <p:txBody>
+          <a:bodyPr/>
+          <a:lstStyle/>
+          <a:p>
+            <a:r>
+              <a:rPr lang="en-US" altLang="zh-CN" dirty="0"/>
+              <a:t>do</a:t>
+            </a:r>
+            <a:r>
+              <a:rPr lang="zh-CN" altLang="zh-CN" dirty="0"/>
+              <a:t>语句和</a:t>
+            </a:r>
+            <a:r>
+              <a:rPr lang="en-US" altLang="zh-CN" dirty="0"/>
+              <a:t>while</a:t>
+            </a:r>
+            <a:r>
+              <a:rPr lang="zh-CN" altLang="zh-CN" dirty="0"/>
+              <a:t>语句很相似，区别只是前者至少执行一次循环体</a:t>
+            </a:r>
+            <a:r>
+              <a:rPr lang="zh-CN" altLang="zh-CN" dirty="0" smtClean="0"/>
+              <a:t>语句</a:t>
+            </a:r>
+            <a:endParaRPr lang="en-US" altLang="zh-CN" dirty="0" smtClean="0"/>
+          </a:p>
+          <a:p>
+            <a:r>
+              <a:rPr lang="zh-CN" altLang="zh-CN" dirty="0" smtClean="0"/>
+              <a:t>因此</a:t>
+            </a:r>
+            <a:r>
+              <a:rPr lang="zh-CN" altLang="zh-CN" dirty="0"/>
+              <a:t>，可以很轻易地将</a:t>
+            </a:r>
+            <a:r>
+              <a:rPr lang="en-US" altLang="zh-CN" dirty="0"/>
+              <a:t>do</a:t>
+            </a:r>
+            <a:r>
+              <a:rPr lang="zh-CN" altLang="zh-CN" dirty="0"/>
+              <a:t>语句转换为</a:t>
+            </a:r>
+            <a:r>
+              <a:rPr lang="en-US" altLang="zh-CN" dirty="0"/>
+              <a:t>while</a:t>
+            </a:r>
+            <a:r>
+              <a:rPr lang="zh-CN" altLang="zh-CN" dirty="0"/>
+              <a:t>语句来表示，比如下面这个例子：</a:t>
+            </a:r>
+          </a:p>
+          <a:p>
+            <a:endParaRPr lang="zh-CN" altLang="en-US" dirty="0"/>
+          </a:p>
+        </p:txBody>
+      </p:sp>
+    </p:spTree>
+    <p:extLst>
+      <p:ext uri="{BB962C8B-B14F-4D97-AF65-F5344CB8AC3E}">
+        <p14:creationId xmlns:p14="http://schemas.microsoft.com/office/powerpoint/2010/main" val="3344138410"/>
+      </p:ext>
+    </p:extLst>
+  </p:cSld>
+  <p:clrMapOvr>
+    <a:masterClrMapping/>
+  </p:clrMapOvr>
+</p:sld>
+</file>
+
+<file path=ppt/slides/slide17.xml><?xml version="1.0" encoding="utf-8"?>
+<p:sld xmlns:a="http://schemas.openxmlformats.org/drawingml/2006/main" xmlns:r="http://schemas.openxmlformats.org/officeDocument/2006/relationships" xmlns:p="http://schemas.openxmlformats.org/presentationml/2006/main">
+  <p:cSld>
+    <p:spTree>
+      <p:nvGrpSpPr>
+        <p:cNvPr id="1" name=""/>
+        <p:cNvGrpSpPr/>
+        <p:nvPr/>
+      </p:nvGrpSpPr>
+      <p:grpSpPr>
+        <a:xfrm>
+          <a:off x="0" y="0"/>
+          <a:ext cx="0" cy="0"/>
+          <a:chOff x="0" y="0"/>
+          <a:chExt cx="0" cy="0"/>
+        </a:xfrm>
+      </p:grpSpPr>
+      <p:sp>
+        <p:nvSpPr>
+          <p:cNvPr id="2" name="标题 1"/>
+          <p:cNvSpPr>
+            <a:spLocks noGrp="1"/>
+          </p:cNvSpPr>
+          <p:nvPr>
+            <p:ph type="title"/>
+          </p:nvPr>
+        </p:nvSpPr>
+        <p:spPr/>
+        <p:txBody>
+          <a:bodyPr/>
+          <a:lstStyle/>
+          <a:p>
+            <a:endParaRPr lang="zh-CN" altLang="en-US"/>
+          </a:p>
+        </p:txBody>
+      </p:sp>
+      <p:sp>
+        <p:nvSpPr>
+          <p:cNvPr id="3" name="内容占位符 2"/>
+          <p:cNvSpPr>
+            <a:spLocks noGrp="1"/>
+          </p:cNvSpPr>
+          <p:nvPr>
+            <p:ph idx="1"/>
+          </p:nvPr>
+        </p:nvSpPr>
+        <p:spPr/>
+        <p:txBody>
+          <a:bodyPr/>
+          <a:lstStyle/>
+          <a:p>
+            <a:endParaRPr lang="zh-CN" altLang="en-US"/>
+          </a:p>
+        </p:txBody>
+      </p:sp>
+      <p:pic>
+        <p:nvPicPr>
+          <p:cNvPr id="7170" name="Picture 2"/>
+          <p:cNvPicPr>
+            <a:picLocks noChangeAspect="1" noChangeArrowheads="1"/>
+          </p:cNvPicPr>
+          <p:nvPr/>
+        </p:nvPicPr>
+        <p:blipFill>
+          <a:blip r:embed="rId2" cstate="print">
+            <a:extLst>
+              <a:ext uri="{28A0092B-C50C-407E-A947-70E740481C1C}">
+                <a14:useLocalDpi xmlns:a14="http://schemas.microsoft.com/office/drawing/2010/main" val="0"/>
+              </a:ext>
+            </a:extLst>
+          </a:blip>
+          <a:srcRect/>
+          <a:stretch>
+            <a:fillRect/>
+          </a:stretch>
+        </p:blipFill>
+        <p:spPr bwMode="auto">
+          <a:xfrm>
+            <a:off x="1927225" y="2074863"/>
+            <a:ext cx="5287963" cy="990600"/>
+          </a:xfrm>
+          <a:prstGeom prst="rect">
+            <a:avLst/>
+          </a:prstGeom>
+          <a:noFill/>
+          <a:ln>
+            <a:noFill/>
+          </a:ln>
+          <a:effectLst/>
+          <a:extLst>
+            <a:ext uri="{909E8E84-426E-40DD-AFC4-6F175D3DCCD1}">
+              <a14:hiddenFill xmlns:a14="http://schemas.microsoft.com/office/drawing/2010/main">
+                <a:solidFill>
+                  <a:schemeClr val="accent1"/>
+                </a:solidFill>
+              </a14:hiddenFill>
+            </a:ext>
+            <a:ext uri="{91240B29-F687-4F45-9708-019B960494DF}">
+              <a14:hiddenLine xmlns:a14="http://schemas.microsoft.com/office/drawing/2010/main" w="9525">
+                <a:solidFill>
+                  <a:schemeClr val="tx1"/>
+                </a:solidFill>
+                <a:miter lim="800000"/>
+                <a:headEnd/>
+                <a:tailEnd/>
+              </a14:hiddenLine>
+            </a:ext>
+            <a:ext uri="{AF507438-7753-43E0-B8FC-AC1667EBCBE1}">
+              <a14:hiddenEffects xmlns:a14="http://schemas.microsoft.com/office/drawing/2010/main">
+                <a:effectLst>
+                  <a:outerShdw dist="35921" dir="2700000" algn="ctr" rotWithShape="0">
+                    <a:schemeClr val="bg2"/>
+                  </a:outerShdw>
+                </a:effectLst>
+              </a14:hiddenEffects>
+            </a:ext>
+          </a:extLst>
+        </p:spPr>
+      </p:pic>
+    </p:spTree>
+    <p:extLst>
+      <p:ext uri="{BB962C8B-B14F-4D97-AF65-F5344CB8AC3E}">
+        <p14:creationId xmlns:p14="http://schemas.microsoft.com/office/powerpoint/2010/main" val="2552752142"/>
+      </p:ext>
+    </p:extLst>
+  </p:cSld>
+  <p:clrMapOvr>
+    <a:masterClrMapping/>
+  </p:clrMapOvr>
+</p:sld>
+</file>
+
+<file path=ppt/slides/slide18.xml><?xml version="1.0" encoding="utf-8"?>
+<p:sld xmlns:a="http://schemas.openxmlformats.org/drawingml/2006/main" xmlns:r="http://schemas.openxmlformats.org/officeDocument/2006/relationships" xmlns:p="http://schemas.openxmlformats.org/presentationml/2006/main">
+  <p:cSld>
+    <p:spTree>
+      <p:nvGrpSpPr>
+        <p:cNvPr id="1" name=""/>
+        <p:cNvGrpSpPr/>
+        <p:nvPr/>
+      </p:nvGrpSpPr>
+      <p:grpSpPr>
+        <a:xfrm>
+          <a:off x="0" y="0"/>
+          <a:ext cx="0" cy="0"/>
+          <a:chOff x="0" y="0"/>
+          <a:chExt cx="0" cy="0"/>
+        </a:xfrm>
+      </p:grpSpPr>
+      <p:sp>
+        <p:nvSpPr>
+          <p:cNvPr id="2" name="标题 1"/>
+          <p:cNvSpPr>
+            <a:spLocks noGrp="1"/>
+          </p:cNvSpPr>
+          <p:nvPr>
+            <p:ph type="title"/>
+          </p:nvPr>
+        </p:nvSpPr>
+        <p:spPr/>
+        <p:txBody>
+          <a:bodyPr/>
+          <a:lstStyle/>
+          <a:p>
+            <a:endParaRPr lang="zh-CN" altLang="en-US"/>
+          </a:p>
+        </p:txBody>
+      </p:sp>
+      <p:sp>
+        <p:nvSpPr>
+          <p:cNvPr id="3" name="内容占位符 2"/>
+          <p:cNvSpPr>
+            <a:spLocks noGrp="1"/>
+          </p:cNvSpPr>
+          <p:nvPr>
+            <p:ph idx="1"/>
+          </p:nvPr>
+        </p:nvSpPr>
+        <p:spPr/>
+        <p:txBody>
+          <a:bodyPr/>
+          <a:lstStyle/>
+          <a:p>
+            <a:r>
+              <a:rPr lang="zh-CN" altLang="zh-CN" dirty="0"/>
+              <a:t>可以通过将循环体语句直接在前面执行一次的方法，转换为</a:t>
+            </a:r>
+            <a:r>
+              <a:rPr lang="en-US" altLang="zh-CN" dirty="0"/>
+              <a:t>while</a:t>
+            </a:r>
+            <a:r>
+              <a:rPr lang="zh-CN" altLang="zh-CN" dirty="0"/>
+              <a:t>循环结构，代码如下：</a:t>
+            </a:r>
+          </a:p>
+          <a:p>
+            <a:endParaRPr lang="zh-CN" altLang="en-US" dirty="0"/>
+          </a:p>
+        </p:txBody>
+      </p:sp>
+      <p:pic>
+        <p:nvPicPr>
+          <p:cNvPr id="8194" name="Picture 2"/>
+          <p:cNvPicPr>
+            <a:picLocks noChangeAspect="1" noChangeArrowheads="1"/>
+          </p:cNvPicPr>
+          <p:nvPr/>
+        </p:nvPicPr>
+        <p:blipFill>
+          <a:blip r:embed="rId2" cstate="print">
+            <a:extLst>
+              <a:ext uri="{28A0092B-C50C-407E-A947-70E740481C1C}">
+                <a14:useLocalDpi xmlns:a14="http://schemas.microsoft.com/office/drawing/2010/main" val="0"/>
+              </a:ext>
+            </a:extLst>
+          </a:blip>
+          <a:srcRect/>
+          <a:stretch>
+            <a:fillRect/>
+          </a:stretch>
+        </p:blipFill>
+        <p:spPr bwMode="auto">
+          <a:xfrm>
+            <a:off x="1927224" y="2715766"/>
+            <a:ext cx="5287963" cy="1385887"/>
+          </a:xfrm>
+          <a:prstGeom prst="rect">
+            <a:avLst/>
+          </a:prstGeom>
+          <a:noFill/>
+          <a:ln>
+            <a:noFill/>
+          </a:ln>
+          <a:effectLst/>
+          <a:extLst>
+            <a:ext uri="{909E8E84-426E-40DD-AFC4-6F175D3DCCD1}">
+              <a14:hiddenFill xmlns:a14="http://schemas.microsoft.com/office/drawing/2010/main">
+                <a:solidFill>
+                  <a:schemeClr val="accent1"/>
+                </a:solidFill>
+              </a14:hiddenFill>
+            </a:ext>
+            <a:ext uri="{91240B29-F687-4F45-9708-019B960494DF}">
+              <a14:hiddenLine xmlns:a14="http://schemas.microsoft.com/office/drawing/2010/main" w="9525">
+                <a:solidFill>
+                  <a:schemeClr val="tx1"/>
+                </a:solidFill>
+                <a:miter lim="800000"/>
+                <a:headEnd/>
+                <a:tailEnd/>
+              </a14:hiddenLine>
+            </a:ext>
+            <a:ext uri="{AF507438-7753-43E0-B8FC-AC1667EBCBE1}">
+              <a14:hiddenEffects xmlns:a14="http://schemas.microsoft.com/office/drawing/2010/main">
+                <a:effectLst>
+                  <a:outerShdw dist="35921" dir="2700000" algn="ctr" rotWithShape="0">
+                    <a:schemeClr val="bg2"/>
+                  </a:outerShdw>
+                </a:effectLst>
+              </a14:hiddenEffects>
+            </a:ext>
+          </a:extLst>
+        </p:spPr>
+      </p:pic>
+    </p:spTree>
+    <p:extLst>
+      <p:ext uri="{BB962C8B-B14F-4D97-AF65-F5344CB8AC3E}">
+        <p14:creationId xmlns:p14="http://schemas.microsoft.com/office/powerpoint/2010/main" val="2465155308"/>
+      </p:ext>
+    </p:extLst>
+  </p:cSld>
+  <p:clrMapOvr>
+    <a:masterClrMapping/>
+  </p:clrMapOvr>
+</p:sld>
+</file>
+
+<file path=ppt/slides/slide19.xml><?xml version="1.0" encoding="utf-8"?>
+<p:sld xmlns:a="http://schemas.openxmlformats.org/drawingml/2006/main" xmlns:r="http://schemas.openxmlformats.org/officeDocument/2006/relationships" xmlns:p="http://schemas.openxmlformats.org/presentationml/2006/main">
+  <p:cSld>
+    <p:spTree>
+      <p:nvGrpSpPr>
+        <p:cNvPr id="1" name=""/>
+        <p:cNvGrpSpPr/>
+        <p:nvPr/>
+      </p:nvGrpSpPr>
+      <p:grpSpPr>
+        <a:xfrm>
+          <a:off x="0" y="0"/>
+          <a:ext cx="0" cy="0"/>
+          <a:chOff x="0" y="0"/>
+          <a:chExt cx="0" cy="0"/>
+        </a:xfrm>
+      </p:grpSpPr>
+      <p:sp>
+        <p:nvSpPr>
+          <p:cNvPr id="2" name="标题 1"/>
+          <p:cNvSpPr>
+            <a:spLocks noGrp="1"/>
+          </p:cNvSpPr>
+          <p:nvPr>
+            <p:ph type="title"/>
+          </p:nvPr>
+        </p:nvSpPr>
+        <p:spPr/>
+        <p:txBody>
+          <a:bodyPr/>
+          <a:lstStyle/>
+          <a:p>
+            <a:endParaRPr lang="zh-CN" altLang="en-US"/>
+          </a:p>
+        </p:txBody>
+      </p:sp>
+      <p:sp>
+        <p:nvSpPr>
+          <p:cNvPr id="3" name="内容占位符 2"/>
+          <p:cNvSpPr>
+            <a:spLocks noGrp="1"/>
+          </p:cNvSpPr>
+          <p:nvPr>
+            <p:ph idx="1"/>
+          </p:nvPr>
+        </p:nvSpPr>
+        <p:spPr/>
+        <p:txBody>
+          <a:bodyPr/>
+          <a:lstStyle/>
+          <a:p>
+            <a:r>
+              <a:rPr lang="zh-CN" altLang="zh-CN" dirty="0"/>
+              <a:t>但将</a:t>
+            </a:r>
+            <a:r>
+              <a:rPr lang="en-US" altLang="zh-CN" dirty="0"/>
+              <a:t>while</a:t>
+            </a:r>
+            <a:r>
+              <a:rPr lang="zh-CN" altLang="zh-CN" dirty="0"/>
+              <a:t>语句转化为</a:t>
+            </a:r>
+            <a:r>
+              <a:rPr lang="en-US" altLang="zh-CN" dirty="0"/>
+              <a:t>do</a:t>
+            </a:r>
+            <a:r>
+              <a:rPr lang="zh-CN" altLang="zh-CN" dirty="0"/>
+              <a:t>语句时需要多加注意</a:t>
+            </a:r>
+            <a:r>
+              <a:rPr lang="zh-CN" altLang="zh-CN" dirty="0" smtClean="0"/>
+              <a:t>。</a:t>
+            </a:r>
+            <a:endParaRPr lang="en-US" altLang="zh-CN" dirty="0" smtClean="0"/>
+          </a:p>
+          <a:p>
+            <a:r>
+              <a:rPr lang="zh-CN" altLang="zh-CN" dirty="0" smtClean="0"/>
+              <a:t>下面</a:t>
+            </a:r>
+            <a:r>
+              <a:rPr lang="zh-CN" altLang="zh-CN" dirty="0"/>
+              <a:t>的</a:t>
+            </a:r>
+            <a:r>
+              <a:rPr lang="en-US" altLang="zh-CN" dirty="0"/>
+              <a:t>while</a:t>
+            </a:r>
+            <a:r>
+              <a:rPr lang="zh-CN" altLang="zh-CN" dirty="0"/>
+              <a:t>循环程序片段就无法直接地转换为</a:t>
+            </a:r>
+            <a:r>
+              <a:rPr lang="en-US" altLang="zh-CN" dirty="0"/>
+              <a:t>do</a:t>
+            </a:r>
+            <a:r>
+              <a:rPr lang="zh-CN" altLang="zh-CN" dirty="0"/>
+              <a:t>语句循环，因为这个程序片段中的循环体语句并未被执行。</a:t>
+            </a:r>
+          </a:p>
+          <a:p>
+            <a:endParaRPr lang="zh-CN" altLang="en-US" dirty="0"/>
+          </a:p>
+        </p:txBody>
+      </p:sp>
+    </p:spTree>
+    <p:extLst>
+      <p:ext uri="{BB962C8B-B14F-4D97-AF65-F5344CB8AC3E}">
+        <p14:creationId xmlns:p14="http://schemas.microsoft.com/office/powerpoint/2010/main" val="3553382088"/>
+      </p:ext>
+    </p:extLst>
+  </p:cSld>
+  <p:clrMapOvr>
+    <a:masterClrMapping/>
+  </p:clrMapOvr>
+</p:sld>
+</file>
+
 <file path=ppt/slides/slide2.xml><?xml version="1.0" encoding="utf-8"?>
 <p:sld xmlns:a="http://schemas.openxmlformats.org/drawingml/2006/main" xmlns:r="http://schemas.openxmlformats.org/officeDocument/2006/relationships" xmlns:p="http://schemas.openxmlformats.org/presentationml/2006/main">
   <p:cSld>
@@ -3253,10 +5701,5274 @@
 </p:sld>
 </file>
 
+<file path=ppt/slides/slide20.xml><?xml version="1.0" encoding="utf-8"?>
+<p:sld xmlns:a="http://schemas.openxmlformats.org/drawingml/2006/main" xmlns:r="http://schemas.openxmlformats.org/officeDocument/2006/relationships" xmlns:p="http://schemas.openxmlformats.org/presentationml/2006/main">
+  <p:cSld>
+    <p:spTree>
+      <p:nvGrpSpPr>
+        <p:cNvPr id="1" name=""/>
+        <p:cNvGrpSpPr/>
+        <p:nvPr/>
+      </p:nvGrpSpPr>
+      <p:grpSpPr>
+        <a:xfrm>
+          <a:off x="0" y="0"/>
+          <a:ext cx="0" cy="0"/>
+          <a:chOff x="0" y="0"/>
+          <a:chExt cx="0" cy="0"/>
+        </a:xfrm>
+      </p:grpSpPr>
+      <p:sp>
+        <p:nvSpPr>
+          <p:cNvPr id="2" name="标题 1"/>
+          <p:cNvSpPr>
+            <a:spLocks noGrp="1"/>
+          </p:cNvSpPr>
+          <p:nvPr>
+            <p:ph type="title"/>
+          </p:nvPr>
+        </p:nvSpPr>
+        <p:spPr/>
+        <p:txBody>
+          <a:bodyPr/>
+          <a:lstStyle/>
+          <a:p>
+            <a:endParaRPr lang="zh-CN" altLang="en-US"/>
+          </a:p>
+        </p:txBody>
+      </p:sp>
+      <p:sp>
+        <p:nvSpPr>
+          <p:cNvPr id="3" name="内容占位符 2"/>
+          <p:cNvSpPr>
+            <a:spLocks noGrp="1"/>
+          </p:cNvSpPr>
+          <p:nvPr>
+            <p:ph idx="1"/>
+          </p:nvPr>
+        </p:nvSpPr>
+        <p:spPr/>
+        <p:txBody>
+          <a:bodyPr/>
+          <a:lstStyle/>
+          <a:p>
+            <a:endParaRPr lang="zh-CN" altLang="en-US"/>
+          </a:p>
+        </p:txBody>
+      </p:sp>
+      <p:pic>
+        <p:nvPicPr>
+          <p:cNvPr id="9218" name="Picture 2"/>
+          <p:cNvPicPr>
+            <a:picLocks noChangeAspect="1" noChangeArrowheads="1"/>
+          </p:cNvPicPr>
+          <p:nvPr/>
+        </p:nvPicPr>
+        <p:blipFill>
+          <a:blip r:embed="rId2" cstate="print">
+            <a:extLst>
+              <a:ext uri="{28A0092B-C50C-407E-A947-70E740481C1C}">
+                <a14:useLocalDpi xmlns:a14="http://schemas.microsoft.com/office/drawing/2010/main" val="0"/>
+              </a:ext>
+            </a:extLst>
+          </a:blip>
+          <a:srcRect/>
+          <a:stretch>
+            <a:fillRect/>
+          </a:stretch>
+        </p:blipFill>
+        <p:spPr bwMode="auto">
+          <a:xfrm>
+            <a:off x="1927225" y="2074863"/>
+            <a:ext cx="5287963" cy="990600"/>
+          </a:xfrm>
+          <a:prstGeom prst="rect">
+            <a:avLst/>
+          </a:prstGeom>
+          <a:noFill/>
+          <a:ln>
+            <a:noFill/>
+          </a:ln>
+          <a:effectLst/>
+          <a:extLst>
+            <a:ext uri="{909E8E84-426E-40DD-AFC4-6F175D3DCCD1}">
+              <a14:hiddenFill xmlns:a14="http://schemas.microsoft.com/office/drawing/2010/main">
+                <a:solidFill>
+                  <a:schemeClr val="accent1"/>
+                </a:solidFill>
+              </a14:hiddenFill>
+            </a:ext>
+            <a:ext uri="{91240B29-F687-4F45-9708-019B960494DF}">
+              <a14:hiddenLine xmlns:a14="http://schemas.microsoft.com/office/drawing/2010/main" w="9525">
+                <a:solidFill>
+                  <a:schemeClr val="tx1"/>
+                </a:solidFill>
+                <a:miter lim="800000"/>
+                <a:headEnd/>
+                <a:tailEnd/>
+              </a14:hiddenLine>
+            </a:ext>
+            <a:ext uri="{AF507438-7753-43E0-B8FC-AC1667EBCBE1}">
+              <a14:hiddenEffects xmlns:a14="http://schemas.microsoft.com/office/drawing/2010/main">
+                <a:effectLst>
+                  <a:outerShdw dist="35921" dir="2700000" algn="ctr" rotWithShape="0">
+                    <a:schemeClr val="bg2"/>
+                  </a:outerShdw>
+                </a:effectLst>
+              </a14:hiddenEffects>
+            </a:ext>
+          </a:extLst>
+        </p:spPr>
+      </p:pic>
+    </p:spTree>
+    <p:extLst>
+      <p:ext uri="{BB962C8B-B14F-4D97-AF65-F5344CB8AC3E}">
+        <p14:creationId xmlns:p14="http://schemas.microsoft.com/office/powerpoint/2010/main" val="3161380241"/>
+      </p:ext>
+    </p:extLst>
+  </p:cSld>
+  <p:clrMapOvr>
+    <a:masterClrMapping/>
+  </p:clrMapOvr>
+</p:sld>
+</file>
+
+<file path=ppt/slides/slide21.xml><?xml version="1.0" encoding="utf-8"?>
+<p:sld xmlns:a="http://schemas.openxmlformats.org/drawingml/2006/main" xmlns:r="http://schemas.openxmlformats.org/officeDocument/2006/relationships" xmlns:p="http://schemas.openxmlformats.org/presentationml/2006/main">
+  <p:cSld>
+    <p:spTree>
+      <p:nvGrpSpPr>
+        <p:cNvPr id="1" name=""/>
+        <p:cNvGrpSpPr/>
+        <p:nvPr/>
+      </p:nvGrpSpPr>
+      <p:grpSpPr>
+        <a:xfrm>
+          <a:off x="0" y="0"/>
+          <a:ext cx="0" cy="0"/>
+          <a:chOff x="0" y="0"/>
+          <a:chExt cx="0" cy="0"/>
+        </a:xfrm>
+      </p:grpSpPr>
+      <p:sp>
+        <p:nvSpPr>
+          <p:cNvPr id="2" name="标题 1"/>
+          <p:cNvSpPr>
+            <a:spLocks noGrp="1"/>
+          </p:cNvSpPr>
+          <p:nvPr>
+            <p:ph type="title"/>
+          </p:nvPr>
+        </p:nvSpPr>
+        <p:spPr/>
+        <p:txBody>
+          <a:bodyPr/>
+          <a:lstStyle/>
+          <a:p>
+            <a:endParaRPr lang="zh-CN" altLang="en-US"/>
+          </a:p>
+        </p:txBody>
+      </p:sp>
+      <p:sp>
+        <p:nvSpPr>
+          <p:cNvPr id="3" name="内容占位符 2"/>
+          <p:cNvSpPr>
+            <a:spLocks noGrp="1"/>
+          </p:cNvSpPr>
+          <p:nvPr>
+            <p:ph idx="1"/>
+          </p:nvPr>
+        </p:nvSpPr>
+        <p:spPr/>
+        <p:txBody>
+          <a:bodyPr/>
+          <a:lstStyle/>
+          <a:p>
+            <a:r>
+              <a:rPr lang="zh-CN" altLang="zh-CN" dirty="0"/>
+              <a:t>另外，在编写</a:t>
+            </a:r>
+            <a:r>
+              <a:rPr lang="en-US" altLang="zh-CN" dirty="0"/>
+              <a:t>do</a:t>
+            </a:r>
+            <a:r>
+              <a:rPr lang="zh-CN" altLang="zh-CN" dirty="0"/>
+              <a:t>语句时，最好将循环语句用大括号括起来，并且将后面跟着的</a:t>
+            </a:r>
+            <a:r>
+              <a:rPr lang="en-US" altLang="zh-CN" dirty="0"/>
+              <a:t>while</a:t>
+            </a:r>
+            <a:r>
+              <a:rPr lang="zh-CN" altLang="zh-CN" dirty="0"/>
+              <a:t>循环判定直接跟在大括号后面，就像前面给出的例子那样。这样做的目的是为了防止误将</a:t>
+            </a:r>
+            <a:r>
+              <a:rPr lang="en-US" altLang="zh-CN" dirty="0"/>
+              <a:t>while</a:t>
+            </a:r>
+            <a:r>
+              <a:rPr lang="zh-CN" altLang="zh-CN" dirty="0"/>
+              <a:t>循环控制当做是</a:t>
+            </a:r>
+            <a:r>
+              <a:rPr lang="en-US" altLang="zh-CN" dirty="0"/>
+              <a:t>while</a:t>
+            </a:r>
+            <a:r>
+              <a:rPr lang="zh-CN" altLang="zh-CN" dirty="0"/>
+              <a:t>语句的开始。</a:t>
+            </a:r>
+          </a:p>
+          <a:p>
+            <a:endParaRPr lang="zh-CN" altLang="en-US" dirty="0"/>
+          </a:p>
+        </p:txBody>
+      </p:sp>
+    </p:spTree>
+    <p:extLst>
+      <p:ext uri="{BB962C8B-B14F-4D97-AF65-F5344CB8AC3E}">
+        <p14:creationId xmlns:p14="http://schemas.microsoft.com/office/powerpoint/2010/main" val="2181260942"/>
+      </p:ext>
+    </p:extLst>
+  </p:cSld>
+  <p:clrMapOvr>
+    <a:masterClrMapping/>
+  </p:clrMapOvr>
+</p:sld>
+</file>
+
+<file path=ppt/slides/slide22.xml><?xml version="1.0" encoding="utf-8"?>
+<p:sld xmlns:a="http://schemas.openxmlformats.org/drawingml/2006/main" xmlns:r="http://schemas.openxmlformats.org/officeDocument/2006/relationships" xmlns:p="http://schemas.openxmlformats.org/presentationml/2006/main">
+  <p:cSld>
+    <p:spTree>
+      <p:nvGrpSpPr>
+        <p:cNvPr id="1" name=""/>
+        <p:cNvGrpSpPr/>
+        <p:nvPr/>
+      </p:nvGrpSpPr>
+      <p:grpSpPr>
+        <a:xfrm>
+          <a:off x="0" y="0"/>
+          <a:ext cx="0" cy="0"/>
+          <a:chOff x="0" y="0"/>
+          <a:chExt cx="0" cy="0"/>
+        </a:xfrm>
+      </p:grpSpPr>
+      <p:sp>
+        <p:nvSpPr>
+          <p:cNvPr id="2" name="标题 1"/>
+          <p:cNvSpPr>
+            <a:spLocks noGrp="1"/>
+          </p:cNvSpPr>
+          <p:nvPr>
+            <p:ph type="title"/>
+          </p:nvPr>
+        </p:nvSpPr>
+        <p:spPr/>
+        <p:txBody>
+          <a:bodyPr/>
+          <a:lstStyle/>
+          <a:p>
+            <a:r>
+              <a:rPr lang="en-US" altLang="zh-CN" dirty="0"/>
+              <a:t>5.3.	 for</a:t>
+            </a:r>
+            <a:r>
+              <a:rPr lang="zh-CN" altLang="en-US" dirty="0"/>
+              <a:t>语句</a:t>
+            </a:r>
+          </a:p>
+        </p:txBody>
+      </p:sp>
+      <p:sp>
+        <p:nvSpPr>
+          <p:cNvPr id="3" name="内容占位符 2"/>
+          <p:cNvSpPr>
+            <a:spLocks noGrp="1"/>
+          </p:cNvSpPr>
+          <p:nvPr>
+            <p:ph idx="1"/>
+          </p:nvPr>
+        </p:nvSpPr>
+        <p:spPr/>
+        <p:txBody>
+          <a:bodyPr/>
+          <a:lstStyle/>
+          <a:p>
+            <a:r>
+              <a:rPr lang="en-US" altLang="zh-CN" dirty="0"/>
+              <a:t>for</a:t>
+            </a:r>
+            <a:r>
+              <a:rPr lang="zh-CN" altLang="zh-CN" dirty="0"/>
+              <a:t>循环是更加明确地应用计数方式进行循环的程序结构，前面介绍的两种循环结构同样可以使用</a:t>
+            </a:r>
+            <a:r>
+              <a:rPr lang="en-US" altLang="zh-CN" dirty="0"/>
+              <a:t>for</a:t>
+            </a:r>
+            <a:r>
+              <a:rPr lang="zh-CN" altLang="zh-CN" dirty="0"/>
+              <a:t>循环语句来实现。下面是使用</a:t>
+            </a:r>
+            <a:r>
+              <a:rPr lang="en-US" altLang="zh-CN" dirty="0"/>
+              <a:t>for</a:t>
+            </a:r>
+            <a:r>
+              <a:rPr lang="zh-CN" altLang="zh-CN" dirty="0"/>
+              <a:t>语句的一般格式：</a:t>
+            </a:r>
+          </a:p>
+          <a:p>
+            <a:r>
+              <a:rPr lang="en-US" altLang="zh-CN" b="1" dirty="0"/>
+              <a:t>for(</a:t>
+            </a:r>
+            <a:r>
+              <a:rPr lang="zh-CN" altLang="zh-CN" dirty="0"/>
+              <a:t>表达式</a:t>
+            </a:r>
+            <a:r>
+              <a:rPr lang="en-US" altLang="zh-CN" dirty="0"/>
+              <a:t>1</a:t>
+            </a:r>
+            <a:r>
+              <a:rPr lang="en-US" altLang="zh-CN" b="1" dirty="0"/>
+              <a:t>;</a:t>
+            </a:r>
+            <a:r>
+              <a:rPr lang="en-US" altLang="zh-CN" dirty="0"/>
+              <a:t> </a:t>
+            </a:r>
+            <a:r>
+              <a:rPr lang="zh-CN" altLang="zh-CN" dirty="0"/>
+              <a:t>表达式</a:t>
+            </a:r>
+            <a:r>
+              <a:rPr lang="en-US" altLang="zh-CN" dirty="0"/>
+              <a:t>2</a:t>
+            </a:r>
+            <a:r>
+              <a:rPr lang="en-US" altLang="zh-CN" b="1" dirty="0"/>
+              <a:t>;</a:t>
+            </a:r>
+            <a:r>
+              <a:rPr lang="en-US" altLang="zh-CN" dirty="0"/>
+              <a:t> </a:t>
+            </a:r>
+            <a:r>
+              <a:rPr lang="zh-CN" altLang="zh-CN" dirty="0"/>
+              <a:t>表达式</a:t>
+            </a:r>
+            <a:r>
+              <a:rPr lang="en-US" altLang="zh-CN" dirty="0"/>
+              <a:t>3</a:t>
+            </a:r>
+            <a:r>
+              <a:rPr lang="en-US" altLang="zh-CN" b="1" dirty="0"/>
+              <a:t>)</a:t>
+            </a:r>
+            <a:r>
+              <a:rPr lang="en-US" altLang="zh-CN" dirty="0"/>
+              <a:t>  </a:t>
+            </a:r>
+            <a:endParaRPr lang="en-US" altLang="zh-CN" dirty="0" smtClean="0"/>
+          </a:p>
+          <a:p>
+            <a:pPr lvl="1"/>
+            <a:r>
+              <a:rPr lang="zh-CN" altLang="zh-CN" dirty="0" smtClean="0"/>
+              <a:t>循环体</a:t>
+            </a:r>
+            <a:r>
+              <a:rPr lang="zh-CN" altLang="zh-CN" dirty="0"/>
+              <a:t>语句</a:t>
+            </a:r>
+            <a:r>
+              <a:rPr lang="en-US" altLang="zh-CN" dirty="0"/>
+              <a:t>A</a:t>
+            </a:r>
+            <a:r>
+              <a:rPr lang="en-US" altLang="zh-CN" b="1" dirty="0"/>
+              <a:t>;</a:t>
+            </a:r>
+            <a:endParaRPr lang="zh-CN" altLang="zh-CN" dirty="0"/>
+          </a:p>
+          <a:p>
+            <a:endParaRPr lang="zh-CN" altLang="en-US" dirty="0"/>
+          </a:p>
+        </p:txBody>
+      </p:sp>
+    </p:spTree>
+    <p:extLst>
+      <p:ext uri="{BB962C8B-B14F-4D97-AF65-F5344CB8AC3E}">
+        <p14:creationId xmlns:p14="http://schemas.microsoft.com/office/powerpoint/2010/main" val="3535196743"/>
+      </p:ext>
+    </p:extLst>
+  </p:cSld>
+  <p:clrMapOvr>
+    <a:masterClrMapping/>
+  </p:clrMapOvr>
+</p:sld>
+</file>
+
+<file path=ppt/slides/slide23.xml><?xml version="1.0" encoding="utf-8"?>
+<p:sld xmlns:a="http://schemas.openxmlformats.org/drawingml/2006/main" xmlns:r="http://schemas.openxmlformats.org/officeDocument/2006/relationships" xmlns:p="http://schemas.openxmlformats.org/presentationml/2006/main">
+  <p:cSld>
+    <p:spTree>
+      <p:nvGrpSpPr>
+        <p:cNvPr id="1" name=""/>
+        <p:cNvGrpSpPr/>
+        <p:nvPr/>
+      </p:nvGrpSpPr>
+      <p:grpSpPr>
+        <a:xfrm>
+          <a:off x="0" y="0"/>
+          <a:ext cx="0" cy="0"/>
+          <a:chOff x="0" y="0"/>
+          <a:chExt cx="0" cy="0"/>
+        </a:xfrm>
+      </p:grpSpPr>
+      <p:sp>
+        <p:nvSpPr>
+          <p:cNvPr id="2" name="标题 1"/>
+          <p:cNvSpPr>
+            <a:spLocks noGrp="1"/>
+          </p:cNvSpPr>
+          <p:nvPr>
+            <p:ph type="title"/>
+          </p:nvPr>
+        </p:nvSpPr>
+        <p:spPr/>
+        <p:txBody>
+          <a:bodyPr/>
+          <a:lstStyle/>
+          <a:p>
+            <a:endParaRPr lang="zh-CN" altLang="en-US"/>
+          </a:p>
+        </p:txBody>
+      </p:sp>
+      <p:sp>
+        <p:nvSpPr>
+          <p:cNvPr id="3" name="内容占位符 2"/>
+          <p:cNvSpPr>
+            <a:spLocks noGrp="1"/>
+          </p:cNvSpPr>
+          <p:nvPr>
+            <p:ph idx="1"/>
+          </p:nvPr>
+        </p:nvSpPr>
+        <p:spPr/>
+        <p:txBody>
+          <a:bodyPr>
+            <a:normAutofit fontScale="85000" lnSpcReduction="20000"/>
+          </a:bodyPr>
+          <a:lstStyle/>
+          <a:p>
+            <a:r>
+              <a:rPr lang="zh-CN" altLang="zh-CN" dirty="0"/>
+              <a:t>它的执行流程如图</a:t>
+            </a:r>
+            <a:r>
+              <a:rPr lang="en-US" altLang="zh-CN" dirty="0"/>
+              <a:t> 5-3</a:t>
+            </a:r>
+            <a:r>
+              <a:rPr lang="zh-CN" altLang="zh-CN" dirty="0"/>
+              <a:t>所示，这个过程是：</a:t>
+            </a:r>
+          </a:p>
+          <a:p>
+            <a:pPr marL="514350" lvl="0" indent="-514350">
+              <a:buFont typeface="+mj-lt"/>
+              <a:buAutoNum type="arabicPeriod"/>
+            </a:pPr>
+            <a:r>
+              <a:rPr lang="zh-CN" altLang="zh-CN" dirty="0"/>
+              <a:t>先求解表达式</a:t>
+            </a:r>
+            <a:r>
+              <a:rPr lang="en-US" altLang="zh-CN" dirty="0"/>
+              <a:t>1</a:t>
+            </a:r>
+            <a:r>
+              <a:rPr lang="zh-CN" altLang="zh-CN" dirty="0"/>
+              <a:t>。</a:t>
+            </a:r>
+          </a:p>
+          <a:p>
+            <a:pPr marL="514350" lvl="0" indent="-514350">
+              <a:buFont typeface="+mj-lt"/>
+              <a:buAutoNum type="arabicPeriod"/>
+            </a:pPr>
+            <a:r>
+              <a:rPr lang="zh-CN" altLang="zh-CN" dirty="0"/>
+              <a:t>求解表达式</a:t>
+            </a:r>
+            <a:r>
+              <a:rPr lang="en-US" altLang="zh-CN" dirty="0"/>
+              <a:t>2</a:t>
+            </a:r>
+            <a:r>
+              <a:rPr lang="zh-CN" altLang="zh-CN" dirty="0"/>
+              <a:t>，若其值为真，则执行</a:t>
+            </a:r>
+            <a:r>
+              <a:rPr lang="en-US" altLang="zh-CN" dirty="0"/>
+              <a:t>for</a:t>
+            </a:r>
+            <a:r>
+              <a:rPr lang="zh-CN" altLang="zh-CN" dirty="0"/>
+              <a:t>语句中指定的循环语句，然后执行下面第</a:t>
+            </a:r>
+            <a:r>
+              <a:rPr lang="en-US" altLang="zh-CN" dirty="0"/>
+              <a:t>3</a:t>
+            </a:r>
+            <a:r>
+              <a:rPr lang="zh-CN" altLang="zh-CN" dirty="0"/>
+              <a:t>步；若其值为假，则结束循环，转到第</a:t>
+            </a:r>
+            <a:r>
+              <a:rPr lang="en-US" altLang="zh-CN" dirty="0"/>
+              <a:t>5</a:t>
+            </a:r>
+            <a:r>
+              <a:rPr lang="zh-CN" altLang="zh-CN" dirty="0"/>
+              <a:t>步。</a:t>
+            </a:r>
+          </a:p>
+          <a:p>
+            <a:pPr marL="514350" lvl="0" indent="-514350">
+              <a:buFont typeface="+mj-lt"/>
+              <a:buAutoNum type="arabicPeriod"/>
+            </a:pPr>
+            <a:r>
+              <a:rPr lang="zh-CN" altLang="zh-CN" dirty="0"/>
+              <a:t>求解表达式</a:t>
+            </a:r>
+            <a:r>
+              <a:rPr lang="en-US" altLang="zh-CN" dirty="0"/>
+              <a:t>3</a:t>
+            </a:r>
+            <a:r>
+              <a:rPr lang="zh-CN" altLang="zh-CN" dirty="0"/>
+              <a:t>。</a:t>
+            </a:r>
+          </a:p>
+          <a:p>
+            <a:pPr marL="514350" lvl="0" indent="-514350">
+              <a:buFont typeface="+mj-lt"/>
+              <a:buAutoNum type="arabicPeriod"/>
+            </a:pPr>
+            <a:r>
+              <a:rPr lang="zh-CN" altLang="zh-CN" dirty="0"/>
+              <a:t>转回上面第</a:t>
+            </a:r>
+            <a:r>
+              <a:rPr lang="en-US" altLang="zh-CN" dirty="0"/>
+              <a:t>2</a:t>
+            </a:r>
+            <a:r>
+              <a:rPr lang="zh-CN" altLang="zh-CN" dirty="0"/>
+              <a:t>步继续执行。</a:t>
+            </a:r>
+          </a:p>
+          <a:p>
+            <a:pPr marL="514350" lvl="0" indent="-514350">
+              <a:buFont typeface="+mj-lt"/>
+              <a:buAutoNum type="arabicPeriod"/>
+            </a:pPr>
+            <a:r>
+              <a:rPr lang="zh-CN" altLang="zh-CN" dirty="0"/>
+              <a:t>循环结束，执行</a:t>
+            </a:r>
+            <a:r>
+              <a:rPr lang="en-US" altLang="zh-CN" dirty="0"/>
+              <a:t>for</a:t>
+            </a:r>
+            <a:r>
+              <a:rPr lang="zh-CN" altLang="zh-CN" dirty="0"/>
+              <a:t>语句下面的一个语句。</a:t>
+            </a:r>
+          </a:p>
+          <a:p>
+            <a:endParaRPr lang="zh-CN" altLang="en-US" dirty="0"/>
+          </a:p>
+        </p:txBody>
+      </p:sp>
+    </p:spTree>
+    <p:extLst>
+      <p:ext uri="{BB962C8B-B14F-4D97-AF65-F5344CB8AC3E}">
+        <p14:creationId xmlns:p14="http://schemas.microsoft.com/office/powerpoint/2010/main" val="1951425787"/>
+      </p:ext>
+    </p:extLst>
+  </p:cSld>
+  <p:clrMapOvr>
+    <a:masterClrMapping/>
+  </p:clrMapOvr>
+</p:sld>
+</file>
+
+<file path=ppt/slides/slide24.xml><?xml version="1.0" encoding="utf-8"?>
+<p:sld xmlns:a="http://schemas.openxmlformats.org/drawingml/2006/main" xmlns:r="http://schemas.openxmlformats.org/officeDocument/2006/relationships" xmlns:p="http://schemas.openxmlformats.org/presentationml/2006/main">
+  <p:cSld>
+    <p:spTree>
+      <p:nvGrpSpPr>
+        <p:cNvPr id="1" name=""/>
+        <p:cNvGrpSpPr/>
+        <p:nvPr/>
+      </p:nvGrpSpPr>
+      <p:grpSpPr>
+        <a:xfrm>
+          <a:off x="0" y="0"/>
+          <a:ext cx="0" cy="0"/>
+          <a:chOff x="0" y="0"/>
+          <a:chExt cx="0" cy="0"/>
+        </a:xfrm>
+      </p:grpSpPr>
+      <p:sp>
+        <p:nvSpPr>
+          <p:cNvPr id="2" name="标题 1"/>
+          <p:cNvSpPr>
+            <a:spLocks noGrp="1"/>
+          </p:cNvSpPr>
+          <p:nvPr>
+            <p:ph type="title"/>
+          </p:nvPr>
+        </p:nvSpPr>
+        <p:spPr/>
+        <p:txBody>
+          <a:bodyPr/>
+          <a:lstStyle/>
+          <a:p>
+            <a:endParaRPr lang="zh-CN" altLang="en-US"/>
+          </a:p>
+        </p:txBody>
+      </p:sp>
+      <p:sp>
+        <p:nvSpPr>
+          <p:cNvPr id="3" name="内容占位符 2"/>
+          <p:cNvSpPr>
+            <a:spLocks noGrp="1"/>
+          </p:cNvSpPr>
+          <p:nvPr>
+            <p:ph idx="1"/>
+          </p:nvPr>
+        </p:nvSpPr>
+        <p:spPr/>
+        <p:txBody>
+          <a:bodyPr/>
+          <a:lstStyle/>
+          <a:p>
+            <a:endParaRPr lang="zh-CN" altLang="en-US"/>
+          </a:p>
+        </p:txBody>
+      </p:sp>
+      <p:pic>
+        <p:nvPicPr>
+          <p:cNvPr id="10242" name="Picture 2"/>
+          <p:cNvPicPr>
+            <a:picLocks noChangeAspect="1" noChangeArrowheads="1"/>
+          </p:cNvPicPr>
+          <p:nvPr/>
+        </p:nvPicPr>
+        <p:blipFill>
+          <a:blip r:embed="rId2" cstate="print">
+            <a:extLst>
+              <a:ext uri="{28A0092B-C50C-407E-A947-70E740481C1C}">
+                <a14:useLocalDpi xmlns:a14="http://schemas.microsoft.com/office/drawing/2010/main" val="0"/>
+              </a:ext>
+            </a:extLst>
+          </a:blip>
+          <a:srcRect/>
+          <a:stretch>
+            <a:fillRect/>
+          </a:stretch>
+        </p:blipFill>
+        <p:spPr bwMode="auto">
+          <a:xfrm>
+            <a:off x="3529013" y="234950"/>
+            <a:ext cx="2084387" cy="4672013"/>
+          </a:xfrm>
+          <a:prstGeom prst="rect">
+            <a:avLst/>
+          </a:prstGeom>
+          <a:solidFill>
+            <a:srgbClr val="FFFFFF">
+              <a:shade val="85000"/>
+            </a:srgbClr>
+          </a:solidFill>
+          <a:ln w="88900" cap="sq">
+            <a:solidFill>
+              <a:srgbClr val="FFFFFF"/>
+            </a:solidFill>
+            <a:miter lim="800000"/>
+          </a:ln>
+          <a:effectLst>
+            <a:outerShdw blurRad="55000" dist="18000" dir="5400000" algn="tl" rotWithShape="0">
+              <a:srgbClr val="000000">
+                <a:alpha val="40000"/>
+              </a:srgbClr>
+            </a:outerShdw>
+          </a:effectLst>
+          <a:scene3d>
+            <a:camera prst="orthographicFront"/>
+            <a:lightRig rig="twoPt" dir="t">
+              <a:rot lat="0" lon="0" rev="7200000"/>
+            </a:lightRig>
+          </a:scene3d>
+          <a:sp3d>
+            <a:bevelT w="25400" h="19050"/>
+            <a:contourClr>
+              <a:srgbClr val="FFFFFF"/>
+            </a:contourClr>
+          </a:sp3d>
+          <a:extLst>
+            <a:ext uri="{909E8E84-426E-40DD-AFC4-6F175D3DCCD1}">
+              <a14:hiddenFill xmlns:a14="http://schemas.microsoft.com/office/drawing/2010/main">
+                <a:solidFill>
+                  <a:schemeClr val="accent1"/>
+                </a:solidFill>
+              </a14:hiddenFill>
+            </a:ext>
+            <a:ext uri="{91240B29-F687-4F45-9708-019B960494DF}">
+              <a14:hiddenLine xmlns:a14="http://schemas.microsoft.com/office/drawing/2010/main" w="9525">
+                <a:solidFill>
+                  <a:schemeClr val="tx1"/>
+                </a:solidFill>
+                <a:miter lim="800000"/>
+                <a:headEnd/>
+                <a:tailEnd/>
+              </a14:hiddenLine>
+            </a:ext>
+            <a:ext uri="{AF507438-7753-43E0-B8FC-AC1667EBCBE1}">
+              <a14:hiddenEffects xmlns:a14="http://schemas.microsoft.com/office/drawing/2010/main">
+                <a:effectLst>
+                  <a:outerShdw dist="35921" dir="2700000" algn="ctr" rotWithShape="0">
+                    <a:schemeClr val="bg2"/>
+                  </a:outerShdw>
+                </a:effectLst>
+              </a14:hiddenEffects>
+            </a:ext>
+          </a:extLst>
+        </p:spPr>
+      </p:pic>
+    </p:spTree>
+    <p:extLst>
+      <p:ext uri="{BB962C8B-B14F-4D97-AF65-F5344CB8AC3E}">
+        <p14:creationId xmlns:p14="http://schemas.microsoft.com/office/powerpoint/2010/main" val="3869339280"/>
+      </p:ext>
+    </p:extLst>
+  </p:cSld>
+  <p:clrMapOvr>
+    <a:masterClrMapping/>
+  </p:clrMapOvr>
+</p:sld>
+</file>
+
+<file path=ppt/slides/slide25.xml><?xml version="1.0" encoding="utf-8"?>
+<p:sld xmlns:a="http://schemas.openxmlformats.org/drawingml/2006/main" xmlns:r="http://schemas.openxmlformats.org/officeDocument/2006/relationships" xmlns:p="http://schemas.openxmlformats.org/presentationml/2006/main">
+  <p:cSld>
+    <p:spTree>
+      <p:nvGrpSpPr>
+        <p:cNvPr id="1" name=""/>
+        <p:cNvGrpSpPr/>
+        <p:nvPr/>
+      </p:nvGrpSpPr>
+      <p:grpSpPr>
+        <a:xfrm>
+          <a:off x="0" y="0"/>
+          <a:ext cx="0" cy="0"/>
+          <a:chOff x="0" y="0"/>
+          <a:chExt cx="0" cy="0"/>
+        </a:xfrm>
+      </p:grpSpPr>
+      <p:sp>
+        <p:nvSpPr>
+          <p:cNvPr id="2" name="标题 1"/>
+          <p:cNvSpPr>
+            <a:spLocks noGrp="1"/>
+          </p:cNvSpPr>
+          <p:nvPr>
+            <p:ph type="title"/>
+          </p:nvPr>
+        </p:nvSpPr>
+        <p:spPr/>
+        <p:txBody>
+          <a:bodyPr/>
+          <a:lstStyle/>
+          <a:p>
+            <a:endParaRPr lang="zh-CN" altLang="en-US"/>
+          </a:p>
+        </p:txBody>
+      </p:sp>
+      <p:sp>
+        <p:nvSpPr>
+          <p:cNvPr id="3" name="内容占位符 2"/>
+          <p:cNvSpPr>
+            <a:spLocks noGrp="1"/>
+          </p:cNvSpPr>
+          <p:nvPr>
+            <p:ph idx="1"/>
+          </p:nvPr>
+        </p:nvSpPr>
+        <p:spPr/>
+        <p:txBody>
+          <a:bodyPr/>
+          <a:lstStyle/>
+          <a:p>
+            <a:r>
+              <a:rPr lang="zh-CN" altLang="zh-CN" dirty="0"/>
+              <a:t>其中，表达式</a:t>
+            </a:r>
+            <a:r>
+              <a:rPr lang="en-US" altLang="zh-CN" dirty="0"/>
+              <a:t>1</a:t>
+            </a:r>
+            <a:r>
+              <a:rPr lang="zh-CN" altLang="zh-CN" dirty="0"/>
+              <a:t>一般用于给循环控制变量或其他变量赋初值；表达式</a:t>
+            </a:r>
+            <a:r>
+              <a:rPr lang="en-US" altLang="zh-CN" dirty="0"/>
+              <a:t>2</a:t>
+            </a:r>
+            <a:r>
+              <a:rPr lang="zh-CN" altLang="zh-CN" dirty="0"/>
+              <a:t>返回一个逻辑值，用于控制循环是否继续；表达式</a:t>
+            </a:r>
+            <a:r>
+              <a:rPr lang="en-US" altLang="zh-CN" dirty="0"/>
+              <a:t>3</a:t>
+            </a:r>
+            <a:r>
+              <a:rPr lang="zh-CN" altLang="zh-CN" dirty="0"/>
+              <a:t>一般用于对循环控制变量进行赋值。这三个表达式之间用分号隔开。下面的程序片段使用</a:t>
+            </a:r>
+            <a:r>
+              <a:rPr lang="en-US" altLang="zh-CN" dirty="0"/>
+              <a:t>for</a:t>
+            </a:r>
+            <a:r>
+              <a:rPr lang="zh-CN" altLang="zh-CN" dirty="0"/>
+              <a:t>语句实现从</a:t>
+            </a:r>
+            <a:r>
+              <a:rPr lang="en-US" altLang="zh-CN" dirty="0"/>
+              <a:t>1</a:t>
+            </a:r>
+            <a:r>
+              <a:rPr lang="zh-CN" altLang="zh-CN" dirty="0"/>
+              <a:t>到</a:t>
+            </a:r>
+            <a:r>
+              <a:rPr lang="en-US" altLang="zh-CN" dirty="0"/>
+              <a:t>10</a:t>
+            </a:r>
+            <a:r>
+              <a:rPr lang="zh-CN" altLang="zh-CN" dirty="0"/>
+              <a:t>累加求和：</a:t>
+            </a:r>
+          </a:p>
+          <a:p>
+            <a:endParaRPr lang="zh-CN" altLang="en-US" dirty="0"/>
+          </a:p>
+        </p:txBody>
+      </p:sp>
+      <p:pic>
+        <p:nvPicPr>
+          <p:cNvPr id="11266" name="Picture 2"/>
+          <p:cNvPicPr>
+            <a:picLocks noChangeAspect="1" noChangeArrowheads="1"/>
+          </p:cNvPicPr>
+          <p:nvPr/>
+        </p:nvPicPr>
+        <p:blipFill>
+          <a:blip r:embed="rId2" cstate="print">
+            <a:extLst>
+              <a:ext uri="{28A0092B-C50C-407E-A947-70E740481C1C}">
+                <a14:useLocalDpi xmlns:a14="http://schemas.microsoft.com/office/drawing/2010/main" val="0"/>
+              </a:ext>
+            </a:extLst>
+          </a:blip>
+          <a:srcRect/>
+          <a:stretch>
+            <a:fillRect/>
+          </a:stretch>
+        </p:blipFill>
+        <p:spPr bwMode="auto">
+          <a:xfrm>
+            <a:off x="1979712" y="4371950"/>
+            <a:ext cx="5287963" cy="593725"/>
+          </a:xfrm>
+          <a:prstGeom prst="rect">
+            <a:avLst/>
+          </a:prstGeom>
+          <a:noFill/>
+          <a:ln>
+            <a:noFill/>
+          </a:ln>
+          <a:effectLst/>
+          <a:extLst>
+            <a:ext uri="{909E8E84-426E-40DD-AFC4-6F175D3DCCD1}">
+              <a14:hiddenFill xmlns:a14="http://schemas.microsoft.com/office/drawing/2010/main">
+                <a:solidFill>
+                  <a:schemeClr val="accent1"/>
+                </a:solidFill>
+              </a14:hiddenFill>
+            </a:ext>
+            <a:ext uri="{91240B29-F687-4F45-9708-019B960494DF}">
+              <a14:hiddenLine xmlns:a14="http://schemas.microsoft.com/office/drawing/2010/main" w="9525">
+                <a:solidFill>
+                  <a:schemeClr val="tx1"/>
+                </a:solidFill>
+                <a:miter lim="800000"/>
+                <a:headEnd/>
+                <a:tailEnd/>
+              </a14:hiddenLine>
+            </a:ext>
+            <a:ext uri="{AF507438-7753-43E0-B8FC-AC1667EBCBE1}">
+              <a14:hiddenEffects xmlns:a14="http://schemas.microsoft.com/office/drawing/2010/main">
+                <a:effectLst>
+                  <a:outerShdw dist="35921" dir="2700000" algn="ctr" rotWithShape="0">
+                    <a:schemeClr val="bg2"/>
+                  </a:outerShdw>
+                </a:effectLst>
+              </a14:hiddenEffects>
+            </a:ext>
+          </a:extLst>
+        </p:spPr>
+      </p:pic>
+    </p:spTree>
+    <p:extLst>
+      <p:ext uri="{BB962C8B-B14F-4D97-AF65-F5344CB8AC3E}">
+        <p14:creationId xmlns:p14="http://schemas.microsoft.com/office/powerpoint/2010/main" val="2090224850"/>
+      </p:ext>
+    </p:extLst>
+  </p:cSld>
+  <p:clrMapOvr>
+    <a:masterClrMapping/>
+  </p:clrMapOvr>
+</p:sld>
+</file>
+
+<file path=ppt/slides/slide26.xml><?xml version="1.0" encoding="utf-8"?>
+<p:sld xmlns:a="http://schemas.openxmlformats.org/drawingml/2006/main" xmlns:r="http://schemas.openxmlformats.org/officeDocument/2006/relationships" xmlns:p="http://schemas.openxmlformats.org/presentationml/2006/main">
+  <p:cSld>
+    <p:spTree>
+      <p:nvGrpSpPr>
+        <p:cNvPr id="1" name=""/>
+        <p:cNvGrpSpPr/>
+        <p:nvPr/>
+      </p:nvGrpSpPr>
+      <p:grpSpPr>
+        <a:xfrm>
+          <a:off x="0" y="0"/>
+          <a:ext cx="0" cy="0"/>
+          <a:chOff x="0" y="0"/>
+          <a:chExt cx="0" cy="0"/>
+        </a:xfrm>
+      </p:grpSpPr>
+      <p:sp>
+        <p:nvSpPr>
+          <p:cNvPr id="2" name="标题 1"/>
+          <p:cNvSpPr>
+            <a:spLocks noGrp="1"/>
+          </p:cNvSpPr>
+          <p:nvPr>
+            <p:ph type="title"/>
+          </p:nvPr>
+        </p:nvSpPr>
+        <p:spPr/>
+        <p:txBody>
+          <a:bodyPr/>
+          <a:lstStyle/>
+          <a:p>
+            <a:endParaRPr lang="zh-CN" altLang="en-US"/>
+          </a:p>
+        </p:txBody>
+      </p:sp>
+      <p:sp>
+        <p:nvSpPr>
+          <p:cNvPr id="3" name="内容占位符 2"/>
+          <p:cNvSpPr>
+            <a:spLocks noGrp="1"/>
+          </p:cNvSpPr>
+          <p:nvPr>
+            <p:ph idx="1"/>
+          </p:nvPr>
+        </p:nvSpPr>
+        <p:spPr/>
+        <p:txBody>
+          <a:bodyPr/>
+          <a:lstStyle/>
+          <a:p>
+            <a:r>
+              <a:rPr lang="zh-CN" altLang="zh-CN" dirty="0"/>
+              <a:t>相比于前面介绍的</a:t>
+            </a:r>
+            <a:r>
+              <a:rPr lang="en-US" altLang="zh-CN" dirty="0"/>
+              <a:t>while</a:t>
+            </a:r>
+            <a:r>
+              <a:rPr lang="zh-CN" altLang="zh-CN" dirty="0"/>
+              <a:t>循环和</a:t>
+            </a:r>
+            <a:r>
+              <a:rPr lang="en-US" altLang="zh-CN" dirty="0"/>
+              <a:t>do</a:t>
+            </a:r>
+            <a:r>
+              <a:rPr lang="zh-CN" altLang="zh-CN" dirty="0"/>
+              <a:t>循环，使用</a:t>
+            </a:r>
+            <a:r>
+              <a:rPr lang="en-US" altLang="zh-CN" dirty="0"/>
+              <a:t>for</a:t>
+            </a:r>
+            <a:r>
+              <a:rPr lang="zh-CN" altLang="zh-CN" dirty="0"/>
+              <a:t>语句实现这个递加功能的代码更加紧凑。</a:t>
+            </a:r>
+          </a:p>
+          <a:p>
+            <a:r>
+              <a:rPr lang="zh-CN" altLang="zh-CN" dirty="0"/>
+              <a:t>对于</a:t>
+            </a:r>
+            <a:r>
+              <a:rPr lang="en-US" altLang="zh-CN" dirty="0"/>
+              <a:t>for</a:t>
+            </a:r>
+            <a:r>
+              <a:rPr lang="zh-CN" altLang="zh-CN" dirty="0"/>
+              <a:t>循环语句的一般形式，可以用如下的</a:t>
+            </a:r>
+            <a:r>
+              <a:rPr lang="en-US" altLang="zh-CN" dirty="0"/>
+              <a:t>while</a:t>
+            </a:r>
+            <a:r>
+              <a:rPr lang="zh-CN" altLang="zh-CN" dirty="0"/>
+              <a:t>循环来实现：</a:t>
+            </a:r>
+          </a:p>
+          <a:p>
+            <a:endParaRPr lang="zh-CN" altLang="en-US" dirty="0"/>
+          </a:p>
+        </p:txBody>
+      </p:sp>
+      <p:pic>
+        <p:nvPicPr>
+          <p:cNvPr id="12290" name="Picture 2"/>
+          <p:cNvPicPr>
+            <a:picLocks noChangeAspect="1" noChangeArrowheads="1"/>
+          </p:cNvPicPr>
+          <p:nvPr/>
+        </p:nvPicPr>
+        <p:blipFill>
+          <a:blip r:embed="rId2" cstate="print">
+            <a:extLst>
+              <a:ext uri="{28A0092B-C50C-407E-A947-70E740481C1C}">
+                <a14:useLocalDpi xmlns:a14="http://schemas.microsoft.com/office/drawing/2010/main" val="0"/>
+              </a:ext>
+            </a:extLst>
+          </a:blip>
+          <a:srcRect/>
+          <a:stretch>
+            <a:fillRect/>
+          </a:stretch>
+        </p:blipFill>
+        <p:spPr bwMode="auto">
+          <a:xfrm>
+            <a:off x="2195736" y="3867894"/>
+            <a:ext cx="5287963" cy="990600"/>
+          </a:xfrm>
+          <a:prstGeom prst="rect">
+            <a:avLst/>
+          </a:prstGeom>
+          <a:noFill/>
+          <a:ln>
+            <a:noFill/>
+          </a:ln>
+          <a:effectLst/>
+          <a:extLst>
+            <a:ext uri="{909E8E84-426E-40DD-AFC4-6F175D3DCCD1}">
+              <a14:hiddenFill xmlns:a14="http://schemas.microsoft.com/office/drawing/2010/main">
+                <a:solidFill>
+                  <a:schemeClr val="accent1"/>
+                </a:solidFill>
+              </a14:hiddenFill>
+            </a:ext>
+            <a:ext uri="{91240B29-F687-4F45-9708-019B960494DF}">
+              <a14:hiddenLine xmlns:a14="http://schemas.microsoft.com/office/drawing/2010/main" w="9525">
+                <a:solidFill>
+                  <a:schemeClr val="tx1"/>
+                </a:solidFill>
+                <a:miter lim="800000"/>
+                <a:headEnd/>
+                <a:tailEnd/>
+              </a14:hiddenLine>
+            </a:ext>
+            <a:ext uri="{AF507438-7753-43E0-B8FC-AC1667EBCBE1}">
+              <a14:hiddenEffects xmlns:a14="http://schemas.microsoft.com/office/drawing/2010/main">
+                <a:effectLst>
+                  <a:outerShdw dist="35921" dir="2700000" algn="ctr" rotWithShape="0">
+                    <a:schemeClr val="bg2"/>
+                  </a:outerShdw>
+                </a:effectLst>
+              </a14:hiddenEffects>
+            </a:ext>
+          </a:extLst>
+        </p:spPr>
+      </p:pic>
+    </p:spTree>
+    <p:extLst>
+      <p:ext uri="{BB962C8B-B14F-4D97-AF65-F5344CB8AC3E}">
+        <p14:creationId xmlns:p14="http://schemas.microsoft.com/office/powerpoint/2010/main" val="912559996"/>
+      </p:ext>
+    </p:extLst>
+  </p:cSld>
+  <p:clrMapOvr>
+    <a:masterClrMapping/>
+  </p:clrMapOvr>
+</p:sld>
+</file>
+
+<file path=ppt/slides/slide27.xml><?xml version="1.0" encoding="utf-8"?>
+<p:sld xmlns:a="http://schemas.openxmlformats.org/drawingml/2006/main" xmlns:r="http://schemas.openxmlformats.org/officeDocument/2006/relationships" xmlns:p="http://schemas.openxmlformats.org/presentationml/2006/main">
+  <p:cSld>
+    <p:spTree>
+      <p:nvGrpSpPr>
+        <p:cNvPr id="1" name=""/>
+        <p:cNvGrpSpPr/>
+        <p:nvPr/>
+      </p:nvGrpSpPr>
+      <p:grpSpPr>
+        <a:xfrm>
+          <a:off x="0" y="0"/>
+          <a:ext cx="0" cy="0"/>
+          <a:chOff x="0" y="0"/>
+          <a:chExt cx="0" cy="0"/>
+        </a:xfrm>
+      </p:grpSpPr>
+      <p:sp>
+        <p:nvSpPr>
+          <p:cNvPr id="2" name="标题 1"/>
+          <p:cNvSpPr>
+            <a:spLocks noGrp="1"/>
+          </p:cNvSpPr>
+          <p:nvPr>
+            <p:ph type="title"/>
+          </p:nvPr>
+        </p:nvSpPr>
+        <p:spPr/>
+        <p:txBody>
+          <a:bodyPr/>
+          <a:lstStyle/>
+          <a:p>
+            <a:endParaRPr lang="zh-CN" altLang="en-US"/>
+          </a:p>
+        </p:txBody>
+      </p:sp>
+      <p:sp>
+        <p:nvSpPr>
+          <p:cNvPr id="3" name="内容占位符 2"/>
+          <p:cNvSpPr>
+            <a:spLocks noGrp="1"/>
+          </p:cNvSpPr>
+          <p:nvPr>
+            <p:ph idx="1"/>
+          </p:nvPr>
+        </p:nvSpPr>
+        <p:spPr/>
+        <p:txBody>
+          <a:bodyPr/>
+          <a:lstStyle/>
+          <a:p>
+            <a:r>
+              <a:rPr lang="en-US" altLang="zh-CN" dirty="0"/>
+              <a:t>for</a:t>
+            </a:r>
+            <a:r>
+              <a:rPr lang="zh-CN" altLang="zh-CN" dirty="0"/>
+              <a:t>语句中的三个表达式都是可选的，这三个表达式中任何一个或多个都可以省略，但它们之间的分号不能</a:t>
+            </a:r>
+            <a:r>
+              <a:rPr lang="zh-CN" altLang="zh-CN" dirty="0" smtClean="0"/>
+              <a:t>省略</a:t>
+            </a:r>
+            <a:endParaRPr lang="en-US" altLang="zh-CN" dirty="0" smtClean="0"/>
+          </a:p>
+          <a:p>
+            <a:r>
+              <a:rPr lang="zh-CN" altLang="zh-CN" dirty="0" smtClean="0"/>
+              <a:t>比如</a:t>
+            </a:r>
+            <a:r>
+              <a:rPr lang="zh-CN" altLang="zh-CN" dirty="0"/>
+              <a:t>可以使用下面的程序片段实现前面的从</a:t>
+            </a:r>
+            <a:r>
+              <a:rPr lang="en-US" altLang="zh-CN" dirty="0"/>
+              <a:t>1</a:t>
+            </a:r>
+            <a:r>
+              <a:rPr lang="zh-CN" altLang="zh-CN" dirty="0"/>
+              <a:t>到</a:t>
+            </a:r>
+            <a:r>
+              <a:rPr lang="en-US" altLang="zh-CN" dirty="0"/>
+              <a:t>10</a:t>
+            </a:r>
+            <a:r>
+              <a:rPr lang="zh-CN" altLang="zh-CN" dirty="0"/>
+              <a:t>累加求和。</a:t>
+            </a:r>
+          </a:p>
+          <a:p>
+            <a:endParaRPr lang="zh-CN" altLang="en-US" dirty="0"/>
+          </a:p>
+        </p:txBody>
+      </p:sp>
+    </p:spTree>
+    <p:extLst>
+      <p:ext uri="{BB962C8B-B14F-4D97-AF65-F5344CB8AC3E}">
+        <p14:creationId xmlns:p14="http://schemas.microsoft.com/office/powerpoint/2010/main" val="1844904927"/>
+      </p:ext>
+    </p:extLst>
+  </p:cSld>
+  <p:clrMapOvr>
+    <a:masterClrMapping/>
+  </p:clrMapOvr>
+</p:sld>
+</file>
+
+<file path=ppt/slides/slide28.xml><?xml version="1.0" encoding="utf-8"?>
+<p:sld xmlns:a="http://schemas.openxmlformats.org/drawingml/2006/main" xmlns:r="http://schemas.openxmlformats.org/officeDocument/2006/relationships" xmlns:p="http://schemas.openxmlformats.org/presentationml/2006/main">
+  <p:cSld>
+    <p:spTree>
+      <p:nvGrpSpPr>
+        <p:cNvPr id="1" name=""/>
+        <p:cNvGrpSpPr/>
+        <p:nvPr/>
+      </p:nvGrpSpPr>
+      <p:grpSpPr>
+        <a:xfrm>
+          <a:off x="0" y="0"/>
+          <a:ext cx="0" cy="0"/>
+          <a:chOff x="0" y="0"/>
+          <a:chExt cx="0" cy="0"/>
+        </a:xfrm>
+      </p:grpSpPr>
+      <p:sp>
+        <p:nvSpPr>
+          <p:cNvPr id="2" name="标题 1"/>
+          <p:cNvSpPr>
+            <a:spLocks noGrp="1"/>
+          </p:cNvSpPr>
+          <p:nvPr>
+            <p:ph type="title"/>
+          </p:nvPr>
+        </p:nvSpPr>
+        <p:spPr/>
+        <p:txBody>
+          <a:bodyPr/>
+          <a:lstStyle/>
+          <a:p>
+            <a:endParaRPr lang="zh-CN" altLang="en-US"/>
+          </a:p>
+        </p:txBody>
+      </p:sp>
+      <p:sp>
+        <p:nvSpPr>
+          <p:cNvPr id="3" name="内容占位符 2"/>
+          <p:cNvSpPr>
+            <a:spLocks noGrp="1"/>
+          </p:cNvSpPr>
+          <p:nvPr>
+            <p:ph idx="1"/>
+          </p:nvPr>
+        </p:nvSpPr>
+        <p:spPr/>
+        <p:txBody>
+          <a:bodyPr/>
+          <a:lstStyle/>
+          <a:p>
+            <a:endParaRPr lang="zh-CN" altLang="en-US" dirty="0"/>
+          </a:p>
+        </p:txBody>
+      </p:sp>
+      <p:pic>
+        <p:nvPicPr>
+          <p:cNvPr id="13314" name="Picture 2"/>
+          <p:cNvPicPr>
+            <a:picLocks noChangeAspect="1" noChangeArrowheads="1"/>
+          </p:cNvPicPr>
+          <p:nvPr/>
+        </p:nvPicPr>
+        <p:blipFill>
+          <a:blip r:embed="rId2" cstate="print">
+            <a:extLst>
+              <a:ext uri="{28A0092B-C50C-407E-A947-70E740481C1C}">
+                <a14:useLocalDpi xmlns:a14="http://schemas.microsoft.com/office/drawing/2010/main" val="0"/>
+              </a:ext>
+            </a:extLst>
+          </a:blip>
+          <a:srcRect/>
+          <a:stretch>
+            <a:fillRect/>
+          </a:stretch>
+        </p:blipFill>
+        <p:spPr bwMode="auto">
+          <a:xfrm>
+            <a:off x="1927225" y="2273300"/>
+            <a:ext cx="5287963" cy="593725"/>
+          </a:xfrm>
+          <a:prstGeom prst="rect">
+            <a:avLst/>
+          </a:prstGeom>
+          <a:noFill/>
+          <a:ln>
+            <a:noFill/>
+          </a:ln>
+          <a:effectLst/>
+          <a:extLst>
+            <a:ext uri="{909E8E84-426E-40DD-AFC4-6F175D3DCCD1}">
+              <a14:hiddenFill xmlns:a14="http://schemas.microsoft.com/office/drawing/2010/main">
+                <a:solidFill>
+                  <a:schemeClr val="accent1"/>
+                </a:solidFill>
+              </a14:hiddenFill>
+            </a:ext>
+            <a:ext uri="{91240B29-F687-4F45-9708-019B960494DF}">
+              <a14:hiddenLine xmlns:a14="http://schemas.microsoft.com/office/drawing/2010/main" w="9525">
+                <a:solidFill>
+                  <a:schemeClr val="tx1"/>
+                </a:solidFill>
+                <a:miter lim="800000"/>
+                <a:headEnd/>
+                <a:tailEnd/>
+              </a14:hiddenLine>
+            </a:ext>
+            <a:ext uri="{AF507438-7753-43E0-B8FC-AC1667EBCBE1}">
+              <a14:hiddenEffects xmlns:a14="http://schemas.microsoft.com/office/drawing/2010/main">
+                <a:effectLst>
+                  <a:outerShdw dist="35921" dir="2700000" algn="ctr" rotWithShape="0">
+                    <a:schemeClr val="bg2"/>
+                  </a:outerShdw>
+                </a:effectLst>
+              </a14:hiddenEffects>
+            </a:ext>
+          </a:extLst>
+        </p:spPr>
+      </p:pic>
+    </p:spTree>
+    <p:extLst>
+      <p:ext uri="{BB962C8B-B14F-4D97-AF65-F5344CB8AC3E}">
+        <p14:creationId xmlns:p14="http://schemas.microsoft.com/office/powerpoint/2010/main" val="563514690"/>
+      </p:ext>
+    </p:extLst>
+  </p:cSld>
+  <p:clrMapOvr>
+    <a:masterClrMapping/>
+  </p:clrMapOvr>
+</p:sld>
+</file>
+
+<file path=ppt/slides/slide29.xml><?xml version="1.0" encoding="utf-8"?>
+<p:sld xmlns:a="http://schemas.openxmlformats.org/drawingml/2006/main" xmlns:r="http://schemas.openxmlformats.org/officeDocument/2006/relationships" xmlns:p="http://schemas.openxmlformats.org/presentationml/2006/main">
+  <p:cSld>
+    <p:spTree>
+      <p:nvGrpSpPr>
+        <p:cNvPr id="1" name=""/>
+        <p:cNvGrpSpPr/>
+        <p:nvPr/>
+      </p:nvGrpSpPr>
+      <p:grpSpPr>
+        <a:xfrm>
+          <a:off x="0" y="0"/>
+          <a:ext cx="0" cy="0"/>
+          <a:chOff x="0" y="0"/>
+          <a:chExt cx="0" cy="0"/>
+        </a:xfrm>
+      </p:grpSpPr>
+      <p:sp>
+        <p:nvSpPr>
+          <p:cNvPr id="2" name="标题 1"/>
+          <p:cNvSpPr>
+            <a:spLocks noGrp="1"/>
+          </p:cNvSpPr>
+          <p:nvPr>
+            <p:ph type="title"/>
+          </p:nvPr>
+        </p:nvSpPr>
+        <p:spPr/>
+        <p:txBody>
+          <a:bodyPr/>
+          <a:lstStyle/>
+          <a:p>
+            <a:r>
+              <a:rPr lang="en-US" altLang="zh-CN" dirty="0"/>
+              <a:t>5.4.	 </a:t>
+            </a:r>
+            <a:r>
+              <a:rPr lang="zh-CN" altLang="en-US" dirty="0"/>
+              <a:t>注意事项</a:t>
+            </a:r>
+          </a:p>
+        </p:txBody>
+      </p:sp>
+      <p:sp>
+        <p:nvSpPr>
+          <p:cNvPr id="3" name="内容占位符 2"/>
+          <p:cNvSpPr>
+            <a:spLocks noGrp="1"/>
+          </p:cNvSpPr>
+          <p:nvPr>
+            <p:ph idx="1"/>
+          </p:nvPr>
+        </p:nvSpPr>
+        <p:spPr/>
+        <p:txBody>
+          <a:bodyPr/>
+          <a:lstStyle/>
+          <a:p>
+            <a:r>
+              <a:rPr lang="zh-CN" altLang="en-US" dirty="0"/>
+              <a:t>除了前面介绍的这三种循环控制语句之外，在前面章节中讨论的</a:t>
+            </a:r>
+            <a:r>
+              <a:rPr lang="en-US" altLang="zh-CN" dirty="0" err="1"/>
+              <a:t>goto</a:t>
+            </a:r>
+            <a:r>
+              <a:rPr lang="zh-CN" altLang="en-US" dirty="0"/>
+              <a:t>语句也可以实现循环结构。比如上面多次举例的递加问题可以使用</a:t>
+            </a:r>
+            <a:r>
+              <a:rPr lang="en-US" altLang="zh-CN" dirty="0" err="1"/>
+              <a:t>goto</a:t>
+            </a:r>
+            <a:r>
+              <a:rPr lang="zh-CN" altLang="en-US" dirty="0"/>
+              <a:t>语句实现：</a:t>
+            </a:r>
+          </a:p>
+        </p:txBody>
+      </p:sp>
+      <p:pic>
+        <p:nvPicPr>
+          <p:cNvPr id="14339" name="Picture 3"/>
+          <p:cNvPicPr>
+            <a:picLocks noChangeAspect="1" noChangeArrowheads="1"/>
+          </p:cNvPicPr>
+          <p:nvPr/>
+        </p:nvPicPr>
+        <p:blipFill>
+          <a:blip r:embed="rId2" cstate="print">
+            <a:extLst>
+              <a:ext uri="{28A0092B-C50C-407E-A947-70E740481C1C}">
+                <a14:useLocalDpi xmlns:a14="http://schemas.microsoft.com/office/drawing/2010/main" val="0"/>
+              </a:ext>
+            </a:extLst>
+          </a:blip>
+          <a:srcRect/>
+          <a:stretch>
+            <a:fillRect/>
+          </a:stretch>
+        </p:blipFill>
+        <p:spPr bwMode="auto">
+          <a:xfrm>
+            <a:off x="1979712" y="3435846"/>
+            <a:ext cx="5287963" cy="990600"/>
+          </a:xfrm>
+          <a:prstGeom prst="rect">
+            <a:avLst/>
+          </a:prstGeom>
+          <a:noFill/>
+          <a:ln>
+            <a:noFill/>
+          </a:ln>
+          <a:effectLst/>
+          <a:extLst>
+            <a:ext uri="{909E8E84-426E-40DD-AFC4-6F175D3DCCD1}">
+              <a14:hiddenFill xmlns:a14="http://schemas.microsoft.com/office/drawing/2010/main">
+                <a:solidFill>
+                  <a:schemeClr val="accent1"/>
+                </a:solidFill>
+              </a14:hiddenFill>
+            </a:ext>
+            <a:ext uri="{91240B29-F687-4F45-9708-019B960494DF}">
+              <a14:hiddenLine xmlns:a14="http://schemas.microsoft.com/office/drawing/2010/main" w="9525">
+                <a:solidFill>
+                  <a:schemeClr val="tx1"/>
+                </a:solidFill>
+                <a:miter lim="800000"/>
+                <a:headEnd/>
+                <a:tailEnd/>
+              </a14:hiddenLine>
+            </a:ext>
+            <a:ext uri="{AF507438-7753-43E0-B8FC-AC1667EBCBE1}">
+              <a14:hiddenEffects xmlns:a14="http://schemas.microsoft.com/office/drawing/2010/main">
+                <a:effectLst>
+                  <a:outerShdw dist="35921" dir="2700000" algn="ctr" rotWithShape="0">
+                    <a:schemeClr val="bg2"/>
+                  </a:outerShdw>
+                </a:effectLst>
+              </a14:hiddenEffects>
+            </a:ext>
+          </a:extLst>
+        </p:spPr>
+      </p:pic>
+    </p:spTree>
+    <p:extLst>
+      <p:ext uri="{BB962C8B-B14F-4D97-AF65-F5344CB8AC3E}">
+        <p14:creationId xmlns:p14="http://schemas.microsoft.com/office/powerpoint/2010/main" val="3811480877"/>
+      </p:ext>
+    </p:extLst>
+  </p:cSld>
+  <p:clrMapOvr>
+    <a:masterClrMapping/>
+  </p:clrMapOvr>
+</p:sld>
+</file>
+
+<file path=ppt/slides/slide3.xml><?xml version="1.0" encoding="utf-8"?>
+<p:sld xmlns:a="http://schemas.openxmlformats.org/drawingml/2006/main" xmlns:r="http://schemas.openxmlformats.org/officeDocument/2006/relationships" xmlns:p="http://schemas.openxmlformats.org/presentationml/2006/main">
+  <p:cSld>
+    <p:spTree>
+      <p:nvGrpSpPr>
+        <p:cNvPr id="1" name=""/>
+        <p:cNvGrpSpPr/>
+        <p:nvPr/>
+      </p:nvGrpSpPr>
+      <p:grpSpPr>
+        <a:xfrm>
+          <a:off x="0" y="0"/>
+          <a:ext cx="0" cy="0"/>
+          <a:chOff x="0" y="0"/>
+          <a:chExt cx="0" cy="0"/>
+        </a:xfrm>
+      </p:grpSpPr>
+      <p:sp>
+        <p:nvSpPr>
+          <p:cNvPr id="2" name="标题 1"/>
+          <p:cNvSpPr>
+            <a:spLocks noGrp="1"/>
+          </p:cNvSpPr>
+          <p:nvPr>
+            <p:ph type="title"/>
+          </p:nvPr>
+        </p:nvSpPr>
+        <p:spPr/>
+        <p:txBody>
+          <a:bodyPr>
+            <a:normAutofit/>
+          </a:bodyPr>
+          <a:lstStyle/>
+          <a:p>
+            <a:pPr lvl="0"/>
+            <a:r>
+              <a:rPr lang="zh-CN" altLang="zh-CN" b="1" dirty="0"/>
+              <a:t>循环结构</a:t>
+            </a:r>
+            <a:r>
+              <a:rPr lang="zh-CN" altLang="zh-CN" b="1" dirty="0" smtClean="0"/>
+              <a:t>程序设计</a:t>
+            </a:r>
+            <a:endParaRPr lang="zh-CN" altLang="en-US" dirty="0"/>
+          </a:p>
+        </p:txBody>
+      </p:sp>
+      <p:sp>
+        <p:nvSpPr>
+          <p:cNvPr id="3" name="内容占位符 2"/>
+          <p:cNvSpPr>
+            <a:spLocks noGrp="1"/>
+          </p:cNvSpPr>
+          <p:nvPr>
+            <p:ph idx="1"/>
+          </p:nvPr>
+        </p:nvSpPr>
+        <p:spPr/>
+        <p:txBody>
+          <a:bodyPr>
+            <a:normAutofit fontScale="70000" lnSpcReduction="20000"/>
+          </a:bodyPr>
+          <a:lstStyle/>
+          <a:p>
+            <a:r>
+              <a:rPr lang="zh-CN" altLang="zh-CN" dirty="0" smtClean="0"/>
+              <a:t>上</a:t>
+            </a:r>
+            <a:r>
+              <a:rPr lang="zh-CN" altLang="zh-CN" dirty="0"/>
+              <a:t>一章介绍了</a:t>
+            </a:r>
+            <a:r>
+              <a:rPr lang="en-US" altLang="zh-CN" dirty="0"/>
+              <a:t>C</a:t>
+            </a:r>
+            <a:r>
+              <a:rPr lang="zh-CN" altLang="zh-CN" dirty="0"/>
+              <a:t>语言中的选择结构，可以通过使用</a:t>
+            </a:r>
+            <a:r>
+              <a:rPr lang="en-US" altLang="zh-CN" dirty="0"/>
+              <a:t>if</a:t>
+            </a:r>
+            <a:r>
+              <a:rPr lang="zh-CN" altLang="zh-CN" dirty="0"/>
+              <a:t>和</a:t>
+            </a:r>
+            <a:r>
+              <a:rPr lang="en-US" altLang="zh-CN" dirty="0"/>
+              <a:t>switch</a:t>
+            </a:r>
+            <a:r>
+              <a:rPr lang="zh-CN" altLang="zh-CN" dirty="0"/>
+              <a:t>语句，按照表达式的不同取值，执行不同的对应程序流程。除了选择结构之外，很多时候计算机还需要重复执行若干次具有一定规律的程序指令，这个时候就需要用到循环结构。</a:t>
+            </a:r>
+          </a:p>
+          <a:p>
+            <a:r>
+              <a:rPr lang="en-US" altLang="zh-CN" dirty="0"/>
+              <a:t>C</a:t>
+            </a:r>
+            <a:r>
+              <a:rPr lang="zh-CN" altLang="zh-CN" dirty="0"/>
+              <a:t>语言中的循环都使用条件表达式来进行控制，每次执行循环体中的语句都需要判断控制表达式的值，只有在表达式为真的情况下才继续执行循环语句。</a:t>
+            </a:r>
+          </a:p>
+          <a:p>
+            <a:r>
+              <a:rPr lang="zh-CN" altLang="zh-CN" dirty="0"/>
+              <a:t>本章要点是</a:t>
+            </a:r>
+            <a:r>
+              <a:rPr lang="en-US" altLang="zh-CN" dirty="0"/>
+              <a:t>C</a:t>
+            </a:r>
+            <a:r>
+              <a:rPr lang="zh-CN" altLang="zh-CN" dirty="0"/>
+              <a:t>语言支持的</a:t>
+            </a:r>
+            <a:r>
+              <a:rPr lang="en-US" altLang="zh-CN" dirty="0"/>
+              <a:t>3</a:t>
+            </a:r>
+            <a:r>
+              <a:rPr lang="zh-CN" altLang="zh-CN" dirty="0"/>
+              <a:t>种循环控制语句：</a:t>
+            </a:r>
+            <a:r>
+              <a:rPr lang="en-US" altLang="zh-CN" dirty="0"/>
+              <a:t>while</a:t>
+            </a:r>
+            <a:r>
+              <a:rPr lang="zh-CN" altLang="zh-CN" dirty="0"/>
+              <a:t>循环语句、</a:t>
+            </a:r>
+            <a:r>
+              <a:rPr lang="en-US" altLang="zh-CN" dirty="0"/>
+              <a:t>do</a:t>
+            </a:r>
+            <a:r>
+              <a:rPr lang="zh-CN" altLang="zh-CN" dirty="0"/>
+              <a:t>循环语句和</a:t>
+            </a:r>
+            <a:r>
+              <a:rPr lang="en-US" altLang="zh-CN" dirty="0"/>
+              <a:t>for</a:t>
+            </a:r>
+            <a:r>
+              <a:rPr lang="zh-CN" altLang="zh-CN" dirty="0"/>
+              <a:t>循环语句。在循环过程中，使用</a:t>
+            </a:r>
+            <a:r>
+              <a:rPr lang="en-US" altLang="zh-CN" dirty="0"/>
+              <a:t>continue</a:t>
+            </a:r>
+            <a:r>
+              <a:rPr lang="zh-CN" altLang="zh-CN" dirty="0"/>
+              <a:t>、</a:t>
+            </a:r>
+            <a:r>
+              <a:rPr lang="en-US" altLang="zh-CN" dirty="0"/>
+              <a:t>break</a:t>
+            </a:r>
+            <a:r>
+              <a:rPr lang="zh-CN" altLang="zh-CN" dirty="0"/>
+              <a:t>和</a:t>
+            </a:r>
+            <a:r>
+              <a:rPr lang="en-US" altLang="zh-CN" dirty="0"/>
+              <a:t>return</a:t>
+            </a:r>
+            <a:r>
+              <a:rPr lang="zh-CN" altLang="zh-CN" dirty="0"/>
+              <a:t>进行循环跳转控制也是本章学习的要点。</a:t>
+            </a:r>
+          </a:p>
+          <a:p>
+            <a:endParaRPr lang="zh-CN" altLang="en-US" dirty="0"/>
+          </a:p>
+        </p:txBody>
+      </p:sp>
+    </p:spTree>
+    <p:extLst>
+      <p:ext uri="{BB962C8B-B14F-4D97-AF65-F5344CB8AC3E}">
+        <p14:creationId xmlns:p14="http://schemas.microsoft.com/office/powerpoint/2010/main" val="1680618019"/>
+      </p:ext>
+    </p:extLst>
+  </p:cSld>
+  <p:clrMapOvr>
+    <a:masterClrMapping/>
+  </p:clrMapOvr>
+</p:sld>
+</file>
+
+<file path=ppt/slides/slide30.xml><?xml version="1.0" encoding="utf-8"?>
+<p:sld xmlns:a="http://schemas.openxmlformats.org/drawingml/2006/main" xmlns:r="http://schemas.openxmlformats.org/officeDocument/2006/relationships" xmlns:p="http://schemas.openxmlformats.org/presentationml/2006/main">
+  <p:cSld>
+    <p:spTree>
+      <p:nvGrpSpPr>
+        <p:cNvPr id="1" name=""/>
+        <p:cNvGrpSpPr/>
+        <p:nvPr/>
+      </p:nvGrpSpPr>
+      <p:grpSpPr>
+        <a:xfrm>
+          <a:off x="0" y="0"/>
+          <a:ext cx="0" cy="0"/>
+          <a:chOff x="0" y="0"/>
+          <a:chExt cx="0" cy="0"/>
+        </a:xfrm>
+      </p:grpSpPr>
+      <p:sp>
+        <p:nvSpPr>
+          <p:cNvPr id="2" name="标题 1"/>
+          <p:cNvSpPr>
+            <a:spLocks noGrp="1"/>
+          </p:cNvSpPr>
+          <p:nvPr>
+            <p:ph type="title"/>
+          </p:nvPr>
+        </p:nvSpPr>
+        <p:spPr/>
+        <p:txBody>
+          <a:bodyPr/>
+          <a:lstStyle/>
+          <a:p>
+            <a:endParaRPr lang="zh-CN" altLang="en-US"/>
+          </a:p>
+        </p:txBody>
+      </p:sp>
+      <p:sp>
+        <p:nvSpPr>
+          <p:cNvPr id="3" name="内容占位符 2"/>
+          <p:cNvSpPr>
+            <a:spLocks noGrp="1"/>
+          </p:cNvSpPr>
+          <p:nvPr>
+            <p:ph idx="1"/>
+          </p:nvPr>
+        </p:nvSpPr>
+        <p:spPr/>
+        <p:txBody>
+          <a:bodyPr>
+            <a:normAutofit fontScale="85000" lnSpcReduction="20000"/>
+          </a:bodyPr>
+          <a:lstStyle/>
+          <a:p>
+            <a:r>
+              <a:rPr lang="zh-CN" altLang="zh-CN" dirty="0"/>
+              <a:t>然而，正如前面章节介绍</a:t>
+            </a:r>
+            <a:r>
+              <a:rPr lang="en-US" altLang="zh-CN" dirty="0" err="1"/>
+              <a:t>goto</a:t>
+            </a:r>
+            <a:r>
+              <a:rPr lang="zh-CN" altLang="zh-CN" dirty="0"/>
+              <a:t>语句时提到的注意事项，由于</a:t>
+            </a:r>
+            <a:r>
+              <a:rPr lang="en-US" altLang="zh-CN" dirty="0" err="1"/>
+              <a:t>goto</a:t>
+            </a:r>
+            <a:r>
+              <a:rPr lang="zh-CN" altLang="zh-CN" dirty="0"/>
+              <a:t>语句会使程序跳转混乱，导致层次不清，且不易读，所以应该避免其大量使用。</a:t>
+            </a:r>
+          </a:p>
+          <a:p>
+            <a:r>
+              <a:rPr lang="zh-CN" altLang="zh-CN" dirty="0"/>
+              <a:t>概括起来，</a:t>
+            </a:r>
+            <a:r>
+              <a:rPr lang="en-US" altLang="zh-CN" dirty="0"/>
+              <a:t>C</a:t>
+            </a:r>
+            <a:r>
+              <a:rPr lang="zh-CN" altLang="zh-CN" dirty="0"/>
+              <a:t>语言有四种</a:t>
+            </a:r>
+            <a:r>
+              <a:rPr lang="zh-CN" altLang="zh-CN" dirty="0" smtClean="0"/>
+              <a:t>循环</a:t>
+            </a:r>
+            <a:endParaRPr lang="en-US" altLang="zh-CN" dirty="0" smtClean="0"/>
+          </a:p>
+          <a:p>
+            <a:pPr lvl="1"/>
+            <a:r>
+              <a:rPr lang="en-US" altLang="zh-CN" dirty="0" smtClean="0"/>
+              <a:t>while</a:t>
+            </a:r>
+            <a:r>
+              <a:rPr lang="zh-CN" altLang="zh-CN" dirty="0"/>
+              <a:t>循环、</a:t>
+            </a:r>
+            <a:r>
+              <a:rPr lang="en-US" altLang="zh-CN" dirty="0"/>
+              <a:t>do</a:t>
+            </a:r>
+            <a:r>
+              <a:rPr lang="zh-CN" altLang="zh-CN" dirty="0"/>
+              <a:t>循环、</a:t>
+            </a:r>
+            <a:r>
+              <a:rPr lang="en-US" altLang="zh-CN" dirty="0"/>
+              <a:t>for</a:t>
+            </a:r>
+            <a:r>
+              <a:rPr lang="zh-CN" altLang="zh-CN" dirty="0"/>
+              <a:t>循环和</a:t>
+            </a:r>
+            <a:r>
+              <a:rPr lang="en-US" altLang="zh-CN" dirty="0" err="1"/>
+              <a:t>goto</a:t>
+            </a:r>
+            <a:r>
+              <a:rPr lang="zh-CN" altLang="zh-CN" dirty="0"/>
+              <a:t>语句构成的循环。四种循环都可以用来处理同一个问题，一般可以互相代替，但一般不提倡用</a:t>
+            </a:r>
+            <a:r>
+              <a:rPr lang="en-US" altLang="zh-CN" dirty="0" err="1"/>
+              <a:t>goto</a:t>
+            </a:r>
+            <a:r>
+              <a:rPr lang="zh-CN" altLang="zh-CN" dirty="0"/>
+              <a:t>型</a:t>
+            </a:r>
+            <a:r>
+              <a:rPr lang="zh-CN" altLang="zh-CN" dirty="0" smtClean="0"/>
+              <a:t>循环</a:t>
+            </a:r>
+            <a:endParaRPr lang="en-US" altLang="zh-CN" dirty="0" smtClean="0"/>
+          </a:p>
+          <a:p>
+            <a:r>
+              <a:rPr lang="zh-CN" altLang="zh-CN" dirty="0" smtClean="0"/>
+              <a:t>这</a:t>
+            </a:r>
+            <a:r>
+              <a:rPr lang="zh-CN" altLang="zh-CN" dirty="0"/>
+              <a:t>几种循环也可以嵌套使用，比如下面的程序片段通过</a:t>
+            </a:r>
+            <a:r>
+              <a:rPr lang="en-US" altLang="zh-CN" dirty="0"/>
+              <a:t>for</a:t>
+            </a:r>
+            <a:r>
+              <a:rPr lang="zh-CN" altLang="zh-CN" dirty="0"/>
+              <a:t>循环的嵌套使用，输出九九乘法表：</a:t>
+            </a:r>
+          </a:p>
+          <a:p>
+            <a:endParaRPr lang="zh-CN" altLang="en-US" dirty="0"/>
+          </a:p>
+        </p:txBody>
+      </p:sp>
+    </p:spTree>
+    <p:extLst>
+      <p:ext uri="{BB962C8B-B14F-4D97-AF65-F5344CB8AC3E}">
+        <p14:creationId xmlns:p14="http://schemas.microsoft.com/office/powerpoint/2010/main" val="1672579924"/>
+      </p:ext>
+    </p:extLst>
+  </p:cSld>
+  <p:clrMapOvr>
+    <a:masterClrMapping/>
+  </p:clrMapOvr>
+</p:sld>
+</file>
+
+<file path=ppt/slides/slide31.xml><?xml version="1.0" encoding="utf-8"?>
+<p:sld xmlns:a="http://schemas.openxmlformats.org/drawingml/2006/main" xmlns:r="http://schemas.openxmlformats.org/officeDocument/2006/relationships" xmlns:p="http://schemas.openxmlformats.org/presentationml/2006/main">
+  <p:cSld>
+    <p:spTree>
+      <p:nvGrpSpPr>
+        <p:cNvPr id="1" name=""/>
+        <p:cNvGrpSpPr/>
+        <p:nvPr/>
+      </p:nvGrpSpPr>
+      <p:grpSpPr>
+        <a:xfrm>
+          <a:off x="0" y="0"/>
+          <a:ext cx="0" cy="0"/>
+          <a:chOff x="0" y="0"/>
+          <a:chExt cx="0" cy="0"/>
+        </a:xfrm>
+      </p:grpSpPr>
+      <p:sp>
+        <p:nvSpPr>
+          <p:cNvPr id="2" name="标题 1"/>
+          <p:cNvSpPr>
+            <a:spLocks noGrp="1"/>
+          </p:cNvSpPr>
+          <p:nvPr>
+            <p:ph type="title"/>
+          </p:nvPr>
+        </p:nvSpPr>
+        <p:spPr/>
+        <p:txBody>
+          <a:bodyPr/>
+          <a:lstStyle/>
+          <a:p>
+            <a:endParaRPr lang="zh-CN" altLang="en-US"/>
+          </a:p>
+        </p:txBody>
+      </p:sp>
+      <p:sp>
+        <p:nvSpPr>
+          <p:cNvPr id="3" name="内容占位符 2"/>
+          <p:cNvSpPr>
+            <a:spLocks noGrp="1"/>
+          </p:cNvSpPr>
+          <p:nvPr>
+            <p:ph idx="1"/>
+          </p:nvPr>
+        </p:nvSpPr>
+        <p:spPr/>
+        <p:txBody>
+          <a:bodyPr/>
+          <a:lstStyle/>
+          <a:p>
+            <a:endParaRPr lang="zh-CN" altLang="en-US"/>
+          </a:p>
+        </p:txBody>
+      </p:sp>
+      <p:pic>
+        <p:nvPicPr>
+          <p:cNvPr id="15362" name="Picture 2"/>
+          <p:cNvPicPr>
+            <a:picLocks noChangeAspect="1" noChangeArrowheads="1"/>
+          </p:cNvPicPr>
+          <p:nvPr/>
+        </p:nvPicPr>
+        <p:blipFill>
+          <a:blip r:embed="rId2" cstate="print">
+            <a:extLst>
+              <a:ext uri="{28A0092B-C50C-407E-A947-70E740481C1C}">
+                <a14:useLocalDpi xmlns:a14="http://schemas.microsoft.com/office/drawing/2010/main" val="0"/>
+              </a:ext>
+            </a:extLst>
+          </a:blip>
+          <a:srcRect/>
+          <a:stretch>
+            <a:fillRect/>
+          </a:stretch>
+        </p:blipFill>
+        <p:spPr bwMode="auto">
+          <a:xfrm>
+            <a:off x="1927225" y="1878013"/>
+            <a:ext cx="5287963" cy="1385887"/>
+          </a:xfrm>
+          <a:prstGeom prst="rect">
+            <a:avLst/>
+          </a:prstGeom>
+          <a:noFill/>
+          <a:ln>
+            <a:noFill/>
+          </a:ln>
+          <a:effectLst/>
+          <a:extLst>
+            <a:ext uri="{909E8E84-426E-40DD-AFC4-6F175D3DCCD1}">
+              <a14:hiddenFill xmlns:a14="http://schemas.microsoft.com/office/drawing/2010/main">
+                <a:solidFill>
+                  <a:schemeClr val="accent1"/>
+                </a:solidFill>
+              </a14:hiddenFill>
+            </a:ext>
+            <a:ext uri="{91240B29-F687-4F45-9708-019B960494DF}">
+              <a14:hiddenLine xmlns:a14="http://schemas.microsoft.com/office/drawing/2010/main" w="9525">
+                <a:solidFill>
+                  <a:schemeClr val="tx1"/>
+                </a:solidFill>
+                <a:miter lim="800000"/>
+                <a:headEnd/>
+                <a:tailEnd/>
+              </a14:hiddenLine>
+            </a:ext>
+            <a:ext uri="{AF507438-7753-43E0-B8FC-AC1667EBCBE1}">
+              <a14:hiddenEffects xmlns:a14="http://schemas.microsoft.com/office/drawing/2010/main">
+                <a:effectLst>
+                  <a:outerShdw dist="35921" dir="2700000" algn="ctr" rotWithShape="0">
+                    <a:schemeClr val="bg2"/>
+                  </a:outerShdw>
+                </a:effectLst>
+              </a14:hiddenEffects>
+            </a:ext>
+          </a:extLst>
+        </p:spPr>
+      </p:pic>
+    </p:spTree>
+    <p:extLst>
+      <p:ext uri="{BB962C8B-B14F-4D97-AF65-F5344CB8AC3E}">
+        <p14:creationId xmlns:p14="http://schemas.microsoft.com/office/powerpoint/2010/main" val="3009645581"/>
+      </p:ext>
+    </p:extLst>
+  </p:cSld>
+  <p:clrMapOvr>
+    <a:masterClrMapping/>
+  </p:clrMapOvr>
+</p:sld>
+</file>
+
+<file path=ppt/slides/slide32.xml><?xml version="1.0" encoding="utf-8"?>
+<p:sld xmlns:a="http://schemas.openxmlformats.org/drawingml/2006/main" xmlns:r="http://schemas.openxmlformats.org/officeDocument/2006/relationships" xmlns:p="http://schemas.openxmlformats.org/presentationml/2006/main">
+  <p:cSld>
+    <p:spTree>
+      <p:nvGrpSpPr>
+        <p:cNvPr id="1" name=""/>
+        <p:cNvGrpSpPr/>
+        <p:nvPr/>
+      </p:nvGrpSpPr>
+      <p:grpSpPr>
+        <a:xfrm>
+          <a:off x="0" y="0"/>
+          <a:ext cx="0" cy="0"/>
+          <a:chOff x="0" y="0"/>
+          <a:chExt cx="0" cy="0"/>
+        </a:xfrm>
+      </p:grpSpPr>
+      <p:sp>
+        <p:nvSpPr>
+          <p:cNvPr id="2" name="标题 1"/>
+          <p:cNvSpPr>
+            <a:spLocks noGrp="1"/>
+          </p:cNvSpPr>
+          <p:nvPr>
+            <p:ph type="title"/>
+          </p:nvPr>
+        </p:nvSpPr>
+        <p:spPr/>
+        <p:txBody>
+          <a:bodyPr/>
+          <a:lstStyle/>
+          <a:p>
+            <a:endParaRPr lang="zh-CN" altLang="en-US"/>
+          </a:p>
+        </p:txBody>
+      </p:sp>
+      <p:sp>
+        <p:nvSpPr>
+          <p:cNvPr id="3" name="内容占位符 2"/>
+          <p:cNvSpPr>
+            <a:spLocks noGrp="1"/>
+          </p:cNvSpPr>
+          <p:nvPr>
+            <p:ph idx="1"/>
+          </p:nvPr>
+        </p:nvSpPr>
+        <p:spPr/>
+        <p:txBody>
+          <a:bodyPr/>
+          <a:lstStyle/>
+          <a:p>
+            <a:r>
+              <a:rPr lang="zh-CN" altLang="zh-CN" dirty="0"/>
+              <a:t>而下面的程序片段利用</a:t>
+            </a:r>
+            <a:r>
+              <a:rPr lang="en-US" altLang="zh-CN" dirty="0"/>
+              <a:t>for</a:t>
+            </a:r>
+            <a:r>
+              <a:rPr lang="zh-CN" altLang="zh-CN" dirty="0"/>
+              <a:t>和</a:t>
+            </a:r>
+            <a:r>
+              <a:rPr lang="en-US" altLang="zh-CN" dirty="0"/>
+              <a:t>while</a:t>
+            </a:r>
+            <a:r>
+              <a:rPr lang="zh-CN" altLang="zh-CN" dirty="0"/>
+              <a:t>语句嵌套输出从</a:t>
+            </a:r>
+            <a:r>
+              <a:rPr lang="en-US" altLang="zh-CN" dirty="0"/>
+              <a:t>2</a:t>
+            </a:r>
+            <a:r>
+              <a:rPr lang="zh-CN" altLang="zh-CN" dirty="0"/>
+              <a:t>到</a:t>
+            </a:r>
+            <a:r>
+              <a:rPr lang="en-US" altLang="zh-CN" dirty="0"/>
+              <a:t>100</a:t>
+            </a:r>
+            <a:r>
+              <a:rPr lang="zh-CN" altLang="zh-CN" dirty="0"/>
+              <a:t>的素数：</a:t>
+            </a:r>
+          </a:p>
+          <a:p>
+            <a:endParaRPr lang="zh-CN" altLang="en-US" dirty="0"/>
+          </a:p>
+        </p:txBody>
+      </p:sp>
+      <p:pic>
+        <p:nvPicPr>
+          <p:cNvPr id="16386" name="Picture 2"/>
+          <p:cNvPicPr>
+            <a:picLocks noChangeAspect="1" noChangeArrowheads="1"/>
+          </p:cNvPicPr>
+          <p:nvPr/>
+        </p:nvPicPr>
+        <p:blipFill>
+          <a:blip r:embed="rId2" cstate="print">
+            <a:extLst>
+              <a:ext uri="{28A0092B-C50C-407E-A947-70E740481C1C}">
+                <a14:useLocalDpi xmlns:a14="http://schemas.microsoft.com/office/drawing/2010/main" val="0"/>
+              </a:ext>
+            </a:extLst>
+          </a:blip>
+          <a:srcRect/>
+          <a:stretch>
+            <a:fillRect/>
+          </a:stretch>
+        </p:blipFill>
+        <p:spPr bwMode="auto">
+          <a:xfrm>
+            <a:off x="1835696" y="2427734"/>
+            <a:ext cx="5287963" cy="1979613"/>
+          </a:xfrm>
+          <a:prstGeom prst="rect">
+            <a:avLst/>
+          </a:prstGeom>
+          <a:noFill/>
+          <a:ln>
+            <a:noFill/>
+          </a:ln>
+          <a:effectLst/>
+          <a:extLst>
+            <a:ext uri="{909E8E84-426E-40DD-AFC4-6F175D3DCCD1}">
+              <a14:hiddenFill xmlns:a14="http://schemas.microsoft.com/office/drawing/2010/main">
+                <a:solidFill>
+                  <a:schemeClr val="accent1"/>
+                </a:solidFill>
+              </a14:hiddenFill>
+            </a:ext>
+            <a:ext uri="{91240B29-F687-4F45-9708-019B960494DF}">
+              <a14:hiddenLine xmlns:a14="http://schemas.microsoft.com/office/drawing/2010/main" w="9525">
+                <a:solidFill>
+                  <a:schemeClr val="tx1"/>
+                </a:solidFill>
+                <a:miter lim="800000"/>
+                <a:headEnd/>
+                <a:tailEnd/>
+              </a14:hiddenLine>
+            </a:ext>
+            <a:ext uri="{AF507438-7753-43E0-B8FC-AC1667EBCBE1}">
+              <a14:hiddenEffects xmlns:a14="http://schemas.microsoft.com/office/drawing/2010/main">
+                <a:effectLst>
+                  <a:outerShdw dist="35921" dir="2700000" algn="ctr" rotWithShape="0">
+                    <a:schemeClr val="bg2"/>
+                  </a:outerShdw>
+                </a:effectLst>
+              </a14:hiddenEffects>
+            </a:ext>
+          </a:extLst>
+        </p:spPr>
+      </p:pic>
+    </p:spTree>
+    <p:extLst>
+      <p:ext uri="{BB962C8B-B14F-4D97-AF65-F5344CB8AC3E}">
+        <p14:creationId xmlns:p14="http://schemas.microsoft.com/office/powerpoint/2010/main" val="2343729223"/>
+      </p:ext>
+    </p:extLst>
+  </p:cSld>
+  <p:clrMapOvr>
+    <a:masterClrMapping/>
+  </p:clrMapOvr>
+</p:sld>
+</file>
+
+<file path=ppt/slides/slide33.xml><?xml version="1.0" encoding="utf-8"?>
+<p:sld xmlns:a="http://schemas.openxmlformats.org/drawingml/2006/main" xmlns:r="http://schemas.openxmlformats.org/officeDocument/2006/relationships" xmlns:p="http://schemas.openxmlformats.org/presentationml/2006/main">
+  <p:cSld>
+    <p:spTree>
+      <p:nvGrpSpPr>
+        <p:cNvPr id="1" name=""/>
+        <p:cNvGrpSpPr/>
+        <p:nvPr/>
+      </p:nvGrpSpPr>
+      <p:grpSpPr>
+        <a:xfrm>
+          <a:off x="0" y="0"/>
+          <a:ext cx="0" cy="0"/>
+          <a:chOff x="0" y="0"/>
+          <a:chExt cx="0" cy="0"/>
+        </a:xfrm>
+      </p:grpSpPr>
+      <p:sp>
+        <p:nvSpPr>
+          <p:cNvPr id="2" name="标题 1"/>
+          <p:cNvSpPr>
+            <a:spLocks noGrp="1"/>
+          </p:cNvSpPr>
+          <p:nvPr>
+            <p:ph type="title"/>
+          </p:nvPr>
+        </p:nvSpPr>
+        <p:spPr/>
+        <p:txBody>
+          <a:bodyPr/>
+          <a:lstStyle/>
+          <a:p>
+            <a:endParaRPr lang="zh-CN" altLang="en-US"/>
+          </a:p>
+        </p:txBody>
+      </p:sp>
+      <p:sp>
+        <p:nvSpPr>
+          <p:cNvPr id="3" name="内容占位符 2"/>
+          <p:cNvSpPr>
+            <a:spLocks noGrp="1"/>
+          </p:cNvSpPr>
+          <p:nvPr>
+            <p:ph idx="1"/>
+          </p:nvPr>
+        </p:nvSpPr>
+        <p:spPr/>
+        <p:txBody>
+          <a:bodyPr/>
+          <a:lstStyle/>
+          <a:p>
+            <a:r>
+              <a:rPr lang="zh-CN" altLang="zh-CN" dirty="0"/>
+              <a:t>在使用循环结构时，需要特别注意的是，如果写代码时有笔误，或循环控制表达式不合理，会导致死循环及其他不可预料的情况发生。比如下面的代码片段：</a:t>
+            </a:r>
+          </a:p>
+          <a:p>
+            <a:endParaRPr lang="zh-CN" altLang="en-US" dirty="0"/>
+          </a:p>
+        </p:txBody>
+      </p:sp>
+      <p:pic>
+        <p:nvPicPr>
+          <p:cNvPr id="17410" name="Picture 2"/>
+          <p:cNvPicPr>
+            <a:picLocks noChangeAspect="1" noChangeArrowheads="1"/>
+          </p:cNvPicPr>
+          <p:nvPr/>
+        </p:nvPicPr>
+        <p:blipFill>
+          <a:blip r:embed="rId2" cstate="print">
+            <a:extLst>
+              <a:ext uri="{28A0092B-C50C-407E-A947-70E740481C1C}">
+                <a14:useLocalDpi xmlns:a14="http://schemas.microsoft.com/office/drawing/2010/main" val="0"/>
+              </a:ext>
+            </a:extLst>
+          </a:blip>
+          <a:srcRect/>
+          <a:stretch>
+            <a:fillRect/>
+          </a:stretch>
+        </p:blipFill>
+        <p:spPr bwMode="auto">
+          <a:xfrm>
+            <a:off x="1691680" y="3507854"/>
+            <a:ext cx="5287963" cy="593725"/>
+          </a:xfrm>
+          <a:prstGeom prst="rect">
+            <a:avLst/>
+          </a:prstGeom>
+          <a:noFill/>
+          <a:ln>
+            <a:noFill/>
+          </a:ln>
+          <a:effectLst/>
+          <a:extLst>
+            <a:ext uri="{909E8E84-426E-40DD-AFC4-6F175D3DCCD1}">
+              <a14:hiddenFill xmlns:a14="http://schemas.microsoft.com/office/drawing/2010/main">
+                <a:solidFill>
+                  <a:schemeClr val="accent1"/>
+                </a:solidFill>
+              </a14:hiddenFill>
+            </a:ext>
+            <a:ext uri="{91240B29-F687-4F45-9708-019B960494DF}">
+              <a14:hiddenLine xmlns:a14="http://schemas.microsoft.com/office/drawing/2010/main" w="9525">
+                <a:solidFill>
+                  <a:schemeClr val="tx1"/>
+                </a:solidFill>
+                <a:miter lim="800000"/>
+                <a:headEnd/>
+                <a:tailEnd/>
+              </a14:hiddenLine>
+            </a:ext>
+            <a:ext uri="{AF507438-7753-43E0-B8FC-AC1667EBCBE1}">
+              <a14:hiddenEffects xmlns:a14="http://schemas.microsoft.com/office/drawing/2010/main">
+                <a:effectLst>
+                  <a:outerShdw dist="35921" dir="2700000" algn="ctr" rotWithShape="0">
+                    <a:schemeClr val="bg2"/>
+                  </a:outerShdw>
+                </a:effectLst>
+              </a14:hiddenEffects>
+            </a:ext>
+          </a:extLst>
+        </p:spPr>
+      </p:pic>
+    </p:spTree>
+    <p:extLst>
+      <p:ext uri="{BB962C8B-B14F-4D97-AF65-F5344CB8AC3E}">
+        <p14:creationId xmlns:p14="http://schemas.microsoft.com/office/powerpoint/2010/main" val="2607192148"/>
+      </p:ext>
+    </p:extLst>
+  </p:cSld>
+  <p:clrMapOvr>
+    <a:masterClrMapping/>
+  </p:clrMapOvr>
+</p:sld>
+</file>
+
+<file path=ppt/slides/slide34.xml><?xml version="1.0" encoding="utf-8"?>
+<p:sld xmlns:a="http://schemas.openxmlformats.org/drawingml/2006/main" xmlns:r="http://schemas.openxmlformats.org/officeDocument/2006/relationships" xmlns:p="http://schemas.openxmlformats.org/presentationml/2006/main">
+  <p:cSld>
+    <p:spTree>
+      <p:nvGrpSpPr>
+        <p:cNvPr id="1" name=""/>
+        <p:cNvGrpSpPr/>
+        <p:nvPr/>
+      </p:nvGrpSpPr>
+      <p:grpSpPr>
+        <a:xfrm>
+          <a:off x="0" y="0"/>
+          <a:ext cx="0" cy="0"/>
+          <a:chOff x="0" y="0"/>
+          <a:chExt cx="0" cy="0"/>
+        </a:xfrm>
+      </p:grpSpPr>
+      <p:sp>
+        <p:nvSpPr>
+          <p:cNvPr id="2" name="标题 1"/>
+          <p:cNvSpPr>
+            <a:spLocks noGrp="1"/>
+          </p:cNvSpPr>
+          <p:nvPr>
+            <p:ph type="title"/>
+          </p:nvPr>
+        </p:nvSpPr>
+        <p:spPr/>
+        <p:txBody>
+          <a:bodyPr/>
+          <a:lstStyle/>
+          <a:p>
+            <a:endParaRPr lang="zh-CN" altLang="en-US"/>
+          </a:p>
+        </p:txBody>
+      </p:sp>
+      <p:sp>
+        <p:nvSpPr>
+          <p:cNvPr id="3" name="内容占位符 2"/>
+          <p:cNvSpPr>
+            <a:spLocks noGrp="1"/>
+          </p:cNvSpPr>
+          <p:nvPr>
+            <p:ph idx="1"/>
+          </p:nvPr>
+        </p:nvSpPr>
+        <p:spPr/>
+        <p:txBody>
+          <a:bodyPr>
+            <a:normAutofit fontScale="92500" lnSpcReduction="20000"/>
+          </a:bodyPr>
+          <a:lstStyle/>
+          <a:p>
+            <a:r>
+              <a:rPr lang="zh-CN" altLang="zh-CN" dirty="0"/>
+              <a:t>本来期望在循环过程中对</a:t>
+            </a:r>
+            <a:r>
+              <a:rPr lang="en-US" altLang="zh-CN" dirty="0"/>
+              <a:t>s</a:t>
+            </a:r>
+            <a:r>
+              <a:rPr lang="zh-CN" altLang="zh-CN" dirty="0"/>
+              <a:t>的值递减，直到减为</a:t>
+            </a:r>
+            <a:r>
+              <a:rPr lang="en-US" altLang="zh-CN" dirty="0"/>
+              <a:t>0</a:t>
+            </a:r>
+            <a:r>
+              <a:rPr lang="zh-CN" altLang="zh-CN" dirty="0"/>
+              <a:t>。但由于</a:t>
+            </a:r>
+            <a:r>
+              <a:rPr lang="en-US" altLang="zh-CN" dirty="0"/>
+              <a:t>while</a:t>
+            </a:r>
+            <a:r>
+              <a:rPr lang="zh-CN" altLang="zh-CN" dirty="0"/>
+              <a:t>语句之后误添加了分号，这意味着完整的</a:t>
+            </a:r>
+            <a:r>
+              <a:rPr lang="en-US" altLang="zh-CN" dirty="0"/>
+              <a:t>while</a:t>
+            </a:r>
+            <a:r>
+              <a:rPr lang="zh-CN" altLang="zh-CN" dirty="0"/>
+              <a:t>语句结束，后面的递减操作成为</a:t>
+            </a:r>
+            <a:r>
+              <a:rPr lang="en-US" altLang="zh-CN" dirty="0"/>
+              <a:t>while</a:t>
+            </a:r>
+            <a:r>
+              <a:rPr lang="zh-CN" altLang="zh-CN" dirty="0"/>
+              <a:t>循环结构之外的语句，并不属于这个</a:t>
+            </a:r>
+            <a:r>
+              <a:rPr lang="en-US" altLang="zh-CN" dirty="0"/>
+              <a:t>while</a:t>
+            </a:r>
+            <a:r>
+              <a:rPr lang="zh-CN" altLang="zh-CN" dirty="0"/>
+              <a:t>循环。因此，</a:t>
+            </a:r>
+            <a:r>
+              <a:rPr lang="en-US" altLang="zh-CN" dirty="0"/>
+              <a:t>s</a:t>
+            </a:r>
+            <a:r>
+              <a:rPr lang="zh-CN" altLang="zh-CN" dirty="0"/>
+              <a:t>的值并不会变化，循环控制表达式永远为真，那个循环体为空语句的</a:t>
+            </a:r>
+            <a:r>
+              <a:rPr lang="en-US" altLang="zh-CN" dirty="0"/>
+              <a:t>while</a:t>
+            </a:r>
+            <a:r>
+              <a:rPr lang="zh-CN" altLang="zh-CN" dirty="0"/>
+              <a:t>循环也将永远不会结束。</a:t>
+            </a:r>
+          </a:p>
+          <a:p>
+            <a:r>
+              <a:rPr lang="zh-CN" altLang="zh-CN" dirty="0"/>
+              <a:t>再比如下面的代码片段：</a:t>
+            </a:r>
+          </a:p>
+          <a:p>
+            <a:endParaRPr lang="zh-CN" altLang="en-US" dirty="0"/>
+          </a:p>
+        </p:txBody>
+      </p:sp>
+    </p:spTree>
+    <p:extLst>
+      <p:ext uri="{BB962C8B-B14F-4D97-AF65-F5344CB8AC3E}">
+        <p14:creationId xmlns:p14="http://schemas.microsoft.com/office/powerpoint/2010/main" val="3637966252"/>
+      </p:ext>
+    </p:extLst>
+  </p:cSld>
+  <p:clrMapOvr>
+    <a:masterClrMapping/>
+  </p:clrMapOvr>
+</p:sld>
+</file>
+
+<file path=ppt/slides/slide35.xml><?xml version="1.0" encoding="utf-8"?>
+<p:sld xmlns:a="http://schemas.openxmlformats.org/drawingml/2006/main" xmlns:r="http://schemas.openxmlformats.org/officeDocument/2006/relationships" xmlns:p="http://schemas.openxmlformats.org/presentationml/2006/main">
+  <p:cSld>
+    <p:spTree>
+      <p:nvGrpSpPr>
+        <p:cNvPr id="1" name=""/>
+        <p:cNvGrpSpPr/>
+        <p:nvPr/>
+      </p:nvGrpSpPr>
+      <p:grpSpPr>
+        <a:xfrm>
+          <a:off x="0" y="0"/>
+          <a:ext cx="0" cy="0"/>
+          <a:chOff x="0" y="0"/>
+          <a:chExt cx="0" cy="0"/>
+        </a:xfrm>
+      </p:grpSpPr>
+      <p:sp>
+        <p:nvSpPr>
+          <p:cNvPr id="2" name="标题 1"/>
+          <p:cNvSpPr>
+            <a:spLocks noGrp="1"/>
+          </p:cNvSpPr>
+          <p:nvPr>
+            <p:ph type="title"/>
+          </p:nvPr>
+        </p:nvSpPr>
+        <p:spPr/>
+        <p:txBody>
+          <a:bodyPr/>
+          <a:lstStyle/>
+          <a:p>
+            <a:endParaRPr lang="zh-CN" altLang="en-US"/>
+          </a:p>
+        </p:txBody>
+      </p:sp>
+      <p:sp>
+        <p:nvSpPr>
+          <p:cNvPr id="3" name="内容占位符 2"/>
+          <p:cNvSpPr>
+            <a:spLocks noGrp="1"/>
+          </p:cNvSpPr>
+          <p:nvPr>
+            <p:ph idx="1"/>
+          </p:nvPr>
+        </p:nvSpPr>
+        <p:spPr/>
+        <p:txBody>
+          <a:bodyPr/>
+          <a:lstStyle/>
+          <a:p>
+            <a:endParaRPr lang="zh-CN" altLang="en-US"/>
+          </a:p>
+        </p:txBody>
+      </p:sp>
+      <p:pic>
+        <p:nvPicPr>
+          <p:cNvPr id="18434" name="Picture 2"/>
+          <p:cNvPicPr>
+            <a:picLocks noChangeAspect="1" noChangeArrowheads="1"/>
+          </p:cNvPicPr>
+          <p:nvPr/>
+        </p:nvPicPr>
+        <p:blipFill>
+          <a:blip r:embed="rId2" cstate="print">
+            <a:extLst>
+              <a:ext uri="{28A0092B-C50C-407E-A947-70E740481C1C}">
+                <a14:useLocalDpi xmlns:a14="http://schemas.microsoft.com/office/drawing/2010/main" val="0"/>
+              </a:ext>
+            </a:extLst>
+          </a:blip>
+          <a:srcRect/>
+          <a:stretch>
+            <a:fillRect/>
+          </a:stretch>
+        </p:blipFill>
+        <p:spPr bwMode="auto">
+          <a:xfrm>
+            <a:off x="1927225" y="2273300"/>
+            <a:ext cx="5287963" cy="593725"/>
+          </a:xfrm>
+          <a:prstGeom prst="rect">
+            <a:avLst/>
+          </a:prstGeom>
+          <a:noFill/>
+          <a:ln>
+            <a:noFill/>
+          </a:ln>
+          <a:effectLst/>
+          <a:extLst>
+            <a:ext uri="{909E8E84-426E-40DD-AFC4-6F175D3DCCD1}">
+              <a14:hiddenFill xmlns:a14="http://schemas.microsoft.com/office/drawing/2010/main">
+                <a:solidFill>
+                  <a:schemeClr val="accent1"/>
+                </a:solidFill>
+              </a14:hiddenFill>
+            </a:ext>
+            <a:ext uri="{91240B29-F687-4F45-9708-019B960494DF}">
+              <a14:hiddenLine xmlns:a14="http://schemas.microsoft.com/office/drawing/2010/main" w="9525">
+                <a:solidFill>
+                  <a:schemeClr val="tx1"/>
+                </a:solidFill>
+                <a:miter lim="800000"/>
+                <a:headEnd/>
+                <a:tailEnd/>
+              </a14:hiddenLine>
+            </a:ext>
+            <a:ext uri="{AF507438-7753-43E0-B8FC-AC1667EBCBE1}">
+              <a14:hiddenEffects xmlns:a14="http://schemas.microsoft.com/office/drawing/2010/main">
+                <a:effectLst>
+                  <a:outerShdw dist="35921" dir="2700000" algn="ctr" rotWithShape="0">
+                    <a:schemeClr val="bg2"/>
+                  </a:outerShdw>
+                </a:effectLst>
+              </a14:hiddenEffects>
+            </a:ext>
+          </a:extLst>
+        </p:spPr>
+      </p:pic>
+    </p:spTree>
+    <p:extLst>
+      <p:ext uri="{BB962C8B-B14F-4D97-AF65-F5344CB8AC3E}">
+        <p14:creationId xmlns:p14="http://schemas.microsoft.com/office/powerpoint/2010/main" val="508267826"/>
+      </p:ext>
+    </p:extLst>
+  </p:cSld>
+  <p:clrMapOvr>
+    <a:masterClrMapping/>
+  </p:clrMapOvr>
+</p:sld>
+</file>
+
+<file path=ppt/slides/slide36.xml><?xml version="1.0" encoding="utf-8"?>
+<p:sld xmlns:a="http://schemas.openxmlformats.org/drawingml/2006/main" xmlns:r="http://schemas.openxmlformats.org/officeDocument/2006/relationships" xmlns:p="http://schemas.openxmlformats.org/presentationml/2006/main">
+  <p:cSld>
+    <p:spTree>
+      <p:nvGrpSpPr>
+        <p:cNvPr id="1" name=""/>
+        <p:cNvGrpSpPr/>
+        <p:nvPr/>
+      </p:nvGrpSpPr>
+      <p:grpSpPr>
+        <a:xfrm>
+          <a:off x="0" y="0"/>
+          <a:ext cx="0" cy="0"/>
+          <a:chOff x="0" y="0"/>
+          <a:chExt cx="0" cy="0"/>
+        </a:xfrm>
+      </p:grpSpPr>
+      <p:sp>
+        <p:nvSpPr>
+          <p:cNvPr id="2" name="标题 1"/>
+          <p:cNvSpPr>
+            <a:spLocks noGrp="1"/>
+          </p:cNvSpPr>
+          <p:nvPr>
+            <p:ph type="title"/>
+          </p:nvPr>
+        </p:nvSpPr>
+        <p:spPr/>
+        <p:txBody>
+          <a:bodyPr/>
+          <a:lstStyle/>
+          <a:p>
+            <a:endParaRPr lang="zh-CN" altLang="en-US"/>
+          </a:p>
+        </p:txBody>
+      </p:sp>
+      <p:sp>
+        <p:nvSpPr>
+          <p:cNvPr id="3" name="内容占位符 2"/>
+          <p:cNvSpPr>
+            <a:spLocks noGrp="1"/>
+          </p:cNvSpPr>
+          <p:nvPr>
+            <p:ph idx="1"/>
+          </p:nvPr>
+        </p:nvSpPr>
+        <p:spPr/>
+        <p:txBody>
+          <a:bodyPr>
+            <a:normAutofit fontScale="92500"/>
+          </a:bodyPr>
+          <a:lstStyle/>
+          <a:p>
+            <a:r>
+              <a:rPr lang="zh-CN" altLang="en-US" dirty="0"/>
+              <a:t>本来期望执行一次</a:t>
+            </a:r>
+            <a:r>
+              <a:rPr lang="en-US" altLang="zh-CN" dirty="0"/>
+              <a:t>while</a:t>
+            </a:r>
+            <a:r>
+              <a:rPr lang="zh-CN" altLang="en-US" dirty="0"/>
+              <a:t>循环结构内的语句，然后就退出循环。但此处</a:t>
+            </a:r>
+            <a:r>
+              <a:rPr lang="en-US" altLang="zh-CN" dirty="0"/>
+              <a:t>while</a:t>
+            </a:r>
+            <a:r>
+              <a:rPr lang="zh-CN" altLang="en-US" dirty="0"/>
+              <a:t>的循环控制表达式有笔误，正确写法是“</a:t>
+            </a:r>
+            <a:r>
+              <a:rPr lang="en-US" altLang="zh-CN" dirty="0"/>
+              <a:t>k==10”</a:t>
+            </a:r>
+            <a:r>
+              <a:rPr lang="zh-CN" altLang="en-US" dirty="0"/>
+              <a:t>，表示判断</a:t>
+            </a:r>
+            <a:r>
+              <a:rPr lang="en-US" altLang="zh-CN" dirty="0"/>
+              <a:t>k</a:t>
+            </a:r>
+            <a:r>
+              <a:rPr lang="zh-CN" altLang="en-US" dirty="0"/>
+              <a:t>的值是否为</a:t>
+            </a:r>
+            <a:r>
+              <a:rPr lang="en-US" altLang="zh-CN" dirty="0"/>
+              <a:t>10</a:t>
+            </a:r>
+            <a:r>
+              <a:rPr lang="zh-CN" altLang="en-US" dirty="0"/>
+              <a:t>。而在此处误写为“</a:t>
+            </a:r>
+            <a:r>
+              <a:rPr lang="en-US" altLang="zh-CN" dirty="0"/>
+              <a:t>k=10”</a:t>
+            </a:r>
+            <a:r>
+              <a:rPr lang="zh-CN" altLang="en-US" dirty="0"/>
+              <a:t>，变成一个赋值表达式，表达式的值为等号右边的数</a:t>
+            </a:r>
+            <a:r>
+              <a:rPr lang="en-US" altLang="zh-CN" dirty="0"/>
+              <a:t>10</a:t>
+            </a:r>
+            <a:r>
+              <a:rPr lang="zh-CN" altLang="en-US" dirty="0"/>
+              <a:t>。由于在</a:t>
+            </a:r>
+            <a:r>
+              <a:rPr lang="en-US" altLang="zh-CN" dirty="0"/>
+              <a:t>C</a:t>
+            </a:r>
+            <a:r>
+              <a:rPr lang="zh-CN" altLang="en-US" dirty="0"/>
+              <a:t>语言中，除</a:t>
+            </a:r>
+            <a:r>
+              <a:rPr lang="en-US" altLang="zh-CN" dirty="0"/>
+              <a:t>0</a:t>
+            </a:r>
+            <a:r>
+              <a:rPr lang="zh-CN" altLang="en-US" dirty="0"/>
+              <a:t>外，其他数值都为真，因此，这个循环也是死循环，无法结束。</a:t>
+            </a:r>
+          </a:p>
+        </p:txBody>
+      </p:sp>
+    </p:spTree>
+    <p:extLst>
+      <p:ext uri="{BB962C8B-B14F-4D97-AF65-F5344CB8AC3E}">
+        <p14:creationId xmlns:p14="http://schemas.microsoft.com/office/powerpoint/2010/main" val="4236518023"/>
+      </p:ext>
+    </p:extLst>
+  </p:cSld>
+  <p:clrMapOvr>
+    <a:masterClrMapping/>
+  </p:clrMapOvr>
+</p:sld>
+</file>
+
+<file path=ppt/slides/slide37.xml><?xml version="1.0" encoding="utf-8"?>
+<p:sld xmlns:a="http://schemas.openxmlformats.org/drawingml/2006/main" xmlns:r="http://schemas.openxmlformats.org/officeDocument/2006/relationships" xmlns:p="http://schemas.openxmlformats.org/presentationml/2006/main">
+  <p:cSld>
+    <p:spTree>
+      <p:nvGrpSpPr>
+        <p:cNvPr id="1" name=""/>
+        <p:cNvGrpSpPr/>
+        <p:nvPr/>
+      </p:nvGrpSpPr>
+      <p:grpSpPr>
+        <a:xfrm>
+          <a:off x="0" y="0"/>
+          <a:ext cx="0" cy="0"/>
+          <a:chOff x="0" y="0"/>
+          <a:chExt cx="0" cy="0"/>
+        </a:xfrm>
+      </p:grpSpPr>
+      <p:sp>
+        <p:nvSpPr>
+          <p:cNvPr id="2" name="标题 1"/>
+          <p:cNvSpPr>
+            <a:spLocks noGrp="1"/>
+          </p:cNvSpPr>
+          <p:nvPr>
+            <p:ph type="title"/>
+          </p:nvPr>
+        </p:nvSpPr>
+        <p:spPr/>
+        <p:txBody>
+          <a:bodyPr/>
+          <a:lstStyle/>
+          <a:p>
+            <a:r>
+              <a:rPr lang="en-US" altLang="zh-CN" dirty="0"/>
+              <a:t>5.5.	 </a:t>
+            </a:r>
+            <a:r>
+              <a:rPr lang="zh-CN" altLang="en-US" dirty="0"/>
+              <a:t>退出循环语句</a:t>
+            </a:r>
+          </a:p>
+        </p:txBody>
+      </p:sp>
+      <p:sp>
+        <p:nvSpPr>
+          <p:cNvPr id="3" name="内容占位符 2"/>
+          <p:cNvSpPr>
+            <a:spLocks noGrp="1"/>
+          </p:cNvSpPr>
+          <p:nvPr>
+            <p:ph idx="1"/>
+          </p:nvPr>
+        </p:nvSpPr>
+        <p:spPr/>
+        <p:txBody>
+          <a:bodyPr>
+            <a:normAutofit lnSpcReduction="10000"/>
+          </a:bodyPr>
+          <a:lstStyle/>
+          <a:p>
+            <a:r>
+              <a:rPr lang="zh-CN" altLang="zh-CN" dirty="0"/>
+              <a:t>虽然使用前面介绍的四种循环控制语句可以实现灵活的循环</a:t>
+            </a:r>
+            <a:r>
+              <a:rPr lang="zh-CN" altLang="zh-CN" dirty="0" smtClean="0"/>
+              <a:t>结构</a:t>
+            </a:r>
+            <a:endParaRPr lang="en-US" altLang="zh-CN" dirty="0" smtClean="0"/>
+          </a:p>
+          <a:p>
+            <a:r>
+              <a:rPr lang="zh-CN" altLang="zh-CN" dirty="0" smtClean="0"/>
+              <a:t>然而</a:t>
+            </a:r>
+            <a:r>
+              <a:rPr lang="zh-CN" altLang="zh-CN" dirty="0"/>
+              <a:t>，很多情况下，可能要求更加灵活的循环结构控制，比如在循环语句执行过程中直接跳出当前循环，而不需依赖循环控制</a:t>
+            </a:r>
+            <a:r>
+              <a:rPr lang="zh-CN" altLang="zh-CN" dirty="0" smtClean="0"/>
+              <a:t>表达式</a:t>
+            </a:r>
+            <a:endParaRPr lang="en-US" altLang="zh-CN" dirty="0" smtClean="0"/>
+          </a:p>
+          <a:p>
+            <a:r>
+              <a:rPr lang="zh-CN" altLang="zh-CN" dirty="0" smtClean="0"/>
+              <a:t>在</a:t>
+            </a:r>
+            <a:r>
+              <a:rPr lang="zh-CN" altLang="zh-CN" dirty="0"/>
+              <a:t>这种情况下就需要用到跳转指令。</a:t>
+            </a:r>
+          </a:p>
+          <a:p>
+            <a:endParaRPr lang="zh-CN" altLang="en-US" dirty="0"/>
+          </a:p>
+        </p:txBody>
+      </p:sp>
+    </p:spTree>
+    <p:extLst>
+      <p:ext uri="{BB962C8B-B14F-4D97-AF65-F5344CB8AC3E}">
+        <p14:creationId xmlns:p14="http://schemas.microsoft.com/office/powerpoint/2010/main" val="1541961631"/>
+      </p:ext>
+    </p:extLst>
+  </p:cSld>
+  <p:clrMapOvr>
+    <a:masterClrMapping/>
+  </p:clrMapOvr>
+</p:sld>
+</file>
+
+<file path=ppt/slides/slide38.xml><?xml version="1.0" encoding="utf-8"?>
+<p:sld xmlns:a="http://schemas.openxmlformats.org/drawingml/2006/main" xmlns:r="http://schemas.openxmlformats.org/officeDocument/2006/relationships" xmlns:p="http://schemas.openxmlformats.org/presentationml/2006/main">
+  <p:cSld>
+    <p:spTree>
+      <p:nvGrpSpPr>
+        <p:cNvPr id="1" name=""/>
+        <p:cNvGrpSpPr/>
+        <p:nvPr/>
+      </p:nvGrpSpPr>
+      <p:grpSpPr>
+        <a:xfrm>
+          <a:off x="0" y="0"/>
+          <a:ext cx="0" cy="0"/>
+          <a:chOff x="0" y="0"/>
+          <a:chExt cx="0" cy="0"/>
+        </a:xfrm>
+      </p:grpSpPr>
+      <p:sp>
+        <p:nvSpPr>
+          <p:cNvPr id="2" name="标题 1"/>
+          <p:cNvSpPr>
+            <a:spLocks noGrp="1"/>
+          </p:cNvSpPr>
+          <p:nvPr>
+            <p:ph type="title"/>
+          </p:nvPr>
+        </p:nvSpPr>
+        <p:spPr/>
+        <p:txBody>
+          <a:bodyPr/>
+          <a:lstStyle/>
+          <a:p>
+            <a:endParaRPr lang="zh-CN" altLang="en-US"/>
+          </a:p>
+        </p:txBody>
+      </p:sp>
+      <p:sp>
+        <p:nvSpPr>
+          <p:cNvPr id="3" name="内容占位符 2"/>
+          <p:cNvSpPr>
+            <a:spLocks noGrp="1"/>
+          </p:cNvSpPr>
+          <p:nvPr>
+            <p:ph idx="1"/>
+          </p:nvPr>
+        </p:nvSpPr>
+        <p:spPr/>
+        <p:txBody>
+          <a:bodyPr>
+            <a:normAutofit fontScale="85000" lnSpcReduction="20000"/>
+          </a:bodyPr>
+          <a:lstStyle/>
+          <a:p>
+            <a:r>
+              <a:rPr lang="en-US" altLang="zh-CN" dirty="0"/>
+              <a:t>C</a:t>
+            </a:r>
+            <a:r>
+              <a:rPr lang="zh-CN" altLang="zh-CN" dirty="0"/>
+              <a:t>语言支持的跳转指令有</a:t>
+            </a:r>
+            <a:r>
+              <a:rPr lang="en-US" altLang="zh-CN" dirty="0"/>
+              <a:t>continue</a:t>
+            </a:r>
+            <a:r>
+              <a:rPr lang="zh-CN" altLang="zh-CN" dirty="0"/>
+              <a:t>、</a:t>
+            </a:r>
+            <a:r>
+              <a:rPr lang="en-US" altLang="zh-CN" dirty="0"/>
+              <a:t>break</a:t>
+            </a:r>
+            <a:r>
+              <a:rPr lang="zh-CN" altLang="zh-CN" dirty="0"/>
+              <a:t>和</a:t>
+            </a:r>
+            <a:r>
+              <a:rPr lang="en-US" altLang="zh-CN" dirty="0"/>
+              <a:t>return</a:t>
+            </a:r>
+            <a:r>
+              <a:rPr lang="zh-CN" altLang="zh-CN" dirty="0"/>
+              <a:t>，其实前面介绍的</a:t>
+            </a:r>
+            <a:r>
+              <a:rPr lang="en-US" altLang="zh-CN" dirty="0" err="1"/>
+              <a:t>goto</a:t>
+            </a:r>
+            <a:r>
+              <a:rPr lang="zh-CN" altLang="zh-CN" dirty="0"/>
+              <a:t>也属于跳转</a:t>
+            </a:r>
+            <a:r>
+              <a:rPr lang="zh-CN" altLang="zh-CN" dirty="0" smtClean="0"/>
+              <a:t>指令</a:t>
+            </a:r>
+            <a:endParaRPr lang="en-US" altLang="zh-CN" dirty="0" smtClean="0"/>
+          </a:p>
+          <a:p>
+            <a:r>
+              <a:rPr lang="zh-CN" altLang="zh-CN" dirty="0" smtClean="0"/>
+              <a:t>这</a:t>
+            </a:r>
+            <a:r>
+              <a:rPr lang="zh-CN" altLang="zh-CN" dirty="0"/>
+              <a:t>三种方式的跳转</a:t>
+            </a:r>
+            <a:r>
+              <a:rPr lang="en-US" altLang="zh-CN" dirty="0"/>
+              <a:t>“</a:t>
+            </a:r>
+            <a:r>
+              <a:rPr lang="zh-CN" altLang="zh-CN" dirty="0"/>
+              <a:t>力度</a:t>
+            </a:r>
+            <a:r>
+              <a:rPr lang="en-US" altLang="zh-CN" dirty="0"/>
+              <a:t>”</a:t>
+            </a:r>
+            <a:r>
+              <a:rPr lang="zh-CN" altLang="zh-CN" dirty="0"/>
+              <a:t>逐级递增，</a:t>
+            </a:r>
+            <a:r>
+              <a:rPr lang="en-US" altLang="zh-CN" dirty="0"/>
+              <a:t>continue</a:t>
+            </a:r>
+            <a:r>
+              <a:rPr lang="zh-CN" altLang="zh-CN" dirty="0"/>
+              <a:t>语句会结束本次循环，直接进入下次循环；</a:t>
+            </a:r>
+            <a:r>
+              <a:rPr lang="en-US" altLang="zh-CN" dirty="0"/>
+              <a:t>break</a:t>
+            </a:r>
+            <a:r>
+              <a:rPr lang="zh-CN" altLang="zh-CN" dirty="0"/>
+              <a:t>则会结束当前循环，进入当前循环之后的程序；而</a:t>
+            </a:r>
+            <a:r>
+              <a:rPr lang="en-US" altLang="zh-CN" dirty="0"/>
+              <a:t>return</a:t>
+            </a:r>
+            <a:r>
+              <a:rPr lang="zh-CN" altLang="zh-CN" dirty="0"/>
+              <a:t>则会结束当前的函数，跳转到函数被调用位置之后的程序中。</a:t>
+            </a:r>
+          </a:p>
+          <a:p>
+            <a:r>
+              <a:rPr lang="zh-CN" altLang="zh-CN" dirty="0"/>
+              <a:t>我们通过下面的函数来说明</a:t>
+            </a:r>
+            <a:r>
+              <a:rPr lang="en-US" altLang="zh-CN" dirty="0"/>
+              <a:t>continue</a:t>
+            </a:r>
+            <a:r>
+              <a:rPr lang="zh-CN" altLang="zh-CN" dirty="0"/>
+              <a:t>、</a:t>
+            </a:r>
+            <a:r>
+              <a:rPr lang="en-US" altLang="zh-CN" dirty="0"/>
+              <a:t>break</a:t>
+            </a:r>
+            <a:r>
+              <a:rPr lang="zh-CN" altLang="zh-CN" dirty="0"/>
+              <a:t>和</a:t>
+            </a:r>
+            <a:r>
+              <a:rPr lang="en-US" altLang="zh-CN" dirty="0"/>
+              <a:t>return</a:t>
+            </a:r>
+            <a:r>
+              <a:rPr lang="zh-CN" altLang="zh-CN" dirty="0"/>
+              <a:t>三种控制语句对程序流程的影响。</a:t>
+            </a:r>
+          </a:p>
+          <a:p>
+            <a:endParaRPr lang="zh-CN" altLang="en-US" dirty="0"/>
+          </a:p>
+        </p:txBody>
+      </p:sp>
+    </p:spTree>
+    <p:extLst>
+      <p:ext uri="{BB962C8B-B14F-4D97-AF65-F5344CB8AC3E}">
+        <p14:creationId xmlns:p14="http://schemas.microsoft.com/office/powerpoint/2010/main" val="1048693405"/>
+      </p:ext>
+    </p:extLst>
+  </p:cSld>
+  <p:clrMapOvr>
+    <a:masterClrMapping/>
+  </p:clrMapOvr>
+</p:sld>
+</file>
+
+<file path=ppt/slides/slide39.xml><?xml version="1.0" encoding="utf-8"?>
+<p:sld xmlns:a="http://schemas.openxmlformats.org/drawingml/2006/main" xmlns:r="http://schemas.openxmlformats.org/officeDocument/2006/relationships" xmlns:p="http://schemas.openxmlformats.org/presentationml/2006/main">
+  <p:cSld>
+    <p:spTree>
+      <p:nvGrpSpPr>
+        <p:cNvPr id="1" name=""/>
+        <p:cNvGrpSpPr/>
+        <p:nvPr/>
+      </p:nvGrpSpPr>
+      <p:grpSpPr>
+        <a:xfrm>
+          <a:off x="0" y="0"/>
+          <a:ext cx="0" cy="0"/>
+          <a:chOff x="0" y="0"/>
+          <a:chExt cx="0" cy="0"/>
+        </a:xfrm>
+      </p:grpSpPr>
+      <p:sp>
+        <p:nvSpPr>
+          <p:cNvPr id="2" name="标题 1"/>
+          <p:cNvSpPr>
+            <a:spLocks noGrp="1"/>
+          </p:cNvSpPr>
+          <p:nvPr>
+            <p:ph type="title"/>
+          </p:nvPr>
+        </p:nvSpPr>
+        <p:spPr/>
+        <p:txBody>
+          <a:bodyPr/>
+          <a:lstStyle/>
+          <a:p>
+            <a:endParaRPr lang="zh-CN" altLang="en-US"/>
+          </a:p>
+        </p:txBody>
+      </p:sp>
+      <p:sp>
+        <p:nvSpPr>
+          <p:cNvPr id="3" name="内容占位符 2"/>
+          <p:cNvSpPr>
+            <a:spLocks noGrp="1"/>
+          </p:cNvSpPr>
+          <p:nvPr>
+            <p:ph idx="1"/>
+          </p:nvPr>
+        </p:nvSpPr>
+        <p:spPr/>
+        <p:txBody>
+          <a:bodyPr/>
+          <a:lstStyle/>
+          <a:p>
+            <a:endParaRPr lang="zh-CN" altLang="en-US"/>
+          </a:p>
+        </p:txBody>
+      </p:sp>
+      <p:pic>
+        <p:nvPicPr>
+          <p:cNvPr id="19458" name="Picture 2"/>
+          <p:cNvPicPr>
+            <a:picLocks noChangeAspect="1" noChangeArrowheads="1"/>
+          </p:cNvPicPr>
+          <p:nvPr/>
+        </p:nvPicPr>
+        <p:blipFill>
+          <a:blip r:embed="rId2" cstate="print">
+            <a:extLst>
+              <a:ext uri="{28A0092B-C50C-407E-A947-70E740481C1C}">
+                <a14:useLocalDpi xmlns:a14="http://schemas.microsoft.com/office/drawing/2010/main" val="0"/>
+              </a:ext>
+            </a:extLst>
+          </a:blip>
+          <a:srcRect/>
+          <a:stretch>
+            <a:fillRect/>
+          </a:stretch>
+        </p:blipFill>
+        <p:spPr bwMode="auto">
+          <a:xfrm>
+            <a:off x="1927225" y="1282700"/>
+            <a:ext cx="5287963" cy="2574925"/>
+          </a:xfrm>
+          <a:prstGeom prst="rect">
+            <a:avLst/>
+          </a:prstGeom>
+          <a:noFill/>
+          <a:ln>
+            <a:noFill/>
+          </a:ln>
+          <a:effectLst/>
+          <a:extLst>
+            <a:ext uri="{909E8E84-426E-40DD-AFC4-6F175D3DCCD1}">
+              <a14:hiddenFill xmlns:a14="http://schemas.microsoft.com/office/drawing/2010/main">
+                <a:solidFill>
+                  <a:schemeClr val="accent1"/>
+                </a:solidFill>
+              </a14:hiddenFill>
+            </a:ext>
+            <a:ext uri="{91240B29-F687-4F45-9708-019B960494DF}">
+              <a14:hiddenLine xmlns:a14="http://schemas.microsoft.com/office/drawing/2010/main" w="9525">
+                <a:solidFill>
+                  <a:schemeClr val="tx1"/>
+                </a:solidFill>
+                <a:miter lim="800000"/>
+                <a:headEnd/>
+                <a:tailEnd/>
+              </a14:hiddenLine>
+            </a:ext>
+            <a:ext uri="{AF507438-7753-43E0-B8FC-AC1667EBCBE1}">
+              <a14:hiddenEffects xmlns:a14="http://schemas.microsoft.com/office/drawing/2010/main">
+                <a:effectLst>
+                  <a:outerShdw dist="35921" dir="2700000" algn="ctr" rotWithShape="0">
+                    <a:schemeClr val="bg2"/>
+                  </a:outerShdw>
+                </a:effectLst>
+              </a14:hiddenEffects>
+            </a:ext>
+          </a:extLst>
+        </p:spPr>
+      </p:pic>
+    </p:spTree>
+    <p:extLst>
+      <p:ext uri="{BB962C8B-B14F-4D97-AF65-F5344CB8AC3E}">
+        <p14:creationId xmlns:p14="http://schemas.microsoft.com/office/powerpoint/2010/main" val="229337217"/>
+      </p:ext>
+    </p:extLst>
+  </p:cSld>
+  <p:clrMapOvr>
+    <a:masterClrMapping/>
+  </p:clrMapOvr>
+</p:sld>
+</file>
+
+<file path=ppt/slides/slide4.xml><?xml version="1.0" encoding="utf-8"?>
+<p:sld xmlns:a="http://schemas.openxmlformats.org/drawingml/2006/main" xmlns:r="http://schemas.openxmlformats.org/officeDocument/2006/relationships" xmlns:p="http://schemas.openxmlformats.org/presentationml/2006/main">
+  <p:cSld>
+    <p:spTree>
+      <p:nvGrpSpPr>
+        <p:cNvPr id="1" name=""/>
+        <p:cNvGrpSpPr/>
+        <p:nvPr/>
+      </p:nvGrpSpPr>
+      <p:grpSpPr>
+        <a:xfrm>
+          <a:off x="0" y="0"/>
+          <a:ext cx="0" cy="0"/>
+          <a:chOff x="0" y="0"/>
+          <a:chExt cx="0" cy="0"/>
+        </a:xfrm>
+      </p:grpSpPr>
+      <p:sp>
+        <p:nvSpPr>
+          <p:cNvPr id="2" name="标题 1"/>
+          <p:cNvSpPr>
+            <a:spLocks noGrp="1"/>
+          </p:cNvSpPr>
+          <p:nvPr>
+            <p:ph type="title"/>
+          </p:nvPr>
+        </p:nvSpPr>
+        <p:spPr/>
+        <p:txBody>
+          <a:bodyPr/>
+          <a:lstStyle/>
+          <a:p>
+            <a:r>
+              <a:rPr lang="en-US" altLang="zh-CN" dirty="0"/>
+              <a:t>5.1.	 while</a:t>
+            </a:r>
+            <a:r>
+              <a:rPr lang="zh-CN" altLang="en-US" dirty="0"/>
+              <a:t>语句</a:t>
+            </a:r>
+          </a:p>
+        </p:txBody>
+      </p:sp>
+      <p:sp>
+        <p:nvSpPr>
+          <p:cNvPr id="3" name="内容占位符 2"/>
+          <p:cNvSpPr>
+            <a:spLocks noGrp="1"/>
+          </p:cNvSpPr>
+          <p:nvPr>
+            <p:ph idx="1"/>
+          </p:nvPr>
+        </p:nvSpPr>
+        <p:spPr/>
+        <p:txBody>
+          <a:bodyPr/>
+          <a:lstStyle/>
+          <a:p>
+            <a:endParaRPr lang="zh-CN" altLang="en-US" dirty="0"/>
+          </a:p>
+        </p:txBody>
+      </p:sp>
+      <p:sp>
+        <p:nvSpPr>
+          <p:cNvPr id="4" name="Rectangle 2"/>
+          <p:cNvSpPr>
+            <a:spLocks noChangeArrowheads="1"/>
+          </p:cNvSpPr>
+          <p:nvPr/>
+        </p:nvSpPr>
+        <p:spPr bwMode="auto">
+          <a:xfrm>
+            <a:off x="0" y="0"/>
+            <a:ext cx="9144000" cy="457200"/>
+          </a:xfrm>
+          <a:prstGeom prst="rect">
+            <a:avLst/>
+          </a:prstGeom>
+          <a:noFill/>
+          <a:ln>
+            <a:noFill/>
+          </a:ln>
+          <a:effectLst/>
+          <a:extLst>
+            <a:ext uri="{909E8E84-426E-40DD-AFC4-6F175D3DCCD1}">
+              <a14:hiddenFill xmlns:a14="http://schemas.microsoft.com/office/drawing/2010/main">
+                <a:solidFill>
+                  <a:schemeClr val="accent1"/>
+                </a:solidFill>
+              </a14:hiddenFill>
+            </a:ext>
+            <a:ext uri="{91240B29-F687-4F45-9708-019B960494DF}">
+              <a14:hiddenLine xmlns:a14="http://schemas.microsoft.com/office/drawing/2010/main" w="9525">
+                <a:solidFill>
+                  <a:schemeClr val="tx1"/>
+                </a:solidFill>
+                <a:miter lim="800000"/>
+                <a:headEnd/>
+                <a:tailEnd/>
+              </a14:hiddenLine>
+            </a:ext>
+            <a:ext uri="{AF507438-7753-43E0-B8FC-AC1667EBCBE1}">
+              <a14:hiddenEffects xmlns:a14="http://schemas.microsoft.com/office/drawing/2010/main">
+                <a:effectLst>
+                  <a:outerShdw dist="35921" dir="2700000" algn="ctr" rotWithShape="0">
+                    <a:schemeClr val="bg2"/>
+                  </a:outerShdw>
+                </a:effectLst>
+              </a14:hiddenEffects>
+            </a:ext>
+          </a:extLst>
+        </p:spPr>
+        <p:txBody>
+          <a:bodyPr vert="horz" wrap="none" lIns="91440" tIns="45720" rIns="91440" bIns="45720" numCol="1" anchor="ctr" anchorCtr="0" compatLnSpc="1">
+            <a:prstTxWarp prst="textNoShape">
+              <a:avLst/>
+            </a:prstTxWarp>
+            <a:spAutoFit/>
+          </a:bodyPr>
+          <a:lstStyle/>
+          <a:p>
+            <a:endParaRPr lang="zh-CN" altLang="en-US"/>
+          </a:p>
+        </p:txBody>
+      </p:sp>
+      <p:graphicFrame>
+        <p:nvGraphicFramePr>
+          <p:cNvPr id="5" name="对象 4"/>
+          <p:cNvGraphicFramePr>
+            <a:graphicFrameLocks noChangeAspect="1"/>
+          </p:cNvGraphicFramePr>
+          <p:nvPr>
+            <p:extLst>
+              <p:ext uri="{D42A27DB-BD31-4B8C-83A1-F6EECF244321}">
+                <p14:modId xmlns:p14="http://schemas.microsoft.com/office/powerpoint/2010/main" val="3059569666"/>
+              </p:ext>
+            </p:extLst>
+          </p:nvPr>
+        </p:nvGraphicFramePr>
+        <p:xfrm>
+          <a:off x="2699792" y="915566"/>
+          <a:ext cx="2252663" cy="3000375"/>
+        </p:xfrm>
+        <a:graphic>
+          <a:graphicData uri="http://schemas.openxmlformats.org/presentationml/2006/ole">
+            <mc:AlternateContent xmlns:mc="http://schemas.openxmlformats.org/markup-compatibility/2006">
+              <mc:Choice xmlns:v="urn:schemas-microsoft-com:vml" Requires="v">
+                <p:oleObj spid="_x0000_s1041" name="Visio" r:id="rId3" imgW="2248561" imgH="2998607" progId="Visio.Drawing.11">
+                  <p:embed/>
+                </p:oleObj>
+              </mc:Choice>
+              <mc:Fallback>
+                <p:oleObj name="Visio" r:id="rId3" imgW="2248561" imgH="2998607" progId="Visio.Drawing.11">
+                  <p:embed/>
+                  <p:pic>
+                    <p:nvPicPr>
+                      <p:cNvPr id="0" name="Object 1"/>
+                      <p:cNvPicPr>
+                        <a:picLocks noChangeAspect="1" noChangeArrowheads="1"/>
+                      </p:cNvPicPr>
+                      <p:nvPr/>
+                    </p:nvPicPr>
+                    <p:blipFill>
+                      <a:blip r:embed="rId4">
+                        <a:extLst>
+                          <a:ext uri="{28A0092B-C50C-407E-A947-70E740481C1C}">
+                            <a14:useLocalDpi xmlns:a14="http://schemas.microsoft.com/office/drawing/2010/main" val="0"/>
+                          </a:ext>
+                        </a:extLst>
+                      </a:blip>
+                      <a:srcRect/>
+                      <a:stretch>
+                        <a:fillRect/>
+                      </a:stretch>
+                    </p:blipFill>
+                    <p:spPr bwMode="auto">
+                      <a:xfrm>
+                        <a:off x="2699792" y="915566"/>
+                        <a:ext cx="2252663" cy="3000375"/>
+                      </a:xfrm>
+                      <a:prstGeom prst="rect">
+                        <a:avLst/>
+                      </a:prstGeom>
+                      <a:solidFill>
+                        <a:schemeClr val="tx1">
+                          <a:lumMod val="75000"/>
+                        </a:schemeClr>
+                      </a:solidFill>
+                    </p:spPr>
+                  </p:pic>
+                </p:oleObj>
+              </mc:Fallback>
+            </mc:AlternateContent>
+          </a:graphicData>
+        </a:graphic>
+      </p:graphicFrame>
+    </p:spTree>
+    <p:extLst>
+      <p:ext uri="{BB962C8B-B14F-4D97-AF65-F5344CB8AC3E}">
+        <p14:creationId xmlns:p14="http://schemas.microsoft.com/office/powerpoint/2010/main" val="1667033793"/>
+      </p:ext>
+    </p:extLst>
+  </p:cSld>
+  <p:clrMapOvr>
+    <a:masterClrMapping/>
+  </p:clrMapOvr>
+</p:sld>
+</file>
+
+<file path=ppt/slides/slide40.xml><?xml version="1.0" encoding="utf-8"?>
+<p:sld xmlns:a="http://schemas.openxmlformats.org/drawingml/2006/main" xmlns:r="http://schemas.openxmlformats.org/officeDocument/2006/relationships" xmlns:p="http://schemas.openxmlformats.org/presentationml/2006/main">
+  <p:cSld>
+    <p:spTree>
+      <p:nvGrpSpPr>
+        <p:cNvPr id="1" name=""/>
+        <p:cNvGrpSpPr/>
+        <p:nvPr/>
+      </p:nvGrpSpPr>
+      <p:grpSpPr>
+        <a:xfrm>
+          <a:off x="0" y="0"/>
+          <a:ext cx="0" cy="0"/>
+          <a:chOff x="0" y="0"/>
+          <a:chExt cx="0" cy="0"/>
+        </a:xfrm>
+      </p:grpSpPr>
+      <p:sp>
+        <p:nvSpPr>
+          <p:cNvPr id="2" name="标题 1"/>
+          <p:cNvSpPr>
+            <a:spLocks noGrp="1"/>
+          </p:cNvSpPr>
+          <p:nvPr>
+            <p:ph type="title"/>
+          </p:nvPr>
+        </p:nvSpPr>
+        <p:spPr/>
+        <p:txBody>
+          <a:bodyPr/>
+          <a:lstStyle/>
+          <a:p>
+            <a:endParaRPr lang="zh-CN" altLang="en-US"/>
+          </a:p>
+        </p:txBody>
+      </p:sp>
+      <p:sp>
+        <p:nvSpPr>
+          <p:cNvPr id="3" name="内容占位符 2"/>
+          <p:cNvSpPr>
+            <a:spLocks noGrp="1"/>
+          </p:cNvSpPr>
+          <p:nvPr>
+            <p:ph idx="1"/>
+          </p:nvPr>
+        </p:nvSpPr>
+        <p:spPr/>
+        <p:txBody>
+          <a:bodyPr/>
+          <a:lstStyle/>
+          <a:p>
+            <a:r>
+              <a:rPr lang="zh-CN" altLang="zh-CN" dirty="0"/>
+              <a:t>当在</a:t>
+            </a:r>
+            <a:r>
+              <a:rPr lang="en-US" altLang="zh-CN" dirty="0"/>
+              <a:t>main</a:t>
+            </a:r>
+            <a:r>
+              <a:rPr lang="zh-CN" altLang="zh-CN" dirty="0"/>
+              <a:t>函数中，使用</a:t>
+            </a:r>
+            <a:r>
+              <a:rPr lang="en-US" altLang="zh-CN" dirty="0"/>
+              <a:t>Fun(3)</a:t>
+            </a:r>
+            <a:r>
+              <a:rPr lang="zh-CN" altLang="zh-CN" dirty="0"/>
+              <a:t>调用上面这个函数时，控制语句分别使用</a:t>
+            </a:r>
+            <a:r>
+              <a:rPr lang="en-US" altLang="zh-CN" dirty="0"/>
+              <a:t>continue</a:t>
+            </a:r>
+            <a:r>
+              <a:rPr lang="zh-CN" altLang="zh-CN" dirty="0"/>
+              <a:t>、</a:t>
+            </a:r>
+            <a:r>
+              <a:rPr lang="en-US" altLang="zh-CN" dirty="0"/>
+              <a:t>break</a:t>
+            </a:r>
+            <a:r>
+              <a:rPr lang="zh-CN" altLang="zh-CN" dirty="0"/>
+              <a:t>和</a:t>
+            </a:r>
+            <a:r>
+              <a:rPr lang="en-US" altLang="zh-CN" dirty="0"/>
+              <a:t>return</a:t>
+            </a:r>
+            <a:r>
+              <a:rPr lang="zh-CN" altLang="zh-CN" dirty="0"/>
+              <a:t>，得到的输出结果如表格</a:t>
+            </a:r>
+            <a:r>
+              <a:rPr lang="en-US" altLang="zh-CN" dirty="0"/>
+              <a:t> 5-1</a:t>
+            </a:r>
+            <a:r>
+              <a:rPr lang="zh-CN" altLang="zh-CN" dirty="0"/>
+              <a:t>所示。</a:t>
+            </a:r>
+          </a:p>
+          <a:p>
+            <a:endParaRPr lang="zh-CN" altLang="en-US" dirty="0"/>
+          </a:p>
+        </p:txBody>
+      </p:sp>
+      <p:pic>
+        <p:nvPicPr>
+          <p:cNvPr id="20482" name="Picture 2"/>
+          <p:cNvPicPr>
+            <a:picLocks noChangeAspect="1" noChangeArrowheads="1"/>
+          </p:cNvPicPr>
+          <p:nvPr/>
+        </p:nvPicPr>
+        <p:blipFill>
+          <a:blip r:embed="rId2" cstate="print">
+            <a:extLst>
+              <a:ext uri="{28A0092B-C50C-407E-A947-70E740481C1C}">
+                <a14:useLocalDpi xmlns:a14="http://schemas.microsoft.com/office/drawing/2010/main" val="0"/>
+              </a:ext>
+            </a:extLst>
+          </a:blip>
+          <a:srcRect/>
+          <a:stretch>
+            <a:fillRect/>
+          </a:stretch>
+        </p:blipFill>
+        <p:spPr bwMode="auto">
+          <a:xfrm>
+            <a:off x="1619672" y="3003798"/>
+            <a:ext cx="5437187" cy="1449387"/>
+          </a:xfrm>
+          <a:prstGeom prst="rect">
+            <a:avLst/>
+          </a:prstGeom>
+          <a:solidFill>
+            <a:srgbClr val="FFFFFF">
+              <a:shade val="85000"/>
+            </a:srgbClr>
+          </a:solidFill>
+          <a:ln w="88900" cap="sq">
+            <a:solidFill>
+              <a:srgbClr val="FFFFFF"/>
+            </a:solidFill>
+            <a:miter lim="800000"/>
+          </a:ln>
+          <a:effectLst>
+            <a:outerShdw blurRad="55000" dist="18000" dir="5400000" algn="tl" rotWithShape="0">
+              <a:srgbClr val="000000">
+                <a:alpha val="40000"/>
+              </a:srgbClr>
+            </a:outerShdw>
+          </a:effectLst>
+          <a:scene3d>
+            <a:camera prst="orthographicFront"/>
+            <a:lightRig rig="twoPt" dir="t">
+              <a:rot lat="0" lon="0" rev="7200000"/>
+            </a:lightRig>
+          </a:scene3d>
+          <a:sp3d>
+            <a:bevelT w="25400" h="19050"/>
+            <a:contourClr>
+              <a:srgbClr val="FFFFFF"/>
+            </a:contourClr>
+          </a:sp3d>
+          <a:extLst>
+            <a:ext uri="{909E8E84-426E-40DD-AFC4-6F175D3DCCD1}">
+              <a14:hiddenFill xmlns:a14="http://schemas.microsoft.com/office/drawing/2010/main">
+                <a:solidFill>
+                  <a:schemeClr val="accent1"/>
+                </a:solidFill>
+              </a14:hiddenFill>
+            </a:ext>
+            <a:ext uri="{91240B29-F687-4F45-9708-019B960494DF}">
+              <a14:hiddenLine xmlns:a14="http://schemas.microsoft.com/office/drawing/2010/main" w="9525">
+                <a:solidFill>
+                  <a:schemeClr val="tx1"/>
+                </a:solidFill>
+                <a:miter lim="800000"/>
+                <a:headEnd/>
+                <a:tailEnd/>
+              </a14:hiddenLine>
+            </a:ext>
+            <a:ext uri="{AF507438-7753-43E0-B8FC-AC1667EBCBE1}">
+              <a14:hiddenEffects xmlns:a14="http://schemas.microsoft.com/office/drawing/2010/main">
+                <a:effectLst>
+                  <a:outerShdw dist="35921" dir="2700000" algn="ctr" rotWithShape="0">
+                    <a:schemeClr val="bg2"/>
+                  </a:outerShdw>
+                </a:effectLst>
+              </a14:hiddenEffects>
+            </a:ext>
+          </a:extLst>
+        </p:spPr>
+      </p:pic>
+    </p:spTree>
+    <p:extLst>
+      <p:ext uri="{BB962C8B-B14F-4D97-AF65-F5344CB8AC3E}">
+        <p14:creationId xmlns:p14="http://schemas.microsoft.com/office/powerpoint/2010/main" val="934383971"/>
+      </p:ext>
+    </p:extLst>
+  </p:cSld>
+  <p:clrMapOvr>
+    <a:masterClrMapping/>
+  </p:clrMapOvr>
+</p:sld>
+</file>
+
+<file path=ppt/slides/slide41.xml><?xml version="1.0" encoding="utf-8"?>
+<p:sld xmlns:a="http://schemas.openxmlformats.org/drawingml/2006/main" xmlns:r="http://schemas.openxmlformats.org/officeDocument/2006/relationships" xmlns:p="http://schemas.openxmlformats.org/presentationml/2006/main">
+  <p:cSld>
+    <p:spTree>
+      <p:nvGrpSpPr>
+        <p:cNvPr id="1" name=""/>
+        <p:cNvGrpSpPr/>
+        <p:nvPr/>
+      </p:nvGrpSpPr>
+      <p:grpSpPr>
+        <a:xfrm>
+          <a:off x="0" y="0"/>
+          <a:ext cx="0" cy="0"/>
+          <a:chOff x="0" y="0"/>
+          <a:chExt cx="0" cy="0"/>
+        </a:xfrm>
+      </p:grpSpPr>
+      <p:sp>
+        <p:nvSpPr>
+          <p:cNvPr id="2" name="标题 1"/>
+          <p:cNvSpPr>
+            <a:spLocks noGrp="1"/>
+          </p:cNvSpPr>
+          <p:nvPr>
+            <p:ph type="title"/>
+          </p:nvPr>
+        </p:nvSpPr>
+        <p:spPr/>
+        <p:txBody>
+          <a:bodyPr/>
+          <a:lstStyle/>
+          <a:p>
+            <a:endParaRPr lang="zh-CN" altLang="en-US"/>
+          </a:p>
+        </p:txBody>
+      </p:sp>
+      <p:sp>
+        <p:nvSpPr>
+          <p:cNvPr id="3" name="内容占位符 2"/>
+          <p:cNvSpPr>
+            <a:spLocks noGrp="1"/>
+          </p:cNvSpPr>
+          <p:nvPr>
+            <p:ph idx="1"/>
+          </p:nvPr>
+        </p:nvSpPr>
+        <p:spPr/>
+        <p:txBody>
+          <a:bodyPr>
+            <a:normAutofit lnSpcReduction="10000"/>
+          </a:bodyPr>
+          <a:lstStyle/>
+          <a:p>
+            <a:r>
+              <a:rPr lang="zh-CN" altLang="zh-CN" dirty="0"/>
+              <a:t>从表格</a:t>
+            </a:r>
+            <a:r>
+              <a:rPr lang="en-US" altLang="zh-CN" dirty="0"/>
+              <a:t> 5-1</a:t>
+            </a:r>
+            <a:r>
+              <a:rPr lang="zh-CN" altLang="zh-CN" dirty="0"/>
+              <a:t>可以看出，在这个例子中，如果使用</a:t>
+            </a:r>
+            <a:r>
+              <a:rPr lang="en-US" altLang="zh-CN" dirty="0"/>
+              <a:t>continue</a:t>
+            </a:r>
+            <a:r>
+              <a:rPr lang="zh-CN" altLang="zh-CN" dirty="0"/>
+              <a:t>跳转，则循环过程只是将能被</a:t>
+            </a:r>
+            <a:r>
+              <a:rPr lang="en-US" altLang="zh-CN" dirty="0"/>
+              <a:t>3</a:t>
+            </a:r>
+            <a:r>
+              <a:rPr lang="zh-CN" altLang="zh-CN" dirty="0"/>
+              <a:t>整除的数跳过不</a:t>
+            </a:r>
+            <a:r>
+              <a:rPr lang="zh-CN" altLang="zh-CN" dirty="0" smtClean="0"/>
+              <a:t>输出</a:t>
+            </a:r>
+            <a:endParaRPr lang="en-US" altLang="zh-CN" dirty="0" smtClean="0"/>
+          </a:p>
+          <a:p>
+            <a:r>
+              <a:rPr lang="zh-CN" altLang="zh-CN" dirty="0" smtClean="0"/>
+              <a:t>而</a:t>
+            </a:r>
+            <a:r>
+              <a:rPr lang="zh-CN" altLang="zh-CN" dirty="0"/>
+              <a:t>使用</a:t>
+            </a:r>
+            <a:r>
+              <a:rPr lang="en-US" altLang="zh-CN" dirty="0"/>
+              <a:t>break</a:t>
+            </a:r>
+            <a:r>
+              <a:rPr lang="zh-CN" altLang="zh-CN" dirty="0"/>
+              <a:t>，遇到第一个能被</a:t>
+            </a:r>
+            <a:r>
+              <a:rPr lang="en-US" altLang="zh-CN" dirty="0"/>
+              <a:t>3</a:t>
+            </a:r>
+            <a:r>
+              <a:rPr lang="zh-CN" altLang="zh-CN" dirty="0"/>
+              <a:t>整除的数，就退出循环，继续执行循环后面的语句</a:t>
+            </a:r>
+            <a:r>
+              <a:rPr lang="zh-CN" altLang="zh-CN" dirty="0" smtClean="0"/>
+              <a:t>了</a:t>
+            </a:r>
+            <a:endParaRPr lang="en-US" altLang="zh-CN" dirty="0" smtClean="0"/>
+          </a:p>
+          <a:p>
+            <a:r>
+              <a:rPr lang="zh-CN" altLang="zh-CN" dirty="0" smtClean="0"/>
+              <a:t>而</a:t>
+            </a:r>
+            <a:r>
+              <a:rPr lang="zh-CN" altLang="zh-CN" dirty="0"/>
+              <a:t>使用</a:t>
+            </a:r>
+            <a:r>
+              <a:rPr lang="en-US" altLang="zh-CN" dirty="0"/>
+              <a:t>return</a:t>
+            </a:r>
+            <a:r>
+              <a:rPr lang="zh-CN" altLang="zh-CN" dirty="0"/>
+              <a:t>，则会直接结束函数调用，所以后面的语句都不会继续执行。</a:t>
+            </a:r>
+          </a:p>
+          <a:p>
+            <a:endParaRPr lang="zh-CN" altLang="en-US" dirty="0"/>
+          </a:p>
+        </p:txBody>
+      </p:sp>
+    </p:spTree>
+    <p:extLst>
+      <p:ext uri="{BB962C8B-B14F-4D97-AF65-F5344CB8AC3E}">
+        <p14:creationId xmlns:p14="http://schemas.microsoft.com/office/powerpoint/2010/main" val="2945202248"/>
+      </p:ext>
+    </p:extLst>
+  </p:cSld>
+  <p:clrMapOvr>
+    <a:masterClrMapping/>
+  </p:clrMapOvr>
+</p:sld>
+</file>
+
+<file path=ppt/slides/slide42.xml><?xml version="1.0" encoding="utf-8"?>
+<p:sld xmlns:a="http://schemas.openxmlformats.org/drawingml/2006/main" xmlns:r="http://schemas.openxmlformats.org/officeDocument/2006/relationships" xmlns:p="http://schemas.openxmlformats.org/presentationml/2006/main">
+  <p:cSld>
+    <p:spTree>
+      <p:nvGrpSpPr>
+        <p:cNvPr id="1" name=""/>
+        <p:cNvGrpSpPr/>
+        <p:nvPr/>
+      </p:nvGrpSpPr>
+      <p:grpSpPr>
+        <a:xfrm>
+          <a:off x="0" y="0"/>
+          <a:ext cx="0" cy="0"/>
+          <a:chOff x="0" y="0"/>
+          <a:chExt cx="0" cy="0"/>
+        </a:xfrm>
+      </p:grpSpPr>
+      <p:sp>
+        <p:nvSpPr>
+          <p:cNvPr id="2" name="标题 1"/>
+          <p:cNvSpPr>
+            <a:spLocks noGrp="1"/>
+          </p:cNvSpPr>
+          <p:nvPr>
+            <p:ph type="title"/>
+          </p:nvPr>
+        </p:nvSpPr>
+        <p:spPr/>
+        <p:txBody>
+          <a:bodyPr/>
+          <a:lstStyle/>
+          <a:p>
+            <a:r>
+              <a:rPr lang="en-US" altLang="zh-CN" dirty="0"/>
+              <a:t>5.6.	 </a:t>
+            </a:r>
+            <a:r>
+              <a:rPr lang="zh-CN" altLang="en-US" dirty="0"/>
+              <a:t>分形绘制</a:t>
+            </a:r>
+          </a:p>
+        </p:txBody>
+      </p:sp>
+      <p:sp>
+        <p:nvSpPr>
+          <p:cNvPr id="3" name="内容占位符 2"/>
+          <p:cNvSpPr>
+            <a:spLocks noGrp="1"/>
+          </p:cNvSpPr>
+          <p:nvPr>
+            <p:ph idx="1"/>
+          </p:nvPr>
+        </p:nvSpPr>
+        <p:spPr/>
+        <p:txBody>
+          <a:bodyPr>
+            <a:normAutofit fontScale="85000" lnSpcReduction="20000"/>
+          </a:bodyPr>
+          <a:lstStyle/>
+          <a:p>
+            <a:r>
+              <a:rPr lang="zh-CN" altLang="zh-CN" dirty="0"/>
+              <a:t>分形（</a:t>
+            </a:r>
+            <a:r>
+              <a:rPr lang="en-US" altLang="zh-CN" dirty="0"/>
+              <a:t>Fractal</a:t>
+            </a:r>
+            <a:r>
+              <a:rPr lang="zh-CN" altLang="zh-CN" dirty="0"/>
+              <a:t>）一词，是由</a:t>
+            </a:r>
+            <a:r>
+              <a:rPr lang="en-US" altLang="zh-CN" dirty="0"/>
+              <a:t>IBM</a:t>
+            </a:r>
+            <a:r>
+              <a:rPr lang="zh-CN" altLang="zh-CN" dirty="0"/>
+              <a:t>研究室的数学家曼德布洛特（</a:t>
+            </a:r>
+            <a:r>
+              <a:rPr lang="en-US" altLang="zh-CN" dirty="0" err="1"/>
+              <a:t>Benoit.Mandelbrot</a:t>
+            </a:r>
+            <a:r>
+              <a:rPr lang="zh-CN" altLang="zh-CN" dirty="0"/>
+              <a:t>，</a:t>
+            </a:r>
+            <a:r>
+              <a:rPr lang="en-US" altLang="zh-CN" dirty="0"/>
+              <a:t>1924-2010</a:t>
+            </a:r>
+            <a:r>
+              <a:rPr lang="zh-CN" altLang="zh-CN" dirty="0"/>
+              <a:t>，中文译名亦为本华·曼德博）提出，其原意是不规则、支离破碎的意思，所以分形几何学是一门以非规则几何形态为研究对象的</a:t>
+            </a:r>
+            <a:r>
+              <a:rPr lang="zh-CN" altLang="zh-CN" dirty="0" smtClean="0"/>
+              <a:t>几何学</a:t>
+            </a:r>
+            <a:endParaRPr lang="en-US" altLang="zh-CN" dirty="0" smtClean="0"/>
+          </a:p>
+          <a:p>
+            <a:r>
+              <a:rPr lang="zh-CN" altLang="zh-CN" dirty="0" smtClean="0"/>
+              <a:t>按照</a:t>
+            </a:r>
+            <a:r>
+              <a:rPr lang="zh-CN" altLang="zh-CN" dirty="0"/>
+              <a:t>分形几何学的观点</a:t>
+            </a:r>
+            <a:r>
+              <a:rPr lang="en-US" altLang="zh-CN" dirty="0"/>
+              <a:t>,</a:t>
+            </a:r>
+            <a:r>
+              <a:rPr lang="zh-CN" altLang="zh-CN" dirty="0"/>
+              <a:t>一切复杂对象虽然看似杂乱无章</a:t>
+            </a:r>
+            <a:r>
+              <a:rPr lang="en-US" altLang="zh-CN" dirty="0"/>
+              <a:t>,</a:t>
+            </a:r>
+            <a:r>
+              <a:rPr lang="zh-CN" altLang="zh-CN" dirty="0"/>
+              <a:t>但它们具有相似性，简单地说，就是把复杂对象的某个局部进行放大，其形态和复杂程度与整体相似。</a:t>
+            </a:r>
+          </a:p>
+          <a:p>
+            <a:endParaRPr lang="zh-CN" altLang="en-US" dirty="0"/>
+          </a:p>
+        </p:txBody>
+      </p:sp>
+    </p:spTree>
+    <p:extLst>
+      <p:ext uri="{BB962C8B-B14F-4D97-AF65-F5344CB8AC3E}">
+        <p14:creationId xmlns:p14="http://schemas.microsoft.com/office/powerpoint/2010/main" val="2256614000"/>
+      </p:ext>
+    </p:extLst>
+  </p:cSld>
+  <p:clrMapOvr>
+    <a:masterClrMapping/>
+  </p:clrMapOvr>
+</p:sld>
+</file>
+
+<file path=ppt/slides/slide43.xml><?xml version="1.0" encoding="utf-8"?>
+<p:sld xmlns:a="http://schemas.openxmlformats.org/drawingml/2006/main" xmlns:r="http://schemas.openxmlformats.org/officeDocument/2006/relationships" xmlns:p="http://schemas.openxmlformats.org/presentationml/2006/main">
+  <p:cSld>
+    <p:spTree>
+      <p:nvGrpSpPr>
+        <p:cNvPr id="1" name=""/>
+        <p:cNvGrpSpPr/>
+        <p:nvPr/>
+      </p:nvGrpSpPr>
+      <p:grpSpPr>
+        <a:xfrm>
+          <a:off x="0" y="0"/>
+          <a:ext cx="0" cy="0"/>
+          <a:chOff x="0" y="0"/>
+          <a:chExt cx="0" cy="0"/>
+        </a:xfrm>
+      </p:grpSpPr>
+      <p:sp>
+        <p:nvSpPr>
+          <p:cNvPr id="2" name="标题 1"/>
+          <p:cNvSpPr>
+            <a:spLocks noGrp="1"/>
+          </p:cNvSpPr>
+          <p:nvPr>
+            <p:ph type="title"/>
+          </p:nvPr>
+        </p:nvSpPr>
+        <p:spPr/>
+        <p:txBody>
+          <a:bodyPr/>
+          <a:lstStyle/>
+          <a:p>
+            <a:endParaRPr lang="zh-CN" altLang="en-US"/>
+          </a:p>
+        </p:txBody>
+      </p:sp>
+      <p:sp>
+        <p:nvSpPr>
+          <p:cNvPr id="3" name="内容占位符 2"/>
+          <p:cNvSpPr>
+            <a:spLocks noGrp="1"/>
+          </p:cNvSpPr>
+          <p:nvPr>
+            <p:ph idx="1"/>
+          </p:nvPr>
+        </p:nvSpPr>
+        <p:spPr/>
+        <p:txBody>
+          <a:bodyPr>
+            <a:normAutofit fontScale="92500" lnSpcReduction="10000"/>
+          </a:bodyPr>
+          <a:lstStyle/>
+          <a:p>
+            <a:r>
+              <a:rPr lang="zh-CN" altLang="zh-CN" dirty="0"/>
+              <a:t>分形有几种类型，可以分别依据表现出的精确自相似性、半自相似性和统计自相似性来</a:t>
+            </a:r>
+            <a:r>
+              <a:rPr lang="zh-CN" altLang="zh-CN" dirty="0" smtClean="0"/>
+              <a:t>定义</a:t>
+            </a:r>
+            <a:endParaRPr lang="en-US" altLang="zh-CN" dirty="0" smtClean="0"/>
+          </a:p>
+          <a:p>
+            <a:r>
+              <a:rPr lang="zh-CN" altLang="zh-CN" dirty="0" smtClean="0"/>
+              <a:t>虽然</a:t>
+            </a:r>
+            <a:r>
+              <a:rPr lang="zh-CN" altLang="zh-CN" dirty="0"/>
+              <a:t>分形是一个数学构造，它们同样可以在自然界中被找到，这使得它们也被划入艺术作品的</a:t>
+            </a:r>
+            <a:r>
+              <a:rPr lang="zh-CN" altLang="zh-CN" dirty="0" smtClean="0"/>
+              <a:t>范畴</a:t>
+            </a:r>
+            <a:endParaRPr lang="en-US" altLang="zh-CN" dirty="0" smtClean="0"/>
+          </a:p>
+          <a:p>
+            <a:r>
+              <a:rPr lang="zh-CN" altLang="zh-CN" dirty="0" smtClean="0"/>
+              <a:t>分形</a:t>
+            </a:r>
+            <a:r>
+              <a:rPr lang="zh-CN" altLang="zh-CN" dirty="0"/>
+              <a:t>在医学、土力学、地震学和技术分析中都有应用。</a:t>
+            </a:r>
+          </a:p>
+          <a:p>
+            <a:endParaRPr lang="zh-CN" altLang="en-US" dirty="0"/>
+          </a:p>
+        </p:txBody>
+      </p:sp>
+    </p:spTree>
+    <p:extLst>
+      <p:ext uri="{BB962C8B-B14F-4D97-AF65-F5344CB8AC3E}">
+        <p14:creationId xmlns:p14="http://schemas.microsoft.com/office/powerpoint/2010/main" val="3569308837"/>
+      </p:ext>
+    </p:extLst>
+  </p:cSld>
+  <p:clrMapOvr>
+    <a:masterClrMapping/>
+  </p:clrMapOvr>
+</p:sld>
+</file>
+
+<file path=ppt/slides/slide44.xml><?xml version="1.0" encoding="utf-8"?>
+<p:sld xmlns:a="http://schemas.openxmlformats.org/drawingml/2006/main" xmlns:r="http://schemas.openxmlformats.org/officeDocument/2006/relationships" xmlns:p="http://schemas.openxmlformats.org/presentationml/2006/main">
+  <p:cSld>
+    <p:spTree>
+      <p:nvGrpSpPr>
+        <p:cNvPr id="1" name=""/>
+        <p:cNvGrpSpPr/>
+        <p:nvPr/>
+      </p:nvGrpSpPr>
+      <p:grpSpPr>
+        <a:xfrm>
+          <a:off x="0" y="0"/>
+          <a:ext cx="0" cy="0"/>
+          <a:chOff x="0" y="0"/>
+          <a:chExt cx="0" cy="0"/>
+        </a:xfrm>
+      </p:grpSpPr>
+      <p:sp>
+        <p:nvSpPr>
+          <p:cNvPr id="2" name="标题 1"/>
+          <p:cNvSpPr>
+            <a:spLocks noGrp="1"/>
+          </p:cNvSpPr>
+          <p:nvPr>
+            <p:ph type="title"/>
+          </p:nvPr>
+        </p:nvSpPr>
+        <p:spPr/>
+        <p:txBody>
+          <a:bodyPr/>
+          <a:lstStyle/>
+          <a:p>
+            <a:endParaRPr lang="zh-CN" altLang="en-US"/>
+          </a:p>
+        </p:txBody>
+      </p:sp>
+      <p:sp>
+        <p:nvSpPr>
+          <p:cNvPr id="3" name="内容占位符 2"/>
+          <p:cNvSpPr>
+            <a:spLocks noGrp="1"/>
+          </p:cNvSpPr>
+          <p:nvPr>
+            <p:ph idx="1"/>
+          </p:nvPr>
+        </p:nvSpPr>
+        <p:spPr/>
+        <p:txBody>
+          <a:bodyPr>
+            <a:normAutofit/>
+          </a:bodyPr>
+          <a:lstStyle/>
+          <a:p>
+            <a:r>
+              <a:rPr lang="zh-CN" altLang="zh-CN" dirty="0"/>
+              <a:t>接下来要介绍的曼德博集合，属于逃逸时间</a:t>
+            </a:r>
+            <a:r>
+              <a:rPr lang="zh-CN" altLang="zh-CN" dirty="0" smtClean="0"/>
+              <a:t>分形</a:t>
+            </a:r>
+            <a:endParaRPr lang="en-US" altLang="zh-CN" dirty="0" smtClean="0"/>
+          </a:p>
+          <a:p>
+            <a:r>
+              <a:rPr lang="zh-CN" altLang="zh-CN" dirty="0" smtClean="0"/>
+              <a:t>这</a:t>
+            </a:r>
+            <a:r>
+              <a:rPr lang="zh-CN" altLang="zh-CN" dirty="0"/>
+              <a:t>类分形由空间（如复平面）中每一点的递推关系式所定义，类似的分形系统还有茹利亚集合、火烧船分形、新分形和李奥普诺夫分形</a:t>
+            </a:r>
+            <a:r>
+              <a:rPr lang="zh-CN" altLang="zh-CN" dirty="0" smtClean="0"/>
+              <a:t>等</a:t>
+            </a:r>
+            <a:endParaRPr lang="zh-CN" altLang="en-US" dirty="0"/>
+          </a:p>
+        </p:txBody>
+      </p:sp>
+    </p:spTree>
+    <p:extLst>
+      <p:ext uri="{BB962C8B-B14F-4D97-AF65-F5344CB8AC3E}">
+        <p14:creationId xmlns:p14="http://schemas.microsoft.com/office/powerpoint/2010/main" val="3098335737"/>
+      </p:ext>
+    </p:extLst>
+  </p:cSld>
+  <p:clrMapOvr>
+    <a:masterClrMapping/>
+  </p:clrMapOvr>
+</p:sld>
+</file>
+
+<file path=ppt/slides/slide45.xml><?xml version="1.0" encoding="utf-8"?>
+<p:sld xmlns:a="http://schemas.openxmlformats.org/drawingml/2006/main" xmlns:r="http://schemas.openxmlformats.org/officeDocument/2006/relationships" xmlns:p="http://schemas.openxmlformats.org/presentationml/2006/main">
+  <p:cSld>
+    <p:spTree>
+      <p:nvGrpSpPr>
+        <p:cNvPr id="1" name=""/>
+        <p:cNvGrpSpPr/>
+        <p:nvPr/>
+      </p:nvGrpSpPr>
+      <p:grpSpPr>
+        <a:xfrm>
+          <a:off x="0" y="0"/>
+          <a:ext cx="0" cy="0"/>
+          <a:chOff x="0" y="0"/>
+          <a:chExt cx="0" cy="0"/>
+        </a:xfrm>
+      </p:grpSpPr>
+      <p:sp>
+        <p:nvSpPr>
+          <p:cNvPr id="2" name="标题 1"/>
+          <p:cNvSpPr>
+            <a:spLocks noGrp="1"/>
+          </p:cNvSpPr>
+          <p:nvPr>
+            <p:ph type="title"/>
+          </p:nvPr>
+        </p:nvSpPr>
+        <p:spPr/>
+        <p:txBody>
+          <a:bodyPr/>
+          <a:lstStyle/>
+          <a:p>
+            <a:endParaRPr lang="zh-CN" altLang="en-US"/>
+          </a:p>
+        </p:txBody>
+      </p:sp>
+      <p:sp>
+        <p:nvSpPr>
+          <p:cNvPr id="3" name="内容占位符 2"/>
+          <p:cNvSpPr>
+            <a:spLocks noGrp="1"/>
+          </p:cNvSpPr>
+          <p:nvPr>
+            <p:ph idx="1"/>
+          </p:nvPr>
+        </p:nvSpPr>
+        <p:spPr/>
+        <p:txBody>
+          <a:bodyPr/>
+          <a:lstStyle/>
+          <a:p>
+            <a:endParaRPr lang="zh-CN" altLang="en-US"/>
+          </a:p>
+        </p:txBody>
+      </p:sp>
+      <p:pic>
+        <p:nvPicPr>
+          <p:cNvPr id="21506" name="Picture 2"/>
+          <p:cNvPicPr>
+            <a:picLocks noChangeAspect="1" noChangeArrowheads="1"/>
+          </p:cNvPicPr>
+          <p:nvPr/>
+        </p:nvPicPr>
+        <p:blipFill>
+          <a:blip r:embed="rId2" cstate="print">
+            <a:extLst>
+              <a:ext uri="{28A0092B-C50C-407E-A947-70E740481C1C}">
+                <a14:useLocalDpi xmlns:a14="http://schemas.microsoft.com/office/drawing/2010/main" val="0"/>
+              </a:ext>
+            </a:extLst>
+          </a:blip>
+          <a:srcRect/>
+          <a:stretch>
+            <a:fillRect/>
+          </a:stretch>
+        </p:blipFill>
+        <p:spPr bwMode="auto">
+          <a:xfrm>
+            <a:off x="2555776" y="483518"/>
+            <a:ext cx="4219709" cy="4266580"/>
+          </a:xfrm>
+          <a:prstGeom prst="rect">
+            <a:avLst/>
+          </a:prstGeom>
+          <a:noFill/>
+          <a:ln>
+            <a:noFill/>
+          </a:ln>
+          <a:effectLst/>
+          <a:extLst>
+            <a:ext uri="{909E8E84-426E-40DD-AFC4-6F175D3DCCD1}">
+              <a14:hiddenFill xmlns:a14="http://schemas.microsoft.com/office/drawing/2010/main">
+                <a:solidFill>
+                  <a:schemeClr val="accent1"/>
+                </a:solidFill>
+              </a14:hiddenFill>
+            </a:ext>
+            <a:ext uri="{91240B29-F687-4F45-9708-019B960494DF}">
+              <a14:hiddenLine xmlns:a14="http://schemas.microsoft.com/office/drawing/2010/main" w="9525">
+                <a:solidFill>
+                  <a:schemeClr val="tx1"/>
+                </a:solidFill>
+                <a:miter lim="800000"/>
+                <a:headEnd/>
+                <a:tailEnd/>
+              </a14:hiddenLine>
+            </a:ext>
+            <a:ext uri="{AF507438-7753-43E0-B8FC-AC1667EBCBE1}">
+              <a14:hiddenEffects xmlns:a14="http://schemas.microsoft.com/office/drawing/2010/main">
+                <a:effectLst>
+                  <a:outerShdw dist="35921" dir="2700000" algn="ctr" rotWithShape="0">
+                    <a:schemeClr val="bg2"/>
+                  </a:outerShdw>
+                </a:effectLst>
+              </a14:hiddenEffects>
+            </a:ext>
+          </a:extLst>
+        </p:spPr>
+      </p:pic>
+    </p:spTree>
+    <p:extLst>
+      <p:ext uri="{BB962C8B-B14F-4D97-AF65-F5344CB8AC3E}">
+        <p14:creationId xmlns:p14="http://schemas.microsoft.com/office/powerpoint/2010/main" val="572190076"/>
+      </p:ext>
+    </p:extLst>
+  </p:cSld>
+  <p:clrMapOvr>
+    <a:masterClrMapping/>
+  </p:clrMapOvr>
+</p:sld>
+</file>
+
+<file path=ppt/slides/slide46.xml><?xml version="1.0" encoding="utf-8"?>
+<p:sld xmlns:a="http://schemas.openxmlformats.org/drawingml/2006/main" xmlns:r="http://schemas.openxmlformats.org/officeDocument/2006/relationships" xmlns:p="http://schemas.openxmlformats.org/presentationml/2006/main">
+  <p:cSld>
+    <p:spTree>
+      <p:nvGrpSpPr>
+        <p:cNvPr id="1" name=""/>
+        <p:cNvGrpSpPr/>
+        <p:nvPr/>
+      </p:nvGrpSpPr>
+      <p:grpSpPr>
+        <a:xfrm>
+          <a:off x="0" y="0"/>
+          <a:ext cx="0" cy="0"/>
+          <a:chOff x="0" y="0"/>
+          <a:chExt cx="0" cy="0"/>
+        </a:xfrm>
+      </p:grpSpPr>
+      <p:sp>
+        <p:nvSpPr>
+          <p:cNvPr id="2" name="标题 1"/>
+          <p:cNvSpPr>
+            <a:spLocks noGrp="1"/>
+          </p:cNvSpPr>
+          <p:nvPr>
+            <p:ph type="title"/>
+          </p:nvPr>
+        </p:nvSpPr>
+        <p:spPr/>
+        <p:txBody>
+          <a:bodyPr/>
+          <a:lstStyle/>
+          <a:p>
+            <a:endParaRPr lang="zh-CN" altLang="en-US"/>
+          </a:p>
+        </p:txBody>
+      </p:sp>
+      <p:sp>
+        <p:nvSpPr>
+          <p:cNvPr id="3" name="内容占位符 2"/>
+          <p:cNvSpPr>
+            <a:spLocks noGrp="1"/>
+          </p:cNvSpPr>
+          <p:nvPr>
+            <p:ph idx="1"/>
+          </p:nvPr>
+        </p:nvSpPr>
+        <p:spPr/>
+        <p:txBody>
+          <a:bodyPr>
+            <a:normAutofit lnSpcReduction="10000"/>
+          </a:bodyPr>
+          <a:lstStyle/>
+          <a:p>
+            <a:r>
+              <a:rPr lang="zh-CN" altLang="zh-CN" dirty="0"/>
+              <a:t>这段代码中用到了</a:t>
+            </a:r>
+            <a:r>
+              <a:rPr lang="en-US" altLang="zh-CN" dirty="0"/>
+              <a:t>for</a:t>
+            </a:r>
+            <a:r>
+              <a:rPr lang="zh-CN" altLang="zh-CN" dirty="0"/>
+              <a:t>循环和</a:t>
+            </a:r>
+            <a:r>
+              <a:rPr lang="en-US" altLang="zh-CN" dirty="0"/>
+              <a:t>while</a:t>
+            </a:r>
+            <a:r>
+              <a:rPr lang="zh-CN" altLang="zh-CN" dirty="0"/>
+              <a:t>循环，并且使用了它们之间的</a:t>
+            </a:r>
+            <a:r>
+              <a:rPr lang="zh-CN" altLang="zh-CN" dirty="0" smtClean="0"/>
+              <a:t>嵌套</a:t>
+            </a:r>
+            <a:endParaRPr lang="en-US" altLang="zh-CN" dirty="0" smtClean="0"/>
+          </a:p>
+          <a:p>
+            <a:r>
+              <a:rPr lang="zh-CN" altLang="zh-CN" dirty="0" smtClean="0"/>
+              <a:t>这</a:t>
+            </a:r>
+            <a:r>
+              <a:rPr lang="zh-CN" altLang="zh-CN" dirty="0"/>
+              <a:t>段程序主要是在画布上利用两个</a:t>
+            </a:r>
+            <a:r>
+              <a:rPr lang="en-US" altLang="zh-CN" dirty="0"/>
+              <a:t>for</a:t>
+            </a:r>
+            <a:r>
+              <a:rPr lang="zh-CN" altLang="zh-CN" dirty="0"/>
+              <a:t>循环的嵌套，判断每个像素点的</a:t>
+            </a:r>
+            <a:r>
+              <a:rPr lang="zh-CN" altLang="zh-CN" dirty="0" smtClean="0"/>
+              <a:t>信息</a:t>
+            </a:r>
+            <a:endParaRPr lang="en-US" altLang="zh-CN" dirty="0" smtClean="0"/>
+          </a:p>
+          <a:p>
+            <a:r>
+              <a:rPr lang="zh-CN" altLang="zh-CN" dirty="0" smtClean="0"/>
+              <a:t>像素</a:t>
+            </a:r>
+            <a:r>
+              <a:rPr lang="zh-CN" altLang="zh-CN" dirty="0"/>
+              <a:t>点的信息取决于它所处的位置，利用曼德博集合计算原理，判断其是前景还是</a:t>
+            </a:r>
+            <a:r>
+              <a:rPr lang="zh-CN" altLang="zh-CN" dirty="0" smtClean="0"/>
+              <a:t>背景</a:t>
+            </a:r>
+            <a:endParaRPr lang="zh-CN" altLang="en-US" dirty="0"/>
+          </a:p>
+        </p:txBody>
+      </p:sp>
+    </p:spTree>
+    <p:extLst>
+      <p:ext uri="{BB962C8B-B14F-4D97-AF65-F5344CB8AC3E}">
+        <p14:creationId xmlns:p14="http://schemas.microsoft.com/office/powerpoint/2010/main" val="4017303222"/>
+      </p:ext>
+    </p:extLst>
+  </p:cSld>
+  <p:clrMapOvr>
+    <a:masterClrMapping/>
+  </p:clrMapOvr>
+</p:sld>
+</file>
+
+<file path=ppt/slides/slide47.xml><?xml version="1.0" encoding="utf-8"?>
+<p:sld xmlns:a="http://schemas.openxmlformats.org/drawingml/2006/main" xmlns:r="http://schemas.openxmlformats.org/officeDocument/2006/relationships" xmlns:p="http://schemas.openxmlformats.org/presentationml/2006/main">
+  <p:cSld>
+    <p:spTree>
+      <p:nvGrpSpPr>
+        <p:cNvPr id="1" name=""/>
+        <p:cNvGrpSpPr/>
+        <p:nvPr/>
+      </p:nvGrpSpPr>
+      <p:grpSpPr>
+        <a:xfrm>
+          <a:off x="0" y="0"/>
+          <a:ext cx="0" cy="0"/>
+          <a:chOff x="0" y="0"/>
+          <a:chExt cx="0" cy="0"/>
+        </a:xfrm>
+      </p:grpSpPr>
+      <p:sp>
+        <p:nvSpPr>
+          <p:cNvPr id="2" name="标题 1"/>
+          <p:cNvSpPr>
+            <a:spLocks noGrp="1"/>
+          </p:cNvSpPr>
+          <p:nvPr>
+            <p:ph type="title"/>
+          </p:nvPr>
+        </p:nvSpPr>
+        <p:spPr/>
+        <p:txBody>
+          <a:bodyPr/>
+          <a:lstStyle/>
+          <a:p>
+            <a:endParaRPr lang="zh-CN" altLang="en-US"/>
+          </a:p>
+        </p:txBody>
+      </p:sp>
+      <p:sp>
+        <p:nvSpPr>
+          <p:cNvPr id="3" name="内容占位符 2"/>
+          <p:cNvSpPr>
+            <a:spLocks noGrp="1"/>
+          </p:cNvSpPr>
+          <p:nvPr>
+            <p:ph idx="1"/>
+          </p:nvPr>
+        </p:nvSpPr>
+        <p:spPr/>
+        <p:txBody>
+          <a:bodyPr/>
+          <a:lstStyle/>
+          <a:p>
+            <a:endParaRPr lang="zh-CN" altLang="en-US"/>
+          </a:p>
+        </p:txBody>
+      </p:sp>
+      <p:pic>
+        <p:nvPicPr>
+          <p:cNvPr id="4" name="图片 3"/>
+          <p:cNvPicPr/>
+          <p:nvPr/>
+        </p:nvPicPr>
+        <p:blipFill>
+          <a:blip r:embed="rId2"/>
+          <a:stretch>
+            <a:fillRect/>
+          </a:stretch>
+        </p:blipFill>
+        <p:spPr>
+          <a:xfrm>
+            <a:off x="2721927" y="1169352"/>
+            <a:ext cx="3700145" cy="2804795"/>
+          </a:xfrm>
+          <a:prstGeom prst="rect">
+            <a:avLst/>
+          </a:prstGeom>
+        </p:spPr>
+      </p:pic>
+    </p:spTree>
+    <p:extLst>
+      <p:ext uri="{BB962C8B-B14F-4D97-AF65-F5344CB8AC3E}">
+        <p14:creationId xmlns:p14="http://schemas.microsoft.com/office/powerpoint/2010/main" val="706570309"/>
+      </p:ext>
+    </p:extLst>
+  </p:cSld>
+  <p:clrMapOvr>
+    <a:masterClrMapping/>
+  </p:clrMapOvr>
+</p:sld>
+</file>
+
+<file path=ppt/slides/slide48.xml><?xml version="1.0" encoding="utf-8"?>
+<p:sld xmlns:a="http://schemas.openxmlformats.org/drawingml/2006/main" xmlns:r="http://schemas.openxmlformats.org/officeDocument/2006/relationships" xmlns:p="http://schemas.openxmlformats.org/presentationml/2006/main">
+  <p:cSld>
+    <p:spTree>
+      <p:nvGrpSpPr>
+        <p:cNvPr id="1" name=""/>
+        <p:cNvGrpSpPr/>
+        <p:nvPr/>
+      </p:nvGrpSpPr>
+      <p:grpSpPr>
+        <a:xfrm>
+          <a:off x="0" y="0"/>
+          <a:ext cx="0" cy="0"/>
+          <a:chOff x="0" y="0"/>
+          <a:chExt cx="0" cy="0"/>
+        </a:xfrm>
+      </p:grpSpPr>
+      <p:sp>
+        <p:nvSpPr>
+          <p:cNvPr id="2" name="标题 1"/>
+          <p:cNvSpPr>
+            <a:spLocks noGrp="1"/>
+          </p:cNvSpPr>
+          <p:nvPr>
+            <p:ph type="title"/>
+          </p:nvPr>
+        </p:nvSpPr>
+        <p:spPr/>
+        <p:txBody>
+          <a:bodyPr>
+            <a:normAutofit/>
+          </a:bodyPr>
+          <a:lstStyle/>
+          <a:p>
+            <a:r>
+              <a:rPr lang="zh-CN" altLang="zh-CN" dirty="0"/>
+              <a:t>上机</a:t>
+            </a:r>
+            <a:r>
+              <a:rPr lang="zh-CN" altLang="zh-CN" dirty="0" smtClean="0"/>
+              <a:t>练习题</a:t>
+            </a:r>
+            <a:endParaRPr lang="zh-CN" altLang="en-US" dirty="0"/>
+          </a:p>
+        </p:txBody>
+      </p:sp>
+      <p:sp>
+        <p:nvSpPr>
+          <p:cNvPr id="3" name="内容占位符 2"/>
+          <p:cNvSpPr>
+            <a:spLocks noGrp="1"/>
+          </p:cNvSpPr>
+          <p:nvPr>
+            <p:ph idx="1"/>
+          </p:nvPr>
+        </p:nvSpPr>
+        <p:spPr/>
+        <p:txBody>
+          <a:bodyPr/>
+          <a:lstStyle/>
+          <a:p>
+            <a:r>
+              <a:rPr lang="zh-CN" altLang="zh-CN" dirty="0" smtClean="0"/>
+              <a:t>希望</a:t>
+            </a:r>
+            <a:r>
+              <a:rPr lang="zh-CN" altLang="zh-CN" dirty="0"/>
+              <a:t>读者仔细体会“分形绘制”程序中的循环控制结构，并在这个例子的基础上，实现其他分形系统。</a:t>
+            </a:r>
+          </a:p>
+          <a:p>
+            <a:endParaRPr lang="zh-CN" altLang="en-US" dirty="0"/>
+          </a:p>
+        </p:txBody>
+      </p:sp>
+    </p:spTree>
+    <p:extLst>
+      <p:ext uri="{BB962C8B-B14F-4D97-AF65-F5344CB8AC3E}">
+        <p14:creationId xmlns:p14="http://schemas.microsoft.com/office/powerpoint/2010/main" val="1645276636"/>
+      </p:ext>
+    </p:extLst>
+  </p:cSld>
+  <p:clrMapOvr>
+    <a:masterClrMapping/>
+  </p:clrMapOvr>
+</p:sld>
+</file>
+
+<file path=ppt/slides/slide5.xml><?xml version="1.0" encoding="utf-8"?>
+<p:sld xmlns:a="http://schemas.openxmlformats.org/drawingml/2006/main" xmlns:r="http://schemas.openxmlformats.org/officeDocument/2006/relationships" xmlns:p="http://schemas.openxmlformats.org/presentationml/2006/main">
+  <p:cSld>
+    <p:spTree>
+      <p:nvGrpSpPr>
+        <p:cNvPr id="1" name=""/>
+        <p:cNvGrpSpPr/>
+        <p:nvPr/>
+      </p:nvGrpSpPr>
+      <p:grpSpPr>
+        <a:xfrm>
+          <a:off x="0" y="0"/>
+          <a:ext cx="0" cy="0"/>
+          <a:chOff x="0" y="0"/>
+          <a:chExt cx="0" cy="0"/>
+        </a:xfrm>
+      </p:grpSpPr>
+      <p:sp>
+        <p:nvSpPr>
+          <p:cNvPr id="2" name="标题 1"/>
+          <p:cNvSpPr>
+            <a:spLocks noGrp="1"/>
+          </p:cNvSpPr>
+          <p:nvPr>
+            <p:ph type="title"/>
+          </p:nvPr>
+        </p:nvSpPr>
+        <p:spPr/>
+        <p:txBody>
+          <a:bodyPr/>
+          <a:lstStyle/>
+          <a:p>
+            <a:endParaRPr lang="zh-CN" altLang="en-US"/>
+          </a:p>
+        </p:txBody>
+      </p:sp>
+      <p:sp>
+        <p:nvSpPr>
+          <p:cNvPr id="3" name="内容占位符 2"/>
+          <p:cNvSpPr>
+            <a:spLocks noGrp="1"/>
+          </p:cNvSpPr>
+          <p:nvPr>
+            <p:ph idx="1"/>
+          </p:nvPr>
+        </p:nvSpPr>
+        <p:spPr/>
+        <p:txBody>
+          <a:bodyPr/>
+          <a:lstStyle/>
+          <a:p>
+            <a:r>
+              <a:rPr lang="en-US" altLang="zh-CN" dirty="0"/>
+              <a:t>while</a:t>
+            </a:r>
+            <a:r>
+              <a:rPr lang="zh-CN" altLang="zh-CN" dirty="0"/>
+              <a:t>语句可以算是</a:t>
+            </a:r>
+            <a:r>
+              <a:rPr lang="en-US" altLang="zh-CN" dirty="0"/>
+              <a:t>C</a:t>
+            </a:r>
+            <a:r>
+              <a:rPr lang="zh-CN" altLang="zh-CN" dirty="0"/>
+              <a:t>语言中最简单的循环控制语句了，它的格式如下：</a:t>
+            </a:r>
+          </a:p>
+          <a:p>
+            <a:r>
+              <a:rPr lang="en-US" altLang="zh-CN" b="1" dirty="0"/>
+              <a:t>while</a:t>
+            </a:r>
+            <a:r>
+              <a:rPr lang="en-US" altLang="zh-CN" dirty="0"/>
+              <a:t> </a:t>
+            </a:r>
+            <a:r>
+              <a:rPr lang="en-US" altLang="zh-CN" b="1" dirty="0"/>
+              <a:t>(</a:t>
+            </a:r>
+            <a:r>
+              <a:rPr lang="zh-CN" altLang="zh-CN" dirty="0"/>
+              <a:t>表达式</a:t>
+            </a:r>
+            <a:r>
+              <a:rPr lang="en-US" altLang="zh-CN" dirty="0"/>
+              <a:t>P</a:t>
+            </a:r>
+            <a:r>
+              <a:rPr lang="en-US" altLang="zh-CN" b="1" dirty="0"/>
+              <a:t>)</a:t>
+            </a:r>
+            <a:r>
+              <a:rPr lang="en-US" altLang="zh-CN" dirty="0"/>
+              <a:t> </a:t>
+            </a:r>
+            <a:endParaRPr lang="zh-CN" altLang="zh-CN" dirty="0"/>
+          </a:p>
+          <a:p>
+            <a:r>
+              <a:rPr lang="en-US" altLang="zh-CN" dirty="0"/>
+              <a:t>    </a:t>
+            </a:r>
+            <a:r>
+              <a:rPr lang="zh-CN" altLang="zh-CN" dirty="0"/>
+              <a:t>循环体语句</a:t>
+            </a:r>
+            <a:r>
+              <a:rPr lang="en-US" altLang="zh-CN" dirty="0"/>
+              <a:t>A</a:t>
+            </a:r>
+            <a:r>
+              <a:rPr lang="en-US" altLang="zh-CN" b="1" dirty="0"/>
+              <a:t>;</a:t>
+            </a:r>
+            <a:endParaRPr lang="zh-CN" altLang="zh-CN" dirty="0"/>
+          </a:p>
+          <a:p>
+            <a:endParaRPr lang="zh-CN" altLang="en-US" dirty="0"/>
+          </a:p>
+        </p:txBody>
+      </p:sp>
+    </p:spTree>
+    <p:extLst>
+      <p:ext uri="{BB962C8B-B14F-4D97-AF65-F5344CB8AC3E}">
+        <p14:creationId xmlns:p14="http://schemas.microsoft.com/office/powerpoint/2010/main" val="639293529"/>
+      </p:ext>
+    </p:extLst>
+  </p:cSld>
+  <p:clrMapOvr>
+    <a:masterClrMapping/>
+  </p:clrMapOvr>
+</p:sld>
+</file>
+
+<file path=ppt/slides/slide6.xml><?xml version="1.0" encoding="utf-8"?>
+<p:sld xmlns:a="http://schemas.openxmlformats.org/drawingml/2006/main" xmlns:r="http://schemas.openxmlformats.org/officeDocument/2006/relationships" xmlns:p="http://schemas.openxmlformats.org/presentationml/2006/main">
+  <p:cSld>
+    <p:spTree>
+      <p:nvGrpSpPr>
+        <p:cNvPr id="1" name=""/>
+        <p:cNvGrpSpPr/>
+        <p:nvPr/>
+      </p:nvGrpSpPr>
+      <p:grpSpPr>
+        <a:xfrm>
+          <a:off x="0" y="0"/>
+          <a:ext cx="0" cy="0"/>
+          <a:chOff x="0" y="0"/>
+          <a:chExt cx="0" cy="0"/>
+        </a:xfrm>
+      </p:grpSpPr>
+      <p:sp>
+        <p:nvSpPr>
+          <p:cNvPr id="2" name="标题 1"/>
+          <p:cNvSpPr>
+            <a:spLocks noGrp="1"/>
+          </p:cNvSpPr>
+          <p:nvPr>
+            <p:ph type="title"/>
+          </p:nvPr>
+        </p:nvSpPr>
+        <p:spPr/>
+        <p:txBody>
+          <a:bodyPr/>
+          <a:lstStyle/>
+          <a:p>
+            <a:endParaRPr lang="zh-CN" altLang="en-US"/>
+          </a:p>
+        </p:txBody>
+      </p:sp>
+      <p:sp>
+        <p:nvSpPr>
+          <p:cNvPr id="3" name="内容占位符 2"/>
+          <p:cNvSpPr>
+            <a:spLocks noGrp="1"/>
+          </p:cNvSpPr>
+          <p:nvPr>
+            <p:ph idx="1"/>
+          </p:nvPr>
+        </p:nvSpPr>
+        <p:spPr/>
+        <p:txBody>
+          <a:bodyPr>
+            <a:normAutofit lnSpcReduction="10000"/>
+          </a:bodyPr>
+          <a:lstStyle/>
+          <a:p>
+            <a:r>
+              <a:rPr lang="en-US" altLang="zh-CN" dirty="0"/>
+              <a:t>while</a:t>
+            </a:r>
+            <a:r>
+              <a:rPr lang="zh-CN" altLang="zh-CN" dirty="0"/>
+              <a:t>语句的执行流程如图</a:t>
+            </a:r>
+            <a:r>
+              <a:rPr lang="en-US" altLang="zh-CN" dirty="0"/>
+              <a:t> 5-1</a:t>
+            </a:r>
+            <a:r>
+              <a:rPr lang="zh-CN" altLang="zh-CN" dirty="0"/>
+              <a:t>所示，程序执行到</a:t>
+            </a:r>
+            <a:r>
+              <a:rPr lang="en-US" altLang="zh-CN" dirty="0"/>
+              <a:t>while</a:t>
+            </a:r>
+            <a:r>
+              <a:rPr lang="zh-CN" altLang="zh-CN" dirty="0"/>
+              <a:t>语句时，首先判断表达式</a:t>
+            </a:r>
+            <a:r>
+              <a:rPr lang="en-US" altLang="zh-CN" dirty="0"/>
+              <a:t>P</a:t>
+            </a:r>
+            <a:r>
+              <a:rPr lang="zh-CN" altLang="zh-CN" dirty="0"/>
+              <a:t>是否为真，是的话则执行循环体内的语句</a:t>
+            </a:r>
+            <a:r>
+              <a:rPr lang="en-US" altLang="zh-CN" dirty="0"/>
+              <a:t>A</a:t>
+            </a:r>
+            <a:r>
+              <a:rPr lang="zh-CN" altLang="zh-CN" dirty="0"/>
+              <a:t>，接着进入下一次循环；否则结束循环。</a:t>
+            </a:r>
+          </a:p>
+          <a:p>
+            <a:r>
+              <a:rPr lang="zh-CN" altLang="zh-CN" dirty="0"/>
+              <a:t>接下来，举一个</a:t>
+            </a:r>
+            <a:r>
+              <a:rPr lang="en-US" altLang="zh-CN" dirty="0"/>
+              <a:t>while</a:t>
+            </a:r>
+            <a:r>
+              <a:rPr lang="zh-CN" altLang="zh-CN" dirty="0"/>
+              <a:t>循环的程序片段的例子，下面的程序片段会计算</a:t>
+            </a:r>
+            <a:r>
+              <a:rPr lang="en-US" altLang="zh-CN" dirty="0"/>
+              <a:t>1+2+3+……+10</a:t>
+            </a:r>
+            <a:r>
+              <a:rPr lang="zh-CN" altLang="zh-CN" dirty="0"/>
+              <a:t>的结果。</a:t>
+            </a:r>
+          </a:p>
+          <a:p>
+            <a:endParaRPr lang="zh-CN" altLang="en-US" dirty="0"/>
+          </a:p>
+        </p:txBody>
+      </p:sp>
+    </p:spTree>
+    <p:extLst>
+      <p:ext uri="{BB962C8B-B14F-4D97-AF65-F5344CB8AC3E}">
+        <p14:creationId xmlns:p14="http://schemas.microsoft.com/office/powerpoint/2010/main" val="1873582014"/>
+      </p:ext>
+    </p:extLst>
+  </p:cSld>
+  <p:clrMapOvr>
+    <a:masterClrMapping/>
+  </p:clrMapOvr>
+</p:sld>
+</file>
+
+<file path=ppt/slides/slide7.xml><?xml version="1.0" encoding="utf-8"?>
+<p:sld xmlns:a="http://schemas.openxmlformats.org/drawingml/2006/main" xmlns:r="http://schemas.openxmlformats.org/officeDocument/2006/relationships" xmlns:p="http://schemas.openxmlformats.org/presentationml/2006/main">
+  <p:cSld>
+    <p:spTree>
+      <p:nvGrpSpPr>
+        <p:cNvPr id="1" name=""/>
+        <p:cNvGrpSpPr/>
+        <p:nvPr/>
+      </p:nvGrpSpPr>
+      <p:grpSpPr>
+        <a:xfrm>
+          <a:off x="0" y="0"/>
+          <a:ext cx="0" cy="0"/>
+          <a:chOff x="0" y="0"/>
+          <a:chExt cx="0" cy="0"/>
+        </a:xfrm>
+      </p:grpSpPr>
+      <p:sp>
+        <p:nvSpPr>
+          <p:cNvPr id="2" name="标题 1"/>
+          <p:cNvSpPr>
+            <a:spLocks noGrp="1"/>
+          </p:cNvSpPr>
+          <p:nvPr>
+            <p:ph type="title"/>
+          </p:nvPr>
+        </p:nvSpPr>
+        <p:spPr/>
+        <p:txBody>
+          <a:bodyPr/>
+          <a:lstStyle/>
+          <a:p>
+            <a:endParaRPr lang="zh-CN" altLang="en-US"/>
+          </a:p>
+        </p:txBody>
+      </p:sp>
+      <p:sp>
+        <p:nvSpPr>
+          <p:cNvPr id="3" name="内容占位符 2"/>
+          <p:cNvSpPr>
+            <a:spLocks noGrp="1"/>
+          </p:cNvSpPr>
+          <p:nvPr>
+            <p:ph idx="1"/>
+          </p:nvPr>
+        </p:nvSpPr>
+        <p:spPr/>
+        <p:txBody>
+          <a:bodyPr/>
+          <a:lstStyle/>
+          <a:p>
+            <a:endParaRPr lang="zh-CN" altLang="en-US"/>
+          </a:p>
+        </p:txBody>
+      </p:sp>
+      <p:pic>
+        <p:nvPicPr>
+          <p:cNvPr id="2050" name="Picture 2"/>
+          <p:cNvPicPr>
+            <a:picLocks noChangeAspect="1" noChangeArrowheads="1"/>
+          </p:cNvPicPr>
+          <p:nvPr/>
+        </p:nvPicPr>
+        <p:blipFill>
+          <a:blip r:embed="rId2" cstate="print">
+            <a:extLst>
+              <a:ext uri="{28A0092B-C50C-407E-A947-70E740481C1C}">
+                <a14:useLocalDpi xmlns:a14="http://schemas.microsoft.com/office/drawing/2010/main" val="0"/>
+              </a:ext>
+            </a:extLst>
+          </a:blip>
+          <a:srcRect/>
+          <a:stretch>
+            <a:fillRect/>
+          </a:stretch>
+        </p:blipFill>
+        <p:spPr bwMode="auto">
+          <a:xfrm>
+            <a:off x="1927225" y="2074863"/>
+            <a:ext cx="5287963" cy="990600"/>
+          </a:xfrm>
+          <a:prstGeom prst="rect">
+            <a:avLst/>
+          </a:prstGeom>
+          <a:noFill/>
+          <a:ln>
+            <a:noFill/>
+          </a:ln>
+          <a:effectLst/>
+          <a:extLst>
+            <a:ext uri="{909E8E84-426E-40DD-AFC4-6F175D3DCCD1}">
+              <a14:hiddenFill xmlns:a14="http://schemas.microsoft.com/office/drawing/2010/main">
+                <a:solidFill>
+                  <a:schemeClr val="accent1"/>
+                </a:solidFill>
+              </a14:hiddenFill>
+            </a:ext>
+            <a:ext uri="{91240B29-F687-4F45-9708-019B960494DF}">
+              <a14:hiddenLine xmlns:a14="http://schemas.microsoft.com/office/drawing/2010/main" w="9525">
+                <a:solidFill>
+                  <a:schemeClr val="tx1"/>
+                </a:solidFill>
+                <a:miter lim="800000"/>
+                <a:headEnd/>
+                <a:tailEnd/>
+              </a14:hiddenLine>
+            </a:ext>
+            <a:ext uri="{AF507438-7753-43E0-B8FC-AC1667EBCBE1}">
+              <a14:hiddenEffects xmlns:a14="http://schemas.microsoft.com/office/drawing/2010/main">
+                <a:effectLst>
+                  <a:outerShdw dist="35921" dir="2700000" algn="ctr" rotWithShape="0">
+                    <a:schemeClr val="bg2"/>
+                  </a:outerShdw>
+                </a:effectLst>
+              </a14:hiddenEffects>
+            </a:ext>
+          </a:extLst>
+        </p:spPr>
+      </p:pic>
+    </p:spTree>
+    <p:extLst>
+      <p:ext uri="{BB962C8B-B14F-4D97-AF65-F5344CB8AC3E}">
+        <p14:creationId xmlns:p14="http://schemas.microsoft.com/office/powerpoint/2010/main" val="2829125511"/>
+      </p:ext>
+    </p:extLst>
+  </p:cSld>
+  <p:clrMapOvr>
+    <a:masterClrMapping/>
+  </p:clrMapOvr>
+</p:sld>
+</file>
+
+<file path=ppt/slides/slide8.xml><?xml version="1.0" encoding="utf-8"?>
+<p:sld xmlns:a="http://schemas.openxmlformats.org/drawingml/2006/main" xmlns:r="http://schemas.openxmlformats.org/officeDocument/2006/relationships" xmlns:p="http://schemas.openxmlformats.org/presentationml/2006/main">
+  <p:cSld>
+    <p:spTree>
+      <p:nvGrpSpPr>
+        <p:cNvPr id="1" name=""/>
+        <p:cNvGrpSpPr/>
+        <p:nvPr/>
+      </p:nvGrpSpPr>
+      <p:grpSpPr>
+        <a:xfrm>
+          <a:off x="0" y="0"/>
+          <a:ext cx="0" cy="0"/>
+          <a:chOff x="0" y="0"/>
+          <a:chExt cx="0" cy="0"/>
+        </a:xfrm>
+      </p:grpSpPr>
+      <p:sp>
+        <p:nvSpPr>
+          <p:cNvPr id="2" name="标题 1"/>
+          <p:cNvSpPr>
+            <a:spLocks noGrp="1"/>
+          </p:cNvSpPr>
+          <p:nvPr>
+            <p:ph type="title"/>
+          </p:nvPr>
+        </p:nvSpPr>
+        <p:spPr/>
+        <p:txBody>
+          <a:bodyPr/>
+          <a:lstStyle/>
+          <a:p>
+            <a:endParaRPr lang="zh-CN" altLang="en-US"/>
+          </a:p>
+        </p:txBody>
+      </p:sp>
+      <p:sp>
+        <p:nvSpPr>
+          <p:cNvPr id="3" name="内容占位符 2"/>
+          <p:cNvSpPr>
+            <a:spLocks noGrp="1"/>
+          </p:cNvSpPr>
+          <p:nvPr>
+            <p:ph idx="1"/>
+          </p:nvPr>
+        </p:nvSpPr>
+        <p:spPr/>
+        <p:txBody>
+          <a:bodyPr>
+            <a:normAutofit fontScale="92500"/>
+          </a:bodyPr>
+          <a:lstStyle/>
+          <a:p>
+            <a:r>
+              <a:rPr lang="zh-CN" altLang="zh-CN" dirty="0"/>
+              <a:t>上例中，由于只有在变量</a:t>
+            </a:r>
+            <a:r>
+              <a:rPr lang="en-US" altLang="zh-CN" dirty="0" err="1"/>
+              <a:t>i</a:t>
+            </a:r>
+            <a:r>
+              <a:rPr lang="zh-CN" altLang="zh-CN" dirty="0"/>
+              <a:t>小于等于</a:t>
+            </a:r>
+            <a:r>
+              <a:rPr lang="en-US" altLang="zh-CN" dirty="0"/>
+              <a:t>10</a:t>
+            </a:r>
+            <a:r>
+              <a:rPr lang="zh-CN" altLang="zh-CN" dirty="0"/>
+              <a:t>成立的情况才执行循环体内的累加语句，所以，最终得到的变量</a:t>
+            </a:r>
+            <a:r>
+              <a:rPr lang="en-US" altLang="zh-CN" dirty="0"/>
+              <a:t>sum</a:t>
+            </a:r>
+            <a:r>
+              <a:rPr lang="zh-CN" altLang="zh-CN" dirty="0"/>
+              <a:t>就是从</a:t>
+            </a:r>
+            <a:r>
+              <a:rPr lang="en-US" altLang="zh-CN" dirty="0"/>
+              <a:t>1</a:t>
+            </a:r>
+            <a:r>
+              <a:rPr lang="zh-CN" altLang="zh-CN" dirty="0"/>
+              <a:t>一直加到</a:t>
+            </a:r>
+            <a:r>
+              <a:rPr lang="en-US" altLang="zh-CN" dirty="0"/>
+              <a:t>10</a:t>
+            </a:r>
+            <a:r>
+              <a:rPr lang="zh-CN" altLang="zh-CN" dirty="0"/>
+              <a:t>的结果。</a:t>
+            </a:r>
+          </a:p>
+          <a:p>
+            <a:r>
+              <a:rPr lang="zh-CN" altLang="zh-CN" dirty="0"/>
+              <a:t>需要特别注意的是，在</a:t>
+            </a:r>
+            <a:r>
+              <a:rPr lang="en-US" altLang="zh-CN" dirty="0"/>
+              <a:t>C</a:t>
+            </a:r>
+            <a:r>
+              <a:rPr lang="zh-CN" altLang="zh-CN" dirty="0"/>
+              <a:t>语言中，只有</a:t>
+            </a:r>
+            <a:r>
+              <a:rPr lang="en-US" altLang="zh-CN" dirty="0"/>
+              <a:t>0</a:t>
+            </a:r>
+            <a:r>
+              <a:rPr lang="zh-CN" altLang="zh-CN" dirty="0"/>
+              <a:t>是假，其他数都是真。故而，</a:t>
+            </a:r>
+            <a:r>
+              <a:rPr lang="en-US" altLang="zh-CN" dirty="0"/>
+              <a:t>while</a:t>
+            </a:r>
+            <a:r>
+              <a:rPr lang="zh-CN" altLang="zh-CN" dirty="0"/>
+              <a:t>的循环控制表达式只有在等于</a:t>
+            </a:r>
+            <a:r>
+              <a:rPr lang="en-US" altLang="zh-CN" dirty="0"/>
+              <a:t>0</a:t>
+            </a:r>
+            <a:r>
+              <a:rPr lang="zh-CN" altLang="zh-CN" dirty="0"/>
+              <a:t>的情况下，循环才会结束，比如下面的例子：</a:t>
+            </a:r>
+          </a:p>
+          <a:p>
+            <a:endParaRPr lang="zh-CN" altLang="en-US" dirty="0"/>
+          </a:p>
+        </p:txBody>
+      </p:sp>
+    </p:spTree>
+    <p:extLst>
+      <p:ext uri="{BB962C8B-B14F-4D97-AF65-F5344CB8AC3E}">
+        <p14:creationId xmlns:p14="http://schemas.microsoft.com/office/powerpoint/2010/main" val="3987819282"/>
+      </p:ext>
+    </p:extLst>
+  </p:cSld>
+  <p:clrMapOvr>
+    <a:masterClrMapping/>
+  </p:clrMapOvr>
+</p:sld>
+</file>
+
+<file path=ppt/slides/slide9.xml><?xml version="1.0" encoding="utf-8"?>
+<p:sld xmlns:a="http://schemas.openxmlformats.org/drawingml/2006/main" xmlns:r="http://schemas.openxmlformats.org/officeDocument/2006/relationships" xmlns:p="http://schemas.openxmlformats.org/presentationml/2006/main">
+  <p:cSld>
+    <p:spTree>
+      <p:nvGrpSpPr>
+        <p:cNvPr id="1" name=""/>
+        <p:cNvGrpSpPr/>
+        <p:nvPr/>
+      </p:nvGrpSpPr>
+      <p:grpSpPr>
+        <a:xfrm>
+          <a:off x="0" y="0"/>
+          <a:ext cx="0" cy="0"/>
+          <a:chOff x="0" y="0"/>
+          <a:chExt cx="0" cy="0"/>
+        </a:xfrm>
+      </p:grpSpPr>
+      <p:sp>
+        <p:nvSpPr>
+          <p:cNvPr id="2" name="标题 1"/>
+          <p:cNvSpPr>
+            <a:spLocks noGrp="1"/>
+          </p:cNvSpPr>
+          <p:nvPr>
+            <p:ph type="title"/>
+          </p:nvPr>
+        </p:nvSpPr>
+        <p:spPr/>
+        <p:txBody>
+          <a:bodyPr/>
+          <a:lstStyle/>
+          <a:p>
+            <a:endParaRPr lang="zh-CN" altLang="en-US"/>
+          </a:p>
+        </p:txBody>
+      </p:sp>
+      <p:sp>
+        <p:nvSpPr>
+          <p:cNvPr id="3" name="内容占位符 2"/>
+          <p:cNvSpPr>
+            <a:spLocks noGrp="1"/>
+          </p:cNvSpPr>
+          <p:nvPr>
+            <p:ph idx="1"/>
+          </p:nvPr>
+        </p:nvSpPr>
+        <p:spPr/>
+        <p:txBody>
+          <a:bodyPr/>
+          <a:lstStyle/>
+          <a:p>
+            <a:endParaRPr lang="zh-CN" altLang="en-US"/>
+          </a:p>
+        </p:txBody>
+      </p:sp>
+      <p:pic>
+        <p:nvPicPr>
+          <p:cNvPr id="3074" name="Picture 2"/>
+          <p:cNvPicPr>
+            <a:picLocks noChangeAspect="1" noChangeArrowheads="1"/>
+          </p:cNvPicPr>
+          <p:nvPr/>
+        </p:nvPicPr>
+        <p:blipFill>
+          <a:blip r:embed="rId2" cstate="print">
+            <a:extLst>
+              <a:ext uri="{28A0092B-C50C-407E-A947-70E740481C1C}">
+                <a14:useLocalDpi xmlns:a14="http://schemas.microsoft.com/office/drawing/2010/main" val="0"/>
+              </a:ext>
+            </a:extLst>
+          </a:blip>
+          <a:srcRect/>
+          <a:stretch>
+            <a:fillRect/>
+          </a:stretch>
+        </p:blipFill>
+        <p:spPr bwMode="auto">
+          <a:xfrm>
+            <a:off x="1927225" y="2074863"/>
+            <a:ext cx="5287963" cy="990600"/>
+          </a:xfrm>
+          <a:prstGeom prst="rect">
+            <a:avLst/>
+          </a:prstGeom>
+          <a:noFill/>
+          <a:ln>
+            <a:noFill/>
+          </a:ln>
+          <a:effectLst/>
+          <a:extLst>
+            <a:ext uri="{909E8E84-426E-40DD-AFC4-6F175D3DCCD1}">
+              <a14:hiddenFill xmlns:a14="http://schemas.microsoft.com/office/drawing/2010/main">
+                <a:solidFill>
+                  <a:schemeClr val="accent1"/>
+                </a:solidFill>
+              </a14:hiddenFill>
+            </a:ext>
+            <a:ext uri="{91240B29-F687-4F45-9708-019B960494DF}">
+              <a14:hiddenLine xmlns:a14="http://schemas.microsoft.com/office/drawing/2010/main" w="9525">
+                <a:solidFill>
+                  <a:schemeClr val="tx1"/>
+                </a:solidFill>
+                <a:miter lim="800000"/>
+                <a:headEnd/>
+                <a:tailEnd/>
+              </a14:hiddenLine>
+            </a:ext>
+            <a:ext uri="{AF507438-7753-43E0-B8FC-AC1667EBCBE1}">
+              <a14:hiddenEffects xmlns:a14="http://schemas.microsoft.com/office/drawing/2010/main">
+                <a:effectLst>
+                  <a:outerShdw dist="35921" dir="2700000" algn="ctr" rotWithShape="0">
+                    <a:schemeClr val="bg2"/>
+                  </a:outerShdw>
+                </a:effectLst>
+              </a14:hiddenEffects>
+            </a:ext>
+          </a:extLst>
+        </p:spPr>
+      </p:pic>
+    </p:spTree>
+    <p:extLst>
+      <p:ext uri="{BB962C8B-B14F-4D97-AF65-F5344CB8AC3E}">
+        <p14:creationId xmlns:p14="http://schemas.microsoft.com/office/powerpoint/2010/main" val="44582518"/>
+      </p:ext>
+    </p:extLst>
+  </p:cSld>
+  <p:clrMapOvr>
+    <a:masterClrMapping/>
+  </p:clrMapOvr>
+</p:sld>
+</file>
+
 <file path=ppt/theme/theme1.xml><?xml version="1.0" encoding="utf-8"?>
-<a:theme xmlns:a="http://schemas.openxmlformats.org/drawingml/2006/main" name="Office 主题">
+<a:theme xmlns:a="http://schemas.openxmlformats.org/drawingml/2006/main" name="凤舞九天">
   <a:themeElements>
-    <a:clrScheme name="Office">
+    <a:clrScheme name="凤舞九天">
       <a:dk1>
         <a:sysClr val="windowText" lastClr="000000"/>
       </a:dk1>
@@ -3264,43 +10976,78 @@
         <a:sysClr val="window" lastClr="FFFFFF"/>
       </a:lt1>
       <a:dk2>
-        <a:srgbClr val="1F497D"/>
+        <a:srgbClr val="004646"/>
       </a:dk2>
       <a:lt2>
-        <a:srgbClr val="EEECE1"/>
+        <a:srgbClr val="E1F0FF"/>
       </a:lt2>
       <a:accent1>
-        <a:srgbClr val="4F81BD"/>
+        <a:srgbClr val="50742F"/>
       </a:accent1>
       <a:accent2>
-        <a:srgbClr val="C0504D"/>
+        <a:srgbClr val="268868"/>
       </a:accent2>
       <a:accent3>
-        <a:srgbClr val="9BBB59"/>
+        <a:srgbClr val="33BD56"/>
       </a:accent3>
       <a:accent4>
-        <a:srgbClr val="8064A2"/>
+        <a:srgbClr val="4BC5B9"/>
       </a:accent4>
       <a:accent5>
-        <a:srgbClr val="4BACC6"/>
+        <a:srgbClr val="3163CA"/>
       </a:accent5>
       <a:accent6>
-        <a:srgbClr val="F79646"/>
+        <a:srgbClr val="4B14AA"/>
       </a:accent6>
       <a:hlink>
-        <a:srgbClr val="0000FF"/>
+        <a:srgbClr val="D9BE02"/>
       </a:hlink>
       <a:folHlink>
-        <a:srgbClr val="800080"/>
+        <a:srgbClr val="F900F9"/>
       </a:folHlink>
     </a:clrScheme>
-    <a:fontScheme name="Office">
+    <a:fontScheme name="凤舞九天">
       <a:majorFont>
-        <a:latin typeface="Calibri"/>
+        <a:latin typeface="Footlight MT Light"/>
         <a:ea typeface=""/>
         <a:cs typeface=""/>
         <a:font script="Jpan" typeface="ＭＳ Ｐゴシック"/>
         <a:font script="Hang" typeface="맑은 고딕"/>
+        <a:font script="Hans" typeface="华文新魏"/>
+        <a:font script="Hant" typeface="微軟正黑體"/>
+        <a:font script="Arab" typeface="Arial"/>
+        <a:font script="Hebr" typeface="Arial"/>
+        <a:font script="Thai" typeface="Cordia New"/>
+        <a:font script="Ethi" typeface="Nyala"/>
+        <a:font script="Beng" typeface="Vrinda"/>
+        <a:font script="Gujr" typeface="Shruti"/>
+        <a:font script="Khmr" typeface="DaunPenh"/>
+        <a:font script="Knda" typeface="Tunga"/>
+        <a:font script="Guru" typeface="Raavi"/>
+        <a:font script="Cans" typeface="Euphemia"/>
+        <a:font script="Cher" typeface="Plantagenet Cherokee"/>
+        <a:font script="Yiii" typeface="Microsoft Yi Baiti"/>
+        <a:font script="Tibt" typeface="Microsoft Himalaya"/>
+        <a:font script="Thaa" typeface="MV Boli"/>
+        <a:font script="Deva" typeface="Mangal"/>
+        <a:font script="Telu" typeface="Gautami"/>
+        <a:font script="Taml" typeface="Latha"/>
+        <a:font script="Syrc" typeface="Estrangelo Edessa"/>
+        <a:font script="Orya" typeface="Kalinga"/>
+        <a:font script="Mlym" typeface="Kartika"/>
+        <a:font script="Laoo" typeface="DokChampa"/>
+        <a:font script="Sinh" typeface="Iskoola Pota"/>
+        <a:font script="Mong" typeface="Mongolian Baiti"/>
+        <a:font script="Viet" typeface="Arial"/>
+        <a:font script="Uigh" typeface="Microsoft Uighur"/>
+        <a:font script="Geor" typeface="Sylfaen"/>
+      </a:majorFont>
+      <a:minorFont>
+        <a:latin typeface="Goudy Old Style"/>
+        <a:ea typeface=""/>
+        <a:cs typeface=""/>
+        <a:font script="Jpan" typeface="ＭＳ Ｐ明朝"/>
+        <a:font script="Hang" typeface="HY견명조"/>
         <a:font script="Hans" typeface="宋体"/>
         <a:font script="Hant" typeface="新細明體"/>
         <a:font script="Arab" typeface="Times New Roman"/>
@@ -3328,101 +11075,70 @@
         <a:font script="Mong" typeface="Mongolian Baiti"/>
         <a:font script="Viet" typeface="Times New Roman"/>
         <a:font script="Uigh" typeface="Microsoft Uighur"/>
-      </a:majorFont>
-      <a:minorFont>
-        <a:latin typeface="Calibri"/>
-        <a:ea typeface=""/>
-        <a:cs typeface=""/>
-        <a:font script="Jpan" typeface="ＭＳ Ｐゴシック"/>
-        <a:font script="Hang" typeface="맑은 고딕"/>
-        <a:font script="Hans" typeface="宋体"/>
-        <a:font script="Hant" typeface="新細明體"/>
-        <a:font script="Arab" typeface="Arial"/>
-        <a:font script="Hebr" typeface="Arial"/>
-        <a:font script="Thai" typeface="Cordia New"/>
-        <a:font script="Ethi" typeface="Nyala"/>
-        <a:font script="Beng" typeface="Vrinda"/>
-        <a:font script="Gujr" typeface="Shruti"/>
-        <a:font script="Khmr" typeface="DaunPenh"/>
-        <a:font script="Knda" typeface="Tunga"/>
-        <a:font script="Guru" typeface="Raavi"/>
-        <a:font script="Cans" typeface="Euphemia"/>
-        <a:font script="Cher" typeface="Plantagenet Cherokee"/>
-        <a:font script="Yiii" typeface="Microsoft Yi Baiti"/>
-        <a:font script="Tibt" typeface="Microsoft Himalaya"/>
-        <a:font script="Thaa" typeface="MV Boli"/>
-        <a:font script="Deva" typeface="Mangal"/>
-        <a:font script="Telu" typeface="Gautami"/>
-        <a:font script="Taml" typeface="Latha"/>
-        <a:font script="Syrc" typeface="Estrangelo Edessa"/>
-        <a:font script="Orya" typeface="Kalinga"/>
-        <a:font script="Mlym" typeface="Kartika"/>
-        <a:font script="Laoo" typeface="DokChampa"/>
-        <a:font script="Sinh" typeface="Iskoola Pota"/>
-        <a:font script="Mong" typeface="Mongolian Baiti"/>
-        <a:font script="Viet" typeface="Arial"/>
-        <a:font script="Uigh" typeface="Microsoft Uighur"/>
+        <a:font script="Geor" typeface="Sylfaen"/>
       </a:minorFont>
     </a:fontScheme>
-    <a:fmtScheme name="Office">
+    <a:fmtScheme name="凤舞九天">
       <a:fillStyleLst>
         <a:solidFill>
-          <a:schemeClr val="phClr"/>
+          <a:schemeClr val="phClr">
+            <a:tint val="100000"/>
+            <a:shade val="100000"/>
+            <a:hueMod val="100000"/>
+            <a:satMod val="100000"/>
+          </a:schemeClr>
         </a:solidFill>
         <a:gradFill rotWithShape="1">
           <a:gsLst>
             <a:gs pos="0">
               <a:schemeClr val="phClr">
-                <a:tint val="50000"/>
-                <a:satMod val="300000"/>
+                <a:tint val="65000"/>
+                <a:satMod val="180000"/>
               </a:schemeClr>
             </a:gs>
-            <a:gs pos="35000">
+            <a:gs pos="50000">
               <a:schemeClr val="phClr">
-                <a:tint val="37000"/>
-                <a:satMod val="300000"/>
+                <a:tint val="40000"/>
+                <a:satMod val="175000"/>
               </a:schemeClr>
             </a:gs>
             <a:gs pos="100000">
               <a:schemeClr val="phClr">
-                <a:tint val="15000"/>
-                <a:satMod val="350000"/>
+                <a:tint val="65000"/>
+                <a:satMod val="180000"/>
               </a:schemeClr>
             </a:gs>
           </a:gsLst>
-          <a:lin ang="16200000" scaled="1"/>
+          <a:lin ang="0" scaled="1"/>
         </a:gradFill>
         <a:gradFill rotWithShape="1">
           <a:gsLst>
             <a:gs pos="0">
               <a:schemeClr val="phClr">
-                <a:shade val="51000"/>
-                <a:satMod val="130000"/>
+                <a:shade val="38000"/>
+                <a:satMod val="150000"/>
               </a:schemeClr>
             </a:gs>
-            <a:gs pos="80000">
+            <a:gs pos="50000">
               <a:schemeClr val="phClr">
-                <a:shade val="93000"/>
-                <a:satMod val="130000"/>
+                <a:shade val="100000"/>
+                <a:satMod val="100000"/>
               </a:schemeClr>
             </a:gs>
             <a:gs pos="100000">
               <a:schemeClr val="phClr">
-                <a:shade val="94000"/>
-                <a:satMod val="135000"/>
+                <a:shade val="38000"/>
+                <a:satMod val="150000"/>
               </a:schemeClr>
             </a:gs>
           </a:gsLst>
-          <a:lin ang="16200000" scaled="0"/>
+          <a:lin ang="0" scaled="1"/>
         </a:gradFill>
       </a:fillStyleLst>
       <a:lnStyleLst>
-        <a:ln w="9525" cap="flat" cmpd="sng" algn="ctr">
+        <a:ln w="12700" cap="flat" cmpd="sng" algn="ctr">
           <a:solidFill>
-            <a:schemeClr val="phClr">
-              <a:shade val="95000"/>
-              <a:satMod val="105000"/>
-            </a:schemeClr>
+            <a:schemeClr val="phClr"/>
           </a:solidFill>
           <a:prstDash val="solid"/>
         </a:ln>
@@ -3432,7 +11148,7 @@
           </a:solidFill>
           <a:prstDash val="solid"/>
         </a:ln>
-        <a:ln w="38100" cap="flat" cmpd="sng" algn="ctr">
+        <a:ln w="38100" cap="flat" cmpd="dbl" algn="ctr">
           <a:solidFill>
             <a:schemeClr val="phClr"/>
           </a:solidFill>
@@ -3442,92 +11158,96 @@
       <a:effectStyleLst>
         <a:effectStyle>
           <a:effectLst>
-            <a:outerShdw blurRad="40000" dist="20000" dir="5400000" rotWithShape="0">
+            <a:outerShdw blurRad="190500" dist="78600" dir="2700000" rotWithShape="0">
               <a:srgbClr val="000000">
-                <a:alpha val="38000"/>
+                <a:alpha val="35500"/>
               </a:srgbClr>
             </a:outerShdw>
           </a:effectLst>
         </a:effectStyle>
         <a:effectStyle>
           <a:effectLst>
-            <a:outerShdw blurRad="40000" dist="23000" dir="5400000" rotWithShape="0">
+            <a:outerShdw blurRad="190500" dist="78600" dir="2700000" rotWithShape="0">
               <a:srgbClr val="000000">
-                <a:alpha val="35000"/>
+                <a:alpha val="35500"/>
               </a:srgbClr>
             </a:outerShdw>
           </a:effectLst>
         </a:effectStyle>
         <a:effectStyle>
           <a:effectLst>
-            <a:outerShdw blurRad="40000" dist="23000" dir="5400000" rotWithShape="0">
+            <a:outerShdw blurRad="190500" dist="78600" dir="2700000" rotWithShape="0">
               <a:srgbClr val="000000">
-                <a:alpha val="35000"/>
+                <a:alpha val="35500"/>
               </a:srgbClr>
             </a:outerShdw>
           </a:effectLst>
           <a:scene3d>
-            <a:camera prst="orthographicFront">
+            <a:camera prst="orthographicFront" fov="0">
               <a:rot lat="0" lon="0" rev="0"/>
             </a:camera>
-            <a:lightRig rig="threePt" dir="t">
-              <a:rot lat="0" lon="0" rev="1200000"/>
+            <a:lightRig rig="soft" dir="tl">
+              <a:rot lat="0" lon="0" rev="20100000"/>
             </a:lightRig>
           </a:scene3d>
           <a:sp3d>
-            <a:bevelT w="63500" h="25400"/>
+            <a:bevelT w="50800" h="50800"/>
           </a:sp3d>
         </a:effectStyle>
       </a:effectStyleLst>
       <a:bgFillStyleLst>
         <a:solidFill>
-          <a:schemeClr val="phClr"/>
+          <a:schemeClr val="phClr">
+            <a:tint val="100000"/>
+            <a:shade val="100000"/>
+            <a:hueMod val="100000"/>
+            <a:satMod val="100000"/>
+          </a:schemeClr>
         </a:solidFill>
         <a:gradFill rotWithShape="1">
           <a:gsLst>
             <a:gs pos="0">
               <a:schemeClr val="phClr">
-                <a:tint val="40000"/>
-                <a:satMod val="350000"/>
+                <a:tint val="80000"/>
+                <a:satMod val="400000"/>
               </a:schemeClr>
             </a:gs>
-            <a:gs pos="40000">
+            <a:gs pos="25000">
               <a:schemeClr val="phClr">
-                <a:tint val="45000"/>
-                <a:shade val="99000"/>
-                <a:satMod val="350000"/>
-              </a:schemeClr>
-            </a:gs>
-            <a:gs pos="100000">
-              <a:schemeClr val="phClr">
-                <a:shade val="20000"/>
-                <a:satMod val="255000"/>
-              </a:schemeClr>
-            </a:gs>
-          </a:gsLst>
-          <a:path path="circle">
-            <a:fillToRect l="50000" t="-80000" r="50000" b="180000"/>
-          </a:path>
-        </a:gradFill>
-        <a:gradFill rotWithShape="1">
-          <a:gsLst>
-            <a:gs pos="0">
-              <a:schemeClr val="phClr">
-                <a:tint val="80000"/>
+                <a:tint val="83000"/>
                 <a:satMod val="300000"/>
               </a:schemeClr>
             </a:gs>
             <a:gs pos="100000">
               <a:schemeClr val="phClr">
-                <a:shade val="30000"/>
-                <a:satMod val="200000"/>
+                <a:shade val="15000"/>
+                <a:satMod val="300000"/>
               </a:schemeClr>
             </a:gs>
           </a:gsLst>
           <a:path path="circle">
-            <a:fillToRect l="50000" t="50000" r="50000" b="50000"/>
+            <a:fillToRect l="10000" t="180000" r="10000" b="50000"/>
           </a:path>
         </a:gradFill>
+        <a:blipFill>
+          <a:blip xmlns:r="http://schemas.openxmlformats.org/officeDocument/2006/relationships" r:embed="rId1">
+            <a:duotone>
+              <a:schemeClr val="phClr">
+                <a:tint val="100000"/>
+                <a:shade val="70000"/>
+                <a:hueMod val="100000"/>
+                <a:satMod val="100000"/>
+              </a:schemeClr>
+              <a:schemeClr val="phClr">
+                <a:tint val="90000"/>
+                <a:shade val="100000"/>
+                <a:hueMod val="100000"/>
+                <a:satMod val="100000"/>
+              </a:schemeClr>
+            </a:duotone>
+          </a:blip>
+          <a:tile tx="0" ty="0" sx="50000" sy="50000" flip="x" algn="tl"/>
+        </a:blipFill>
       </a:bgFillStyleLst>
     </a:fmtScheme>
   </a:themeElements>

--- a/第5章 循环结构程序设计/第5章 循环结构程序设计.pptx
+++ b/第5章 循环结构程序设计/第5章 循环结构程序设计.pptx
@@ -374,7 +374,7 @@
           <a:p>
             <a:fld id="{530820CF-B880-4189-942D-D702A7CBA730}" type="datetimeFigureOut">
               <a:rPr lang="zh-CN" altLang="en-US" smtClean="0"/>
-              <a:t>2018/4/4</a:t>
+              <a:t>2018/4/8</a:t>
             </a:fld>
             <a:endParaRPr lang="zh-CN" altLang="en-US"/>
           </a:p>
@@ -596,7 +596,7 @@
           <a:p>
             <a:fld id="{530820CF-B880-4189-942D-D702A7CBA730}" type="datetimeFigureOut">
               <a:rPr lang="zh-CN" altLang="en-US" smtClean="0"/>
-              <a:t>2018/4/4</a:t>
+              <a:t>2018/4/8</a:t>
             </a:fld>
             <a:endParaRPr lang="zh-CN" altLang="en-US"/>
           </a:p>
@@ -864,7 +864,7 @@
           <a:p>
             <a:fld id="{530820CF-B880-4189-942D-D702A7CBA730}" type="datetimeFigureOut">
               <a:rPr lang="zh-CN" altLang="en-US" smtClean="0"/>
-              <a:t>2018/4/4</a:t>
+              <a:t>2018/4/8</a:t>
             </a:fld>
             <a:endParaRPr lang="zh-CN" altLang="en-US"/>
           </a:p>
@@ -1114,7 +1114,7 @@
           <a:p>
             <a:fld id="{530820CF-B880-4189-942D-D702A7CBA730}" type="datetimeFigureOut">
               <a:rPr lang="zh-CN" altLang="en-US" smtClean="0"/>
-              <a:t>2018/4/4</a:t>
+              <a:t>2018/4/8</a:t>
             </a:fld>
             <a:endParaRPr lang="zh-CN" altLang="en-US"/>
           </a:p>
@@ -1373,7 +1373,7 @@
           <a:p>
             <a:fld id="{530820CF-B880-4189-942D-D702A7CBA730}" type="datetimeFigureOut">
               <a:rPr lang="zh-CN" altLang="en-US" smtClean="0"/>
-              <a:t>2018/4/4</a:t>
+              <a:t>2018/4/8</a:t>
             </a:fld>
             <a:endParaRPr lang="zh-CN" altLang="en-US"/>
           </a:p>
@@ -1738,7 +1738,7 @@
           <a:p>
             <a:fld id="{530820CF-B880-4189-942D-D702A7CBA730}" type="datetimeFigureOut">
               <a:rPr lang="zh-CN" altLang="en-US" smtClean="0"/>
-              <a:t>2018/4/4</a:t>
+              <a:t>2018/4/8</a:t>
             </a:fld>
             <a:endParaRPr lang="zh-CN" altLang="en-US"/>
           </a:p>
@@ -2236,7 +2236,7 @@
           <a:p>
             <a:fld id="{530820CF-B880-4189-942D-D702A7CBA730}" type="datetimeFigureOut">
               <a:rPr lang="zh-CN" altLang="en-US" smtClean="0"/>
-              <a:t>2018/4/4</a:t>
+              <a:t>2018/4/8</a:t>
             </a:fld>
             <a:endParaRPr lang="zh-CN" altLang="en-US"/>
           </a:p>
@@ -2430,7 +2430,7 @@
           <a:p>
             <a:fld id="{530820CF-B880-4189-942D-D702A7CBA730}" type="datetimeFigureOut">
               <a:rPr lang="zh-CN" altLang="en-US" smtClean="0"/>
-              <a:t>2018/4/4</a:t>
+              <a:t>2018/4/8</a:t>
             </a:fld>
             <a:endParaRPr lang="zh-CN" altLang="en-US"/>
           </a:p>
@@ -2601,7 +2601,7 @@
           <a:p>
             <a:fld id="{530820CF-B880-4189-942D-D702A7CBA730}" type="datetimeFigureOut">
               <a:rPr lang="zh-CN" altLang="en-US" smtClean="0"/>
-              <a:t>2018/4/4</a:t>
+              <a:t>2018/4/8</a:t>
             </a:fld>
             <a:endParaRPr lang="zh-CN" altLang="en-US"/>
           </a:p>
@@ -3001,7 +3001,7 @@
           <a:p>
             <a:fld id="{530820CF-B880-4189-942D-D702A7CBA730}" type="datetimeFigureOut">
               <a:rPr lang="zh-CN" altLang="en-US" smtClean="0"/>
-              <a:t>2018/4/4</a:t>
+              <a:t>2018/4/8</a:t>
             </a:fld>
             <a:endParaRPr lang="zh-CN" altLang="en-US"/>
           </a:p>
@@ -3381,7 +3381,7 @@
           <a:p>
             <a:fld id="{530820CF-B880-4189-942D-D702A7CBA730}" type="datetimeFigureOut">
               <a:rPr lang="zh-CN" altLang="en-US" smtClean="0"/>
-              <a:t>2018/4/4</a:t>
+              <a:t>2018/4/8</a:t>
             </a:fld>
             <a:endParaRPr lang="zh-CN" altLang="en-US"/>
           </a:p>
@@ -3655,7 +3655,7 @@
           <a:p>
             <a:fld id="{530820CF-B880-4189-942D-D702A7CBA730}" type="datetimeFigureOut">
               <a:rPr lang="zh-CN" altLang="en-US" smtClean="0"/>
-              <a:t>2018/4/4</a:t>
+              <a:t>2018/4/8</a:t>
             </a:fld>
             <a:endParaRPr lang="zh-CN" altLang="en-US"/>
           </a:p>
@@ -4718,34 +4718,7 @@
               <a:srgbClr val="FFFFFF"/>
             </a:contourClr>
           </a:sp3d>
-          <a:extLst>
-            <a:ext uri="{909E8E84-426E-40DD-AFC4-6F175D3DCCD1}">
-              <a14:hiddenFill xmlns:a14="http://schemas.microsoft.com/office/drawing/2010/main">
-                <a:solidFill>
-                  <a:schemeClr val="accent1"/>
-                </a:solidFill>
-              </a14:hiddenFill>
-            </a:ext>
-            <a:ext uri="{91240B29-F687-4F45-9708-019B960494DF}">
-              <a14:hiddenLine xmlns:a14="http://schemas.microsoft.com/office/drawing/2010/main" w="9525">
-                <a:solidFill>
-                  <a:schemeClr val="tx1"/>
-                </a:solidFill>
-                <a:miter lim="800000"/>
-                <a:headEnd/>
-                <a:tailEnd/>
-              </a14:hiddenLine>
-            </a:ext>
-            <a:ext uri="{AF507438-7753-43E0-B8FC-AC1667EBCBE1}">
-              <a14:hiddenEffects xmlns:a14="http://schemas.microsoft.com/office/drawing/2010/main">
-                <a:effectLst>
-                  <a:outerShdw dist="35921" dir="2700000" algn="ctr" rotWithShape="0">
-                    <a:schemeClr val="bg2"/>
-                  </a:outerShdw>
-                </a:effectLst>
-              </a14:hiddenEffects>
-            </a:ext>
-          </a:extLst>
+          <a:extLst/>
         </p:spPr>
       </p:pic>
     </p:spTree>
@@ -6427,34 +6400,7 @@
               <a:srgbClr val="FFFFFF"/>
             </a:contourClr>
           </a:sp3d>
-          <a:extLst>
-            <a:ext uri="{909E8E84-426E-40DD-AFC4-6F175D3DCCD1}">
-              <a14:hiddenFill xmlns:a14="http://schemas.microsoft.com/office/drawing/2010/main">
-                <a:solidFill>
-                  <a:schemeClr val="accent1"/>
-                </a:solidFill>
-              </a14:hiddenFill>
-            </a:ext>
-            <a:ext uri="{91240B29-F687-4F45-9708-019B960494DF}">
-              <a14:hiddenLine xmlns:a14="http://schemas.microsoft.com/office/drawing/2010/main" w="9525">
-                <a:solidFill>
-                  <a:schemeClr val="tx1"/>
-                </a:solidFill>
-                <a:miter lim="800000"/>
-                <a:headEnd/>
-                <a:tailEnd/>
-              </a14:hiddenLine>
-            </a:ext>
-            <a:ext uri="{AF507438-7753-43E0-B8FC-AC1667EBCBE1}">
-              <a14:hiddenEffects xmlns:a14="http://schemas.microsoft.com/office/drawing/2010/main">
-                <a:effectLst>
-                  <a:outerShdw dist="35921" dir="2700000" algn="ctr" rotWithShape="0">
-                    <a:schemeClr val="bg2"/>
-                  </a:outerShdw>
-                </a:effectLst>
-              </a14:hiddenEffects>
-            </a:ext>
-          </a:extLst>
+          <a:extLst/>
         </p:spPr>
       </p:pic>
     </p:spTree>
@@ -9063,7 +9009,7 @@
           <a:graphicData uri="http://schemas.openxmlformats.org/presentationml/2006/ole">
             <mc:AlternateContent xmlns:mc="http://schemas.openxmlformats.org/markup-compatibility/2006">
               <mc:Choice xmlns:v="urn:schemas-microsoft-com:vml" Requires="v">
-                <p:oleObj spid="_x0000_s1041" name="Visio" r:id="rId3" imgW="2248561" imgH="2998607" progId="Visio.Drawing.11">
+                <p:oleObj spid="_x0000_s1042" name="Visio" r:id="rId3" imgW="2248561" imgH="2998607" progId="Visio.Drawing.11">
                   <p:embed/>
                 </p:oleObj>
               </mc:Choice>
@@ -9293,34 +9239,7 @@
               <a:srgbClr val="FFFFFF"/>
             </a:contourClr>
           </a:sp3d>
-          <a:extLst>
-            <a:ext uri="{909E8E84-426E-40DD-AFC4-6F175D3DCCD1}">
-              <a14:hiddenFill xmlns:a14="http://schemas.microsoft.com/office/drawing/2010/main">
-                <a:solidFill>
-                  <a:schemeClr val="accent1"/>
-                </a:solidFill>
-              </a14:hiddenFill>
-            </a:ext>
-            <a:ext uri="{91240B29-F687-4F45-9708-019B960494DF}">
-              <a14:hiddenLine xmlns:a14="http://schemas.microsoft.com/office/drawing/2010/main" w="9525">
-                <a:solidFill>
-                  <a:schemeClr val="tx1"/>
-                </a:solidFill>
-                <a:miter lim="800000"/>
-                <a:headEnd/>
-                <a:tailEnd/>
-              </a14:hiddenLine>
-            </a:ext>
-            <a:ext uri="{AF507438-7753-43E0-B8FC-AC1667EBCBE1}">
-              <a14:hiddenEffects xmlns:a14="http://schemas.microsoft.com/office/drawing/2010/main">
-                <a:effectLst>
-                  <a:outerShdw dist="35921" dir="2700000" algn="ctr" rotWithShape="0">
-                    <a:schemeClr val="bg2"/>
-                  </a:outerShdw>
-                </a:effectLst>
-              </a14:hiddenEffects>
-            </a:ext>
-          </a:extLst>
+          <a:extLst/>
         </p:spPr>
       </p:pic>
     </p:spTree>
@@ -10256,8 +10175,20 @@
             </a:r>
             <a:r>
               <a:rPr lang="zh-CN" altLang="zh-CN" dirty="0"/>
-              <a:t>读者仔细体会“分形绘制”程序中的循环控制结构，并在这个例子的基础上，实现其他分形系统。</a:t>
-            </a:r>
+              <a:t>读者仔细体会“分形绘制”程序中的循环控制结构，并在这个例子的基础上，实现其他分形系统</a:t>
+            </a:r>
+            <a:r>
+              <a:rPr lang="zh-CN" altLang="zh-CN" dirty="0" smtClean="0"/>
+              <a:t>。</a:t>
+            </a:r>
+            <a:endParaRPr lang="en-US" altLang="zh-CN" dirty="0" smtClean="0"/>
+          </a:p>
+          <a:p>
+            <a:r>
+              <a:rPr lang="zh-CN" altLang="en-US" smtClean="0"/>
+              <a:t>其他数学函数的绘制</a:t>
+            </a:r>
+            <a:endParaRPr lang="zh-CN" altLang="zh-CN" dirty="0"/>
           </a:p>
           <a:p>
             <a:endParaRPr lang="zh-CN" altLang="en-US" dirty="0"/>
